--- a/ch12.pptx
+++ b/ch12.pptx
@@ -198,6 +198,36 @@
       </a:defRPr>
     </a:lvl9pPr>
   </p:defaultTextStyle>
+  <p:extLst>
+    <p:ext uri="{EFAFB233-063F-42B5-8137-9DF3F51BA10A}">
+      <p15:sldGuideLst xmlns:p15="http://schemas.microsoft.com/office/powerpoint/2012/main">
+        <p15:guide id="1" orient="horz" pos="816">
+          <p15:clr>
+            <a:srgbClr val="A4A3A4"/>
+          </p15:clr>
+        </p15:guide>
+        <p15:guide id="2" pos="521">
+          <p15:clr>
+            <a:srgbClr val="A4A3A4"/>
+          </p15:clr>
+        </p15:guide>
+      </p15:sldGuideLst>
+    </p:ext>
+    <p:ext uri="{2D200454-40CA-4A62-9FC3-DE9A4176ACB9}">
+      <p15:notesGuideLst xmlns:p15="http://schemas.microsoft.com/office/powerpoint/2012/main">
+        <p15:guide id="1" orient="horz" pos="2928">
+          <p15:clr>
+            <a:srgbClr val="A4A3A4"/>
+          </p15:clr>
+        </p15:guide>
+        <p15:guide id="2" pos="2168">
+          <p15:clr>
+            <a:srgbClr val="A4A3A4"/>
+          </p15:clr>
+        </p15:guide>
+      </p15:notesGuideLst>
+    </p:ext>
+  </p:extLst>
 </p:presentation>
 </file>
 
@@ -611,35 +641,35 @@
           <a:p>
             <a:pPr lvl="0"/>
             <a:r>
-              <a:rPr lang="en-US" noProof="0" smtClean="0"/>
+              <a:rPr lang="en-US" noProof="0"/>
               <a:t>Click to edit Master text styles</a:t>
             </a:r>
           </a:p>
           <a:p>
             <a:pPr lvl="1"/>
             <a:r>
-              <a:rPr lang="en-US" noProof="0" smtClean="0"/>
+              <a:rPr lang="en-US" noProof="0"/>
               <a:t>Second level</a:t>
             </a:r>
           </a:p>
           <a:p>
             <a:pPr lvl="2"/>
             <a:r>
-              <a:rPr lang="en-US" noProof="0" smtClean="0"/>
+              <a:rPr lang="en-US" noProof="0"/>
               <a:t>Third level</a:t>
             </a:r>
           </a:p>
           <a:p>
             <a:pPr lvl="3"/>
             <a:r>
-              <a:rPr lang="en-US" noProof="0" smtClean="0"/>
+              <a:rPr lang="en-US" noProof="0"/>
               <a:t>Fourth level</a:t>
             </a:r>
           </a:p>
           <a:p>
             <a:pPr lvl="4"/>
             <a:r>
-              <a:rPr lang="en-US" noProof="0" smtClean="0"/>
+              <a:rPr lang="en-US" noProof="0"/>
               <a:t>Fifth level</a:t>
             </a:r>
           </a:p>
@@ -913,7 +943,7 @@
               <a:pPr/>
               <a:t>1</a:t>
             </a:fld>
-            <a:endParaRPr lang="en-US" altLang="zh-TW" smtClean="0"/>
+            <a:endParaRPr lang="en-US" altLang="zh-TW"/>
           </a:p>
         </p:txBody>
       </p:sp>
@@ -950,7 +980,7 @@
           <a:lstStyle/>
           <a:p>
             <a:pPr eaLnBrk="1" hangingPunct="1"/>
-            <a:endParaRPr lang="zh-TW" altLang="zh-TW" smtClean="0"/>
+            <a:endParaRPr lang="zh-TW" altLang="zh-TW"/>
           </a:p>
         </p:txBody>
       </p:sp>
@@ -1001,7 +1031,7 @@
               <a:pPr/>
               <a:t>10</a:t>
             </a:fld>
-            <a:endParaRPr lang="en-US" altLang="zh-TW" smtClean="0"/>
+            <a:endParaRPr lang="en-US" altLang="zh-TW"/>
           </a:p>
         </p:txBody>
       </p:sp>
@@ -1038,7 +1068,7 @@
           <a:lstStyle/>
           <a:p>
             <a:pPr eaLnBrk="1" hangingPunct="1"/>
-            <a:endParaRPr lang="zh-TW" altLang="zh-TW" smtClean="0"/>
+            <a:endParaRPr lang="zh-TW" altLang="zh-TW"/>
           </a:p>
         </p:txBody>
       </p:sp>
@@ -1089,7 +1119,7 @@
               <a:pPr/>
               <a:t>11</a:t>
             </a:fld>
-            <a:endParaRPr lang="en-US" altLang="zh-TW" smtClean="0"/>
+            <a:endParaRPr lang="en-US" altLang="zh-TW"/>
           </a:p>
         </p:txBody>
       </p:sp>
@@ -1126,7 +1156,7 @@
           <a:lstStyle/>
           <a:p>
             <a:pPr eaLnBrk="1" hangingPunct="1"/>
-            <a:endParaRPr lang="zh-TW" altLang="zh-TW" smtClean="0"/>
+            <a:endParaRPr lang="zh-TW" altLang="zh-TW"/>
           </a:p>
         </p:txBody>
       </p:sp>
@@ -1177,7 +1207,7 @@
               <a:pPr/>
               <a:t>12</a:t>
             </a:fld>
-            <a:endParaRPr lang="en-US" altLang="zh-TW" smtClean="0"/>
+            <a:endParaRPr lang="en-US" altLang="zh-TW"/>
           </a:p>
         </p:txBody>
       </p:sp>
@@ -1214,7 +1244,7 @@
           <a:lstStyle/>
           <a:p>
             <a:pPr eaLnBrk="1" hangingPunct="1"/>
-            <a:endParaRPr lang="zh-TW" altLang="zh-TW" smtClean="0"/>
+            <a:endParaRPr lang="zh-TW" altLang="zh-TW"/>
           </a:p>
         </p:txBody>
       </p:sp>
@@ -1265,7 +1295,7 @@
               <a:pPr/>
               <a:t>13</a:t>
             </a:fld>
-            <a:endParaRPr lang="en-US" altLang="zh-TW" smtClean="0"/>
+            <a:endParaRPr lang="en-US" altLang="zh-TW"/>
           </a:p>
         </p:txBody>
       </p:sp>
@@ -1302,7 +1332,7 @@
           <a:lstStyle/>
           <a:p>
             <a:pPr eaLnBrk="1" hangingPunct="1"/>
-            <a:endParaRPr lang="zh-TW" altLang="zh-TW" smtClean="0"/>
+            <a:endParaRPr lang="zh-TW" altLang="zh-TW"/>
           </a:p>
         </p:txBody>
       </p:sp>
@@ -1353,7 +1383,7 @@
               <a:pPr/>
               <a:t>14</a:t>
             </a:fld>
-            <a:endParaRPr lang="en-US" altLang="zh-TW" smtClean="0"/>
+            <a:endParaRPr lang="en-US" altLang="zh-TW"/>
           </a:p>
         </p:txBody>
       </p:sp>
@@ -1390,7 +1420,7 @@
           <a:lstStyle/>
           <a:p>
             <a:pPr eaLnBrk="1" hangingPunct="1"/>
-            <a:endParaRPr lang="zh-TW" altLang="zh-TW" smtClean="0"/>
+            <a:endParaRPr lang="zh-TW" altLang="zh-TW"/>
           </a:p>
         </p:txBody>
       </p:sp>
@@ -1441,7 +1471,7 @@
               <a:pPr/>
               <a:t>15</a:t>
             </a:fld>
-            <a:endParaRPr lang="en-US" altLang="zh-TW" smtClean="0"/>
+            <a:endParaRPr lang="en-US" altLang="zh-TW"/>
           </a:p>
         </p:txBody>
       </p:sp>
@@ -1478,7 +1508,7 @@
           <a:lstStyle/>
           <a:p>
             <a:pPr eaLnBrk="1" hangingPunct="1"/>
-            <a:endParaRPr lang="zh-TW" altLang="zh-TW" smtClean="0"/>
+            <a:endParaRPr lang="zh-TW" altLang="zh-TW"/>
           </a:p>
         </p:txBody>
       </p:sp>
@@ -1529,7 +1559,7 @@
               <a:pPr/>
               <a:t>16</a:t>
             </a:fld>
-            <a:endParaRPr lang="en-US" altLang="zh-TW" smtClean="0"/>
+            <a:endParaRPr lang="en-US" altLang="zh-TW"/>
           </a:p>
         </p:txBody>
       </p:sp>
@@ -1566,7 +1596,7 @@
           <a:lstStyle/>
           <a:p>
             <a:pPr eaLnBrk="1" hangingPunct="1"/>
-            <a:endParaRPr lang="zh-TW" altLang="zh-TW" smtClean="0"/>
+            <a:endParaRPr lang="zh-TW" altLang="zh-TW"/>
           </a:p>
         </p:txBody>
       </p:sp>
@@ -1617,7 +1647,7 @@
               <a:pPr/>
               <a:t>17</a:t>
             </a:fld>
-            <a:endParaRPr lang="en-US" altLang="zh-TW" smtClean="0"/>
+            <a:endParaRPr lang="en-US" altLang="zh-TW"/>
           </a:p>
         </p:txBody>
       </p:sp>
@@ -1654,7 +1684,7 @@
           <a:lstStyle/>
           <a:p>
             <a:pPr eaLnBrk="1" hangingPunct="1"/>
-            <a:endParaRPr lang="zh-TW" altLang="zh-TW" smtClean="0"/>
+            <a:endParaRPr lang="zh-TW" altLang="zh-TW"/>
           </a:p>
         </p:txBody>
       </p:sp>
@@ -1705,7 +1735,7 @@
               <a:pPr/>
               <a:t>18</a:t>
             </a:fld>
-            <a:endParaRPr lang="en-US" altLang="zh-TW" smtClean="0"/>
+            <a:endParaRPr lang="en-US" altLang="zh-TW"/>
           </a:p>
         </p:txBody>
       </p:sp>
@@ -1742,7 +1772,7 @@
           <a:lstStyle/>
           <a:p>
             <a:pPr eaLnBrk="1" hangingPunct="1"/>
-            <a:endParaRPr lang="zh-TW" altLang="zh-TW" smtClean="0"/>
+            <a:endParaRPr lang="zh-TW" altLang="zh-TW"/>
           </a:p>
         </p:txBody>
       </p:sp>
@@ -1793,7 +1823,7 @@
               <a:pPr/>
               <a:t>19</a:t>
             </a:fld>
-            <a:endParaRPr lang="en-US" altLang="zh-TW" smtClean="0"/>
+            <a:endParaRPr lang="en-US" altLang="zh-TW"/>
           </a:p>
         </p:txBody>
       </p:sp>
@@ -1830,7 +1860,7 @@
           <a:lstStyle/>
           <a:p>
             <a:pPr eaLnBrk="1" hangingPunct="1"/>
-            <a:endParaRPr lang="zh-TW" altLang="zh-TW" smtClean="0"/>
+            <a:endParaRPr lang="zh-TW" altLang="zh-TW"/>
           </a:p>
         </p:txBody>
       </p:sp>
@@ -1881,7 +1911,7 @@
               <a:pPr/>
               <a:t>2</a:t>
             </a:fld>
-            <a:endParaRPr lang="en-US" altLang="zh-TW" smtClean="0"/>
+            <a:endParaRPr lang="en-US" altLang="zh-TW"/>
           </a:p>
         </p:txBody>
       </p:sp>
@@ -1918,7 +1948,7 @@
           <a:lstStyle/>
           <a:p>
             <a:pPr eaLnBrk="1" hangingPunct="1"/>
-            <a:endParaRPr lang="zh-TW" altLang="zh-TW" smtClean="0"/>
+            <a:endParaRPr lang="zh-TW" altLang="zh-TW" dirty="0"/>
           </a:p>
         </p:txBody>
       </p:sp>
@@ -1969,7 +1999,7 @@
               <a:pPr/>
               <a:t>20</a:t>
             </a:fld>
-            <a:endParaRPr lang="en-US" altLang="zh-TW" smtClean="0"/>
+            <a:endParaRPr lang="en-US" altLang="zh-TW"/>
           </a:p>
         </p:txBody>
       </p:sp>
@@ -2006,7 +2036,7 @@
           <a:lstStyle/>
           <a:p>
             <a:pPr eaLnBrk="1" hangingPunct="1"/>
-            <a:endParaRPr lang="zh-TW" altLang="zh-TW" smtClean="0"/>
+            <a:endParaRPr lang="zh-TW" altLang="zh-TW"/>
           </a:p>
         </p:txBody>
       </p:sp>
@@ -2057,7 +2087,7 @@
               <a:pPr/>
               <a:t>21</a:t>
             </a:fld>
-            <a:endParaRPr lang="en-US" altLang="zh-TW" smtClean="0"/>
+            <a:endParaRPr lang="en-US" altLang="zh-TW"/>
           </a:p>
         </p:txBody>
       </p:sp>
@@ -2094,7 +2124,7 @@
           <a:lstStyle/>
           <a:p>
             <a:pPr eaLnBrk="1" hangingPunct="1"/>
-            <a:endParaRPr lang="zh-TW" altLang="zh-TW" smtClean="0"/>
+            <a:endParaRPr lang="zh-TW" altLang="zh-TW"/>
           </a:p>
         </p:txBody>
       </p:sp>
@@ -2145,7 +2175,7 @@
               <a:pPr/>
               <a:t>22</a:t>
             </a:fld>
-            <a:endParaRPr lang="en-US" altLang="zh-TW" smtClean="0"/>
+            <a:endParaRPr lang="en-US" altLang="zh-TW"/>
           </a:p>
         </p:txBody>
       </p:sp>
@@ -2182,7 +2212,7 @@
           <a:lstStyle/>
           <a:p>
             <a:pPr eaLnBrk="1" hangingPunct="1"/>
-            <a:endParaRPr lang="zh-TW" altLang="zh-TW" smtClean="0"/>
+            <a:endParaRPr lang="zh-TW" altLang="zh-TW"/>
           </a:p>
         </p:txBody>
       </p:sp>
@@ -2233,7 +2263,7 @@
               <a:pPr/>
               <a:t>23</a:t>
             </a:fld>
-            <a:endParaRPr lang="en-US" altLang="zh-TW" smtClean="0"/>
+            <a:endParaRPr lang="en-US" altLang="zh-TW"/>
           </a:p>
         </p:txBody>
       </p:sp>
@@ -2270,7 +2300,7 @@
           <a:lstStyle/>
           <a:p>
             <a:pPr eaLnBrk="1" hangingPunct="1"/>
-            <a:endParaRPr lang="zh-TW" altLang="zh-TW" smtClean="0"/>
+            <a:endParaRPr lang="zh-TW" altLang="zh-TW"/>
           </a:p>
         </p:txBody>
       </p:sp>
@@ -2321,7 +2351,7 @@
               <a:pPr/>
               <a:t>24</a:t>
             </a:fld>
-            <a:endParaRPr lang="en-US" altLang="zh-TW" smtClean="0"/>
+            <a:endParaRPr lang="en-US" altLang="zh-TW"/>
           </a:p>
         </p:txBody>
       </p:sp>
@@ -2358,7 +2388,7 @@
           <a:lstStyle/>
           <a:p>
             <a:pPr eaLnBrk="1" hangingPunct="1"/>
-            <a:endParaRPr lang="zh-TW" altLang="zh-TW" smtClean="0"/>
+            <a:endParaRPr lang="zh-TW" altLang="zh-TW"/>
           </a:p>
         </p:txBody>
       </p:sp>
@@ -2409,7 +2439,7 @@
               <a:pPr/>
               <a:t>26</a:t>
             </a:fld>
-            <a:endParaRPr lang="en-US" altLang="zh-TW" smtClean="0"/>
+            <a:endParaRPr lang="en-US" altLang="zh-TW"/>
           </a:p>
         </p:txBody>
       </p:sp>
@@ -2446,7 +2476,7 @@
           <a:lstStyle/>
           <a:p>
             <a:pPr eaLnBrk="1" hangingPunct="1"/>
-            <a:endParaRPr lang="zh-TW" altLang="zh-TW" smtClean="0"/>
+            <a:endParaRPr lang="zh-TW" altLang="zh-TW"/>
           </a:p>
         </p:txBody>
       </p:sp>
@@ -2497,7 +2527,7 @@
               <a:pPr/>
               <a:t>27</a:t>
             </a:fld>
-            <a:endParaRPr lang="en-US" altLang="zh-TW" smtClean="0"/>
+            <a:endParaRPr lang="en-US" altLang="zh-TW"/>
           </a:p>
         </p:txBody>
       </p:sp>
@@ -2534,7 +2564,7 @@
           <a:lstStyle/>
           <a:p>
             <a:pPr eaLnBrk="1" hangingPunct="1"/>
-            <a:endParaRPr lang="zh-TW" altLang="zh-TW" smtClean="0"/>
+            <a:endParaRPr lang="zh-TW" altLang="zh-TW"/>
           </a:p>
         </p:txBody>
       </p:sp>
@@ -2585,7 +2615,7 @@
               <a:pPr/>
               <a:t>29</a:t>
             </a:fld>
-            <a:endParaRPr lang="en-US" altLang="zh-TW" smtClean="0"/>
+            <a:endParaRPr lang="en-US" altLang="zh-TW"/>
           </a:p>
         </p:txBody>
       </p:sp>
@@ -2622,7 +2652,7 @@
           <a:lstStyle/>
           <a:p>
             <a:pPr eaLnBrk="1" hangingPunct="1"/>
-            <a:endParaRPr lang="zh-TW" altLang="zh-TW" smtClean="0"/>
+            <a:endParaRPr lang="zh-TW" altLang="zh-TW"/>
           </a:p>
         </p:txBody>
       </p:sp>
@@ -2673,7 +2703,7 @@
               <a:pPr/>
               <a:t>30</a:t>
             </a:fld>
-            <a:endParaRPr lang="en-US" altLang="zh-TW" smtClean="0"/>
+            <a:endParaRPr lang="en-US" altLang="zh-TW"/>
           </a:p>
         </p:txBody>
       </p:sp>
@@ -2710,7 +2740,7 @@
           <a:lstStyle/>
           <a:p>
             <a:pPr eaLnBrk="1" hangingPunct="1"/>
-            <a:endParaRPr lang="zh-TW" altLang="zh-TW" smtClean="0"/>
+            <a:endParaRPr lang="zh-TW" altLang="zh-TW" dirty="0"/>
           </a:p>
         </p:txBody>
       </p:sp>
@@ -2761,7 +2791,7 @@
               <a:pPr/>
               <a:t>31</a:t>
             </a:fld>
-            <a:endParaRPr lang="en-US" altLang="zh-TW" smtClean="0"/>
+            <a:endParaRPr lang="en-US" altLang="zh-TW"/>
           </a:p>
         </p:txBody>
       </p:sp>
@@ -2798,7 +2828,7 @@
           <a:lstStyle/>
           <a:p>
             <a:pPr eaLnBrk="1" hangingPunct="1"/>
-            <a:endParaRPr lang="zh-TW" altLang="zh-TW" smtClean="0"/>
+            <a:endParaRPr lang="zh-TW" altLang="zh-TW"/>
           </a:p>
         </p:txBody>
       </p:sp>
@@ -2849,7 +2879,7 @@
               <a:pPr/>
               <a:t>3</a:t>
             </a:fld>
-            <a:endParaRPr lang="en-US" altLang="zh-TW" smtClean="0"/>
+            <a:endParaRPr lang="en-US" altLang="zh-TW"/>
           </a:p>
         </p:txBody>
       </p:sp>
@@ -2886,7 +2916,7 @@
           <a:lstStyle/>
           <a:p>
             <a:pPr eaLnBrk="1" hangingPunct="1"/>
-            <a:endParaRPr lang="zh-TW" altLang="zh-TW" smtClean="0"/>
+            <a:endParaRPr lang="zh-TW" altLang="zh-TW"/>
           </a:p>
         </p:txBody>
       </p:sp>
@@ -2937,7 +2967,7 @@
               <a:pPr/>
               <a:t>32</a:t>
             </a:fld>
-            <a:endParaRPr lang="en-US" altLang="zh-TW" smtClean="0"/>
+            <a:endParaRPr lang="en-US" altLang="zh-TW"/>
           </a:p>
         </p:txBody>
       </p:sp>
@@ -2974,7 +3004,7 @@
           <a:lstStyle/>
           <a:p>
             <a:pPr eaLnBrk="1" hangingPunct="1"/>
-            <a:endParaRPr lang="zh-TW" altLang="zh-TW" smtClean="0"/>
+            <a:endParaRPr lang="zh-TW" altLang="zh-TW"/>
           </a:p>
         </p:txBody>
       </p:sp>
@@ -3025,7 +3055,7 @@
               <a:pPr/>
               <a:t>33</a:t>
             </a:fld>
-            <a:endParaRPr lang="en-US" altLang="zh-TW" smtClean="0"/>
+            <a:endParaRPr lang="en-US" altLang="zh-TW"/>
           </a:p>
         </p:txBody>
       </p:sp>
@@ -3062,7 +3092,7 @@
           <a:lstStyle/>
           <a:p>
             <a:pPr eaLnBrk="1" hangingPunct="1"/>
-            <a:endParaRPr lang="zh-TW" altLang="zh-TW" smtClean="0"/>
+            <a:endParaRPr lang="zh-TW" altLang="zh-TW"/>
           </a:p>
         </p:txBody>
       </p:sp>
@@ -3113,7 +3143,7 @@
               <a:pPr/>
               <a:t>34</a:t>
             </a:fld>
-            <a:endParaRPr lang="en-US" altLang="zh-TW" smtClean="0"/>
+            <a:endParaRPr lang="en-US" altLang="zh-TW"/>
           </a:p>
         </p:txBody>
       </p:sp>
@@ -3150,7 +3180,31 @@
           <a:lstStyle/>
           <a:p>
             <a:pPr eaLnBrk="1" hangingPunct="1"/>
-            <a:endParaRPr lang="zh-TW" altLang="zh-TW" smtClean="0"/>
+            <a:r>
+              <a:rPr lang="en-US" altLang="zh-TW" sz="1200" b="0" i="0" kern="1200" dirty="0">
+                <a:solidFill>
+                  <a:schemeClr val="tx1"/>
+                </a:solidFill>
+                <a:effectLst/>
+                <a:latin typeface="Times New Roman" charset="0"/>
+                <a:ea typeface="MS PGothic" pitchFamily="34" charset="-128"/>
+                <a:cs typeface="ＭＳ Ｐゴシック" charset="-128"/>
+              </a:rPr>
+              <a:t>interleave</a:t>
+            </a:r>
+            <a:r>
+              <a:rPr lang="zh-TW" altLang="en-US" sz="1200" b="0" i="0" kern="1200" dirty="0">
+                <a:solidFill>
+                  <a:schemeClr val="tx1"/>
+                </a:solidFill>
+                <a:effectLst/>
+                <a:latin typeface="Times New Roman" charset="0"/>
+                <a:ea typeface="MS PGothic" pitchFamily="34" charset="-128"/>
+                <a:cs typeface="ＭＳ Ｐゴシック" charset="-128"/>
+              </a:rPr>
+              <a:t>插空白頁於書頁間；插入，插</a:t>
+            </a:r>
+            <a:endParaRPr lang="zh-TW" altLang="zh-TW" dirty="0"/>
           </a:p>
         </p:txBody>
       </p:sp>
@@ -3201,7 +3255,7 @@
               <a:pPr/>
               <a:t>35</a:t>
             </a:fld>
-            <a:endParaRPr lang="en-US" altLang="zh-TW" smtClean="0"/>
+            <a:endParaRPr lang="en-US" altLang="zh-TW"/>
           </a:p>
         </p:txBody>
       </p:sp>
@@ -3238,7 +3292,7 @@
           <a:lstStyle/>
           <a:p>
             <a:pPr eaLnBrk="1" hangingPunct="1"/>
-            <a:endParaRPr lang="zh-TW" altLang="zh-TW" smtClean="0"/>
+            <a:endParaRPr lang="zh-TW" altLang="zh-TW"/>
           </a:p>
         </p:txBody>
       </p:sp>
@@ -3289,7 +3343,7 @@
               <a:pPr/>
               <a:t>36</a:t>
             </a:fld>
-            <a:endParaRPr lang="en-US" altLang="zh-TW" smtClean="0"/>
+            <a:endParaRPr lang="en-US" altLang="zh-TW"/>
           </a:p>
         </p:txBody>
       </p:sp>
@@ -3326,7 +3380,7 @@
           <a:lstStyle/>
           <a:p>
             <a:pPr eaLnBrk="1" hangingPunct="1"/>
-            <a:endParaRPr lang="zh-TW" altLang="zh-TW" smtClean="0"/>
+            <a:endParaRPr lang="zh-TW" altLang="zh-TW"/>
           </a:p>
         </p:txBody>
       </p:sp>
@@ -3377,7 +3431,7 @@
               <a:pPr/>
               <a:t>38</a:t>
             </a:fld>
-            <a:endParaRPr lang="en-US" altLang="zh-TW" smtClean="0"/>
+            <a:endParaRPr lang="en-US" altLang="zh-TW"/>
           </a:p>
         </p:txBody>
       </p:sp>
@@ -3414,7 +3468,7 @@
           <a:lstStyle/>
           <a:p>
             <a:pPr eaLnBrk="1" hangingPunct="1"/>
-            <a:endParaRPr lang="zh-TW" altLang="zh-TW" smtClean="0"/>
+            <a:endParaRPr lang="zh-TW" altLang="zh-TW"/>
           </a:p>
         </p:txBody>
       </p:sp>
@@ -3465,7 +3519,7 @@
               <a:pPr/>
               <a:t>40</a:t>
             </a:fld>
-            <a:endParaRPr lang="en-US" altLang="zh-TW" smtClean="0"/>
+            <a:endParaRPr lang="en-US" altLang="zh-TW"/>
           </a:p>
         </p:txBody>
       </p:sp>
@@ -3502,7 +3556,7 @@
           <a:lstStyle/>
           <a:p>
             <a:pPr eaLnBrk="1" hangingPunct="1"/>
-            <a:endParaRPr lang="zh-TW" altLang="zh-TW" smtClean="0"/>
+            <a:endParaRPr lang="zh-TW" altLang="zh-TW"/>
           </a:p>
         </p:txBody>
       </p:sp>
@@ -3553,7 +3607,7 @@
               <a:pPr/>
               <a:t>41</a:t>
             </a:fld>
-            <a:endParaRPr lang="en-US" altLang="zh-TW" smtClean="0"/>
+            <a:endParaRPr lang="en-US" altLang="zh-TW"/>
           </a:p>
         </p:txBody>
       </p:sp>
@@ -3590,7 +3644,7 @@
           <a:lstStyle/>
           <a:p>
             <a:pPr eaLnBrk="1" hangingPunct="1"/>
-            <a:endParaRPr lang="zh-TW" altLang="zh-TW" smtClean="0"/>
+            <a:endParaRPr lang="zh-TW" altLang="zh-TW"/>
           </a:p>
         </p:txBody>
       </p:sp>
@@ -3641,7 +3695,7 @@
               <a:pPr/>
               <a:t>42</a:t>
             </a:fld>
-            <a:endParaRPr lang="en-US" altLang="zh-TW" smtClean="0"/>
+            <a:endParaRPr lang="en-US" altLang="zh-TW"/>
           </a:p>
         </p:txBody>
       </p:sp>
@@ -3678,7 +3732,7 @@
           <a:lstStyle/>
           <a:p>
             <a:pPr eaLnBrk="1" hangingPunct="1"/>
-            <a:endParaRPr lang="zh-TW" altLang="zh-TW" smtClean="0"/>
+            <a:endParaRPr lang="zh-TW" altLang="zh-TW"/>
           </a:p>
         </p:txBody>
       </p:sp>
@@ -3729,7 +3783,7 @@
               <a:pPr/>
               <a:t>43</a:t>
             </a:fld>
-            <a:endParaRPr lang="en-US" altLang="zh-TW" smtClean="0"/>
+            <a:endParaRPr lang="en-US" altLang="zh-TW"/>
           </a:p>
         </p:txBody>
       </p:sp>
@@ -3766,7 +3820,7 @@
           <a:lstStyle/>
           <a:p>
             <a:pPr eaLnBrk="1" hangingPunct="1"/>
-            <a:endParaRPr lang="zh-TW" altLang="zh-TW" smtClean="0"/>
+            <a:endParaRPr lang="zh-TW" altLang="zh-TW"/>
           </a:p>
         </p:txBody>
       </p:sp>
@@ -3817,7 +3871,7 @@
               <a:pPr/>
               <a:t>4</a:t>
             </a:fld>
-            <a:endParaRPr lang="en-US" altLang="zh-TW" smtClean="0"/>
+            <a:endParaRPr lang="en-US" altLang="zh-TW"/>
           </a:p>
         </p:txBody>
       </p:sp>
@@ -3854,7 +3908,7 @@
           <a:lstStyle/>
           <a:p>
             <a:pPr eaLnBrk="1" hangingPunct="1"/>
-            <a:endParaRPr lang="zh-TW" altLang="zh-TW" smtClean="0"/>
+            <a:endParaRPr lang="zh-TW" altLang="zh-TW"/>
           </a:p>
         </p:txBody>
       </p:sp>
@@ -3905,7 +3959,7 @@
               <a:pPr/>
               <a:t>44</a:t>
             </a:fld>
-            <a:endParaRPr lang="en-US" altLang="zh-TW" smtClean="0"/>
+            <a:endParaRPr lang="en-US" altLang="zh-TW"/>
           </a:p>
         </p:txBody>
       </p:sp>
@@ -3942,7 +3996,7 @@
           <a:lstStyle/>
           <a:p>
             <a:pPr eaLnBrk="1" hangingPunct="1"/>
-            <a:endParaRPr lang="zh-TW" altLang="zh-TW" smtClean="0"/>
+            <a:endParaRPr lang="zh-TW" altLang="zh-TW"/>
           </a:p>
         </p:txBody>
       </p:sp>
@@ -3993,7 +4047,7 @@
               <a:pPr/>
               <a:t>45</a:t>
             </a:fld>
-            <a:endParaRPr lang="en-US" altLang="zh-TW" smtClean="0"/>
+            <a:endParaRPr lang="en-US" altLang="zh-TW"/>
           </a:p>
         </p:txBody>
       </p:sp>
@@ -4030,7 +4084,7 @@
           <a:lstStyle/>
           <a:p>
             <a:pPr eaLnBrk="1" hangingPunct="1"/>
-            <a:endParaRPr lang="zh-TW" altLang="zh-TW" smtClean="0"/>
+            <a:endParaRPr lang="zh-TW" altLang="zh-TW"/>
           </a:p>
         </p:txBody>
       </p:sp>
@@ -4081,7 +4135,7 @@
               <a:pPr/>
               <a:t>46</a:t>
             </a:fld>
-            <a:endParaRPr lang="en-US" altLang="zh-TW" smtClean="0"/>
+            <a:endParaRPr lang="en-US" altLang="zh-TW"/>
           </a:p>
         </p:txBody>
       </p:sp>
@@ -4118,7 +4172,7 @@
           <a:lstStyle/>
           <a:p>
             <a:pPr eaLnBrk="1" hangingPunct="1"/>
-            <a:endParaRPr lang="zh-TW" altLang="zh-TW" smtClean="0"/>
+            <a:endParaRPr lang="zh-TW" altLang="zh-TW"/>
           </a:p>
         </p:txBody>
       </p:sp>
@@ -4169,7 +4223,7 @@
               <a:pPr/>
               <a:t>47</a:t>
             </a:fld>
-            <a:endParaRPr lang="en-US" altLang="zh-TW" smtClean="0"/>
+            <a:endParaRPr lang="en-US" altLang="zh-TW"/>
           </a:p>
         </p:txBody>
       </p:sp>
@@ -4206,7 +4260,7 @@
           <a:lstStyle/>
           <a:p>
             <a:pPr eaLnBrk="1" hangingPunct="1"/>
-            <a:endParaRPr lang="zh-TW" altLang="zh-TW" smtClean="0"/>
+            <a:endParaRPr lang="zh-TW" altLang="zh-TW"/>
           </a:p>
         </p:txBody>
       </p:sp>
@@ -4257,7 +4311,7 @@
               <a:pPr/>
               <a:t>48</a:t>
             </a:fld>
-            <a:endParaRPr lang="en-US" altLang="zh-TW" smtClean="0"/>
+            <a:endParaRPr lang="en-US" altLang="zh-TW"/>
           </a:p>
         </p:txBody>
       </p:sp>
@@ -4294,7 +4348,32 @@
           <a:lstStyle/>
           <a:p>
             <a:pPr eaLnBrk="1" hangingPunct="1"/>
-            <a:endParaRPr lang="zh-TW" altLang="zh-TW" smtClean="0"/>
+            <a:r>
+              <a:rPr lang="zh-TW" altLang="en-US" sz="1200" dirty="0">
+                <a:solidFill>
+                  <a:srgbClr val="FF0000"/>
+                </a:solidFill>
+                <a:ea typeface="新細明體" charset="-120"/>
+              </a:rPr>
+              <a:t>可</a:t>
+            </a:r>
+            <a:r>
+              <a:rPr lang="zh-TW" altLang="en-US" b="0" dirty="0"/>
+              <a:t>抗議者的彈藥被用光</a:t>
+            </a:r>
+            <a:r>
+              <a:rPr lang="en-US" altLang="zh-TW" sz="1200" dirty="0">
+                <a:ea typeface="新細明體" charset="-120"/>
+              </a:rPr>
+              <a:t> </a:t>
+            </a:r>
+            <a:r>
+              <a:rPr lang="zh-TW" altLang="en-US" sz="1200" dirty="0">
+                <a:ea typeface="新細明體" charset="-120"/>
+              </a:rPr>
+              <a:t>   第一點有時候人講的正常  感恩志工協助</a:t>
+            </a:r>
+            <a:endParaRPr lang="zh-TW" altLang="zh-TW" dirty="0"/>
           </a:p>
         </p:txBody>
       </p:sp>
@@ -4345,7 +4424,7 @@
               <a:pPr/>
               <a:t>49</a:t>
             </a:fld>
-            <a:endParaRPr lang="en-US" altLang="zh-TW" smtClean="0"/>
+            <a:endParaRPr lang="en-US" altLang="zh-TW"/>
           </a:p>
         </p:txBody>
       </p:sp>
@@ -4382,7 +4461,7 @@
           <a:lstStyle/>
           <a:p>
             <a:pPr eaLnBrk="1" hangingPunct="1"/>
-            <a:endParaRPr lang="zh-TW" altLang="zh-TW" smtClean="0"/>
+            <a:endParaRPr lang="zh-TW" altLang="zh-TW"/>
           </a:p>
         </p:txBody>
       </p:sp>
@@ -4433,7 +4512,7 @@
               <a:pPr/>
               <a:t>50</a:t>
             </a:fld>
-            <a:endParaRPr lang="en-US" altLang="zh-TW" smtClean="0"/>
+            <a:endParaRPr lang="en-US" altLang="zh-TW"/>
           </a:p>
         </p:txBody>
       </p:sp>
@@ -4470,7 +4549,7 @@
           <a:lstStyle/>
           <a:p>
             <a:pPr eaLnBrk="1" hangingPunct="1"/>
-            <a:endParaRPr lang="zh-TW" altLang="zh-TW" smtClean="0"/>
+            <a:endParaRPr lang="zh-TW" altLang="zh-TW"/>
           </a:p>
         </p:txBody>
       </p:sp>
@@ -4521,7 +4600,7 @@
               <a:pPr/>
               <a:t>51</a:t>
             </a:fld>
-            <a:endParaRPr lang="en-US" altLang="zh-TW" smtClean="0"/>
+            <a:endParaRPr lang="en-US" altLang="zh-TW"/>
           </a:p>
         </p:txBody>
       </p:sp>
@@ -4558,7 +4637,55 @@
           <a:lstStyle/>
           <a:p>
             <a:pPr eaLnBrk="1" hangingPunct="1"/>
-            <a:endParaRPr lang="zh-TW" altLang="zh-TW" smtClean="0"/>
+            <a:r>
+              <a:rPr lang="en-US" sz="1200" b="0" i="0" kern="1200" dirty="0">
+                <a:solidFill>
+                  <a:schemeClr val="tx1"/>
+                </a:solidFill>
+                <a:effectLst/>
+                <a:latin typeface="Times New Roman" charset="0"/>
+                <a:ea typeface="MS PGothic" pitchFamily="34" charset="-128"/>
+                <a:cs typeface="ＭＳ Ｐゴシック" charset="-128"/>
+              </a:rPr>
+              <a:t>Hardware Security Module, HSM</a:t>
+            </a:r>
+            <a:r>
+              <a:rPr lang="zh-TW" altLang="en-US" sz="1200" b="0" i="0" kern="1200" dirty="0">
+                <a:solidFill>
+                  <a:schemeClr val="tx1"/>
+                </a:solidFill>
+                <a:effectLst/>
+                <a:latin typeface="Times New Roman" charset="0"/>
+                <a:ea typeface="MS PGothic" pitchFamily="34" charset="-128"/>
+                <a:cs typeface="ＭＳ Ｐゴシック" charset="-128"/>
+              </a:rPr>
+              <a:t>           許多</a:t>
+            </a:r>
+            <a:r>
+              <a:rPr lang="en-US" altLang="zh-TW" sz="1200" b="0" i="0" kern="1200" dirty="0">
+                <a:solidFill>
+                  <a:schemeClr val="tx1"/>
+                </a:solidFill>
+                <a:effectLst/>
+                <a:latin typeface="Times New Roman" charset="0"/>
+                <a:ea typeface="MS PGothic" pitchFamily="34" charset="-128"/>
+                <a:cs typeface="ＭＳ Ｐゴシック" charset="-128"/>
+              </a:rPr>
+              <a:t>HSM</a:t>
+            </a:r>
+            <a:r>
+              <a:rPr lang="zh-TW" altLang="en-US" sz="1200" b="0" i="0" kern="1200" dirty="0">
+                <a:solidFill>
+                  <a:schemeClr val="tx1"/>
+                </a:solidFill>
+                <a:effectLst/>
+                <a:latin typeface="Times New Roman" charset="0"/>
+                <a:ea typeface="MS PGothic" pitchFamily="34" charset="-128"/>
+                <a:cs typeface="ＭＳ Ｐゴシック" charset="-128"/>
+              </a:rPr>
+              <a:t>系統提供安全備份外部金鑰的機制。金鑰可以以封包形式備份並儲存在電腦磁碟或其他媒介上，或安全的可攜式裝置（如智慧卡或</a:t>
+            </a:r>
+            <a:endParaRPr lang="zh-TW" altLang="zh-TW" dirty="0"/>
           </a:p>
         </p:txBody>
       </p:sp>
@@ -4609,7 +4736,7 @@
               <a:pPr/>
               <a:t>52</a:t>
             </a:fld>
-            <a:endParaRPr lang="en-US" altLang="zh-TW" smtClean="0"/>
+            <a:endParaRPr lang="en-US" altLang="zh-TW"/>
           </a:p>
         </p:txBody>
       </p:sp>
@@ -4646,7 +4773,7 @@
           <a:lstStyle/>
           <a:p>
             <a:pPr eaLnBrk="1" hangingPunct="1"/>
-            <a:endParaRPr lang="zh-TW" altLang="zh-TW" smtClean="0"/>
+            <a:endParaRPr lang="zh-TW" altLang="zh-TW"/>
           </a:p>
         </p:txBody>
       </p:sp>
@@ -4697,7 +4824,7 @@
               <a:pPr/>
               <a:t>53</a:t>
             </a:fld>
-            <a:endParaRPr lang="en-US" altLang="zh-TW" smtClean="0"/>
+            <a:endParaRPr lang="en-US" altLang="zh-TW"/>
           </a:p>
         </p:txBody>
       </p:sp>
@@ -4734,7 +4861,7 @@
           <a:lstStyle/>
           <a:p>
             <a:pPr eaLnBrk="1" hangingPunct="1"/>
-            <a:endParaRPr lang="zh-TW" altLang="zh-TW" smtClean="0"/>
+            <a:endParaRPr lang="zh-TW" altLang="zh-TW"/>
           </a:p>
         </p:txBody>
       </p:sp>
@@ -4785,7 +4912,7 @@
               <a:pPr/>
               <a:t>5</a:t>
             </a:fld>
-            <a:endParaRPr lang="en-US" altLang="zh-TW" smtClean="0"/>
+            <a:endParaRPr lang="en-US" altLang="zh-TW"/>
           </a:p>
         </p:txBody>
       </p:sp>
@@ -4822,7 +4949,15 @@
           <a:lstStyle/>
           <a:p>
             <a:pPr eaLnBrk="1" hangingPunct="1"/>
-            <a:endParaRPr lang="zh-TW" altLang="zh-TW" smtClean="0"/>
+            <a:r>
+              <a:rPr lang="en-US" altLang="zh-TW" dirty="0"/>
+              <a:t>platter</a:t>
+            </a:r>
+            <a:r>
+              <a:rPr lang="zh-TW" altLang="en-US" dirty="0"/>
+              <a:t>轉盤</a:t>
+            </a:r>
+            <a:endParaRPr lang="zh-TW" altLang="zh-TW" dirty="0"/>
           </a:p>
         </p:txBody>
       </p:sp>
@@ -4873,7 +5008,7 @@
               <a:pPr/>
               <a:t>54</a:t>
             </a:fld>
-            <a:endParaRPr lang="en-US" altLang="zh-TW" smtClean="0"/>
+            <a:endParaRPr lang="en-US" altLang="zh-TW"/>
           </a:p>
         </p:txBody>
       </p:sp>
@@ -4910,7 +5045,7 @@
           <a:lstStyle/>
           <a:p>
             <a:pPr eaLnBrk="1" hangingPunct="1"/>
-            <a:endParaRPr lang="zh-TW" altLang="zh-TW" smtClean="0"/>
+            <a:endParaRPr lang="zh-TW" altLang="zh-TW"/>
           </a:p>
         </p:txBody>
       </p:sp>
@@ -4961,7 +5096,7 @@
               <a:pPr/>
               <a:t>55</a:t>
             </a:fld>
-            <a:endParaRPr lang="en-US" altLang="zh-TW" smtClean="0"/>
+            <a:endParaRPr lang="en-US" altLang="zh-TW"/>
           </a:p>
         </p:txBody>
       </p:sp>
@@ -4998,7 +5133,7 @@
           <a:lstStyle/>
           <a:p>
             <a:pPr eaLnBrk="1" hangingPunct="1"/>
-            <a:endParaRPr lang="zh-TW" altLang="zh-TW" smtClean="0"/>
+            <a:endParaRPr lang="zh-TW" altLang="zh-TW"/>
           </a:p>
         </p:txBody>
       </p:sp>
@@ -5049,7 +5184,7 @@
               <a:pPr/>
               <a:t>56</a:t>
             </a:fld>
-            <a:endParaRPr lang="en-US" altLang="zh-TW" smtClean="0"/>
+            <a:endParaRPr lang="en-US" altLang="zh-TW"/>
           </a:p>
         </p:txBody>
       </p:sp>
@@ -5086,7 +5221,7 @@
           <a:lstStyle/>
           <a:p>
             <a:pPr eaLnBrk="1" hangingPunct="1"/>
-            <a:endParaRPr lang="zh-TW" altLang="zh-TW" smtClean="0"/>
+            <a:endParaRPr lang="zh-TW" altLang="zh-TW"/>
           </a:p>
         </p:txBody>
       </p:sp>
@@ -5137,7 +5272,7 @@
               <a:pPr/>
               <a:t>57</a:t>
             </a:fld>
-            <a:endParaRPr lang="en-US" altLang="zh-TW" smtClean="0"/>
+            <a:endParaRPr lang="en-US" altLang="zh-TW"/>
           </a:p>
         </p:txBody>
       </p:sp>
@@ -5174,7 +5309,7 @@
           <a:lstStyle/>
           <a:p>
             <a:pPr eaLnBrk="1" hangingPunct="1"/>
-            <a:endParaRPr lang="zh-TW" altLang="zh-TW" smtClean="0"/>
+            <a:endParaRPr lang="zh-TW" altLang="zh-TW"/>
           </a:p>
         </p:txBody>
       </p:sp>
@@ -5225,7 +5360,7 @@
               <a:pPr/>
               <a:t>58</a:t>
             </a:fld>
-            <a:endParaRPr lang="en-US" altLang="zh-TW" smtClean="0"/>
+            <a:endParaRPr lang="en-US" altLang="zh-TW"/>
           </a:p>
         </p:txBody>
       </p:sp>
@@ -5262,7 +5397,7 @@
           <a:lstStyle/>
           <a:p>
             <a:pPr eaLnBrk="1" hangingPunct="1"/>
-            <a:endParaRPr lang="zh-TW" altLang="zh-TW" smtClean="0"/>
+            <a:endParaRPr lang="zh-TW" altLang="zh-TW"/>
           </a:p>
         </p:txBody>
       </p:sp>
@@ -5313,7 +5448,7 @@
               <a:pPr/>
               <a:t>59</a:t>
             </a:fld>
-            <a:endParaRPr lang="en-US" altLang="zh-TW" smtClean="0"/>
+            <a:endParaRPr lang="en-US" altLang="zh-TW"/>
           </a:p>
         </p:txBody>
       </p:sp>
@@ -5350,7 +5485,7 @@
           <a:lstStyle/>
           <a:p>
             <a:pPr eaLnBrk="1" hangingPunct="1"/>
-            <a:endParaRPr lang="zh-TW" altLang="zh-TW" smtClean="0"/>
+            <a:endParaRPr lang="zh-TW" altLang="zh-TW"/>
           </a:p>
         </p:txBody>
       </p:sp>
@@ -5401,7 +5536,7 @@
               <a:pPr/>
               <a:t>6</a:t>
             </a:fld>
-            <a:endParaRPr lang="en-US" altLang="zh-TW" smtClean="0"/>
+            <a:endParaRPr lang="en-US" altLang="zh-TW"/>
           </a:p>
         </p:txBody>
       </p:sp>
@@ -5438,7 +5573,7 @@
           <a:lstStyle/>
           <a:p>
             <a:pPr eaLnBrk="1" hangingPunct="1"/>
-            <a:endParaRPr lang="zh-TW" altLang="zh-TW" smtClean="0"/>
+            <a:endParaRPr lang="zh-TW" altLang="zh-TW"/>
           </a:p>
         </p:txBody>
       </p:sp>
@@ -5489,7 +5624,7 @@
               <a:pPr/>
               <a:t>7</a:t>
             </a:fld>
-            <a:endParaRPr lang="en-US" altLang="zh-TW" smtClean="0"/>
+            <a:endParaRPr lang="en-US" altLang="zh-TW"/>
           </a:p>
         </p:txBody>
       </p:sp>
@@ -5526,7 +5661,7 @@
           <a:lstStyle/>
           <a:p>
             <a:pPr eaLnBrk="1" hangingPunct="1"/>
-            <a:endParaRPr lang="zh-TW" altLang="zh-TW" smtClean="0"/>
+            <a:endParaRPr lang="zh-TW" altLang="zh-TW"/>
           </a:p>
         </p:txBody>
       </p:sp>
@@ -5577,7 +5712,7 @@
               <a:pPr/>
               <a:t>8</a:t>
             </a:fld>
-            <a:endParaRPr lang="en-US" altLang="zh-TW" smtClean="0"/>
+            <a:endParaRPr lang="en-US" altLang="zh-TW"/>
           </a:p>
         </p:txBody>
       </p:sp>
@@ -5614,7 +5749,7 @@
           <a:lstStyle/>
           <a:p>
             <a:pPr eaLnBrk="1" hangingPunct="1"/>
-            <a:endParaRPr lang="zh-TW" altLang="zh-TW" smtClean="0"/>
+            <a:endParaRPr lang="zh-TW" altLang="zh-TW"/>
           </a:p>
         </p:txBody>
       </p:sp>
@@ -5665,7 +5800,7 @@
               <a:pPr/>
               <a:t>9</a:t>
             </a:fld>
-            <a:endParaRPr lang="en-US" altLang="zh-TW" smtClean="0"/>
+            <a:endParaRPr lang="en-US" altLang="zh-TW"/>
           </a:p>
         </p:txBody>
       </p:sp>
@@ -5702,7 +5837,7 @@
           <a:lstStyle/>
           <a:p>
             <a:pPr eaLnBrk="1" hangingPunct="1"/>
-            <a:endParaRPr lang="zh-TW" altLang="zh-TW" smtClean="0"/>
+            <a:endParaRPr lang="zh-TW" altLang="zh-TW"/>
           </a:p>
         </p:txBody>
       </p:sp>
@@ -5970,13 +6105,6 @@
   <p:clrMapOvr>
     <a:masterClrMapping/>
   </p:clrMapOvr>
-  <p:timing>
-    <p:tnLst>
-      <p:par>
-        <p:cTn id="1" dur="indefinite" restart="never" nodeType="tmRoot"/>
-      </p:par>
-    </p:tnLst>
-  </p:timing>
 </p:sldLayout>
 </file>
 
@@ -6013,10 +6141,9 @@
           <a:lstStyle/>
           <a:p>
             <a:r>
-              <a:rPr lang="en-US" smtClean="0"/>
+              <a:rPr lang="en-US"/>
               <a:t>Click to edit Master title style</a:t>
             </a:r>
-            <a:endParaRPr lang="en-US"/>
           </a:p>
         </p:txBody>
       </p:sp>
@@ -6037,38 +6164,37 @@
           <a:p>
             <a:pPr lvl="0"/>
             <a:r>
-              <a:rPr lang="en-US" smtClean="0"/>
+              <a:rPr lang="en-US"/>
               <a:t>Click to edit Master text styles</a:t>
             </a:r>
           </a:p>
           <a:p>
             <a:pPr lvl="1"/>
             <a:r>
-              <a:rPr lang="en-US" smtClean="0"/>
+              <a:rPr lang="en-US"/>
               <a:t>Second level</a:t>
             </a:r>
           </a:p>
           <a:p>
             <a:pPr lvl="2"/>
             <a:r>
-              <a:rPr lang="en-US" smtClean="0"/>
+              <a:rPr lang="en-US"/>
               <a:t>Third level</a:t>
             </a:r>
           </a:p>
           <a:p>
             <a:pPr lvl="3"/>
             <a:r>
-              <a:rPr lang="en-US" smtClean="0"/>
+              <a:rPr lang="en-US"/>
               <a:t>Fourth level</a:t>
             </a:r>
           </a:p>
           <a:p>
             <a:pPr lvl="4"/>
             <a:r>
-              <a:rPr lang="en-US" smtClean="0"/>
+              <a:rPr lang="en-US"/>
               <a:t>Fifth level</a:t>
             </a:r>
-            <a:endParaRPr lang="en-US"/>
           </a:p>
         </p:txBody>
       </p:sp>
@@ -6118,10 +6244,9 @@
           <a:lstStyle/>
           <a:p>
             <a:r>
-              <a:rPr lang="en-US" smtClean="0"/>
+              <a:rPr lang="en-US"/>
               <a:t>Click to edit Master title style</a:t>
             </a:r>
-            <a:endParaRPr lang="en-US"/>
           </a:p>
         </p:txBody>
       </p:sp>
@@ -6147,38 +6272,37 @@
           <a:p>
             <a:pPr lvl="0"/>
             <a:r>
-              <a:rPr lang="en-US" smtClean="0"/>
+              <a:rPr lang="en-US"/>
               <a:t>Click to edit Master text styles</a:t>
             </a:r>
           </a:p>
           <a:p>
             <a:pPr lvl="1"/>
             <a:r>
-              <a:rPr lang="en-US" smtClean="0"/>
+              <a:rPr lang="en-US"/>
               <a:t>Second level</a:t>
             </a:r>
           </a:p>
           <a:p>
             <a:pPr lvl="2"/>
             <a:r>
-              <a:rPr lang="en-US" smtClean="0"/>
+              <a:rPr lang="en-US"/>
               <a:t>Third level</a:t>
             </a:r>
           </a:p>
           <a:p>
             <a:pPr lvl="3"/>
             <a:r>
-              <a:rPr lang="en-US" smtClean="0"/>
+              <a:rPr lang="en-US"/>
               <a:t>Fourth level</a:t>
             </a:r>
           </a:p>
           <a:p>
             <a:pPr lvl="4"/>
             <a:r>
-              <a:rPr lang="en-US" smtClean="0"/>
+              <a:rPr lang="en-US"/>
               <a:t>Fifth level</a:t>
             </a:r>
-            <a:endParaRPr lang="en-US"/>
           </a:p>
         </p:txBody>
       </p:sp>
@@ -6223,10 +6347,9 @@
           <a:lstStyle/>
           <a:p>
             <a:r>
-              <a:rPr lang="en-US" smtClean="0"/>
+              <a:rPr lang="en-US"/>
               <a:t>Click to edit Master title style</a:t>
             </a:r>
-            <a:endParaRPr lang="en-US"/>
           </a:p>
         </p:txBody>
       </p:sp>
@@ -6247,38 +6370,37 @@
           <a:p>
             <a:pPr lvl="0"/>
             <a:r>
-              <a:rPr lang="en-US" smtClean="0"/>
+              <a:rPr lang="en-US"/>
               <a:t>Click to edit Master text styles</a:t>
             </a:r>
           </a:p>
           <a:p>
             <a:pPr lvl="1"/>
             <a:r>
-              <a:rPr lang="en-US" smtClean="0"/>
+              <a:rPr lang="en-US"/>
               <a:t>Second level</a:t>
             </a:r>
           </a:p>
           <a:p>
             <a:pPr lvl="2"/>
             <a:r>
-              <a:rPr lang="en-US" smtClean="0"/>
+              <a:rPr lang="en-US"/>
               <a:t>Third level</a:t>
             </a:r>
           </a:p>
           <a:p>
             <a:pPr lvl="3"/>
             <a:r>
-              <a:rPr lang="en-US" smtClean="0"/>
+              <a:rPr lang="en-US"/>
               <a:t>Fourth level</a:t>
             </a:r>
           </a:p>
           <a:p>
             <a:pPr lvl="4"/>
             <a:r>
-              <a:rPr lang="en-US" smtClean="0"/>
+              <a:rPr lang="en-US"/>
               <a:t>Fifth level</a:t>
             </a:r>
-            <a:endParaRPr lang="en-US"/>
           </a:p>
         </p:txBody>
       </p:sp>
@@ -6287,13 +6409,6 @@
   <p:clrMapOvr>
     <a:masterClrMapping/>
   </p:clrMapOvr>
-  <p:timing>
-    <p:tnLst>
-      <p:par>
-        <p:cTn id="1" dur="indefinite" restart="never" nodeType="tmRoot"/>
-      </p:par>
-    </p:tnLst>
-  </p:timing>
 </p:sldLayout>
 </file>
 
@@ -6339,10 +6454,9 @@
           </a:lstStyle>
           <a:p>
             <a:r>
-              <a:rPr lang="en-US" smtClean="0"/>
+              <a:rPr lang="en-US"/>
               <a:t>Click to edit Master title style</a:t>
             </a:r>
-            <a:endParaRPr lang="en-US"/>
           </a:p>
         </p:txBody>
       </p:sp>
@@ -6405,7 +6519,7 @@
           <a:p>
             <a:pPr lvl="0"/>
             <a:r>
-              <a:rPr lang="en-US" smtClean="0"/>
+              <a:rPr lang="en-US"/>
               <a:t>Click to edit Master text styles</a:t>
             </a:r>
           </a:p>
@@ -6452,10 +6566,9 @@
           <a:lstStyle/>
           <a:p>
             <a:r>
-              <a:rPr lang="en-US" smtClean="0"/>
+              <a:rPr lang="en-US"/>
               <a:t>Click to edit Master title style</a:t>
             </a:r>
-            <a:endParaRPr lang="en-US"/>
           </a:p>
         </p:txBody>
       </p:sp>
@@ -6509,38 +6622,37 @@
           <a:p>
             <a:pPr lvl="0"/>
             <a:r>
-              <a:rPr lang="en-US" smtClean="0"/>
+              <a:rPr lang="en-US"/>
               <a:t>Click to edit Master text styles</a:t>
             </a:r>
           </a:p>
           <a:p>
             <a:pPr lvl="1"/>
             <a:r>
-              <a:rPr lang="en-US" smtClean="0"/>
+              <a:rPr lang="en-US"/>
               <a:t>Second level</a:t>
             </a:r>
           </a:p>
           <a:p>
             <a:pPr lvl="2"/>
             <a:r>
-              <a:rPr lang="en-US" smtClean="0"/>
+              <a:rPr lang="en-US"/>
               <a:t>Third level</a:t>
             </a:r>
           </a:p>
           <a:p>
             <a:pPr lvl="3"/>
             <a:r>
-              <a:rPr lang="en-US" smtClean="0"/>
+              <a:rPr lang="en-US"/>
               <a:t>Fourth level</a:t>
             </a:r>
           </a:p>
           <a:p>
             <a:pPr lvl="4"/>
             <a:r>
-              <a:rPr lang="en-US" smtClean="0"/>
+              <a:rPr lang="en-US"/>
               <a:t>Fifth level</a:t>
             </a:r>
-            <a:endParaRPr lang="en-US"/>
           </a:p>
         </p:txBody>
       </p:sp>
@@ -6594,38 +6706,37 @@
           <a:p>
             <a:pPr lvl="0"/>
             <a:r>
-              <a:rPr lang="en-US" smtClean="0"/>
+              <a:rPr lang="en-US"/>
               <a:t>Click to edit Master text styles</a:t>
             </a:r>
           </a:p>
           <a:p>
             <a:pPr lvl="1"/>
             <a:r>
-              <a:rPr lang="en-US" smtClean="0"/>
+              <a:rPr lang="en-US"/>
               <a:t>Second level</a:t>
             </a:r>
           </a:p>
           <a:p>
             <a:pPr lvl="2"/>
             <a:r>
-              <a:rPr lang="en-US" smtClean="0"/>
+              <a:rPr lang="en-US"/>
               <a:t>Third level</a:t>
             </a:r>
           </a:p>
           <a:p>
             <a:pPr lvl="3"/>
             <a:r>
-              <a:rPr lang="en-US" smtClean="0"/>
+              <a:rPr lang="en-US"/>
               <a:t>Fourth level</a:t>
             </a:r>
           </a:p>
           <a:p>
             <a:pPr lvl="4"/>
             <a:r>
-              <a:rPr lang="en-US" smtClean="0"/>
+              <a:rPr lang="en-US"/>
               <a:t>Fifth level</a:t>
             </a:r>
-            <a:endParaRPr lang="en-US"/>
           </a:p>
         </p:txBody>
       </p:sp>
@@ -6679,10 +6790,9 @@
           </a:lstStyle>
           <a:p>
             <a:r>
-              <a:rPr lang="en-US" smtClean="0"/>
+              <a:rPr lang="en-US"/>
               <a:t>Click to edit Master title style</a:t>
             </a:r>
-            <a:endParaRPr lang="en-US"/>
           </a:p>
         </p:txBody>
       </p:sp>
@@ -6745,7 +6855,7 @@
           <a:p>
             <a:pPr lvl="0"/>
             <a:r>
-              <a:rPr lang="en-US" smtClean="0"/>
+              <a:rPr lang="en-US"/>
               <a:t>Click to edit Master text styles</a:t>
             </a:r>
           </a:p>
@@ -6801,38 +6911,37 @@
           <a:p>
             <a:pPr lvl="0"/>
             <a:r>
-              <a:rPr lang="en-US" smtClean="0"/>
+              <a:rPr lang="en-US"/>
               <a:t>Click to edit Master text styles</a:t>
             </a:r>
           </a:p>
           <a:p>
             <a:pPr lvl="1"/>
             <a:r>
-              <a:rPr lang="en-US" smtClean="0"/>
+              <a:rPr lang="en-US"/>
               <a:t>Second level</a:t>
             </a:r>
           </a:p>
           <a:p>
             <a:pPr lvl="2"/>
             <a:r>
-              <a:rPr lang="en-US" smtClean="0"/>
+              <a:rPr lang="en-US"/>
               <a:t>Third level</a:t>
             </a:r>
           </a:p>
           <a:p>
             <a:pPr lvl="3"/>
             <a:r>
-              <a:rPr lang="en-US" smtClean="0"/>
+              <a:rPr lang="en-US"/>
               <a:t>Fourth level</a:t>
             </a:r>
           </a:p>
           <a:p>
             <a:pPr lvl="4"/>
             <a:r>
-              <a:rPr lang="en-US" smtClean="0"/>
+              <a:rPr lang="en-US"/>
               <a:t>Fifth level</a:t>
             </a:r>
-            <a:endParaRPr lang="en-US"/>
           </a:p>
         </p:txBody>
       </p:sp>
@@ -6895,7 +7004,7 @@
           <a:p>
             <a:pPr lvl="0"/>
             <a:r>
-              <a:rPr lang="en-US" smtClean="0"/>
+              <a:rPr lang="en-US"/>
               <a:t>Click to edit Master text styles</a:t>
             </a:r>
           </a:p>
@@ -6951,38 +7060,37 @@
           <a:p>
             <a:pPr lvl="0"/>
             <a:r>
-              <a:rPr lang="en-US" smtClean="0"/>
+              <a:rPr lang="en-US"/>
               <a:t>Click to edit Master text styles</a:t>
             </a:r>
           </a:p>
           <a:p>
             <a:pPr lvl="1"/>
             <a:r>
-              <a:rPr lang="en-US" smtClean="0"/>
+              <a:rPr lang="en-US"/>
               <a:t>Second level</a:t>
             </a:r>
           </a:p>
           <a:p>
             <a:pPr lvl="2"/>
             <a:r>
-              <a:rPr lang="en-US" smtClean="0"/>
+              <a:rPr lang="en-US"/>
               <a:t>Third level</a:t>
             </a:r>
           </a:p>
           <a:p>
             <a:pPr lvl="3"/>
             <a:r>
-              <a:rPr lang="en-US" smtClean="0"/>
+              <a:rPr lang="en-US"/>
               <a:t>Fourth level</a:t>
             </a:r>
           </a:p>
           <a:p>
             <a:pPr lvl="4"/>
             <a:r>
-              <a:rPr lang="en-US" smtClean="0"/>
+              <a:rPr lang="en-US"/>
               <a:t>Fifth level</a:t>
             </a:r>
-            <a:endParaRPr lang="en-US"/>
           </a:p>
         </p:txBody>
       </p:sp>
@@ -7027,10 +7135,9 @@
           <a:lstStyle/>
           <a:p>
             <a:r>
-              <a:rPr lang="en-US" smtClean="0"/>
+              <a:rPr lang="en-US"/>
               <a:t>Click to edit Master title style</a:t>
             </a:r>
-            <a:endParaRPr lang="en-US"/>
           </a:p>
         </p:txBody>
       </p:sp>
@@ -7039,13 +7146,6 @@
   <p:clrMapOvr>
     <a:masterClrMapping/>
   </p:clrMapOvr>
-  <p:timing>
-    <p:tnLst>
-      <p:par>
-        <p:cTn id="1" dur="indefinite" restart="never" nodeType="tmRoot"/>
-      </p:par>
-    </p:tnLst>
-  </p:timing>
 </p:sldLayout>
 </file>
 
@@ -7116,10 +7216,9 @@
           </a:lstStyle>
           <a:p>
             <a:r>
-              <a:rPr lang="en-US" smtClean="0"/>
+              <a:rPr lang="en-US"/>
               <a:t>Click to edit Master title style</a:t>
             </a:r>
-            <a:endParaRPr lang="en-US"/>
           </a:p>
         </p:txBody>
       </p:sp>
@@ -7173,38 +7272,37 @@
           <a:p>
             <a:pPr lvl="0"/>
             <a:r>
-              <a:rPr lang="en-US" smtClean="0"/>
+              <a:rPr lang="en-US"/>
               <a:t>Click to edit Master text styles</a:t>
             </a:r>
           </a:p>
           <a:p>
             <a:pPr lvl="1"/>
             <a:r>
-              <a:rPr lang="en-US" smtClean="0"/>
+              <a:rPr lang="en-US"/>
               <a:t>Second level</a:t>
             </a:r>
           </a:p>
           <a:p>
             <a:pPr lvl="2"/>
             <a:r>
-              <a:rPr lang="en-US" smtClean="0"/>
+              <a:rPr lang="en-US"/>
               <a:t>Third level</a:t>
             </a:r>
           </a:p>
           <a:p>
             <a:pPr lvl="3"/>
             <a:r>
-              <a:rPr lang="en-US" smtClean="0"/>
+              <a:rPr lang="en-US"/>
               <a:t>Fourth level</a:t>
             </a:r>
           </a:p>
           <a:p>
             <a:pPr lvl="4"/>
             <a:r>
-              <a:rPr lang="en-US" smtClean="0"/>
+              <a:rPr lang="en-US"/>
               <a:t>Fifth level</a:t>
             </a:r>
-            <a:endParaRPr lang="en-US"/>
           </a:p>
         </p:txBody>
       </p:sp>
@@ -7267,7 +7365,7 @@
           <a:p>
             <a:pPr lvl="0"/>
             <a:r>
-              <a:rPr lang="en-US" smtClean="0"/>
+              <a:rPr lang="en-US"/>
               <a:t>Click to edit Master text styles</a:t>
             </a:r>
           </a:p>
@@ -7323,10 +7421,9 @@
           </a:lstStyle>
           <a:p>
             <a:r>
-              <a:rPr lang="en-US" smtClean="0"/>
+              <a:rPr lang="en-US"/>
               <a:t>Click to edit Master title style</a:t>
             </a:r>
-            <a:endParaRPr lang="en-US"/>
           </a:p>
         </p:txBody>
       </p:sp>
@@ -7388,7 +7485,7 @@
           </a:lstStyle>
           <a:p>
             <a:pPr lvl="0"/>
-            <a:endParaRPr lang="en-US" noProof="0" smtClean="0"/>
+            <a:endParaRPr lang="en-US" noProof="0"/>
           </a:p>
         </p:txBody>
       </p:sp>
@@ -7451,7 +7548,7 @@
           <a:p>
             <a:pPr lvl="0"/>
             <a:r>
-              <a:rPr lang="en-US" smtClean="0"/>
+              <a:rPr lang="en-US"/>
               <a:t>Click to edit Master text styles</a:t>
             </a:r>
           </a:p>
@@ -7526,7 +7623,7 @@
           <a:p>
             <a:pPr lvl="0"/>
             <a:r>
-              <a:rPr lang="en-US" altLang="zh-TW" dirty="0" smtClean="0"/>
+              <a:rPr lang="en-US" altLang="zh-TW" dirty="0"/>
               <a:t>Click to edit Master title style</a:t>
             </a:r>
           </a:p>
@@ -7568,35 +7665,35 @@
           <a:p>
             <a:pPr lvl="0"/>
             <a:r>
-              <a:rPr lang="en-US" altLang="zh-TW" smtClean="0"/>
+              <a:rPr lang="en-US" altLang="zh-TW"/>
               <a:t>Click to edit Master text styles</a:t>
             </a:r>
           </a:p>
           <a:p>
             <a:pPr lvl="1"/>
             <a:r>
-              <a:rPr lang="en-US" altLang="zh-TW" smtClean="0"/>
+              <a:rPr lang="en-US" altLang="zh-TW"/>
               <a:t>Second level</a:t>
             </a:r>
           </a:p>
           <a:p>
             <a:pPr lvl="2"/>
             <a:r>
-              <a:rPr lang="en-US" altLang="zh-TW" smtClean="0"/>
+              <a:rPr lang="en-US" altLang="zh-TW"/>
               <a:t>Third level</a:t>
             </a:r>
           </a:p>
           <a:p>
             <a:pPr lvl="3"/>
             <a:r>
-              <a:rPr lang="en-US" altLang="zh-TW" smtClean="0"/>
+              <a:rPr lang="en-US" altLang="zh-TW"/>
               <a:t>Fourth level</a:t>
             </a:r>
           </a:p>
           <a:p>
             <a:pPr lvl="4"/>
             <a:r>
-              <a:rPr lang="en-US" altLang="zh-TW" smtClean="0"/>
+              <a:rPr lang="en-US" altLang="zh-TW"/>
               <a:t>Fifth level</a:t>
             </a:r>
           </a:p>
@@ -7801,7 +7898,7 @@
               <a:defRPr/>
             </a:pPr>
             <a:r>
-              <a:rPr lang="en-US" altLang="zh-TW" sz="1400" b="1" dirty="0" smtClean="0">
+              <a:rPr lang="en-US" altLang="zh-TW" sz="1400" b="1" dirty="0">
                 <a:solidFill>
                   <a:schemeClr val="tx1"/>
                 </a:solidFill>
@@ -7849,13 +7946,6 @@
     <p:sldLayoutId id="2147483851" r:id="rId10"/>
     <p:sldLayoutId id="2147483852" r:id="rId11"/>
   </p:sldLayoutIdLst>
-  <p:timing>
-    <p:tnLst>
-      <p:par>
-        <p:cTn id="1" dur="indefinite" restart="never" nodeType="tmRoot"/>
-      </p:par>
-    </p:tnLst>
-  </p:timing>
   <p:txStyles>
     <p:titleStyle>
       <a:lvl1pPr algn="ctr" rtl="0" eaLnBrk="0" fontAlgn="base" hangingPunct="0">
@@ -8319,28 +8409,28 @@
           <a:p>
             <a:pPr eaLnBrk="1" hangingPunct="1"/>
             <a:r>
-              <a:rPr lang="en-US" altLang="zh-TW" sz="4800" dirty="0" smtClean="0">
+              <a:rPr lang="en-US" altLang="zh-TW" sz="4800" dirty="0">
                 <a:ea typeface="新細明體" charset="-120"/>
               </a:rPr>
               <a:t>Chapter 12  </a:t>
             </a:r>
             <a:br>
-              <a:rPr lang="en-US" altLang="zh-TW" sz="4800" dirty="0" smtClean="0">
+              <a:rPr lang="en-US" altLang="zh-TW" sz="4800" dirty="0">
                 <a:ea typeface="新細明體" charset="-120"/>
               </a:rPr>
             </a:br>
             <a:r>
-              <a:rPr lang="en-US" altLang="zh-TW" sz="4800" dirty="0" smtClean="0">
+              <a:rPr lang="en-US" altLang="zh-TW" sz="4800" dirty="0">
                 <a:ea typeface="新細明體" charset="-120"/>
               </a:rPr>
               <a:t>Secondary-Storage Structure</a:t>
             </a:r>
             <a:br>
-              <a:rPr lang="en-US" altLang="zh-TW" sz="4800" dirty="0" smtClean="0">
+              <a:rPr lang="en-US" altLang="zh-TW" sz="4800" dirty="0">
                 <a:ea typeface="新細明體" charset="-120"/>
               </a:rPr>
             </a:br>
-            <a:endParaRPr lang="en-US" altLang="zh-TW" sz="4800" dirty="0" smtClean="0">
+            <a:endParaRPr lang="en-US" altLang="zh-TW" sz="4800" dirty="0">
               <a:ea typeface="新細明體" charset="-120"/>
             </a:endParaRPr>
           </a:p>
@@ -8351,13 +8441,6 @@
   <p:clrMapOvr>
     <a:masterClrMapping/>
   </p:clrMapOvr>
-  <p:timing>
-    <p:tnLst>
-      <p:par>
-        <p:cTn id="1" dur="indefinite" restart="never" nodeType="tmRoot"/>
-      </p:par>
-    </p:tnLst>
-  </p:timing>
 </p:sld>
 </file>
 
@@ -8395,19 +8478,19 @@
           <a:p>
             <a:pPr eaLnBrk="1" hangingPunct="1"/>
             <a:r>
-              <a:rPr lang="en-US" altLang="zh-TW" smtClean="0">
+              <a:rPr lang="en-US" altLang="zh-TW">
                 <a:ea typeface="新細明體" charset="-120"/>
               </a:rPr>
               <a:t>Network-Attached Storage</a:t>
             </a:r>
             <a:r>
-              <a:rPr lang="zh-TW" altLang="en-US" smtClean="0">
+              <a:rPr lang="zh-TW" altLang="en-US">
                 <a:ea typeface="新細明體" charset="-120"/>
               </a:rPr>
               <a:t> </a:t>
             </a:r>
             <a:r>
-              <a:rPr lang="en-US" altLang="zh-TW" smtClean="0">
+              <a:rPr lang="en-US" altLang="zh-TW">
                 <a:ea typeface="新細明體" charset="-120"/>
               </a:rPr>
               <a:t>(NAS)</a:t>
@@ -8436,7 +8519,7 @@
           <a:lstStyle/>
           <a:p>
             <a:r>
-              <a:rPr lang="en-US" altLang="zh-TW" sz="2400" b="1" dirty="0" smtClean="0">
+              <a:rPr lang="en-US" altLang="zh-TW" sz="2400" b="1" dirty="0">
                 <a:solidFill>
                   <a:srgbClr val="FF0000"/>
                 </a:solidFill>
@@ -8445,7 +8528,7 @@
               <a:t>Network-attached storage </a:t>
             </a:r>
             <a:r>
-              <a:rPr lang="en-US" altLang="zh-TW" sz="2400" dirty="0" smtClean="0">
+              <a:rPr lang="en-US" altLang="zh-TW" sz="2400" dirty="0">
                 <a:solidFill>
                   <a:srgbClr val="FF0000"/>
                 </a:solidFill>
@@ -8454,7 +8537,7 @@
               <a:t>(</a:t>
             </a:r>
             <a:r>
-              <a:rPr lang="en-US" altLang="zh-TW" sz="2400" b="1" dirty="0" smtClean="0">
+              <a:rPr lang="en-US" altLang="zh-TW" sz="2400" b="1" dirty="0">
                 <a:solidFill>
                   <a:srgbClr val="FF0000"/>
                 </a:solidFill>
@@ -8463,7 +8546,7 @@
               <a:t>NAS</a:t>
             </a:r>
             <a:r>
-              <a:rPr lang="en-US" altLang="zh-TW" sz="2400" dirty="0" smtClean="0">
+              <a:rPr lang="en-US" altLang="zh-TW" sz="2400" dirty="0">
                 <a:solidFill>
                   <a:srgbClr val="FF0000"/>
                 </a:solidFill>
@@ -8472,7 +8555,7 @@
               <a:t>) </a:t>
             </a:r>
             <a:r>
-              <a:rPr lang="en-US" altLang="zh-TW" sz="2400" dirty="0" smtClean="0">
+              <a:rPr lang="en-US" altLang="zh-TW" sz="2400" dirty="0">
                 <a:ea typeface="新細明體" charset="-120"/>
               </a:rPr>
               <a:t>is storage made available over a network rather than over a local connection (such as a bus)</a:t>
@@ -8480,7 +8563,7 @@
           </a:p>
           <a:p>
             <a:r>
-              <a:rPr lang="en-US" altLang="zh-TW" sz="2400" dirty="0" smtClean="0">
+              <a:rPr lang="en-US" altLang="zh-TW" sz="2400" dirty="0">
                 <a:ea typeface="新細明體" charset="-120"/>
               </a:rPr>
               <a:t>NFS and CIFS are common protocols</a:t>
@@ -8488,7 +8571,7 @@
           </a:p>
           <a:p>
             <a:r>
-              <a:rPr lang="en-US" altLang="zh-TW" sz="2400" dirty="0" smtClean="0">
+              <a:rPr lang="en-US" altLang="zh-TW" sz="2400" dirty="0">
                 <a:ea typeface="新細明體" charset="-120"/>
               </a:rPr>
               <a:t>Implemented via remote procedure calls (RPCs) between host and storage</a:t>
@@ -8496,19 +8579,19 @@
           </a:p>
           <a:p>
             <a:r>
-              <a:rPr lang="en-US" altLang="zh-TW" sz="2400" dirty="0" smtClean="0">
+              <a:rPr lang="en-US" altLang="zh-TW" sz="2400" dirty="0">
                 <a:ea typeface="新細明體" charset="-120"/>
               </a:rPr>
               <a:t>New </a:t>
             </a:r>
             <a:r>
-              <a:rPr lang="en-US" altLang="zh-TW" sz="2400" dirty="0" err="1" smtClean="0">
+              <a:rPr lang="en-US" altLang="zh-TW" sz="2400" dirty="0" err="1">
                 <a:ea typeface="新細明體" charset="-120"/>
               </a:rPr>
               <a:t>iSCSI</a:t>
             </a:r>
             <a:r>
-              <a:rPr lang="en-US" altLang="zh-TW" sz="2400" dirty="0" smtClean="0">
+              <a:rPr lang="en-US" altLang="zh-TW" sz="2400" dirty="0">
                 <a:ea typeface="新細明體" charset="-120"/>
               </a:rPr>
               <a:t> protocol uses IP network to carry the SCSI protocol</a:t>
@@ -8867,19 +8950,19 @@
           <a:p>
             <a:pPr eaLnBrk="1" hangingPunct="1"/>
             <a:r>
-              <a:rPr lang="en-US" altLang="zh-TW" smtClean="0">
+              <a:rPr lang="en-US" altLang="zh-TW">
                 <a:ea typeface="新細明體" charset="-120"/>
               </a:rPr>
               <a:t>Storage Area Network</a:t>
             </a:r>
             <a:r>
-              <a:rPr lang="zh-TW" altLang="en-US" smtClean="0">
+              <a:rPr lang="zh-TW" altLang="en-US">
                 <a:ea typeface="新細明體" charset="-120"/>
               </a:rPr>
               <a:t> </a:t>
             </a:r>
             <a:r>
-              <a:rPr lang="en-US" altLang="zh-TW" smtClean="0">
+              <a:rPr lang="en-US" altLang="zh-TW">
                 <a:ea typeface="新細明體" charset="-120"/>
               </a:rPr>
               <a:t>(SAN)</a:t>
@@ -8908,7 +8991,7 @@
           <a:lstStyle/>
           <a:p>
             <a:r>
-              <a:rPr lang="en-US" altLang="zh-TW" sz="2400" dirty="0" smtClean="0">
+              <a:rPr lang="en-US" altLang="zh-TW" sz="2400" dirty="0">
                 <a:ea typeface="新細明體" charset="-120"/>
               </a:rPr>
               <a:t>Common in large storage environments (and becoming more common)</a:t>
@@ -8916,7 +8999,7 @@
           </a:p>
           <a:p>
             <a:r>
-              <a:rPr lang="en-US" altLang="zh-TW" sz="2400" b="1" dirty="0" smtClean="0">
+              <a:rPr lang="en-US" altLang="zh-TW" sz="2400" b="1" dirty="0">
                 <a:solidFill>
                   <a:srgbClr val="FF0000"/>
                 </a:solidFill>
@@ -8925,7 +9008,7 @@
               <a:t>Multiple hosts attached to multiple storage arrays </a:t>
             </a:r>
             <a:r>
-              <a:rPr lang="en-US" altLang="zh-TW" sz="2400" dirty="0" smtClean="0">
+              <a:rPr lang="en-US" altLang="zh-TW" sz="2400" dirty="0">
                 <a:ea typeface="新細明體" charset="-120"/>
               </a:rPr>
               <a:t>- flexible</a:t>
@@ -9162,7 +9245,7 @@
           <a:p>
             <a:pPr eaLnBrk="1" hangingPunct="1"/>
             <a:r>
-              <a:rPr lang="en-US" altLang="zh-TW" dirty="0" smtClean="0">
+              <a:rPr lang="en-US" altLang="zh-TW" dirty="0">
                 <a:ea typeface="新細明體" charset="-120"/>
               </a:rPr>
               <a:t>12.4 Disk Scheduling</a:t>
@@ -9191,13 +9274,13 @@
           <a:lstStyle/>
           <a:p>
             <a:r>
-              <a:rPr lang="en-US" altLang="zh-TW" sz="2400" dirty="0" smtClean="0">
+              <a:rPr lang="en-US" altLang="zh-TW" sz="2400" dirty="0">
                 <a:ea typeface="新細明體" charset="-120"/>
               </a:rPr>
               <a:t>The operating system is responsible for using hardware efficiently — for the disk drives, this means having a </a:t>
             </a:r>
             <a:r>
-              <a:rPr lang="en-US" altLang="zh-TW" sz="2400" b="1" dirty="0" smtClean="0">
+              <a:rPr lang="en-US" altLang="zh-TW" sz="2400" b="1" dirty="0">
                 <a:solidFill>
                   <a:srgbClr val="FF0000"/>
                 </a:solidFill>
@@ -9206,7 +9289,7 @@
               <a:t>fast access time and disk bandwidth</a:t>
             </a:r>
             <a:r>
-              <a:rPr lang="en-US" altLang="zh-TW" sz="2400" dirty="0" smtClean="0">
+              <a:rPr lang="en-US" altLang="zh-TW" sz="2400" dirty="0">
                 <a:ea typeface="新細明體" charset="-120"/>
               </a:rPr>
               <a:t>.</a:t>
@@ -9214,7 +9297,7 @@
           </a:p>
           <a:p>
             <a:r>
-              <a:rPr lang="en-US" altLang="zh-TW" sz="2400" dirty="0" smtClean="0">
+              <a:rPr lang="en-US" altLang="zh-TW" sz="2400" dirty="0">
                 <a:ea typeface="新細明體" charset="-120"/>
               </a:rPr>
               <a:t>Access time has two major components</a:t>
@@ -9223,7 +9306,7 @@
           <a:p>
             <a:pPr lvl="1"/>
             <a:r>
-              <a:rPr lang="en-US" altLang="zh-TW" sz="2400" b="1" i="1" dirty="0" smtClean="0">
+              <a:rPr lang="en-US" altLang="zh-TW" sz="2400" b="1" i="1" dirty="0">
                 <a:solidFill>
                   <a:srgbClr val="FF0000"/>
                 </a:solidFill>
@@ -9232,7 +9315,7 @@
               <a:t>Seek time</a:t>
             </a:r>
             <a:r>
-              <a:rPr lang="en-US" altLang="zh-TW" sz="2400" b="1" dirty="0" smtClean="0">
+              <a:rPr lang="en-US" altLang="zh-TW" sz="2400" b="1" dirty="0">
                 <a:solidFill>
                   <a:srgbClr val="FF0000"/>
                 </a:solidFill>
@@ -9241,81 +9324,156 @@
               <a:t> </a:t>
             </a:r>
             <a:r>
-              <a:rPr lang="en-US" altLang="zh-TW" sz="2400" dirty="0" smtClean="0">
-                <a:ea typeface="新細明體" charset="-120"/>
-              </a:rPr>
-              <a:t>is the time for the disk arm to move the heads to the cylinder containing the desired sector.</a:t>
-            </a:r>
-          </a:p>
-          <a:p>
-            <a:pPr lvl="1"/>
-            <a:r>
-              <a:rPr lang="en-US" altLang="zh-TW" sz="2400" b="1" i="1" dirty="0" smtClean="0">
+              <a:rPr lang="en-US" altLang="zh-TW" sz="2400" dirty="0">
+                <a:ea typeface="新細明體" charset="-120"/>
+              </a:rPr>
+              <a:t>is the time for the disk arm </a:t>
+            </a:r>
+            <a:r>
+              <a:rPr lang="en-US" altLang="zh-TW" sz="2400" dirty="0">
                 <a:solidFill>
                   <a:srgbClr val="FF0000"/>
                 </a:solidFill>
                 <a:ea typeface="新細明體" charset="-120"/>
               </a:rPr>
-              <a:t>Rotational latency</a:t>
-            </a:r>
-            <a:r>
-              <a:rPr lang="en-US" altLang="zh-TW" sz="2400" b="1" dirty="0" smtClean="0">
+              <a:t>to move the heads to </a:t>
+            </a:r>
+            <a:r>
+              <a:rPr lang="en-US" altLang="zh-TW" sz="2400" dirty="0">
+                <a:ea typeface="新細明體" charset="-120"/>
+              </a:rPr>
+              <a:t>the </a:t>
+            </a:r>
+            <a:r>
+              <a:rPr lang="en-US" altLang="zh-TW" sz="2400" dirty="0">
                 <a:solidFill>
                   <a:srgbClr val="FF0000"/>
                 </a:solidFill>
                 <a:ea typeface="新細明體" charset="-120"/>
               </a:rPr>
-              <a:t> </a:t>
-            </a:r>
-            <a:r>
-              <a:rPr lang="en-US" altLang="zh-TW" sz="2400" dirty="0" smtClean="0">
-                <a:ea typeface="新細明體" charset="-120"/>
-              </a:rPr>
-              <a:t>is the additional time waiting for the disk to rotate the desired sector to the disk head.</a:t>
-            </a:r>
-          </a:p>
-          <a:p>
-            <a:r>
-              <a:rPr lang="en-US" altLang="zh-TW" sz="2400" dirty="0" smtClean="0">
-                <a:ea typeface="新細明體" charset="-120"/>
-              </a:rPr>
-              <a:t>Minimize seek time</a:t>
-            </a:r>
-          </a:p>
-          <a:p>
-            <a:r>
-              <a:rPr lang="en-US" altLang="zh-TW" sz="2400" dirty="0" smtClean="0">
-                <a:ea typeface="新細明體" charset="-120"/>
-              </a:rPr>
-              <a:t>Seek time </a:t>
-            </a:r>
-            <a:r>
-              <a:rPr lang="en-US" altLang="zh-TW" sz="2400" dirty="0" smtClean="0">
-                <a:ea typeface="新細明體" charset="-120"/>
-                <a:sym typeface="Symbol" charset="2"/>
-              </a:rPr>
-              <a:t> seek distance</a:t>
-            </a:r>
-          </a:p>
-          <a:p>
-            <a:r>
-              <a:rPr lang="en-US" altLang="zh-TW" sz="2400" b="1" dirty="0" smtClean="0">
+              <a:t>cylinder</a:t>
+            </a:r>
+            <a:r>
+              <a:rPr lang="en-US" altLang="zh-TW" sz="2400" dirty="0">
+                <a:ea typeface="新細明體" charset="-120"/>
+              </a:rPr>
+              <a:t> containing the desired sector.</a:t>
+            </a:r>
+          </a:p>
+          <a:p>
+            <a:pPr lvl="1"/>
+            <a:r>
+              <a:rPr lang="en-US" altLang="zh-TW" sz="2400" b="1" i="1" dirty="0">
                 <a:solidFill>
                   <a:srgbClr val="FF0000"/>
                 </a:solidFill>
                 <a:ea typeface="新細明體" charset="-120"/>
+              </a:rPr>
+              <a:t>Rotational latency</a:t>
+            </a:r>
+            <a:r>
+              <a:rPr lang="en-US" altLang="zh-TW" sz="2400" b="1" dirty="0">
+                <a:solidFill>
+                  <a:srgbClr val="FF0000"/>
+                </a:solidFill>
+                <a:ea typeface="新細明體" charset="-120"/>
+              </a:rPr>
+              <a:t> </a:t>
+            </a:r>
+            <a:r>
+              <a:rPr lang="en-US" altLang="zh-TW" sz="2400" dirty="0">
+                <a:ea typeface="新細明體" charset="-120"/>
+              </a:rPr>
+              <a:t>is the additional time waiting for the </a:t>
+            </a:r>
+            <a:r>
+              <a:rPr lang="en-US" altLang="zh-TW" sz="2400" dirty="0">
+                <a:solidFill>
+                  <a:srgbClr val="FF0000"/>
+                </a:solidFill>
+                <a:ea typeface="新細明體" charset="-120"/>
+              </a:rPr>
+              <a:t>disk to rotate </a:t>
+            </a:r>
+            <a:r>
+              <a:rPr lang="en-US" altLang="zh-TW" sz="2400" dirty="0">
+                <a:ea typeface="新細明體" charset="-120"/>
+              </a:rPr>
+              <a:t>the desired </a:t>
+            </a:r>
+            <a:r>
+              <a:rPr lang="en-US" altLang="zh-TW" sz="2400" dirty="0">
+                <a:solidFill>
+                  <a:srgbClr val="FF0000"/>
+                </a:solidFill>
+                <a:ea typeface="新細明體" charset="-120"/>
+              </a:rPr>
+              <a:t>sector</a:t>
+            </a:r>
+            <a:r>
+              <a:rPr lang="en-US" altLang="zh-TW" sz="2400" dirty="0">
+                <a:ea typeface="新細明體" charset="-120"/>
+              </a:rPr>
+              <a:t> to the </a:t>
+            </a:r>
+            <a:r>
+              <a:rPr lang="en-US" altLang="zh-TW" sz="2400" dirty="0">
+                <a:solidFill>
+                  <a:srgbClr val="FF0000"/>
+                </a:solidFill>
+                <a:ea typeface="新細明體" charset="-120"/>
+              </a:rPr>
+              <a:t>disk head</a:t>
+            </a:r>
+            <a:r>
+              <a:rPr lang="en-US" altLang="zh-TW" sz="2400" dirty="0">
+                <a:ea typeface="新細明體" charset="-120"/>
+              </a:rPr>
+              <a:t>.</a:t>
+            </a:r>
+          </a:p>
+          <a:p>
+            <a:r>
+              <a:rPr lang="en-US" altLang="zh-TW" sz="2400" dirty="0">
+                <a:ea typeface="新細明體" charset="-120"/>
+              </a:rPr>
+              <a:t>Minimize seek time</a:t>
+            </a:r>
+          </a:p>
+          <a:p>
+            <a:r>
+              <a:rPr lang="en-US" altLang="zh-TW" sz="2400" dirty="0">
+                <a:ea typeface="新細明體" charset="-120"/>
+              </a:rPr>
+              <a:t>Seek time </a:t>
+            </a:r>
+            <a:r>
+              <a:rPr lang="en-US" altLang="zh-TW" sz="2400" dirty="0">
+                <a:ea typeface="新細明體" charset="-120"/>
                 <a:sym typeface="Symbol" charset="2"/>
               </a:rPr>
+              <a:t> seek distance</a:t>
+            </a:r>
+          </a:p>
+          <a:p>
+            <a:r>
+              <a:rPr lang="en-US" altLang="zh-TW" sz="2400" b="1" dirty="0">
+                <a:solidFill>
+                  <a:srgbClr val="FF0000"/>
+                </a:solidFill>
+                <a:ea typeface="新細明體" charset="-120"/>
+                <a:sym typeface="Symbol" charset="2"/>
+              </a:rPr>
               <a:t>Disk bandwidth </a:t>
             </a:r>
             <a:r>
-              <a:rPr lang="en-US" altLang="zh-TW" sz="2400" dirty="0" smtClean="0">
+              <a:rPr lang="en-US" altLang="zh-TW" sz="2400" dirty="0">
                 <a:ea typeface="新細明體" charset="-120"/>
                 <a:sym typeface="Symbol" charset="2"/>
               </a:rPr>
               <a:t>is the total number of bytes transferred, divided by the total time between the first request for service and the completion of the last transfer.</a:t>
             </a:r>
-            <a:endParaRPr lang="en-US" altLang="zh-TW" sz="2400" dirty="0" smtClean="0">
+            <a:endParaRPr lang="en-US" altLang="zh-TW" sz="2400" dirty="0">
               <a:ea typeface="新細明體" charset="-120"/>
             </a:endParaRPr>
           </a:p>
@@ -9787,7 +9945,7 @@
           <a:p>
             <a:pPr eaLnBrk="1" hangingPunct="1"/>
             <a:r>
-              <a:rPr lang="en-US" altLang="zh-TW" smtClean="0">
+              <a:rPr lang="en-US" altLang="zh-TW">
                 <a:ea typeface="新細明體" charset="-120"/>
               </a:rPr>
               <a:t>Disk Scheduling (Cont.)</a:t>
@@ -9821,7 +9979,7 @@
               </a:tabLst>
             </a:pPr>
             <a:r>
-              <a:rPr lang="en-US" altLang="zh-TW" sz="2400" dirty="0" smtClean="0">
+              <a:rPr lang="en-US" altLang="zh-TW" sz="2400" dirty="0">
                 <a:ea typeface="新細明體" charset="-120"/>
               </a:rPr>
               <a:t>Several algorithms exist to schedule the servicing of disk I/O requests. </a:t>
@@ -9834,10 +9992,25 @@
               </a:tabLst>
             </a:pPr>
             <a:r>
-              <a:rPr lang="en-US" altLang="zh-TW" sz="2400" dirty="0" smtClean="0">
-                <a:ea typeface="新細明體" charset="-120"/>
-              </a:rPr>
-              <a:t>We illustrate them with a request queue (0-199 cylinders).</a:t>
+              <a:rPr lang="en-US" altLang="zh-TW" sz="2400" dirty="0">
+                <a:ea typeface="新細明體" charset="-120"/>
+              </a:rPr>
+              <a:t>We illustrate them with a request queue (0-199 </a:t>
+            </a:r>
+            <a:r>
+              <a:rPr lang="en-US" altLang="zh-TW" sz="2400" dirty="0">
+                <a:solidFill>
+                  <a:srgbClr val="FF0000"/>
+                </a:solidFill>
+                <a:ea typeface="新細明體" charset="-120"/>
+              </a:rPr>
+              <a:t>cylinders</a:t>
+            </a:r>
+            <a:r>
+              <a:rPr lang="en-US" altLang="zh-TW" sz="2400" dirty="0">
+                <a:ea typeface="新細明體" charset="-120"/>
+              </a:rPr>
+              <a:t>).</a:t>
             </a:r>
           </a:p>
           <a:p>
@@ -9849,24 +10022,24 @@
               </a:tabLst>
             </a:pPr>
             <a:r>
-              <a:rPr lang="en-US" altLang="zh-TW" sz="2400" dirty="0" smtClean="0">
+              <a:rPr lang="en-US" altLang="zh-TW" sz="2400" dirty="0">
                 <a:ea typeface="新細明體" charset="-120"/>
               </a:rPr>
               <a:t>		</a:t>
             </a:r>
             <a:br>
-              <a:rPr lang="en-US" altLang="zh-TW" sz="2400" dirty="0" smtClean="0">
+              <a:rPr lang="en-US" altLang="zh-TW" sz="2400" dirty="0">
                 <a:ea typeface="新細明體" charset="-120"/>
               </a:rPr>
             </a:br>
             <a:r>
-              <a:rPr lang="en-US" altLang="zh-TW" sz="2400" dirty="0" smtClean="0">
+              <a:rPr lang="en-US" altLang="zh-TW" sz="2400" dirty="0">
                 <a:ea typeface="新細明體" charset="-120"/>
               </a:rPr>
               <a:t>	</a:t>
             </a:r>
             <a:r>
-              <a:rPr lang="en-US" altLang="zh-TW" sz="2400" dirty="0" smtClean="0">
+              <a:rPr lang="en-US" altLang="zh-TW" sz="2400" dirty="0">
                 <a:solidFill>
                   <a:srgbClr val="FF0000"/>
                 </a:solidFill>
@@ -9883,7 +10056,7 @@
                 <a:tab pos="1711325" algn="l"/>
               </a:tabLst>
             </a:pPr>
-            <a:endParaRPr lang="en-US" altLang="zh-TW" sz="2400" dirty="0" smtClean="0">
+            <a:endParaRPr lang="en-US" altLang="zh-TW" sz="2400" dirty="0">
               <a:ea typeface="新細明體" charset="-120"/>
             </a:endParaRPr>
           </a:p>
@@ -9896,13 +10069,13 @@
               </a:tabLst>
             </a:pPr>
             <a:r>
-              <a:rPr lang="en-US" altLang="zh-TW" sz="2400" dirty="0" smtClean="0">
+              <a:rPr lang="en-US" altLang="zh-TW" sz="2400" dirty="0">
                 <a:ea typeface="新細明體" charset="-120"/>
               </a:rPr>
               <a:t>	</a:t>
             </a:r>
             <a:r>
-              <a:rPr lang="en-US" altLang="zh-TW" sz="2400" dirty="0" smtClean="0">
+              <a:rPr lang="en-US" altLang="zh-TW" sz="2400" dirty="0">
                 <a:solidFill>
                   <a:srgbClr val="FF0000"/>
                 </a:solidFill>
@@ -9918,13 +10091,6 @@
   <p:clrMapOvr>
     <a:masterClrMapping/>
   </p:clrMapOvr>
-  <p:timing>
-    <p:tnLst>
-      <p:par>
-        <p:cTn id="1" dur="indefinite" restart="never" nodeType="tmRoot"/>
-      </p:par>
-    </p:tnLst>
-  </p:timing>
 </p:sld>
 </file>
 
@@ -9967,7 +10133,7 @@
           <a:p>
             <a:pPr eaLnBrk="1" hangingPunct="1"/>
             <a:r>
-              <a:rPr lang="en-US" altLang="zh-TW" smtClean="0">
+              <a:rPr lang="en-US" altLang="zh-TW">
                 <a:ea typeface="新細明體" charset="-120"/>
               </a:rPr>
               <a:t>FCFS (First Come First Service)</a:t>
@@ -10074,13 +10240,6 @@
   <p:clrMapOvr>
     <a:masterClrMapping/>
   </p:clrMapOvr>
-  <p:timing>
-    <p:tnLst>
-      <p:par>
-        <p:cTn id="1" dur="indefinite" restart="never" nodeType="tmRoot"/>
-      </p:par>
-    </p:tnLst>
-  </p:timing>
 </p:sld>
 </file>
 
@@ -10123,7 +10282,7 @@
           <a:p>
             <a:pPr eaLnBrk="1" hangingPunct="1"/>
             <a:r>
-              <a:rPr lang="en-US" altLang="zh-TW" smtClean="0">
+              <a:rPr lang="en-US" altLang="zh-TW">
                 <a:ea typeface="新細明體" charset="-120"/>
               </a:rPr>
               <a:t>SSTF (Shortest Seek Time First)</a:t>
@@ -10152,13 +10311,13 @@
           <a:lstStyle/>
           <a:p>
             <a:r>
-              <a:rPr lang="en-US" altLang="zh-TW" sz="2400" dirty="0" smtClean="0">
+              <a:rPr lang="en-US" altLang="zh-TW" sz="2400" dirty="0">
                 <a:ea typeface="新細明體" charset="-120"/>
               </a:rPr>
               <a:t>Selects the request with the </a:t>
             </a:r>
             <a:r>
-              <a:rPr lang="en-US" altLang="zh-TW" sz="2400" b="1" dirty="0" smtClean="0">
+              <a:rPr lang="en-US" altLang="zh-TW" sz="2400" b="1" dirty="0">
                 <a:solidFill>
                   <a:srgbClr val="FF0000"/>
                 </a:solidFill>
@@ -10167,7 +10326,7 @@
               <a:t>minimum seek time </a:t>
             </a:r>
             <a:r>
-              <a:rPr lang="en-US" altLang="zh-TW" sz="2400" dirty="0" smtClean="0">
+              <a:rPr lang="en-US" altLang="zh-TW" sz="2400" dirty="0">
                 <a:ea typeface="新細明體" charset="-120"/>
               </a:rPr>
               <a:t>from the current head position.</a:t>
@@ -10175,13 +10334,13 @@
           </a:p>
           <a:p>
             <a:r>
-              <a:rPr lang="en-US" altLang="zh-TW" sz="2400" dirty="0" smtClean="0">
+              <a:rPr lang="en-US" altLang="zh-TW" sz="2400" dirty="0">
                 <a:ea typeface="新細明體" charset="-120"/>
               </a:rPr>
               <a:t>SSTF scheduling is a form of SJF scheduling; may cause </a:t>
             </a:r>
             <a:r>
-              <a:rPr lang="en-US" altLang="zh-TW" sz="2400" dirty="0" smtClean="0">
+              <a:rPr lang="en-US" altLang="zh-TW" sz="2400" dirty="0">
                 <a:solidFill>
                   <a:srgbClr val="FF0000"/>
                 </a:solidFill>
@@ -10190,7 +10349,7 @@
               <a:t>starvation</a:t>
             </a:r>
             <a:r>
-              <a:rPr lang="en-US" altLang="zh-TW" sz="2400" dirty="0" smtClean="0">
+              <a:rPr lang="en-US" altLang="zh-TW" sz="2400" dirty="0">
                 <a:ea typeface="新細明體" charset="-120"/>
               </a:rPr>
               <a:t> of some requests.</a:t>
@@ -10198,13 +10357,13 @@
           </a:p>
           <a:p>
             <a:r>
-              <a:rPr lang="en-US" altLang="zh-TW" sz="2400" dirty="0" smtClean="0">
+              <a:rPr lang="en-US" altLang="zh-TW" sz="2400" dirty="0">
                 <a:ea typeface="新細明體" charset="-120"/>
               </a:rPr>
               <a:t>Illustration shows total head movement of </a:t>
             </a:r>
             <a:r>
-              <a:rPr lang="en-US" altLang="zh-TW" sz="2400" dirty="0" smtClean="0">
+              <a:rPr lang="en-US" altLang="zh-TW" sz="2400" dirty="0">
                 <a:solidFill>
                   <a:srgbClr val="FF0000"/>
                 </a:solidFill>
@@ -10213,7 +10372,7 @@
               <a:t>236 cylinders</a:t>
             </a:r>
             <a:r>
-              <a:rPr lang="en-US" altLang="zh-TW" sz="2400" dirty="0" smtClean="0">
+              <a:rPr lang="en-US" altLang="zh-TW" sz="2400" dirty="0">
                 <a:ea typeface="新細明體" charset="-120"/>
               </a:rPr>
               <a:t>.</a:t>
@@ -10479,7 +10638,7 @@
           <a:p>
             <a:pPr eaLnBrk="1" hangingPunct="1"/>
             <a:r>
-              <a:rPr lang="en-US" altLang="zh-TW" smtClean="0">
+              <a:rPr lang="en-US" altLang="zh-TW">
                 <a:ea typeface="新細明體" charset="-120"/>
               </a:rPr>
               <a:t>SSTF (Cont.)</a:t>
@@ -10524,13 +10683,6 @@
   <p:clrMapOvr>
     <a:masterClrMapping/>
   </p:clrMapOvr>
-  <p:timing>
-    <p:tnLst>
-      <p:par>
-        <p:cTn id="1" dur="indefinite" restart="never" nodeType="tmRoot"/>
-      </p:par>
-    </p:tnLst>
-  </p:timing>
 </p:sld>
 </file>
 
@@ -10568,7 +10720,7 @@
           <a:p>
             <a:pPr eaLnBrk="1" hangingPunct="1"/>
             <a:r>
-              <a:rPr lang="en-US" altLang="zh-TW" smtClean="0">
+              <a:rPr lang="en-US" altLang="zh-TW">
                 <a:ea typeface="新細明體" charset="-120"/>
               </a:rPr>
               <a:t>SCAN</a:t>
@@ -10597,13 +10749,13 @@
           <a:lstStyle/>
           <a:p>
             <a:r>
-              <a:rPr lang="en-US" altLang="zh-TW" sz="2400" dirty="0" smtClean="0">
+              <a:rPr lang="en-US" altLang="zh-TW" sz="2400" dirty="0">
                 <a:ea typeface="新細明體" charset="-120"/>
               </a:rPr>
               <a:t>The disk arm starts at one end of the disk, and moves toward the other end, servicing requests until it gets to the other end of the disk, where </a:t>
             </a:r>
             <a:r>
-              <a:rPr lang="en-US" altLang="zh-TW" sz="2400" b="1" dirty="0" smtClean="0">
+              <a:rPr lang="en-US" altLang="zh-TW" sz="2400" b="1" dirty="0">
                 <a:solidFill>
                   <a:srgbClr val="FF0000"/>
                 </a:solidFill>
@@ -10612,7 +10764,7 @@
               <a:t>the head movement is reversed and servicing continues</a:t>
             </a:r>
             <a:r>
-              <a:rPr lang="en-US" altLang="zh-TW" sz="2400" dirty="0" smtClean="0">
+              <a:rPr lang="en-US" altLang="zh-TW" sz="2400" dirty="0">
                 <a:ea typeface="新細明體" charset="-120"/>
               </a:rPr>
               <a:t>.</a:t>
@@ -10620,13 +10772,13 @@
           </a:p>
           <a:p>
             <a:r>
-              <a:rPr lang="en-US" altLang="zh-TW" sz="2400" dirty="0" smtClean="0">
+              <a:rPr lang="en-US" altLang="zh-TW" sz="2400" dirty="0">
                 <a:ea typeface="新細明體" charset="-120"/>
               </a:rPr>
               <a:t>Sometimes called the </a:t>
             </a:r>
             <a:r>
-              <a:rPr lang="en-US" altLang="zh-TW" sz="2400" b="1" i="1" dirty="0" smtClean="0">
+              <a:rPr lang="en-US" altLang="zh-TW" sz="2400" b="1" i="1" dirty="0">
                 <a:solidFill>
                   <a:srgbClr val="FF0000"/>
                 </a:solidFill>
@@ -10635,7 +10787,7 @@
               <a:t>elevator algorithm</a:t>
             </a:r>
             <a:r>
-              <a:rPr lang="en-US" altLang="zh-TW" sz="2400" dirty="0" smtClean="0">
+              <a:rPr lang="en-US" altLang="zh-TW" sz="2400" dirty="0">
                 <a:ea typeface="新細明體" charset="-120"/>
               </a:rPr>
               <a:t>.</a:t>
@@ -10643,13 +10795,13 @@
           </a:p>
           <a:p>
             <a:r>
-              <a:rPr lang="en-US" altLang="zh-TW" sz="2400" dirty="0" smtClean="0">
+              <a:rPr lang="en-US" altLang="zh-TW" sz="2400" dirty="0">
                 <a:ea typeface="新細明體" charset="-120"/>
               </a:rPr>
               <a:t>Illustration shows total head movement of </a:t>
             </a:r>
             <a:r>
-              <a:rPr lang="en-US" altLang="zh-TW" sz="2400" dirty="0" smtClean="0">
+              <a:rPr lang="en-US" altLang="zh-TW" sz="2400" dirty="0">
                 <a:solidFill>
                   <a:srgbClr val="FF0000"/>
                 </a:solidFill>
@@ -10658,7 +10810,7 @@
               <a:t>208 cylinders</a:t>
             </a:r>
             <a:r>
-              <a:rPr lang="en-US" altLang="zh-TW" sz="2400" dirty="0" smtClean="0">
+              <a:rPr lang="en-US" altLang="zh-TW" sz="2400" dirty="0">
                 <a:ea typeface="新細明體" charset="-120"/>
               </a:rPr>
               <a:t>.</a:t>
@@ -10924,7 +11076,7 @@
           <a:p>
             <a:pPr eaLnBrk="1" hangingPunct="1"/>
             <a:r>
-              <a:rPr lang="en-US" altLang="zh-TW" smtClean="0">
+              <a:rPr lang="en-US" altLang="zh-TW">
                 <a:ea typeface="新細明體" charset="-120"/>
               </a:rPr>
               <a:t>SCAN (Cont.)</a:t>
@@ -10969,13 +11121,6 @@
   <p:clrMapOvr>
     <a:masterClrMapping/>
   </p:clrMapOvr>
-  <p:timing>
-    <p:tnLst>
-      <p:par>
-        <p:cTn id="1" dur="indefinite" restart="never" nodeType="tmRoot"/>
-      </p:par>
-    </p:tnLst>
-  </p:timing>
 </p:sld>
 </file>
 
@@ -11013,7 +11158,7 @@
           <a:p>
             <a:pPr eaLnBrk="1" hangingPunct="1"/>
             <a:r>
-              <a:rPr lang="en-US" altLang="zh-TW" smtClean="0">
+              <a:rPr lang="en-US" altLang="zh-TW">
                 <a:ea typeface="新細明體" charset="-120"/>
               </a:rPr>
               <a:t>C-SCAN</a:t>
@@ -11042,13 +11187,13 @@
           <a:lstStyle/>
           <a:p>
             <a:r>
-              <a:rPr lang="en-US" altLang="zh-TW" sz="2400" dirty="0" smtClean="0">
+              <a:rPr lang="en-US" altLang="zh-TW" sz="2400" dirty="0">
                 <a:ea typeface="新細明體" charset="-120"/>
               </a:rPr>
               <a:t>Provides a </a:t>
             </a:r>
             <a:r>
-              <a:rPr lang="en-US" altLang="zh-TW" sz="2400" dirty="0" smtClean="0">
+              <a:rPr lang="en-US" altLang="zh-TW" sz="2400" dirty="0">
                 <a:solidFill>
                   <a:srgbClr val="FF0000"/>
                 </a:solidFill>
@@ -11057,7 +11202,7 @@
               <a:t>more uniform wait time than SCAN</a:t>
             </a:r>
             <a:r>
-              <a:rPr lang="en-US" altLang="zh-TW" sz="2400" dirty="0" smtClean="0">
+              <a:rPr lang="en-US" altLang="zh-TW" sz="2400" dirty="0">
                 <a:ea typeface="新細明體" charset="-120"/>
               </a:rPr>
               <a:t>.</a:t>
@@ -11065,7 +11210,7 @@
           </a:p>
           <a:p>
             <a:r>
-              <a:rPr lang="en-US" altLang="zh-TW" sz="2400" dirty="0" smtClean="0">
+              <a:rPr lang="en-US" altLang="zh-TW" sz="2400" dirty="0">
                 <a:ea typeface="新細明體" charset="-120"/>
               </a:rPr>
               <a:t>The head moves from one end of the disk to the other. servicing requests as it goes.  </a:t>
@@ -11073,13 +11218,13 @@
           </a:p>
           <a:p>
             <a:r>
-              <a:rPr lang="en-US" altLang="zh-TW" sz="2400" dirty="0" smtClean="0">
+              <a:rPr lang="en-US" altLang="zh-TW" sz="2400" dirty="0">
                 <a:ea typeface="新細明體" charset="-120"/>
               </a:rPr>
               <a:t>When it reaches the other end, however, it immediately returns to the beginning of the disk</a:t>
             </a:r>
             <a:r>
-              <a:rPr lang="en-US" altLang="zh-TW" sz="2400" b="1" dirty="0" smtClean="0">
+              <a:rPr lang="en-US" altLang="zh-TW" sz="2400" b="1" dirty="0">
                 <a:solidFill>
                   <a:srgbClr val="FF0000"/>
                 </a:solidFill>
@@ -11088,7 +11233,7 @@
               <a:t>, without servicing any requests on the return trip</a:t>
             </a:r>
             <a:r>
-              <a:rPr lang="en-US" altLang="zh-TW" sz="2400" dirty="0" smtClean="0">
+              <a:rPr lang="en-US" altLang="zh-TW" sz="2400" dirty="0">
                 <a:ea typeface="新細明體" charset="-120"/>
               </a:rPr>
               <a:t>.</a:t>
@@ -11096,7 +11241,7 @@
           </a:p>
           <a:p>
             <a:r>
-              <a:rPr lang="en-US" altLang="zh-TW" sz="2400" dirty="0" smtClean="0">
+              <a:rPr lang="en-US" altLang="zh-TW" sz="2400" dirty="0">
                 <a:ea typeface="新細明體" charset="-120"/>
               </a:rPr>
               <a:t>Treats the cylinders as a circular list that wraps around from the last cylinder to the first one.</a:t>
@@ -11428,7 +11573,7 @@
           <a:p>
             <a:pPr eaLnBrk="1" hangingPunct="1"/>
             <a:r>
-              <a:rPr lang="en-US" altLang="zh-TW" dirty="0" smtClean="0">
+              <a:rPr lang="en-US" altLang="zh-TW" dirty="0">
                 <a:ea typeface="新細明體" charset="-120"/>
               </a:rPr>
               <a:t>Chapter 12:  Secondary-Storage Structure</a:t>
@@ -11457,7 +11602,7 @@
           <a:lstStyle/>
           <a:p>
             <a:r>
-              <a:rPr lang="en-US" altLang="zh-TW" dirty="0" smtClean="0">
+              <a:rPr lang="en-US" altLang="zh-TW" dirty="0">
                 <a:ea typeface="新細明體" charset="-120"/>
               </a:rPr>
               <a:t>Overview of Mass Storage Structure</a:t>
@@ -11465,7 +11610,7 @@
           </a:p>
           <a:p>
             <a:r>
-              <a:rPr lang="en-US" altLang="zh-TW" dirty="0" smtClean="0">
+              <a:rPr lang="en-US" altLang="zh-TW" dirty="0">
                 <a:ea typeface="新細明體" charset="-120"/>
               </a:rPr>
               <a:t>Disk Structure</a:t>
@@ -11473,7 +11618,7 @@
           </a:p>
           <a:p>
             <a:r>
-              <a:rPr lang="en-US" altLang="zh-TW" dirty="0" smtClean="0">
+              <a:rPr lang="en-US" altLang="zh-TW" dirty="0">
                 <a:ea typeface="新細明體" charset="-120"/>
               </a:rPr>
               <a:t>Disk Attachment</a:t>
@@ -11481,7 +11626,7 @@
           </a:p>
           <a:p>
             <a:r>
-              <a:rPr lang="en-US" altLang="zh-TW" dirty="0" smtClean="0">
+              <a:rPr lang="en-US" altLang="zh-TW" dirty="0">
                 <a:ea typeface="新細明體" charset="-120"/>
               </a:rPr>
               <a:t>Disk Scheduling</a:t>
@@ -11489,7 +11634,7 @@
           </a:p>
           <a:p>
             <a:r>
-              <a:rPr lang="en-US" altLang="zh-TW" dirty="0" smtClean="0">
+              <a:rPr lang="en-US" altLang="zh-TW" dirty="0">
                 <a:ea typeface="新細明體" charset="-120"/>
               </a:rPr>
               <a:t>Disk Management</a:t>
@@ -11497,7 +11642,7 @@
           </a:p>
           <a:p>
             <a:r>
-              <a:rPr lang="en-US" altLang="zh-TW" dirty="0" smtClean="0">
+              <a:rPr lang="en-US" altLang="zh-TW" dirty="0">
                 <a:ea typeface="新細明體" charset="-120"/>
               </a:rPr>
               <a:t>Swap-Space Management</a:t>
@@ -11505,7 +11650,7 @@
           </a:p>
           <a:p>
             <a:r>
-              <a:rPr lang="en-US" altLang="zh-TW" dirty="0" smtClean="0">
+              <a:rPr lang="en-US" altLang="zh-TW" dirty="0">
                 <a:ea typeface="新細明體" charset="-120"/>
               </a:rPr>
               <a:t>RAID Structure</a:t>
@@ -11513,7 +11658,7 @@
           </a:p>
           <a:p>
             <a:r>
-              <a:rPr lang="en-US" altLang="zh-TW" dirty="0" smtClean="0">
+              <a:rPr lang="en-US" altLang="zh-TW" dirty="0">
                 <a:ea typeface="新細明體" charset="-120"/>
               </a:rPr>
               <a:t>Stable-Storage Implementation</a:t>
@@ -11521,17 +11666,27 @@
           </a:p>
           <a:p>
             <a:r>
-              <a:rPr lang="en-US" altLang="zh-TW" dirty="0" smtClean="0">
-                <a:ea typeface="新細明體" charset="-120"/>
-              </a:rPr>
-              <a:t>Tertiary Storage Devices</a:t>
+              <a:rPr lang="en-US" altLang="zh-TW" dirty="0">
+                <a:ea typeface="新細明體" charset="-120"/>
+              </a:rPr>
+              <a:t>Tertiary</a:t>
+            </a:r>
+            <a:r>
+              <a:rPr lang="zh-TW" altLang="en-US" b="0" dirty="0"/>
+              <a:t> 第三期的</a:t>
+            </a:r>
+            <a:r>
+              <a:rPr lang="en-US" altLang="zh-TW" dirty="0">
+                <a:ea typeface="新細明體" charset="-120"/>
+              </a:rPr>
+              <a:t> Storage Devices</a:t>
             </a:r>
           </a:p>
           <a:p>
             <a:pPr>
               <a:buNone/>
             </a:pPr>
-            <a:endParaRPr lang="en-US" altLang="zh-TW" dirty="0" smtClean="0">
+            <a:endParaRPr lang="en-US" altLang="zh-TW" dirty="0">
               <a:ea typeface="新細明體" charset="-120"/>
             </a:endParaRPr>
           </a:p>
@@ -11542,13 +11697,6 @@
   <p:clrMapOvr>
     <a:masterClrMapping/>
   </p:clrMapOvr>
-  <p:timing>
-    <p:tnLst>
-      <p:par>
-        <p:cTn id="1" dur="indefinite" restart="never" nodeType="tmRoot"/>
-      </p:par>
-    </p:tnLst>
-  </p:timing>
 </p:sld>
 </file>
 
@@ -11586,7 +11734,7 @@
           <a:p>
             <a:pPr eaLnBrk="1" hangingPunct="1"/>
             <a:r>
-              <a:rPr lang="en-US" altLang="zh-TW" smtClean="0">
+              <a:rPr lang="en-US" altLang="zh-TW">
                 <a:ea typeface="新細明體" charset="-120"/>
               </a:rPr>
               <a:t>C-SCAN (Cont.)</a:t>
@@ -11648,7 +11796,7 @@
           <a:lstStyle/>
           <a:p>
             <a:r>
-              <a:rPr lang="en-US" altLang="zh-TW" b="1" dirty="0" smtClean="0">
+              <a:rPr lang="en-US" altLang="zh-TW" b="1" dirty="0">
                 <a:solidFill>
                   <a:srgbClr val="FF0000"/>
                 </a:solidFill>
@@ -11665,13 +11813,6 @@
   <p:clrMapOvr>
     <a:masterClrMapping/>
   </p:clrMapOvr>
-  <p:timing>
-    <p:tnLst>
-      <p:par>
-        <p:cTn id="1" dur="indefinite" restart="never" nodeType="tmRoot"/>
-      </p:par>
-    </p:tnLst>
-  </p:timing>
 </p:sld>
 </file>
 
@@ -11709,7 +11850,7 @@
           <a:p>
             <a:pPr eaLnBrk="1" hangingPunct="1"/>
             <a:r>
-              <a:rPr lang="en-US" altLang="zh-TW" dirty="0" smtClean="0">
+              <a:rPr lang="en-US" altLang="zh-TW" dirty="0">
                 <a:ea typeface="新細明體" charset="-120"/>
               </a:rPr>
               <a:t>C-LOOK (or LOOK)</a:t>
@@ -11738,7 +11879,7 @@
           <a:lstStyle/>
           <a:p>
             <a:r>
-              <a:rPr lang="en-US" altLang="zh-TW" sz="2800" dirty="0" smtClean="0">
+              <a:rPr lang="en-US" altLang="zh-TW" sz="2800" dirty="0">
                 <a:ea typeface="新細明體" charset="-120"/>
               </a:rPr>
               <a:t>Versions of SACN and C-SCAN</a:t>
@@ -11746,45 +11887,63 @@
           </a:p>
           <a:p>
             <a:r>
-              <a:rPr lang="en-US" altLang="zh-TW" sz="2800" dirty="0" smtClean="0">
+              <a:rPr lang="en-US" altLang="zh-TW" sz="2800" dirty="0">
                 <a:ea typeface="新細明體" charset="-120"/>
               </a:rPr>
               <a:t>Arm only goes </a:t>
             </a:r>
             <a:r>
-              <a:rPr lang="en-US" altLang="zh-TW" sz="2800" b="1" dirty="0" smtClean="0">
+              <a:rPr lang="en-US" altLang="zh-TW" sz="2800" b="1" dirty="0">
                 <a:solidFill>
                   <a:srgbClr val="FF0000"/>
                 </a:solidFill>
                 <a:ea typeface="新細明體" charset="-120"/>
               </a:rPr>
-              <a:t>as far as the last request in each direction</a:t>
-            </a:r>
-            <a:r>
-              <a:rPr lang="en-US" altLang="zh-TW" sz="2800" dirty="0" smtClean="0">
-                <a:ea typeface="新細明體" charset="-120"/>
-              </a:rPr>
-              <a:t>, then reverses direction immediately, without first going all the way to the end of the disk. </a:t>
-            </a:r>
-          </a:p>
-          <a:p>
-            <a:r>
-              <a:rPr lang="en-US" altLang="zh-TW" sz="2800" dirty="0" smtClean="0">
-                <a:ea typeface="新細明體" charset="-120"/>
-              </a:rPr>
-              <a:t>They </a:t>
-            </a:r>
-            <a:r>
-              <a:rPr lang="en-US" altLang="zh-TW" sz="2800" dirty="0" smtClean="0">
+              <a:t>as far as</a:t>
+            </a:r>
+            <a:r>
+              <a:rPr lang="zh-TW" altLang="en-US" sz="2800" b="1" dirty="0">
                 <a:solidFill>
                   <a:srgbClr val="FF0000"/>
                 </a:solidFill>
                 <a:ea typeface="新細明體" charset="-120"/>
               </a:rPr>
+              <a:t>跟一樣遠</a:t>
+            </a:r>
+            <a:r>
+              <a:rPr lang="en-US" altLang="zh-TW" sz="2800" b="1" dirty="0">
+                <a:solidFill>
+                  <a:srgbClr val="FF0000"/>
+                </a:solidFill>
+                <a:ea typeface="新細明體" charset="-120"/>
+              </a:rPr>
+              <a:t> the last request in each direction</a:t>
+            </a:r>
+            <a:r>
+              <a:rPr lang="en-US" altLang="zh-TW" sz="2800" dirty="0">
+                <a:ea typeface="新細明體" charset="-120"/>
+              </a:rPr>
+              <a:t>, then reverses direction immediately, without first going all the way to the end of the disk. </a:t>
+            </a:r>
+          </a:p>
+          <a:p>
+            <a:r>
+              <a:rPr lang="en-US" altLang="zh-TW" sz="2800" dirty="0">
+                <a:ea typeface="新細明體" charset="-120"/>
+              </a:rPr>
+              <a:t>They </a:t>
+            </a:r>
+            <a:r>
+              <a:rPr lang="en-US" altLang="zh-TW" sz="2800" dirty="0">
+                <a:solidFill>
+                  <a:srgbClr val="FF0000"/>
+                </a:solidFill>
+                <a:ea typeface="新細明體" charset="-120"/>
+              </a:rPr>
               <a:t>look </a:t>
             </a:r>
             <a:r>
-              <a:rPr lang="en-US" altLang="zh-TW" sz="2800" dirty="0" smtClean="0">
+              <a:rPr lang="en-US" altLang="zh-TW" sz="2800" dirty="0">
                 <a:ea typeface="新細明體" charset="-120"/>
               </a:rPr>
               <a:t>for a request before continuing to move in a given direction.</a:t>
@@ -12050,7 +12209,7 @@
           <a:p>
             <a:pPr eaLnBrk="1" hangingPunct="1"/>
             <a:r>
-              <a:rPr lang="en-US" altLang="zh-TW" smtClean="0">
+              <a:rPr lang="en-US" altLang="zh-TW">
                 <a:ea typeface="新細明體" charset="-120"/>
               </a:rPr>
               <a:t>C-LOOK (Cont.)</a:t>
@@ -12167,13 +12326,6 @@
   <p:clrMapOvr>
     <a:masterClrMapping/>
   </p:clrMapOvr>
-  <p:timing>
-    <p:tnLst>
-      <p:par>
-        <p:cTn id="1" dur="indefinite" restart="never" nodeType="tmRoot"/>
-      </p:par>
-    </p:tnLst>
-  </p:timing>
 </p:sld>
 </file>
 
@@ -12216,7 +12368,7 @@
           <a:p>
             <a:pPr eaLnBrk="1" hangingPunct="1"/>
             <a:r>
-              <a:rPr lang="en-US" altLang="zh-TW" dirty="0" smtClean="0">
+              <a:rPr lang="en-US" altLang="zh-TW" dirty="0">
                 <a:ea typeface="新細明體" charset="-120"/>
               </a:rPr>
               <a:t>Selecting a Disk-Scheduling Algorithm</a:t>
@@ -12245,7 +12397,7 @@
           <a:lstStyle/>
           <a:p>
             <a:r>
-              <a:rPr lang="en-US" altLang="zh-TW" sz="2400" dirty="0" smtClean="0">
+              <a:rPr lang="en-US" altLang="zh-TW" sz="2400" dirty="0">
                 <a:ea typeface="新細明體" charset="-120"/>
               </a:rPr>
               <a:t>SSTF is common and has a natural appeal</a:t>
@@ -12253,7 +12405,7 @@
           </a:p>
           <a:p>
             <a:r>
-              <a:rPr lang="en-US" altLang="zh-TW" sz="2400" dirty="0" smtClean="0">
+              <a:rPr lang="en-US" altLang="zh-TW" sz="2400" dirty="0">
                 <a:ea typeface="新細明體" charset="-120"/>
               </a:rPr>
               <a:t>SCAN and C-SCAN perform better for systems that place a heavy load on the disk.</a:t>
@@ -12261,7 +12413,7 @@
           </a:p>
           <a:p>
             <a:r>
-              <a:rPr lang="en-US" altLang="zh-TW" sz="2400" dirty="0" smtClean="0">
+              <a:rPr lang="en-US" altLang="zh-TW" sz="2400" dirty="0">
                 <a:ea typeface="新細明體" charset="-120"/>
               </a:rPr>
               <a:t>Performance depends on the number and types of requests.</a:t>
@@ -12269,13 +12421,13 @@
           </a:p>
           <a:p>
             <a:r>
-              <a:rPr lang="en-US" altLang="zh-TW" sz="2400" dirty="0" smtClean="0">
+              <a:rPr lang="en-US" altLang="zh-TW" sz="2400" dirty="0">
                 <a:ea typeface="新細明體" charset="-120"/>
               </a:rPr>
               <a:t>Requests for disk service can be </a:t>
             </a:r>
             <a:r>
-              <a:rPr lang="en-US" altLang="zh-TW" sz="2400" dirty="0" smtClean="0">
+              <a:rPr lang="en-US" altLang="zh-TW" sz="2400" dirty="0">
                 <a:solidFill>
                   <a:srgbClr val="FF0000"/>
                 </a:solidFill>
@@ -12284,7 +12436,7 @@
               <a:t>influenced by the file-allocation method</a:t>
             </a:r>
             <a:r>
-              <a:rPr lang="en-US" altLang="zh-TW" sz="2400" dirty="0" smtClean="0">
+              <a:rPr lang="en-US" altLang="zh-TW" sz="2400" dirty="0">
                 <a:ea typeface="新細明體" charset="-120"/>
               </a:rPr>
               <a:t>.</a:t>
@@ -12292,13 +12444,13 @@
           </a:p>
           <a:p>
             <a:r>
-              <a:rPr lang="en-US" altLang="zh-TW" sz="2400" dirty="0" smtClean="0">
+              <a:rPr lang="en-US" altLang="zh-TW" sz="2400" dirty="0">
                 <a:ea typeface="新細明體" charset="-120"/>
               </a:rPr>
               <a:t>The disk-scheduling algorithm should be written as a </a:t>
             </a:r>
             <a:r>
-              <a:rPr lang="en-US" altLang="zh-TW" sz="2400" dirty="0" smtClean="0">
+              <a:rPr lang="en-US" altLang="zh-TW" sz="2400" dirty="0">
                 <a:solidFill>
                   <a:srgbClr val="FF0000"/>
                 </a:solidFill>
@@ -12307,7 +12459,7 @@
               <a:t>separate module </a:t>
             </a:r>
             <a:r>
-              <a:rPr lang="en-US" altLang="zh-TW" sz="2400" dirty="0" smtClean="0">
+              <a:rPr lang="en-US" altLang="zh-TW" sz="2400" dirty="0">
                 <a:ea typeface="新細明體" charset="-120"/>
               </a:rPr>
               <a:t>of the operating system, allowing it to be replaced with a different algorithm if necessary.</a:t>
@@ -12315,7 +12467,7 @@
           </a:p>
           <a:p>
             <a:r>
-              <a:rPr lang="en-US" altLang="zh-TW" sz="2400" dirty="0" smtClean="0">
+              <a:rPr lang="en-US" altLang="zh-TW" sz="2400" dirty="0">
                 <a:ea typeface="新細明體" charset="-120"/>
               </a:rPr>
               <a:t>Either SSTF or LOOK is a reasonable choice for the default algorithm.</a:t>
@@ -12703,7 +12855,7 @@
           <a:p>
             <a:pPr eaLnBrk="1" hangingPunct="1"/>
             <a:r>
-              <a:rPr lang="en-US" altLang="zh-TW" dirty="0" smtClean="0">
+              <a:rPr lang="en-US" altLang="zh-TW" dirty="0">
                 <a:ea typeface="新細明體" charset="-120"/>
               </a:rPr>
               <a:t>12.5 Disk Management</a:t>
@@ -12732,7 +12884,7 @@
           <a:lstStyle/>
           <a:p>
             <a:r>
-              <a:rPr lang="en-US" altLang="zh-TW" sz="2400" b="1" i="1" dirty="0" smtClean="0">
+              <a:rPr lang="en-US" altLang="zh-TW" sz="2400" b="1" i="1" dirty="0">
                 <a:solidFill>
                   <a:srgbClr val="FF0000"/>
                 </a:solidFill>
@@ -12741,13 +12893,13 @@
               <a:t>Low-level formatting</a:t>
             </a:r>
             <a:r>
-              <a:rPr lang="en-US" altLang="zh-TW" sz="2400" dirty="0" smtClean="0">
+              <a:rPr lang="en-US" altLang="zh-TW" sz="2400" dirty="0">
                 <a:ea typeface="新細明體" charset="-120"/>
               </a:rPr>
               <a:t>, or </a:t>
             </a:r>
             <a:r>
-              <a:rPr lang="en-US" altLang="zh-TW" sz="2400" b="1" i="1" dirty="0" smtClean="0">
+              <a:rPr lang="en-US" altLang="zh-TW" sz="2400" b="1" i="1" dirty="0">
                 <a:solidFill>
                   <a:srgbClr val="FF0000"/>
                 </a:solidFill>
@@ -12756,7 +12908,7 @@
               <a:t>physical formatting</a:t>
             </a:r>
             <a:r>
-              <a:rPr lang="en-US" altLang="zh-TW" sz="2400" b="1" dirty="0" smtClean="0">
+              <a:rPr lang="en-US" altLang="zh-TW" sz="2400" b="1" dirty="0">
                 <a:solidFill>
                   <a:srgbClr val="FF0000"/>
                 </a:solidFill>
@@ -12765,7 +12917,7 @@
               <a:t> </a:t>
             </a:r>
             <a:r>
-              <a:rPr lang="en-US" altLang="zh-TW" sz="2400" dirty="0" smtClean="0">
+              <a:rPr lang="en-US" altLang="zh-TW" sz="2400" dirty="0">
                 <a:ea typeface="新細明體" charset="-120"/>
               </a:rPr>
               <a:t>— Dividing a disk into sectors that the disk controller can read and write.</a:t>
@@ -12773,7 +12925,7 @@
           </a:p>
           <a:p>
             <a:r>
-              <a:rPr lang="en-US" altLang="zh-TW" sz="2400" dirty="0" smtClean="0">
+              <a:rPr lang="en-US" altLang="zh-TW" sz="2400" dirty="0">
                 <a:ea typeface="新細明體" charset="-120"/>
               </a:rPr>
               <a:t>To use a disk to hold files, the operating system still needs to record its own data structures on the disk.</a:t>
@@ -12782,7 +12934,7 @@
           <a:p>
             <a:pPr lvl="1"/>
             <a:r>
-              <a:rPr lang="en-US" altLang="zh-TW" sz="2400" b="1" i="1" dirty="0" smtClean="0">
+              <a:rPr lang="en-US" altLang="zh-TW" sz="2400" b="1" i="1" dirty="0">
                 <a:solidFill>
                   <a:srgbClr val="FF0000"/>
                 </a:solidFill>
@@ -12791,7 +12943,7 @@
               <a:t>Partition</a:t>
             </a:r>
             <a:r>
-              <a:rPr lang="en-US" altLang="zh-TW" sz="2400" dirty="0" smtClean="0">
+              <a:rPr lang="en-US" altLang="zh-TW" sz="2400" dirty="0">
                 <a:ea typeface="新細明體" charset="-120"/>
               </a:rPr>
               <a:t> the disk into one or more groups of cylinders.</a:t>
@@ -12800,7 +12952,7 @@
           <a:p>
             <a:pPr lvl="1"/>
             <a:r>
-              <a:rPr lang="en-US" altLang="zh-TW" sz="2400" b="1" i="1" dirty="0" smtClean="0">
+              <a:rPr lang="en-US" altLang="zh-TW" sz="2400" b="1" i="1" dirty="0">
                 <a:solidFill>
                   <a:srgbClr val="FF0000"/>
                 </a:solidFill>
@@ -12809,7 +12961,7 @@
               <a:t>Logical formatting</a:t>
             </a:r>
             <a:r>
-              <a:rPr lang="en-US" altLang="zh-TW" sz="2400" b="1" dirty="0" smtClean="0">
+              <a:rPr lang="en-US" altLang="zh-TW" sz="2400" b="1" dirty="0">
                 <a:solidFill>
                   <a:srgbClr val="FF0000"/>
                 </a:solidFill>
@@ -12818,7 +12970,7 @@
               <a:t> </a:t>
             </a:r>
             <a:r>
-              <a:rPr lang="en-US" altLang="zh-TW" sz="2400" dirty="0" smtClean="0">
+              <a:rPr lang="en-US" altLang="zh-TW" sz="2400" dirty="0">
                 <a:ea typeface="新細明體" charset="-120"/>
               </a:rPr>
               <a:t>or “making a file system”.</a:t>
@@ -12826,7 +12978,7 @@
           </a:p>
           <a:p>
             <a:r>
-              <a:rPr lang="en-US" altLang="zh-TW" sz="2400" dirty="0" smtClean="0">
+              <a:rPr lang="en-US" altLang="zh-TW" sz="2400" dirty="0">
                 <a:ea typeface="新細明體" charset="-120"/>
               </a:rPr>
               <a:t>Boot block initializes system.</a:t>
@@ -12835,7 +12987,7 @@
           <a:p>
             <a:pPr lvl="1"/>
             <a:r>
-              <a:rPr lang="en-US" altLang="zh-TW" sz="2400" dirty="0" smtClean="0">
+              <a:rPr lang="en-US" altLang="zh-TW" sz="2400" dirty="0">
                 <a:ea typeface="新細明體" charset="-120"/>
               </a:rPr>
               <a:t>The bootstrap is stored in ROM.</a:t>
@@ -12844,7 +12996,7 @@
           <a:p>
             <a:pPr lvl="1"/>
             <a:r>
-              <a:rPr lang="en-US" altLang="zh-TW" sz="2400" b="1" i="1" dirty="0" smtClean="0">
+              <a:rPr lang="en-US" altLang="zh-TW" sz="2400" b="1" i="1" dirty="0">
                 <a:solidFill>
                   <a:srgbClr val="FF0000"/>
                 </a:solidFill>
@@ -12853,7 +13005,7 @@
               <a:t>Bootstrap loader</a:t>
             </a:r>
             <a:r>
-              <a:rPr lang="en-US" altLang="zh-TW" sz="2400" b="1" dirty="0" smtClean="0">
+              <a:rPr lang="en-US" altLang="zh-TW" sz="2400" b="1" dirty="0">
                 <a:solidFill>
                   <a:srgbClr val="FF0000"/>
                 </a:solidFill>
@@ -12862,7 +13014,7 @@
               <a:t> </a:t>
             </a:r>
             <a:r>
-              <a:rPr lang="en-US" altLang="zh-TW" sz="2400" dirty="0" smtClean="0">
+              <a:rPr lang="en-US" altLang="zh-TW" sz="2400" dirty="0">
                 <a:ea typeface="新細明體" charset="-120"/>
               </a:rPr>
               <a:t>program.</a:t>
@@ -12870,13 +13022,13 @@
           </a:p>
           <a:p>
             <a:r>
-              <a:rPr lang="en-US" altLang="zh-TW" sz="2400" dirty="0" smtClean="0">
+              <a:rPr lang="en-US" altLang="zh-TW" sz="2400" dirty="0">
                 <a:ea typeface="新細明體" charset="-120"/>
               </a:rPr>
               <a:t>Methods such as </a:t>
             </a:r>
             <a:r>
-              <a:rPr lang="en-US" altLang="zh-TW" sz="2400" b="1" i="1" dirty="0" smtClean="0">
+              <a:rPr lang="en-US" altLang="zh-TW" sz="2400" b="1" i="1" dirty="0">
                 <a:solidFill>
                   <a:srgbClr val="FF0000"/>
                 </a:solidFill>
@@ -12885,7 +13037,7 @@
               <a:t>sector sparing</a:t>
             </a:r>
             <a:r>
-              <a:rPr lang="en-US" altLang="zh-TW" sz="2400" b="1" dirty="0" smtClean="0">
+              <a:rPr lang="en-US" altLang="zh-TW" sz="2400" b="1" dirty="0">
                 <a:solidFill>
                   <a:srgbClr val="FF0000"/>
                 </a:solidFill>
@@ -12894,7 +13046,7 @@
               <a:t> </a:t>
             </a:r>
             <a:r>
-              <a:rPr lang="en-US" altLang="zh-TW" sz="2400" dirty="0" smtClean="0">
+              <a:rPr lang="en-US" altLang="zh-TW" sz="2400" dirty="0">
                 <a:ea typeface="新細明體" charset="-120"/>
               </a:rPr>
               <a:t>used to handle bad blocks.</a:t>
@@ -13336,11 +13488,11 @@
           <a:lstStyle/>
           <a:p>
             <a:r>
-              <a:rPr lang="en-US" altLang="zh-TW" dirty="0" smtClean="0"/>
+              <a:rPr lang="en-US" altLang="zh-TW" dirty="0"/>
               <a:t>The Windows 2000 system places it boot code in the first sector on the hard disk (</a:t>
             </a:r>
             <a:r>
-              <a:rPr lang="en-US" altLang="zh-TW" dirty="0" smtClean="0">
+              <a:rPr lang="en-US" altLang="zh-TW" dirty="0">
                 <a:solidFill>
                   <a:srgbClr val="FF0000"/>
                 </a:solidFill>
@@ -13348,17 +13500,17 @@
               <a:t>Master boot record, MBR</a:t>
             </a:r>
             <a:r>
-              <a:rPr lang="en-US" altLang="zh-TW" dirty="0" smtClean="0"/>
+              <a:rPr lang="en-US" altLang="zh-TW" dirty="0"/>
               <a:t>).</a:t>
             </a:r>
           </a:p>
           <a:p>
             <a:r>
-              <a:rPr lang="en-US" altLang="zh-TW" dirty="0" smtClean="0"/>
+              <a:rPr lang="en-US" altLang="zh-TW" dirty="0"/>
               <a:t>Windows 2000 allows a hard disk to be divided into one or more partitions; one partition, identified as the </a:t>
             </a:r>
             <a:r>
-              <a:rPr lang="en-US" altLang="zh-TW" dirty="0" smtClean="0">
+              <a:rPr lang="en-US" altLang="zh-TW" dirty="0">
                 <a:solidFill>
                   <a:srgbClr val="FF0000"/>
                 </a:solidFill>
@@ -13366,17 +13518,17 @@
               <a:t>boot partition</a:t>
             </a:r>
             <a:r>
-              <a:rPr lang="en-US" altLang="zh-TW" dirty="0" smtClean="0"/>
+              <a:rPr lang="en-US" altLang="zh-TW" dirty="0"/>
               <a:t>, contains the OS ad device drivers.</a:t>
             </a:r>
           </a:p>
           <a:p>
             <a:r>
-              <a:rPr lang="en-US" altLang="zh-TW" dirty="0" smtClean="0"/>
+              <a:rPr lang="en-US" altLang="zh-TW" dirty="0"/>
               <a:t>Once the system identifies the boot partition, it reads the first sector from that partition (which is called the </a:t>
             </a:r>
             <a:r>
-              <a:rPr lang="en-US" altLang="zh-TW" dirty="0" smtClean="0">
+              <a:rPr lang="en-US" altLang="zh-TW" dirty="0">
                 <a:solidFill>
                   <a:srgbClr val="FF0000"/>
                 </a:solidFill>
@@ -13384,7 +13536,7 @@
               <a:t>boot sector</a:t>
             </a:r>
             <a:r>
-              <a:rPr lang="en-US" altLang="zh-TW" dirty="0" smtClean="0"/>
+              <a:rPr lang="en-US" altLang="zh-TW" dirty="0"/>
               <a:t>) and continues with the remainder of the boot process.</a:t>
             </a:r>
           </a:p>
@@ -13410,12 +13562,12 @@
           <a:p>
             <a:pPr eaLnBrk="1" hangingPunct="1"/>
             <a:r>
-              <a:rPr lang="en-US" altLang="zh-TW" dirty="0" smtClean="0">
+              <a:rPr lang="en-US" altLang="zh-TW" dirty="0">
                 <a:ea typeface="新細明體" charset="-120"/>
               </a:rPr>
               <a:t>Booting from a Disk in Windows 2000</a:t>
             </a:r>
-            <a:endParaRPr lang="en-US" altLang="zh-TW" sz="2400" dirty="0" smtClean="0">
+            <a:endParaRPr lang="en-US" altLang="zh-TW" sz="2400" dirty="0">
               <a:ea typeface="新細明體" charset="-120"/>
             </a:endParaRPr>
           </a:p>
@@ -13623,12 +13775,12 @@
           <a:p>
             <a:pPr eaLnBrk="1" hangingPunct="1"/>
             <a:r>
-              <a:rPr lang="en-US" altLang="zh-TW" dirty="0" smtClean="0">
+              <a:rPr lang="en-US" altLang="zh-TW" dirty="0">
                 <a:ea typeface="新細明體" charset="-120"/>
               </a:rPr>
               <a:t>Booting from a Disk in Windows 2000</a:t>
             </a:r>
-            <a:endParaRPr lang="en-US" altLang="zh-TW" sz="2400" dirty="0" smtClean="0">
+            <a:endParaRPr lang="en-US" altLang="zh-TW" sz="2400" dirty="0">
               <a:ea typeface="新細明體" charset="-120"/>
             </a:endParaRPr>
           </a:p>
@@ -13753,7 +13905,7 @@
           <a:lstStyle/>
           <a:p>
             <a:r>
-              <a:rPr lang="en-US" altLang="zh-TW" b="1" dirty="0" smtClean="0">
+              <a:rPr lang="en-US" altLang="zh-TW" b="1" dirty="0">
                 <a:solidFill>
                   <a:srgbClr val="FF0000"/>
                 </a:solidFill>
@@ -13798,13 +13950,6 @@
   <p:clrMapOvr>
     <a:masterClrMapping/>
   </p:clrMapOvr>
-  <p:timing>
-    <p:tnLst>
-      <p:par>
-        <p:cTn id="1" dur="indefinite" restart="never" nodeType="tmRoot"/>
-      </p:par>
-    </p:tnLst>
-  </p:timing>
 </p:sld>
 </file>
 
@@ -13842,7 +13987,7 @@
           <a:p>
             <a:pPr eaLnBrk="1" hangingPunct="1"/>
             <a:r>
-              <a:rPr lang="en-US" altLang="zh-TW" dirty="0" smtClean="0">
+              <a:rPr lang="en-US" altLang="zh-TW" dirty="0">
                 <a:ea typeface="新細明體" charset="-120"/>
               </a:rPr>
               <a:t>12.6 Swap-Space Management</a:t>
@@ -13871,7 +14016,7 @@
           <a:lstStyle/>
           <a:p>
             <a:r>
-              <a:rPr lang="en-US" altLang="zh-TW" sz="2400" b="1" dirty="0" smtClean="0">
+              <a:rPr lang="en-US" altLang="zh-TW" sz="2400" b="1" dirty="0">
                 <a:solidFill>
                   <a:srgbClr val="FF0000"/>
                 </a:solidFill>
@@ -13880,7 +14025,7 @@
               <a:t>Swap-space</a:t>
             </a:r>
             <a:r>
-              <a:rPr lang="en-US" altLang="zh-TW" sz="2400" dirty="0" smtClean="0">
+              <a:rPr lang="en-US" altLang="zh-TW" sz="2400" dirty="0">
                 <a:ea typeface="新細明體" charset="-120"/>
               </a:rPr>
               <a:t> — Virtual memory uses disk space as an extension of main memory.</a:t>
@@ -13888,15 +14033,27 @@
           </a:p>
           <a:p>
             <a:r>
-              <a:rPr lang="en-US" altLang="zh-TW" sz="2400" dirty="0" smtClean="0">
-                <a:ea typeface="新細明體" charset="-120"/>
-              </a:rPr>
-              <a:t>Swap-space can be carved out of the normal file system or, more commonly, it can be in a separate disk partition.</a:t>
-            </a:r>
-          </a:p>
-          <a:p>
-            <a:r>
-              <a:rPr lang="en-US" altLang="zh-TW" sz="2400" dirty="0" smtClean="0">
+              <a:rPr lang="en-US" altLang="zh-TW" sz="2400" dirty="0">
+                <a:ea typeface="新細明體" charset="-120"/>
+              </a:rPr>
+              <a:t>Swap-space can be carved </a:t>
+            </a:r>
+            <a:r>
+              <a:rPr lang="zh-TW" altLang="en-US" sz="2400" dirty="0">
+                <a:ea typeface="新細明體" charset="-120"/>
+              </a:rPr>
+              <a:t>雕刻 </a:t>
+            </a:r>
+            <a:r>
+              <a:rPr lang="en-US" altLang="zh-TW" sz="2400" dirty="0">
+                <a:ea typeface="新細明體" charset="-120"/>
+              </a:rPr>
+              <a:t>out of the normal file system or, more commonly, it can be in a separate disk partition.</a:t>
+            </a:r>
+          </a:p>
+          <a:p>
+            <a:r>
+              <a:rPr lang="en-US" altLang="zh-TW" sz="2400" dirty="0">
                 <a:ea typeface="新細明體" charset="-120"/>
               </a:rPr>
               <a:t>Swap-space management</a:t>
@@ -13905,13 +14062,13 @@
           <a:p>
             <a:pPr lvl="1"/>
             <a:r>
-              <a:rPr lang="en-US" altLang="zh-TW" sz="2400" dirty="0" smtClean="0">
+              <a:rPr lang="en-US" altLang="zh-TW" sz="2400" dirty="0">
                 <a:ea typeface="新細明體" charset="-120"/>
               </a:rPr>
               <a:t>4.3BSD allocates swap space when process starts; holds </a:t>
             </a:r>
             <a:r>
-              <a:rPr lang="en-US" altLang="zh-TW" sz="2400" i="1" dirty="0" smtClean="0">
+              <a:rPr lang="en-US" altLang="zh-TW" sz="2400" i="1" dirty="0">
                 <a:solidFill>
                   <a:srgbClr val="FF0000"/>
                 </a:solidFill>
@@ -13920,7 +14077,7 @@
               <a:t>text segment</a:t>
             </a:r>
             <a:r>
-              <a:rPr lang="en-US" altLang="zh-TW" sz="2400" dirty="0" smtClean="0">
+              <a:rPr lang="en-US" altLang="zh-TW" sz="2400" dirty="0">
                 <a:solidFill>
                   <a:srgbClr val="FF0000"/>
                 </a:solidFill>
@@ -13929,13 +14086,13 @@
               <a:t> </a:t>
             </a:r>
             <a:r>
-              <a:rPr lang="en-US" altLang="zh-TW" sz="2400" dirty="0" smtClean="0">
+              <a:rPr lang="en-US" altLang="zh-TW" sz="2400" dirty="0">
                 <a:ea typeface="新細明體" charset="-120"/>
               </a:rPr>
               <a:t>(the program) and </a:t>
             </a:r>
             <a:r>
-              <a:rPr lang="en-US" altLang="zh-TW" sz="2400" i="1" dirty="0" smtClean="0">
+              <a:rPr lang="en-US" altLang="zh-TW" sz="2400" i="1" dirty="0">
                 <a:solidFill>
                   <a:srgbClr val="FF0000"/>
                 </a:solidFill>
@@ -13944,7 +14101,7 @@
               <a:t>data segment</a:t>
             </a:r>
             <a:r>
-              <a:rPr lang="en-US" altLang="zh-TW" sz="2400" i="1" dirty="0" smtClean="0">
+              <a:rPr lang="en-US" altLang="zh-TW" sz="2400" i="1" dirty="0">
                 <a:ea typeface="新細明體" charset="-120"/>
               </a:rPr>
               <a:t>.</a:t>
@@ -13953,13 +14110,13 @@
           <a:p>
             <a:pPr lvl="1"/>
             <a:r>
-              <a:rPr lang="en-US" altLang="zh-TW" sz="2400" dirty="0" smtClean="0">
+              <a:rPr lang="en-US" altLang="zh-TW" sz="2400" dirty="0">
                 <a:ea typeface="新細明體" charset="-120"/>
               </a:rPr>
               <a:t>Kernel uses </a:t>
             </a:r>
             <a:r>
-              <a:rPr lang="en-US" altLang="zh-TW" sz="2400" i="1" dirty="0" smtClean="0">
+              <a:rPr lang="en-US" altLang="zh-TW" sz="2400" i="1" dirty="0">
                 <a:solidFill>
                   <a:srgbClr val="FF0000"/>
                 </a:solidFill>
@@ -13968,7 +14125,7 @@
               <a:t>swap maps</a:t>
             </a:r>
             <a:r>
-              <a:rPr lang="en-US" altLang="zh-TW" sz="2400" dirty="0" smtClean="0">
+              <a:rPr lang="en-US" altLang="zh-TW" sz="2400" dirty="0">
                 <a:solidFill>
                   <a:srgbClr val="FF0000"/>
                 </a:solidFill>
@@ -13977,7 +14134,7 @@
               <a:t> </a:t>
             </a:r>
             <a:r>
-              <a:rPr lang="en-US" altLang="zh-TW" sz="2400" dirty="0" smtClean="0">
+              <a:rPr lang="en-US" altLang="zh-TW" sz="2400" dirty="0">
                 <a:ea typeface="新細明體" charset="-120"/>
               </a:rPr>
               <a:t>to track swap-space use.</a:t>
@@ -13986,13 +14143,13 @@
           <a:p>
             <a:pPr lvl="1"/>
             <a:r>
-              <a:rPr lang="en-US" altLang="zh-TW" sz="2400" dirty="0" smtClean="0">
+              <a:rPr lang="en-US" altLang="zh-TW" sz="2400" dirty="0">
                 <a:ea typeface="新細明體" charset="-120"/>
               </a:rPr>
               <a:t>Solaris 2 allocates swap space </a:t>
             </a:r>
             <a:r>
-              <a:rPr lang="en-US" altLang="zh-TW" sz="2400" dirty="0" smtClean="0">
+              <a:rPr lang="en-US" altLang="zh-TW" sz="2400" dirty="0">
                 <a:solidFill>
                   <a:srgbClr val="FF0000"/>
                 </a:solidFill>
@@ -14001,7 +14158,7 @@
               <a:t>only when a page is forced out of physical memory</a:t>
             </a:r>
             <a:r>
-              <a:rPr lang="en-US" altLang="zh-TW" sz="2400" dirty="0" smtClean="0">
+              <a:rPr lang="en-US" altLang="zh-TW" sz="2400" dirty="0">
                 <a:ea typeface="新細明體" charset="-120"/>
               </a:rPr>
               <a:t>, not when the virtual memory page is first created.</a:t>
@@ -14400,7 +14557,7 @@
           <a:lstStyle/>
           <a:p>
             <a:r>
-              <a:rPr lang="en-US" altLang="zh-TW" dirty="0" smtClean="0">
+              <a:rPr lang="en-US" altLang="zh-TW" dirty="0">
                 <a:ea typeface="新細明體" charset="-120"/>
               </a:rPr>
               <a:t>Swapping on Linux Systems</a:t>
@@ -14430,11 +14587,11 @@
           <a:lstStyle/>
           <a:p>
             <a:r>
-              <a:rPr lang="en-US" altLang="zh-TW" dirty="0" smtClean="0"/>
+              <a:rPr lang="en-US" altLang="zh-TW" dirty="0"/>
               <a:t>Linux allows one or more </a:t>
             </a:r>
             <a:r>
-              <a:rPr lang="en-US" altLang="zh-TW" dirty="0" smtClean="0">
+              <a:rPr lang="en-US" altLang="zh-TW" dirty="0">
                 <a:solidFill>
                   <a:srgbClr val="FF0000"/>
                 </a:solidFill>
@@ -14442,17 +14599,17 @@
               <a:t>swap areas </a:t>
             </a:r>
             <a:r>
-              <a:rPr lang="en-US" altLang="zh-TW" dirty="0" smtClean="0"/>
+              <a:rPr lang="en-US" altLang="zh-TW" dirty="0"/>
               <a:t>to be established.</a:t>
             </a:r>
           </a:p>
           <a:p>
             <a:r>
-              <a:rPr lang="en-US" altLang="zh-TW" dirty="0" smtClean="0"/>
+              <a:rPr lang="en-US" altLang="zh-TW" dirty="0"/>
               <a:t>A </a:t>
             </a:r>
             <a:r>
-              <a:rPr lang="en-US" altLang="zh-TW" dirty="0" smtClean="0">
+              <a:rPr lang="en-US" altLang="zh-TW" dirty="0">
                 <a:solidFill>
                   <a:srgbClr val="FF0000"/>
                 </a:solidFill>
@@ -14460,17 +14617,17 @@
               <a:t>swap area </a:t>
             </a:r>
             <a:r>
-              <a:rPr lang="en-US" altLang="zh-TW" dirty="0" smtClean="0"/>
+              <a:rPr lang="en-US" altLang="zh-TW" dirty="0"/>
               <a:t>may be either a swap file on a regular file system or a raw-swap-space partition.</a:t>
             </a:r>
           </a:p>
           <a:p>
             <a:r>
-              <a:rPr lang="en-US" altLang="zh-TW" dirty="0" smtClean="0"/>
+              <a:rPr lang="en-US" altLang="zh-TW" dirty="0"/>
               <a:t>Each swap area consists of a series </a:t>
             </a:r>
             <a:r>
-              <a:rPr lang="en-US" altLang="zh-TW" dirty="0" smtClean="0">
+              <a:rPr lang="en-US" altLang="zh-TW" dirty="0">
                 <a:solidFill>
                   <a:srgbClr val="FF0000"/>
                 </a:solidFill>
@@ -14478,17 +14635,17 @@
               <a:t>of 4KB page slots</a:t>
             </a:r>
             <a:r>
-              <a:rPr lang="en-US" altLang="zh-TW" dirty="0" smtClean="0"/>
+              <a:rPr lang="en-US" altLang="zh-TW" dirty="0"/>
               <a:t>, which are used to hold swapped pages.</a:t>
             </a:r>
           </a:p>
           <a:p>
             <a:r>
-              <a:rPr lang="en-US" altLang="zh-TW" dirty="0" smtClean="0"/>
+              <a:rPr lang="en-US" altLang="zh-TW" dirty="0"/>
               <a:t>Each swap area is associated with a </a:t>
             </a:r>
             <a:r>
-              <a:rPr lang="en-US" altLang="zh-TW" dirty="0" smtClean="0">
+              <a:rPr lang="en-US" altLang="zh-TW" dirty="0">
                 <a:solidFill>
                   <a:srgbClr val="FF0000"/>
                 </a:solidFill>
@@ -14496,14 +14653,14 @@
               <a:t>swap map</a:t>
             </a:r>
             <a:r>
-              <a:rPr lang="en-US" altLang="zh-TW" dirty="0" smtClean="0"/>
+              <a:rPr lang="en-US" altLang="zh-TW" dirty="0"/>
               <a:t>.</a:t>
             </a:r>
           </a:p>
           <a:p>
             <a:pPr lvl="1"/>
             <a:r>
-              <a:rPr lang="en-US" altLang="zh-TW" dirty="0" smtClean="0">
+              <a:rPr lang="en-US" altLang="zh-TW" dirty="0">
                 <a:solidFill>
                   <a:srgbClr val="FF0000"/>
                 </a:solidFill>
@@ -14511,14 +14668,14 @@
               <a:t>Counter = 0</a:t>
             </a:r>
             <a:r>
-              <a:rPr lang="en-US" altLang="zh-TW" dirty="0" smtClean="0"/>
+              <a:rPr lang="en-US" altLang="zh-TW" dirty="0"/>
               <a:t>, the corresponding page slot is available.</a:t>
             </a:r>
           </a:p>
           <a:p>
             <a:pPr lvl="1"/>
             <a:r>
-              <a:rPr lang="en-US" altLang="zh-TW" dirty="0" smtClean="0">
+              <a:rPr lang="en-US" altLang="zh-TW" dirty="0">
                 <a:solidFill>
                   <a:srgbClr val="FF0000"/>
                 </a:solidFill>
@@ -14526,11 +14683,11 @@
               <a:t>Counter &gt;0</a:t>
             </a:r>
             <a:r>
-              <a:rPr lang="en-US" altLang="zh-TW" dirty="0" smtClean="0"/>
+              <a:rPr lang="en-US" altLang="zh-TW" dirty="0"/>
               <a:t>, the page slot is occupied by a swapped page. The value of the counter indicates </a:t>
             </a:r>
             <a:r>
-              <a:rPr lang="en-US" altLang="zh-TW" dirty="0" smtClean="0">
+              <a:rPr lang="en-US" altLang="zh-TW" dirty="0">
                 <a:solidFill>
                   <a:srgbClr val="FF0000"/>
                 </a:solidFill>
@@ -14538,7 +14695,7 @@
               <a:t>the number of mappings to the swapped page</a:t>
             </a:r>
             <a:r>
-              <a:rPr lang="en-US" altLang="zh-TW" dirty="0" smtClean="0"/>
+              <a:rPr lang="en-US" altLang="zh-TW" dirty="0"/>
               <a:t>. Counter =3, the swapped paged is storing a region of memory shared by three processes.</a:t>
             </a:r>
           </a:p>
@@ -14960,12 +15117,12 @@
           <a:p>
             <a:pPr eaLnBrk="1" hangingPunct="1"/>
             <a:r>
-              <a:rPr lang="en-US" altLang="zh-TW" sz="3200" dirty="0" smtClean="0">
+              <a:rPr lang="en-US" altLang="zh-TW" sz="3200" dirty="0">
                 <a:ea typeface="新細明體" charset="-120"/>
               </a:rPr>
               <a:t>Data Structures for Swapping on Linux Systems</a:t>
             </a:r>
-            <a:endParaRPr lang="en-US" altLang="zh-TW" sz="2400" dirty="0" smtClean="0">
+            <a:endParaRPr lang="en-US" altLang="zh-TW" sz="2400" dirty="0">
               <a:ea typeface="新細明體" charset="-120"/>
             </a:endParaRPr>
           </a:p>
@@ -15025,7 +15182,7 @@
           <a:lstStyle/>
           <a:p>
             <a:r>
-              <a:rPr lang="en-US" altLang="zh-TW" b="1" dirty="0" smtClean="0">
+              <a:rPr lang="en-US" altLang="zh-TW" b="1" dirty="0">
                 <a:solidFill>
                   <a:srgbClr val="FF0000"/>
                 </a:solidFill>
@@ -15058,13 +15215,13 @@
           <a:lstStyle/>
           <a:p>
             <a:r>
-              <a:rPr lang="en-US" altLang="zh-TW" sz="2400" b="1" dirty="0" smtClean="0">
+              <a:rPr lang="en-US" altLang="zh-TW" sz="2400" b="1" dirty="0">
                 <a:latin typeface="Candara" pitchFamily="34" charset="0"/>
               </a:rPr>
               <a:t>The value of the counter indicates </a:t>
             </a:r>
             <a:r>
-              <a:rPr lang="en-US" altLang="zh-TW" sz="2400" b="1" dirty="0" smtClean="0">
+              <a:rPr lang="en-US" altLang="zh-TW" sz="2400" b="1" dirty="0">
                 <a:solidFill>
                   <a:srgbClr val="FF0000"/>
                 </a:solidFill>
@@ -15270,7 +15427,7 @@
           <a:p>
             <a:pPr eaLnBrk="1" hangingPunct="1"/>
             <a:r>
-              <a:rPr lang="en-US" altLang="zh-TW" smtClean="0">
+              <a:rPr lang="en-US" altLang="zh-TW">
                 <a:ea typeface="新細明體" charset="-120"/>
               </a:rPr>
               <a:t>Objectives</a:t>
@@ -15299,13 +15456,13 @@
           <a:lstStyle/>
           <a:p>
             <a:r>
-              <a:rPr lang="en-US" altLang="zh-TW" sz="2800" dirty="0" smtClean="0">
+              <a:rPr lang="en-US" altLang="zh-TW" sz="2800" dirty="0">
                 <a:ea typeface="新細明體" charset="-120"/>
               </a:rPr>
               <a:t>Describe the </a:t>
             </a:r>
             <a:r>
-              <a:rPr lang="en-US" altLang="zh-TW" sz="2800" b="1" dirty="0" smtClean="0">
+              <a:rPr lang="en-US" altLang="zh-TW" sz="2800" b="1" dirty="0">
                 <a:solidFill>
                   <a:srgbClr val="FF0000"/>
                 </a:solidFill>
@@ -15314,7 +15471,7 @@
               <a:t>physical structure</a:t>
             </a:r>
             <a:r>
-              <a:rPr lang="en-US" altLang="zh-TW" sz="2800" dirty="0" smtClean="0">
+              <a:rPr lang="en-US" altLang="zh-TW" sz="2800" dirty="0">
                 <a:ea typeface="新細明體" charset="-120"/>
               </a:rPr>
               <a:t> of secondary and tertiary storage devices and the resulting effects on the uses of the devices</a:t>
@@ -15322,13 +15479,13 @@
           </a:p>
           <a:p>
             <a:r>
-              <a:rPr lang="en-US" altLang="zh-TW" sz="2800" dirty="0" smtClean="0">
+              <a:rPr lang="en-US" altLang="zh-TW" sz="2800" dirty="0">
                 <a:ea typeface="新細明體" charset="-120"/>
               </a:rPr>
               <a:t>Explain the </a:t>
             </a:r>
             <a:r>
-              <a:rPr lang="en-US" altLang="zh-TW" sz="2800" b="1" dirty="0" smtClean="0">
+              <a:rPr lang="en-US" altLang="zh-TW" sz="2800" b="1" dirty="0">
                 <a:solidFill>
                   <a:srgbClr val="FF0000"/>
                 </a:solidFill>
@@ -15337,7 +15494,7 @@
               <a:t>performance characteristics </a:t>
             </a:r>
             <a:r>
-              <a:rPr lang="en-US" altLang="zh-TW" sz="2800" dirty="0" smtClean="0">
+              <a:rPr lang="en-US" altLang="zh-TW" sz="2800" dirty="0">
                 <a:ea typeface="新細明體" charset="-120"/>
               </a:rPr>
               <a:t>of mass-storage devices</a:t>
@@ -15345,13 +15502,13 @@
           </a:p>
           <a:p>
             <a:r>
-              <a:rPr lang="en-US" altLang="zh-TW" sz="2800" dirty="0" smtClean="0">
+              <a:rPr lang="en-US" altLang="zh-TW" sz="2800" dirty="0">
                 <a:ea typeface="新細明體" charset="-120"/>
               </a:rPr>
               <a:t>Discuss operating-system services provided for mass storage, including </a:t>
             </a:r>
             <a:r>
-              <a:rPr lang="en-US" altLang="zh-TW" sz="2800" b="1" dirty="0" smtClean="0">
+              <a:rPr lang="en-US" altLang="zh-TW" sz="2800" b="1" dirty="0">
                 <a:solidFill>
                   <a:srgbClr val="FF0000"/>
                 </a:solidFill>
@@ -15360,13 +15517,13 @@
               <a:t>RAID</a:t>
             </a:r>
             <a:r>
-              <a:rPr lang="en-US" altLang="zh-TW" sz="2800" dirty="0" smtClean="0">
+              <a:rPr lang="en-US" altLang="zh-TW" sz="2800" dirty="0">
                 <a:ea typeface="新細明體" charset="-120"/>
               </a:rPr>
               <a:t> and </a:t>
             </a:r>
             <a:r>
-              <a:rPr lang="en-US" altLang="zh-TW" sz="2800" b="1" dirty="0" smtClean="0">
+              <a:rPr lang="en-US" altLang="zh-TW" sz="2800" b="1" dirty="0">
                 <a:solidFill>
                   <a:srgbClr val="FF0000"/>
                 </a:solidFill>
@@ -15375,14 +15532,14 @@
               <a:t>HSM</a:t>
             </a:r>
             <a:r>
-              <a:rPr lang="en-US" altLang="zh-TW" sz="2800" dirty="0" smtClean="0">
+              <a:rPr lang="en-US" altLang="zh-TW" sz="2800" dirty="0">
                 <a:ea typeface="新細明體" charset="-120"/>
               </a:rPr>
               <a:t> (Hierarchical Storage Management )</a:t>
             </a:r>
           </a:p>
           <a:p>
-            <a:endParaRPr lang="en-US" altLang="zh-TW" sz="2800" dirty="0" smtClean="0">
+            <a:endParaRPr lang="en-US" altLang="zh-TW" sz="2800" dirty="0">
               <a:ea typeface="新細明體" charset="-120"/>
             </a:endParaRPr>
           </a:p>
@@ -15646,7 +15803,7 @@
           <a:p>
             <a:pPr eaLnBrk="1" hangingPunct="1"/>
             <a:r>
-              <a:rPr lang="en-US" altLang="zh-TW" dirty="0" smtClean="0">
+              <a:rPr lang="en-US" altLang="zh-TW" dirty="0">
                 <a:ea typeface="新細明體" charset="-120"/>
               </a:rPr>
               <a:t>12.7 RAID Structure</a:t>
@@ -15675,7 +15832,7 @@
           <a:lstStyle/>
           <a:p>
             <a:r>
-              <a:rPr lang="en-US" altLang="zh-TW" sz="2400" b="1" dirty="0" smtClean="0">
+              <a:rPr lang="en-US" altLang="zh-TW" sz="2400" b="1" dirty="0">
                 <a:solidFill>
                   <a:srgbClr val="FF0000"/>
                 </a:solidFill>
@@ -15684,13 +15841,13 @@
               <a:t>RAID</a:t>
             </a:r>
             <a:r>
-              <a:rPr lang="en-US" altLang="zh-TW" sz="2400" dirty="0" smtClean="0">
+              <a:rPr lang="en-US" altLang="zh-TW" sz="2400" dirty="0">
                 <a:ea typeface="新細明體" charset="-120"/>
               </a:rPr>
               <a:t> (Redundant Arrays of Independent Disks) – multiple disk drives provides </a:t>
             </a:r>
             <a:r>
-              <a:rPr lang="en-US" altLang="zh-TW" sz="2400" b="1" dirty="0" smtClean="0">
+              <a:rPr lang="en-US" altLang="zh-TW" sz="2400" b="1" dirty="0">
                 <a:solidFill>
                   <a:srgbClr val="FF0000"/>
                 </a:solidFill>
@@ -15699,13 +15856,13 @@
               <a:t>reliability</a:t>
             </a:r>
             <a:r>
-              <a:rPr lang="en-US" altLang="zh-TW" sz="2400" dirty="0" smtClean="0">
+              <a:rPr lang="en-US" altLang="zh-TW" sz="2400" dirty="0">
                 <a:ea typeface="新細明體" charset="-120"/>
               </a:rPr>
               <a:t> via </a:t>
             </a:r>
             <a:r>
-              <a:rPr lang="en-US" altLang="zh-TW" sz="2400" b="1" dirty="0" smtClean="0">
+              <a:rPr lang="en-US" altLang="zh-TW" sz="2400" b="1" dirty="0">
                 <a:solidFill>
                   <a:srgbClr val="FF0000"/>
                 </a:solidFill>
@@ -15714,7 +15871,7 @@
               <a:t>redundancy</a:t>
             </a:r>
             <a:r>
-              <a:rPr lang="en-US" altLang="zh-TW" sz="2400" dirty="0" smtClean="0">
+              <a:rPr lang="en-US" altLang="zh-TW" sz="2400" dirty="0">
                 <a:ea typeface="新細明體" charset="-120"/>
               </a:rPr>
               <a:t>.</a:t>
@@ -15722,27 +15879,15 @@
           </a:p>
           <a:p>
             <a:r>
-              <a:rPr lang="en-US" altLang="zh-TW" sz="2400" dirty="0" smtClean="0">
-                <a:ea typeface="新細明體" charset="-120"/>
-              </a:rPr>
-              <a:t>RAID is arranged into </a:t>
-            </a:r>
-            <a:r>
-              <a:rPr lang="en-US" altLang="zh-TW" sz="2400" dirty="0" smtClean="0">
-                <a:ea typeface="新細明體" charset="-120"/>
-              </a:rPr>
-              <a:t>seven </a:t>
-            </a:r>
-            <a:r>
-              <a:rPr lang="en-US" altLang="zh-TW" sz="2400" dirty="0" smtClean="0">
-                <a:ea typeface="新細明體" charset="-120"/>
-              </a:rPr>
-              <a:t>different levels.</a:t>
-            </a:r>
-          </a:p>
-          <a:p>
-            <a:r>
-              <a:rPr lang="en-US" altLang="zh-TW" sz="2400" dirty="0" smtClean="0">
+              <a:rPr lang="en-US" altLang="zh-TW" sz="2400" dirty="0">
+                <a:ea typeface="新細明體" charset="-120"/>
+              </a:rPr>
+              <a:t>RAID is arranged into seven different levels.</a:t>
+            </a:r>
+          </a:p>
+          <a:p>
+            <a:r>
+              <a:rPr lang="en-US" altLang="zh-TW" sz="2400" dirty="0">
                 <a:ea typeface="新細明體" charset="-120"/>
               </a:rPr>
               <a:t>With multiple disks, we can improve the transfer rate by striping data across the disks.</a:t>
@@ -15750,56 +15895,95 @@
           </a:p>
           <a:p>
             <a:r>
-              <a:rPr lang="en-US" altLang="zh-TW" sz="2400" b="1" dirty="0" smtClean="0">
+              <a:rPr lang="en-US" altLang="zh-TW" sz="2400" b="1" dirty="0">
                 <a:solidFill>
                   <a:srgbClr val="FF0000"/>
                 </a:solidFill>
                 <a:ea typeface="新細明體" charset="-120"/>
               </a:rPr>
-              <a:t>Data striping </a:t>
-            </a:r>
-            <a:r>
-              <a:rPr lang="en-US" altLang="zh-TW" sz="2400" dirty="0" smtClean="0">
-                <a:ea typeface="新細明體" charset="-120"/>
-              </a:rPr>
-              <a:t>consists of splitting the bits of each byte across multiple disks – </a:t>
-            </a:r>
-            <a:r>
-              <a:rPr lang="en-US" altLang="zh-TW" sz="2400" b="1" dirty="0" smtClean="0">
+              <a:t>Data striping</a:t>
+            </a:r>
+            <a:r>
+              <a:rPr lang="zh-TW" altLang="en-US" dirty="0">
                 <a:solidFill>
                   <a:srgbClr val="FF0000"/>
                 </a:solidFill>
                 <a:ea typeface="新細明體" charset="-120"/>
               </a:rPr>
-              <a:t>bit level striping</a:t>
-            </a:r>
-          </a:p>
-          <a:p>
-            <a:r>
-              <a:rPr lang="en-US" altLang="zh-TW" sz="2400" b="1" dirty="0" smtClean="0">
+              <a:t>條紋</a:t>
+            </a:r>
+            <a:r>
+              <a:rPr lang="en-US" altLang="zh-TW" sz="2400" b="1" dirty="0">
                 <a:solidFill>
                   <a:srgbClr val="FF0000"/>
                 </a:solidFill>
                 <a:ea typeface="新細明體" charset="-120"/>
               </a:rPr>
-              <a:t>Block-level </a:t>
-            </a:r>
-            <a:r>
-              <a:rPr lang="en-US" altLang="zh-TW" sz="2400" b="1" dirty="0" smtClean="0">
+              <a:t> </a:t>
+            </a:r>
+            <a:r>
+              <a:rPr lang="en-US" altLang="zh-TW" sz="2400" dirty="0">
+                <a:ea typeface="新細明體" charset="-120"/>
+              </a:rPr>
+              <a:t>consists of splitting the bits of each byte across </a:t>
+            </a:r>
+            <a:r>
+              <a:rPr lang="en-US" altLang="zh-TW" sz="2400" dirty="0">
                 <a:solidFill>
                   <a:srgbClr val="FF0000"/>
                 </a:solidFill>
                 <a:ea typeface="新細明體" charset="-120"/>
               </a:rPr>
-              <a:t>striping </a:t>
-            </a:r>
-            <a:r>
-              <a:rPr lang="en-US" altLang="zh-TW" sz="2400" b="1" dirty="0" smtClean="0">
-                <a:ea typeface="新細明體" charset="-120"/>
-              </a:rPr>
-              <a:t>consists of splitting the blocks of each file across multiple disks.</a:t>
-            </a:r>
-            <a:endParaRPr lang="en-US" altLang="zh-TW" sz="2400" b="1" dirty="0" smtClean="0">
+              <a:t>multiple disks</a:t>
+            </a:r>
+            <a:r>
+              <a:rPr lang="en-US" altLang="zh-TW" sz="2400" dirty="0">
+                <a:ea typeface="新細明體" charset="-120"/>
+              </a:rPr>
+              <a:t> – </a:t>
+            </a:r>
+            <a:r>
+              <a:rPr lang="en-US" altLang="zh-TW" sz="2400" b="1" dirty="0">
+                <a:solidFill>
+                  <a:srgbClr val="FF0000"/>
+                </a:solidFill>
+                <a:ea typeface="新細明體" charset="-120"/>
+              </a:rPr>
+              <a:t>bit level striping</a:t>
+            </a:r>
+          </a:p>
+          <a:p>
+            <a:r>
+              <a:rPr lang="en-US" altLang="zh-TW" sz="2400" b="1" dirty="0">
+                <a:solidFill>
+                  <a:srgbClr val="FF0000"/>
+                </a:solidFill>
+                <a:ea typeface="新細明體" charset="-120"/>
+              </a:rPr>
+              <a:t>Block-level striping </a:t>
+            </a:r>
+            <a:r>
+              <a:rPr lang="en-US" altLang="zh-TW" sz="2400" b="1" dirty="0">
+                <a:ea typeface="新細明體" charset="-120"/>
+              </a:rPr>
+              <a:t>consists of splitting the blocks of each file across </a:t>
+            </a:r>
+            <a:r>
+              <a:rPr lang="en-US" altLang="zh-TW" sz="2400" b="1" dirty="0">
+                <a:solidFill>
+                  <a:srgbClr val="FF0000"/>
+                </a:solidFill>
+                <a:ea typeface="新細明體" charset="-120"/>
+              </a:rPr>
+              <a:t>multiple disks</a:t>
+            </a:r>
+            <a:r>
+              <a:rPr lang="en-US" altLang="zh-TW" sz="2400" b="1" dirty="0">
+                <a:ea typeface="新細明體" charset="-120"/>
+              </a:rPr>
+              <a:t>.</a:t>
+            </a:r>
+            <a:endParaRPr lang="en-US" altLang="zh-TW" sz="2400" b="1" dirty="0">
               <a:solidFill>
                 <a:srgbClr val="FF0000"/>
               </a:solidFill>
@@ -16188,7 +16372,7 @@
           <a:p>
             <a:pPr eaLnBrk="1" hangingPunct="1"/>
             <a:r>
-              <a:rPr lang="en-US" altLang="zh-TW" dirty="0" smtClean="0">
+              <a:rPr lang="en-US" altLang="zh-TW" dirty="0">
                 <a:ea typeface="新細明體" charset="-120"/>
               </a:rPr>
               <a:t>RAID (cont)</a:t>
@@ -16217,13 +16401,13 @@
           <a:lstStyle/>
           <a:p>
             <a:r>
-              <a:rPr lang="en-US" altLang="zh-TW" sz="2400" dirty="0" smtClean="0">
+              <a:rPr lang="en-US" altLang="zh-TW" sz="2400" dirty="0">
                 <a:ea typeface="新細明體" charset="-120"/>
               </a:rPr>
               <a:t>Several improvements in disk-use techniques involve the </a:t>
             </a:r>
             <a:r>
-              <a:rPr lang="en-US" altLang="zh-TW" sz="2400" dirty="0" smtClean="0">
+              <a:rPr lang="en-US" altLang="zh-TW" sz="2400" dirty="0">
                 <a:solidFill>
                   <a:srgbClr val="FF0000"/>
                 </a:solidFill>
@@ -16232,7 +16416,7 @@
               <a:t>use of multiple disks working cooperatively</a:t>
             </a:r>
             <a:r>
-              <a:rPr lang="en-US" altLang="zh-TW" sz="2400" dirty="0" smtClean="0">
+              <a:rPr lang="en-US" altLang="zh-TW" sz="2400" dirty="0">
                 <a:ea typeface="新細明體" charset="-120"/>
               </a:rPr>
               <a:t>.</a:t>
@@ -16240,7 +16424,7 @@
           </a:p>
           <a:p>
             <a:r>
-              <a:rPr lang="en-US" altLang="zh-TW" sz="2400" dirty="0" smtClean="0">
+              <a:rPr lang="en-US" altLang="zh-TW" sz="2400" dirty="0">
                 <a:ea typeface="新細明體" charset="-120"/>
               </a:rPr>
               <a:t>Disk striping uses a group of disks as one storage unit.</a:t>
@@ -16248,7 +16432,7 @@
           </a:p>
           <a:p>
             <a:r>
-              <a:rPr lang="en-US" altLang="zh-TW" sz="2400" dirty="0" smtClean="0">
+              <a:rPr lang="en-US" altLang="zh-TW" sz="2400" dirty="0">
                 <a:ea typeface="新細明體" charset="-120"/>
               </a:rPr>
               <a:t>RAID schemes improve performance and improve the reliability of the storage system by storing redundant data.</a:t>
@@ -16257,7 +16441,7 @@
           <a:p>
             <a:pPr lvl="1"/>
             <a:r>
-              <a:rPr lang="en-US" altLang="zh-TW" sz="2400" b="1" i="1" dirty="0" smtClean="0">
+              <a:rPr lang="en-US" altLang="zh-TW" sz="2400" b="1" i="1" dirty="0">
                 <a:solidFill>
                   <a:srgbClr val="FF0000"/>
                 </a:solidFill>
@@ -16266,7 +16450,7 @@
               <a:t>Mirroring</a:t>
             </a:r>
             <a:r>
-              <a:rPr lang="en-US" altLang="zh-TW" sz="2400" b="1" dirty="0" smtClean="0">
+              <a:rPr lang="en-US" altLang="zh-TW" sz="2400" b="1" dirty="0">
                 <a:solidFill>
                   <a:srgbClr val="FF0000"/>
                 </a:solidFill>
@@ -16275,7 +16459,7 @@
               <a:t> or </a:t>
             </a:r>
             <a:r>
-              <a:rPr lang="en-US" altLang="zh-TW" sz="2400" b="1" i="1" dirty="0" smtClean="0">
+              <a:rPr lang="en-US" altLang="zh-TW" sz="2400" b="1" i="1" dirty="0">
                 <a:solidFill>
                   <a:srgbClr val="FF0000"/>
                 </a:solidFill>
@@ -16284,7 +16468,7 @@
               <a:t>shadowing</a:t>
             </a:r>
             <a:r>
-              <a:rPr lang="en-US" altLang="zh-TW" sz="2400" b="1" dirty="0" smtClean="0">
+              <a:rPr lang="en-US" altLang="zh-TW" sz="2400" b="1" dirty="0">
                 <a:solidFill>
                   <a:srgbClr val="FF0000"/>
                 </a:solidFill>
@@ -16293,7 +16477,7 @@
               <a:t> </a:t>
             </a:r>
             <a:r>
-              <a:rPr lang="en-US" altLang="zh-TW" sz="2400" dirty="0" smtClean="0">
+              <a:rPr lang="en-US" altLang="zh-TW" sz="2400" dirty="0">
                 <a:ea typeface="新細明體" charset="-120"/>
               </a:rPr>
               <a:t>keeps duplicate of each disk.</a:t>
@@ -16302,7 +16486,7 @@
           <a:p>
             <a:pPr lvl="1"/>
             <a:r>
-              <a:rPr lang="en-US" altLang="zh-TW" sz="2400" b="1" i="1" dirty="0" smtClean="0">
+              <a:rPr lang="en-US" altLang="zh-TW" sz="2400" b="1" i="1" dirty="0">
                 <a:solidFill>
                   <a:srgbClr val="FF0000"/>
                 </a:solidFill>
@@ -16311,7 +16495,7 @@
               <a:t>Block interleaved parity</a:t>
             </a:r>
             <a:r>
-              <a:rPr lang="en-US" altLang="zh-TW" sz="2400" b="1" dirty="0" smtClean="0">
+              <a:rPr lang="en-US" altLang="zh-TW" sz="2400" b="1" dirty="0">
                 <a:solidFill>
                   <a:srgbClr val="FF0000"/>
                 </a:solidFill>
@@ -16320,7 +16504,7 @@
               <a:t> </a:t>
             </a:r>
             <a:r>
-              <a:rPr lang="en-US" altLang="zh-TW" sz="2400" dirty="0" smtClean="0">
+              <a:rPr lang="en-US" altLang="zh-TW" sz="2400" dirty="0">
                 <a:ea typeface="新細明體" charset="-120"/>
               </a:rPr>
               <a:t>uses much less redundancy.</a:t>
@@ -16328,6 +16512,36 @@
           </a:p>
         </p:txBody>
       </p:sp>
+      <p:pic>
+        <p:nvPicPr>
+          <p:cNvPr id="2" name="Picture 1">
+            <a:extLst>
+              <a:ext uri="{FF2B5EF4-FFF2-40B4-BE49-F238E27FC236}">
+                <a16:creationId xmlns:a16="http://schemas.microsoft.com/office/drawing/2014/main" id="{DB4B6BF5-FD52-49C0-9657-5959DC6A83CF}"/>
+              </a:ext>
+            </a:extLst>
+          </p:cNvPr>
+          <p:cNvPicPr>
+            <a:picLocks noChangeAspect="1"/>
+          </p:cNvPicPr>
+          <p:nvPr/>
+        </p:nvPicPr>
+        <p:blipFill>
+          <a:blip r:embed="rId3"/>
+          <a:stretch>
+            <a:fillRect/>
+          </a:stretch>
+        </p:blipFill>
+        <p:spPr>
+          <a:xfrm>
+            <a:off x="8600145" y="3013456"/>
+            <a:ext cx="6421348" cy="3155222"/>
+          </a:xfrm>
+          <a:prstGeom prst="rect">
+            <a:avLst/>
+          </a:prstGeom>
+        </p:spPr>
+      </p:pic>
     </p:spTree>
   </p:cSld>
   <p:clrMapOvr>
@@ -16672,7 +16886,7 @@
           <a:p>
             <a:pPr eaLnBrk="1" hangingPunct="1"/>
             <a:r>
-              <a:rPr lang="en-US" altLang="zh-TW" dirty="0" smtClean="0">
+              <a:rPr lang="en-US" altLang="zh-TW" dirty="0">
                 <a:ea typeface="新細明體" charset="-120"/>
               </a:rPr>
               <a:t>RAID (cont)</a:t>
@@ -16701,13 +16915,13 @@
           <a:lstStyle/>
           <a:p>
             <a:r>
-              <a:rPr lang="en-US" altLang="zh-TW" dirty="0" smtClean="0">
+              <a:rPr lang="en-US" altLang="zh-TW" dirty="0">
                 <a:ea typeface="新細明體" charset="-120"/>
               </a:rPr>
               <a:t>RAID level 0: RAID level 0 refers to disk arrays with </a:t>
             </a:r>
             <a:r>
-              <a:rPr lang="en-US" altLang="zh-TW" dirty="0" smtClean="0">
+              <a:rPr lang="en-US" altLang="zh-TW" dirty="0">
                 <a:solidFill>
                   <a:srgbClr val="FF0000"/>
                 </a:solidFill>
@@ -16716,36 +16930,36 @@
               <a:t>striping at the level of blocks </a:t>
             </a:r>
             <a:r>
-              <a:rPr lang="en-US" altLang="zh-TW" dirty="0" smtClean="0">
+              <a:rPr lang="en-US" altLang="zh-TW" dirty="0">
                 <a:ea typeface="新細明體" charset="-120"/>
               </a:rPr>
               <a:t>but without any redundancy.</a:t>
             </a:r>
           </a:p>
           <a:p>
-            <a:endParaRPr lang="en-US" altLang="zh-TW" dirty="0" smtClean="0">
+            <a:endParaRPr lang="en-US" altLang="zh-TW" dirty="0">
               <a:ea typeface="新細明體" charset="-120"/>
             </a:endParaRPr>
           </a:p>
           <a:p>
-            <a:endParaRPr lang="en-US" altLang="zh-TW" dirty="0" smtClean="0">
+            <a:endParaRPr lang="en-US" altLang="zh-TW" dirty="0">
               <a:ea typeface="新細明體" charset="-120"/>
             </a:endParaRPr>
           </a:p>
           <a:p>
-            <a:endParaRPr lang="en-US" altLang="zh-TW" dirty="0" smtClean="0">
+            <a:endParaRPr lang="en-US" altLang="zh-TW" dirty="0">
               <a:ea typeface="新細明體" charset="-120"/>
             </a:endParaRPr>
           </a:p>
           <a:p>
             <a:r>
-              <a:rPr lang="en-US" altLang="zh-TW" dirty="0" smtClean="0">
+              <a:rPr lang="en-US" altLang="zh-TW" dirty="0">
                 <a:ea typeface="新細明體" charset="-120"/>
               </a:rPr>
               <a:t>RAID level 1: RAID level 1 refers to </a:t>
             </a:r>
             <a:r>
-              <a:rPr lang="en-US" altLang="zh-TW" dirty="0" smtClean="0">
+              <a:rPr lang="en-US" altLang="zh-TW" dirty="0">
                 <a:solidFill>
                   <a:srgbClr val="FF0000"/>
                 </a:solidFill>
@@ -16754,12 +16968,12 @@
               <a:t>disk mirroring</a:t>
             </a:r>
             <a:r>
-              <a:rPr lang="en-US" altLang="zh-TW" dirty="0" smtClean="0">
+              <a:rPr lang="en-US" altLang="zh-TW" dirty="0">
                 <a:ea typeface="新細明體" charset="-120"/>
               </a:rPr>
               <a:t>.</a:t>
             </a:r>
-            <a:endParaRPr lang="en-US" altLang="zh-TW" sz="2400" dirty="0" smtClean="0">
+            <a:endParaRPr lang="en-US" altLang="zh-TW" sz="2400" dirty="0">
               <a:ea typeface="新細明體" charset="-120"/>
             </a:endParaRPr>
           </a:p>
@@ -17026,7 +17240,7 @@
           <a:p>
             <a:pPr eaLnBrk="1" hangingPunct="1"/>
             <a:r>
-              <a:rPr lang="en-US" altLang="zh-TW" dirty="0" smtClean="0">
+              <a:rPr lang="en-US" altLang="zh-TW" dirty="0">
                 <a:ea typeface="新細明體" charset="-120"/>
               </a:rPr>
               <a:t>RAID (cont)</a:t>
@@ -17055,37 +17269,37 @@
           <a:lstStyle/>
           <a:p>
             <a:r>
-              <a:rPr lang="en-US" altLang="zh-TW" dirty="0" smtClean="0">
+              <a:rPr lang="en-US" altLang="zh-TW" dirty="0">
                 <a:ea typeface="新細明體" charset="-120"/>
               </a:rPr>
               <a:t>RAID level 2:</a:t>
             </a:r>
             <a:r>
-              <a:rPr lang="zh-TW" altLang="en-US" dirty="0" smtClean="0">
+              <a:rPr lang="zh-TW" altLang="en-US" dirty="0">
                 <a:ea typeface="新細明體" charset="-120"/>
               </a:rPr>
               <a:t> </a:t>
             </a:r>
             <a:r>
-              <a:rPr lang="en-US" altLang="zh-TW" dirty="0" smtClean="0">
+              <a:rPr lang="en-US" altLang="zh-TW" dirty="0">
                 <a:ea typeface="新細明體" charset="-120"/>
               </a:rPr>
               <a:t>RAID</a:t>
             </a:r>
             <a:r>
-              <a:rPr lang="zh-TW" altLang="en-US" dirty="0" smtClean="0">
+              <a:rPr lang="zh-TW" altLang="en-US" dirty="0">
                 <a:ea typeface="新細明體" charset="-120"/>
               </a:rPr>
               <a:t> </a:t>
             </a:r>
             <a:r>
-              <a:rPr lang="en-US" altLang="zh-TW" dirty="0" smtClean="0">
+              <a:rPr lang="en-US" altLang="zh-TW" dirty="0">
                 <a:ea typeface="新細明體" charset="-120"/>
               </a:rPr>
               <a:t>level 2 also known as </a:t>
             </a:r>
             <a:r>
-              <a:rPr lang="en-US" altLang="zh-TW" dirty="0" smtClean="0">
+              <a:rPr lang="en-US" altLang="zh-TW" dirty="0">
                 <a:solidFill>
                   <a:srgbClr val="FF0000"/>
                 </a:solidFill>
@@ -17094,40 +17308,22 @@
               <a:t>memory-style error-correcting-code (ECC) organization</a:t>
             </a:r>
             <a:r>
-              <a:rPr lang="en-US" altLang="zh-TW" dirty="0" smtClean="0">
+              <a:rPr lang="en-US" altLang="zh-TW" dirty="0">
                 <a:ea typeface="新細明體" charset="-120"/>
               </a:rPr>
               <a:t>. The </a:t>
             </a:r>
             <a:r>
-              <a:rPr lang="en-US" altLang="zh-TW" dirty="0" smtClean="0">
+              <a:rPr lang="en-US" altLang="zh-TW" dirty="0">
                 <a:solidFill>
                   <a:srgbClr val="FF0000"/>
                 </a:solidFill>
                 <a:ea typeface="新細明體" charset="-120"/>
               </a:rPr>
-              <a:t>parity </a:t>
-            </a:r>
-            <a:r>
-              <a:rPr lang="en-US" altLang="zh-TW" dirty="0" smtClean="0">
-                <a:solidFill>
-                  <a:srgbClr val="FF0000"/>
-                </a:solidFill>
-                <a:ea typeface="新細明體" charset="-120"/>
-              </a:rPr>
-              <a:t>b</a:t>
-            </a:r>
-            <a:r>
-              <a:rPr lang="en-US" altLang="zh-TW" dirty="0" smtClean="0">
-                <a:solidFill>
-                  <a:srgbClr val="FF0000"/>
-                </a:solidFill>
-                <a:ea typeface="新細明體" charset="-120"/>
-              </a:rPr>
-              <a:t>its </a:t>
-            </a:r>
-            <a:r>
-              <a:rPr lang="en-US" altLang="zh-TW" dirty="0" smtClean="0">
+              <a:t>parity bits </a:t>
+            </a:r>
+            <a:r>
+              <a:rPr lang="en-US" altLang="zh-TW" dirty="0">
                 <a:ea typeface="新細明體" charset="-120"/>
               </a:rPr>
               <a:t>are used. The disks labeled P store the error-correction bits.</a:t>
@@ -17303,7 +17499,7 @@
           <a:p>
             <a:pPr eaLnBrk="1" hangingPunct="1"/>
             <a:r>
-              <a:rPr lang="en-US" altLang="zh-TW" dirty="0" smtClean="0">
+              <a:rPr lang="en-US" altLang="zh-TW" dirty="0">
                 <a:ea typeface="新細明體" charset="-120"/>
               </a:rPr>
               <a:t>RAID (cont)</a:t>
@@ -17332,13 +17528,13 @@
           <a:lstStyle/>
           <a:p>
             <a:r>
-              <a:rPr lang="en-US" altLang="zh-TW" sz="2400" dirty="0" smtClean="0">
+              <a:rPr lang="en-US" altLang="zh-TW" sz="2400" dirty="0">
                 <a:ea typeface="新細明體" charset="-120"/>
               </a:rPr>
               <a:t>RAID level 3: RAID level 3 refers to </a:t>
             </a:r>
             <a:r>
-              <a:rPr lang="en-US" altLang="zh-TW" sz="2400" dirty="0" smtClean="0">
+              <a:rPr lang="en-US" altLang="zh-TW" sz="2400" dirty="0">
                 <a:solidFill>
                   <a:srgbClr val="FF0000"/>
                 </a:solidFill>
@@ -17347,13 +17543,13 @@
               <a:t>bit-interleaved parity organization</a:t>
             </a:r>
             <a:r>
-              <a:rPr lang="en-US" altLang="zh-TW" sz="2400" dirty="0" smtClean="0">
+              <a:rPr lang="en-US" altLang="zh-TW" sz="2400" dirty="0">
                 <a:ea typeface="新細明體" charset="-120"/>
               </a:rPr>
               <a:t> improves on level 2 by taking into account the fact that, unlike memory systems, </a:t>
             </a:r>
             <a:r>
-              <a:rPr lang="en-US" altLang="zh-TW" sz="2400" dirty="0" smtClean="0">
+              <a:rPr lang="en-US" altLang="zh-TW" sz="2400" dirty="0">
                 <a:solidFill>
                   <a:srgbClr val="FF0000"/>
                 </a:solidFill>
@@ -17362,14 +17558,11 @@
               <a:t>disk controllers can detect whether a sector has been read correctly</a:t>
             </a:r>
             <a:r>
-              <a:rPr lang="en-US" altLang="zh-TW" sz="2400" dirty="0" smtClean="0">
+              <a:rPr lang="en-US" altLang="zh-TW" sz="2400" dirty="0">
                 <a:ea typeface="新細明體" charset="-120"/>
               </a:rPr>
               <a:t>, so a single parity bit can be used for error correction and for detection. </a:t>
             </a:r>
-            <a:endParaRPr lang="en-US" altLang="zh-TW" sz="2400" dirty="0" smtClean="0">
-              <a:ea typeface="新細明體" charset="-120"/>
-            </a:endParaRPr>
           </a:p>
         </p:txBody>
       </p:sp>
@@ -17541,7 +17734,7 @@
           <a:p>
             <a:pPr eaLnBrk="1" hangingPunct="1"/>
             <a:r>
-              <a:rPr lang="en-US" altLang="zh-TW" dirty="0" smtClean="0">
+              <a:rPr lang="en-US" altLang="zh-TW" dirty="0">
                 <a:ea typeface="新細明體" charset="-120"/>
               </a:rPr>
               <a:t>RAID (cont)</a:t>
@@ -17570,53 +17763,29 @@
           <a:lstStyle/>
           <a:p>
             <a:r>
-              <a:rPr lang="en-US" altLang="zh-TW" dirty="0" smtClean="0">
-                <a:ea typeface="新細明體" charset="-120"/>
-              </a:rPr>
-              <a:t>RAID level 4: RAID level 0 refers </a:t>
-            </a:r>
-            <a:r>
-              <a:rPr lang="en-US" altLang="zh-TW" dirty="0" smtClean="0">
-                <a:ea typeface="新細明體" charset="-120"/>
-              </a:rPr>
-              <a:t>to </a:t>
-            </a:r>
-            <a:r>
-              <a:rPr lang="en-US" altLang="zh-TW" dirty="0" smtClean="0">
+              <a:rPr lang="en-US" altLang="zh-TW" dirty="0">
+                <a:ea typeface="新細明體" charset="-120"/>
+              </a:rPr>
+              <a:t>RAID level 4: RAID level 0 refers to </a:t>
+            </a:r>
+            <a:r>
+              <a:rPr lang="en-US" altLang="zh-TW" dirty="0">
                 <a:solidFill>
                   <a:srgbClr val="FF0000"/>
                 </a:solidFill>
                 <a:ea typeface="新細明體" charset="-120"/>
               </a:rPr>
-              <a:t>block-interleaved </a:t>
-            </a:r>
-            <a:r>
-              <a:rPr lang="en-US" altLang="zh-TW" dirty="0" smtClean="0">
-                <a:solidFill>
-                  <a:srgbClr val="FF0000"/>
-                </a:solidFill>
-                <a:ea typeface="新細明體" charset="-120"/>
-              </a:rPr>
-              <a:t>parity </a:t>
-            </a:r>
-            <a:r>
-              <a:rPr lang="en-US" altLang="zh-TW" dirty="0" smtClean="0">
-                <a:solidFill>
-                  <a:srgbClr val="FF0000"/>
-                </a:solidFill>
-                <a:ea typeface="新細明體" charset="-120"/>
-              </a:rPr>
-              <a:t>organization, </a:t>
-            </a:r>
-            <a:r>
-              <a:rPr lang="en-US" altLang="zh-TW" dirty="0" smtClean="0">
+              <a:t>block-interleaved parity organization, </a:t>
+            </a:r>
+            <a:r>
+              <a:rPr lang="en-US" altLang="zh-TW" dirty="0">
                 <a:ea typeface="新細明體" charset="-120"/>
               </a:rPr>
               <a:t>uses block-level striping, as in RAID 0, and also keeps a parity block on a separate disk for corresponding blocks from N other disks.</a:t>
             </a:r>
           </a:p>
           <a:p>
-            <a:endParaRPr lang="en-US" altLang="zh-TW" dirty="0" smtClean="0">
+            <a:endParaRPr lang="en-US" altLang="zh-TW" dirty="0">
               <a:ea typeface="新細明體" charset="-120"/>
             </a:endParaRPr>
           </a:p>
@@ -17822,7 +17991,7 @@
           <a:p>
             <a:pPr eaLnBrk="1" hangingPunct="1"/>
             <a:r>
-              <a:rPr lang="en-US" altLang="zh-TW" dirty="0" smtClean="0">
+              <a:rPr lang="en-US" altLang="zh-TW" dirty="0">
                 <a:ea typeface="新細明體" charset="-120"/>
               </a:rPr>
               <a:t>RAID (cont)</a:t>
@@ -17851,162 +18020,106 @@
           <a:lstStyle/>
           <a:p>
             <a:r>
-              <a:rPr lang="en-US" altLang="zh-TW" dirty="0" smtClean="0">
-                <a:ea typeface="新細明體" charset="-120"/>
-              </a:rPr>
-              <a:t>RAID </a:t>
-            </a:r>
-            <a:r>
-              <a:rPr lang="en-US" altLang="zh-TW" dirty="0" smtClean="0">
-                <a:ea typeface="新細明體" charset="-120"/>
-              </a:rPr>
-              <a:t>level </a:t>
-            </a:r>
-            <a:r>
-              <a:rPr lang="en-US" altLang="zh-TW" dirty="0" smtClean="0">
-                <a:ea typeface="新細明體" charset="-120"/>
-              </a:rPr>
-              <a:t>5: </a:t>
-            </a:r>
-            <a:r>
-              <a:rPr lang="en-US" altLang="zh-TW" dirty="0" smtClean="0">
-                <a:ea typeface="新細明體" charset="-120"/>
-              </a:rPr>
-              <a:t>RAID level </a:t>
-            </a:r>
-            <a:r>
-              <a:rPr lang="en-US" altLang="zh-TW" dirty="0" smtClean="0">
-                <a:ea typeface="新細明體" charset="-120"/>
-              </a:rPr>
-              <a:t>5 </a:t>
-            </a:r>
-            <a:r>
-              <a:rPr lang="en-US" altLang="zh-TW" dirty="0" smtClean="0">
-                <a:ea typeface="新細明體" charset="-120"/>
-              </a:rPr>
-              <a:t>refers to </a:t>
-            </a:r>
-            <a:r>
-              <a:rPr lang="en-US" altLang="zh-TW" dirty="0" smtClean="0">
+              <a:rPr lang="en-US" altLang="zh-TW" dirty="0">
+                <a:ea typeface="新細明體" charset="-120"/>
+              </a:rPr>
+              <a:t>RAID level 5: RAID level 5 refers to </a:t>
+            </a:r>
+            <a:r>
+              <a:rPr lang="en-US" altLang="zh-TW" dirty="0">
                 <a:solidFill>
                   <a:srgbClr val="FF0000"/>
                 </a:solidFill>
                 <a:ea typeface="新細明體" charset="-120"/>
               </a:rPr>
-              <a:t>block-interleaved </a:t>
-            </a:r>
-            <a:r>
-              <a:rPr lang="en-US" altLang="zh-TW" dirty="0" smtClean="0">
+              <a:t>block-interleaved distributed parity, </a:t>
+            </a:r>
+            <a:r>
+              <a:rPr lang="en-US" altLang="zh-TW" dirty="0">
+                <a:ea typeface="新細明體" charset="-120"/>
+              </a:rPr>
+              <a:t>differs from level 4 by spreading data and parity among all N+1 disks, rather than storing data in N disks and parity in one disk. </a:t>
+            </a:r>
+          </a:p>
+          <a:p>
+            <a:pPr lvl="1"/>
+            <a:r>
+              <a:rPr lang="en-US" altLang="zh-TW" dirty="0"/>
+              <a:t>For each block, one of the disks stores the parity, and the others store data.</a:t>
+            </a:r>
+            <a:endParaRPr lang="zh-TW" altLang="zh-TW" dirty="0"/>
+          </a:p>
+          <a:p>
+            <a:pPr lvl="1"/>
+            <a:r>
+              <a:rPr lang="en-US" altLang="zh-TW" dirty="0"/>
+              <a:t>With an array of five disks, the parity for the </a:t>
+            </a:r>
+            <a:r>
+              <a:rPr lang="en-US" altLang="zh-TW" i="1" dirty="0"/>
+              <a:t>n</a:t>
+            </a:r>
+            <a:r>
+              <a:rPr lang="en-US" altLang="zh-TW" dirty="0"/>
+              <a:t>th block is stored in disk </a:t>
+            </a:r>
+            <a:r>
+              <a:rPr lang="en-US" altLang="zh-TW" dirty="0">
                 <a:solidFill>
                   <a:srgbClr val="FF0000"/>
                 </a:solidFill>
-                <a:ea typeface="新細明體" charset="-120"/>
-              </a:rPr>
-              <a:t>distributed parity, </a:t>
-            </a:r>
-            <a:r>
-              <a:rPr lang="en-US" altLang="zh-TW" dirty="0" smtClean="0">
-                <a:ea typeface="新細明體" charset="-120"/>
-              </a:rPr>
-              <a:t>differs from level 4 by spreading data and parity among all N+1 disks, rather than storing data in N disks and parity in one disk. </a:t>
-            </a:r>
-          </a:p>
-          <a:p>
-            <a:pPr lvl="1"/>
-            <a:r>
-              <a:rPr lang="en-US" altLang="zh-TW" dirty="0" smtClean="0"/>
-              <a:t>For </a:t>
-            </a:r>
-            <a:r>
-              <a:rPr lang="en-US" altLang="zh-TW" dirty="0" smtClean="0"/>
-              <a:t>each block, one of the disks stores the parity, and the others store data.</a:t>
-            </a:r>
-            <a:endParaRPr lang="zh-TW" altLang="zh-TW" dirty="0" smtClean="0"/>
-          </a:p>
-          <a:p>
-            <a:pPr lvl="1"/>
-            <a:r>
-              <a:rPr lang="en-US" altLang="zh-TW" dirty="0" smtClean="0"/>
-              <a:t>With an array of five disks, the parity for the </a:t>
-            </a:r>
-            <a:r>
-              <a:rPr lang="en-US" altLang="zh-TW" i="1" dirty="0" smtClean="0"/>
-              <a:t>n</a:t>
-            </a:r>
-            <a:r>
-              <a:rPr lang="en-US" altLang="zh-TW" dirty="0" smtClean="0"/>
-              <a:t>th block is stored in disk </a:t>
-            </a:r>
-            <a:r>
-              <a:rPr lang="en-US" altLang="zh-TW" dirty="0" smtClean="0">
+              </a:rPr>
+              <a:t>(</a:t>
+            </a:r>
+            <a:r>
+              <a:rPr lang="en-US" altLang="zh-TW" i="1" dirty="0">
                 <a:solidFill>
                   <a:srgbClr val="FF0000"/>
                 </a:solidFill>
               </a:rPr>
-              <a:t>(</a:t>
-            </a:r>
-            <a:r>
-              <a:rPr lang="en-US" altLang="zh-TW" i="1" dirty="0" smtClean="0">
+              <a:t>n</a:t>
+            </a:r>
+            <a:r>
+              <a:rPr lang="en-US" altLang="zh-TW" dirty="0">
                 <a:solidFill>
                   <a:srgbClr val="FF0000"/>
                 </a:solidFill>
               </a:rPr>
+              <a:t> mod 5)+1</a:t>
+            </a:r>
+            <a:r>
+              <a:rPr lang="en-US" altLang="zh-TW" dirty="0"/>
+              <a:t>; the </a:t>
+            </a:r>
+            <a:r>
+              <a:rPr lang="en-US" altLang="zh-TW" i="1" dirty="0"/>
               <a:t>n</a:t>
             </a:r>
             <a:r>
-              <a:rPr lang="en-US" altLang="zh-TW" dirty="0" smtClean="0">
+              <a:rPr lang="en-US" altLang="zh-TW" dirty="0"/>
+              <a:t>th blocks of the other four disks store actual data for the block.</a:t>
+            </a:r>
+          </a:p>
+          <a:p>
+            <a:pPr lvl="1"/>
+            <a:r>
+              <a:rPr lang="en-US" altLang="zh-TW" dirty="0">
                 <a:solidFill>
                   <a:srgbClr val="FF0000"/>
                 </a:solidFill>
               </a:rPr>
-              <a:t> mod 5)+1</a:t>
-            </a:r>
-            <a:r>
-              <a:rPr lang="en-US" altLang="zh-TW" dirty="0" smtClean="0"/>
-              <a:t>; the </a:t>
-            </a:r>
-            <a:r>
-              <a:rPr lang="en-US" altLang="zh-TW" i="1" dirty="0" smtClean="0"/>
-              <a:t>n</a:t>
-            </a:r>
-            <a:r>
-              <a:rPr lang="en-US" altLang="zh-TW" dirty="0" smtClean="0"/>
-              <a:t>th blocks of the other four disks store actual data for the </a:t>
-            </a:r>
-            <a:r>
-              <a:rPr lang="en-US" altLang="zh-TW" dirty="0" smtClean="0"/>
-              <a:t>block.</a:t>
-            </a:r>
-            <a:endParaRPr lang="en-US" altLang="zh-TW" dirty="0" smtClean="0"/>
-          </a:p>
-          <a:p>
-            <a:pPr lvl="1"/>
-            <a:r>
-              <a:rPr lang="en-US" altLang="zh-TW" dirty="0" smtClean="0">
-                <a:solidFill>
-                  <a:srgbClr val="FF0000"/>
-                </a:solidFill>
-              </a:rPr>
-              <a:t>A </a:t>
-            </a:r>
-            <a:r>
-              <a:rPr lang="en-US" altLang="zh-TW" dirty="0" smtClean="0">
-                <a:solidFill>
-                  <a:srgbClr val="FF0000"/>
-                </a:solidFill>
-              </a:rPr>
-              <a:t>parity block cannot store parity for the blocks in the same disk</a:t>
-            </a:r>
-            <a:r>
-              <a:rPr lang="en-US" altLang="zh-TW" dirty="0" smtClean="0"/>
+              <a:t>A parity block cannot store parity for the blocks in the same disk</a:t>
+            </a:r>
+            <a:r>
+              <a:rPr lang="en-US" altLang="zh-TW" dirty="0"/>
               <a:t>.</a:t>
             </a:r>
-            <a:endParaRPr lang="en-US" altLang="zh-TW" dirty="0" smtClean="0">
+            <a:endParaRPr lang="en-US" altLang="zh-TW" dirty="0">
               <a:ea typeface="新細明體" charset="-120"/>
             </a:endParaRPr>
           </a:p>
           <a:p>
-            <a:endParaRPr lang="en-US" altLang="zh-TW" dirty="0" smtClean="0">
+            <a:endParaRPr lang="en-US" altLang="zh-TW" dirty="0">
               <a:ea typeface="新細明體" charset="-120"/>
             </a:endParaRPr>
           </a:p>
@@ -18281,13 +18394,13 @@
           <a:lstStyle/>
           <a:p>
             <a:r>
-              <a:rPr lang="en-US" altLang="zh-TW" sz="2400" dirty="0" smtClean="0">
+              <a:rPr lang="en-US" altLang="zh-TW" sz="2400" dirty="0">
                 <a:ea typeface="新細明體" charset="-120"/>
               </a:rPr>
               <a:t>RAID level 6, </a:t>
             </a:r>
             <a:r>
-              <a:rPr lang="en-US" altLang="zh-TW" sz="2400" b="1" dirty="0" smtClean="0">
+              <a:rPr lang="en-US" altLang="zh-TW" sz="2400" b="1" dirty="0">
                 <a:solidFill>
                   <a:srgbClr val="FF0000"/>
                 </a:solidFill>
@@ -18296,76 +18409,109 @@
               <a:t>P+Q redundancy scheme</a:t>
             </a:r>
             <a:r>
-              <a:rPr lang="en-US" altLang="zh-TW" sz="2400" dirty="0" smtClean="0">
-                <a:ea typeface="新細明體" charset="-120"/>
-              </a:rPr>
-              <a:t>, is much like RAID 5 but stores </a:t>
-            </a:r>
-            <a:r>
-              <a:rPr lang="en-US" altLang="zh-TW" sz="2400" dirty="0" smtClean="0">
+              <a:rPr lang="en-US" altLang="zh-TW" sz="2400" dirty="0">
+                <a:ea typeface="新細明體" charset="-120"/>
+              </a:rPr>
+              <a:t> is much like RAID 5 but stores </a:t>
+            </a:r>
+            <a:r>
+              <a:rPr lang="en-US" altLang="zh-TW" sz="2400" dirty="0">
                 <a:solidFill>
                   <a:srgbClr val="FF0000"/>
                 </a:solidFill>
                 <a:ea typeface="新細明體" charset="-120"/>
               </a:rPr>
-              <a:t>extra redundant information </a:t>
-            </a:r>
-            <a:r>
-              <a:rPr lang="en-US" altLang="zh-TW" sz="2400" dirty="0" smtClean="0">
-                <a:ea typeface="新細明體" charset="-120"/>
-              </a:rPr>
-              <a:t>to guard against multiple disk failures.</a:t>
-            </a:r>
-          </a:p>
-          <a:p>
-            <a:pPr lvl="1"/>
-            <a:r>
-              <a:rPr lang="en-US" altLang="zh-TW" dirty="0" smtClean="0">
-                <a:ea typeface="新細明體" charset="-120"/>
-              </a:rPr>
-              <a:t>Instead of parity, </a:t>
-            </a:r>
-            <a:r>
-              <a:rPr lang="en-US" altLang="zh-TW" b="1" dirty="0" smtClean="0">
+              <a:t>extra redundant </a:t>
+            </a:r>
+            <a:r>
+              <a:rPr lang="en-US" altLang="zh-TW" sz="2400" dirty="0" err="1">
                 <a:solidFill>
                   <a:srgbClr val="FF0000"/>
                 </a:solidFill>
                 <a:ea typeface="新細明體" charset="-120"/>
               </a:rPr>
-              <a:t>error-correcting codes </a:t>
-            </a:r>
-            <a:r>
-              <a:rPr lang="en-US" altLang="zh-TW" dirty="0" smtClean="0">
-                <a:ea typeface="新細明體" charset="-120"/>
-              </a:rPr>
-              <a:t>such as </a:t>
-            </a:r>
-            <a:r>
-              <a:rPr lang="en-US" altLang="zh-TW" dirty="0" smtClean="0">
+              <a:t>informat</a:t>
+            </a:r>
+            <a:r>
+              <a:rPr lang="en-US" altLang="zh-TW" dirty="0" err="1">
+                <a:ea typeface="新細明體" charset="-120"/>
+              </a:rPr>
+              <a:t>,</a:t>
+            </a:r>
+            <a:r>
+              <a:rPr lang="en-US" altLang="zh-TW" sz="2400" dirty="0" err="1">
                 <a:solidFill>
                   <a:srgbClr val="FF0000"/>
                 </a:solidFill>
                 <a:ea typeface="新細明體" charset="-120"/>
               </a:rPr>
-              <a:t>Reed-Solomon codes</a:t>
-            </a:r>
-            <a:r>
-              <a:rPr lang="en-US" altLang="zh-TW" dirty="0" smtClean="0">
-                <a:ea typeface="新細明體" charset="-120"/>
-              </a:rPr>
-              <a:t> are used. 2 bits of redundant data are stored for every 4 bits of data – compared with 1 parity bit in level 5 – and the system can </a:t>
-            </a:r>
-            <a:r>
-              <a:rPr lang="en-US" altLang="zh-TW" b="1" dirty="0" smtClean="0">
+              <a:t>ion</a:t>
+            </a:r>
+            <a:r>
+              <a:rPr lang="en-US" altLang="zh-TW" sz="2400" dirty="0">
                 <a:solidFill>
                   <a:srgbClr val="FF0000"/>
                 </a:solidFill>
                 <a:ea typeface="新細明體" charset="-120"/>
               </a:rPr>
+              <a:t> </a:t>
+            </a:r>
+            <a:r>
+              <a:rPr lang="en-US" altLang="zh-TW" sz="2400" dirty="0">
+                <a:ea typeface="新細明體" charset="-120"/>
+              </a:rPr>
+              <a:t>to guard against multiple disk failures.</a:t>
+            </a:r>
+          </a:p>
+          <a:p>
+            <a:pPr lvl="1"/>
+            <a:r>
+              <a:rPr lang="en-US" altLang="zh-TW" dirty="0">
+                <a:ea typeface="新細明體" charset="-120"/>
+              </a:rPr>
+              <a:t>Instead of parity, </a:t>
+            </a:r>
+            <a:r>
+              <a:rPr lang="en-US" altLang="zh-TW" b="1" dirty="0">
+                <a:solidFill>
+                  <a:srgbClr val="FF0000"/>
+                </a:solidFill>
+                <a:ea typeface="新細明體" charset="-120"/>
+              </a:rPr>
+              <a:t>error-correcting codes </a:t>
+            </a:r>
+            <a:r>
+              <a:rPr lang="en-US" altLang="zh-TW" dirty="0">
+                <a:ea typeface="新細明體" charset="-120"/>
+              </a:rPr>
+              <a:t>such as </a:t>
+            </a:r>
+            <a:r>
+              <a:rPr lang="en-US" altLang="zh-TW" dirty="0">
+                <a:solidFill>
+                  <a:srgbClr val="FF0000"/>
+                </a:solidFill>
+                <a:ea typeface="新細明體" charset="-120"/>
+              </a:rPr>
+              <a:t>Reed-Solomon codes</a:t>
+            </a:r>
+            <a:r>
+              <a:rPr lang="en-US" altLang="zh-TW" dirty="0">
+                <a:ea typeface="新細明體" charset="-120"/>
+              </a:rPr>
+              <a:t> are used. 2 bits of redundant data are stored for every 4 bits of data – compared with 1 parity bit in level 5 – and the system can </a:t>
+            </a:r>
+            <a:r>
+              <a:rPr lang="en-US" altLang="zh-TW" b="1" dirty="0">
+                <a:solidFill>
+                  <a:srgbClr val="FF0000"/>
+                </a:solidFill>
+                <a:ea typeface="新細明體" charset="-120"/>
+              </a:rPr>
               <a:t>tolerate two disk failures</a:t>
             </a:r>
             <a:r>
-              <a:rPr lang="en-US" altLang="zh-TW" dirty="0" smtClean="0">
+              <a:rPr lang="en-US" altLang="zh-TW" dirty="0">
                 <a:ea typeface="新細明體" charset="-120"/>
               </a:rPr>
               <a:t>.</a:t>
@@ -18373,19 +18519,19 @@
           </a:p>
           <a:p>
             <a:pPr lvl="1"/>
-            <a:endParaRPr lang="en-US" altLang="zh-TW" dirty="0" smtClean="0">
+            <a:endParaRPr lang="en-US" altLang="zh-TW" dirty="0">
               <a:ea typeface="新細明體" charset="-120"/>
             </a:endParaRPr>
           </a:p>
           <a:p>
             <a:pPr lvl="1"/>
-            <a:endParaRPr lang="en-US" altLang="zh-TW" dirty="0" smtClean="0">
+            <a:endParaRPr lang="en-US" altLang="zh-TW" dirty="0">
               <a:ea typeface="新細明體" charset="-120"/>
             </a:endParaRPr>
           </a:p>
           <a:p>
             <a:pPr lvl="1"/>
-            <a:endParaRPr lang="en-US" altLang="zh-TW" dirty="0" smtClean="0">
+            <a:endParaRPr lang="en-US" altLang="zh-TW" dirty="0">
               <a:ea typeface="新細明體" charset="-120"/>
             </a:endParaRPr>
           </a:p>
@@ -18393,7 +18539,7 @@
             <a:pPr>
               <a:buNone/>
             </a:pPr>
-            <a:endParaRPr lang="zh-TW" altLang="en-US" sz="2400" dirty="0" smtClean="0">
+            <a:endParaRPr lang="zh-TW" altLang="en-US" sz="2400" dirty="0">
               <a:ea typeface="新細明體" charset="-120"/>
             </a:endParaRPr>
           </a:p>
@@ -18431,7 +18577,7 @@
               <a:defRPr/>
             </a:pPr>
             <a:r>
-              <a:rPr lang="en-US" altLang="zh-TW" sz="3600" b="1" dirty="0" smtClean="0">
+              <a:rPr lang="en-US" altLang="zh-TW" sz="3600" b="1" dirty="0">
                 <a:latin typeface="Candara" pitchFamily="34" charset="0"/>
                 <a:ea typeface="新細明體" charset="-120"/>
               </a:rPr>
@@ -18659,12 +18805,12 @@
           <a:p>
             <a:pPr eaLnBrk="1" hangingPunct="1"/>
             <a:r>
-              <a:rPr lang="en-US" altLang="zh-TW" smtClean="0">
+              <a:rPr lang="en-US" altLang="zh-TW">
                 <a:ea typeface="新細明體" charset="-120"/>
               </a:rPr>
               <a:t>RAID Levels</a:t>
             </a:r>
-            <a:endParaRPr lang="en-US" altLang="zh-TW" sz="2400" smtClean="0">
+            <a:endParaRPr lang="en-US" altLang="zh-TW" sz="2400">
               <a:ea typeface="新細明體" charset="-120"/>
             </a:endParaRPr>
           </a:p>
@@ -18707,13 +18853,6 @@
   <p:clrMapOvr>
     <a:masterClrMapping/>
   </p:clrMapOvr>
-  <p:timing>
-    <p:tnLst>
-      <p:par>
-        <p:cTn id="1" dur="indefinite" restart="never" nodeType="tmRoot"/>
-      </p:par>
-    </p:tnLst>
-  </p:timing>
 </p:sld>
 </file>
 
@@ -18755,13 +18894,13 @@
           <a:lstStyle/>
           <a:p>
             <a:r>
-              <a:rPr lang="en-US" altLang="zh-TW" sz="2400" dirty="0" smtClean="0">
+              <a:rPr lang="en-US" altLang="zh-TW" sz="2400" dirty="0">
                 <a:ea typeface="新細明體" charset="-120"/>
               </a:rPr>
               <a:t>RAID 0 provides the </a:t>
             </a:r>
             <a:r>
-              <a:rPr lang="en-US" altLang="zh-TW" sz="2400" b="1" dirty="0" smtClean="0">
+              <a:rPr lang="en-US" altLang="zh-TW" sz="2400" b="1" dirty="0">
                 <a:solidFill>
                   <a:srgbClr val="FF0000"/>
                 </a:solidFill>
@@ -18770,7 +18909,7 @@
               <a:t>performance</a:t>
             </a:r>
             <a:r>
-              <a:rPr lang="en-US" altLang="zh-TW" sz="2400" dirty="0" smtClean="0">
+              <a:rPr lang="en-US" altLang="zh-TW" sz="2400" dirty="0">
                 <a:ea typeface="新細明體" charset="-120"/>
               </a:rPr>
               <a:t>,</a:t>
@@ -18778,13 +18917,13 @@
           </a:p>
           <a:p>
             <a:r>
-              <a:rPr lang="en-US" altLang="zh-TW" sz="2400" dirty="0" smtClean="0">
+              <a:rPr lang="en-US" altLang="zh-TW" sz="2400" dirty="0">
                 <a:ea typeface="新細明體" charset="-120"/>
               </a:rPr>
               <a:t>RAID 1 provides the </a:t>
             </a:r>
             <a:r>
-              <a:rPr lang="en-US" altLang="zh-TW" sz="2400" b="1" dirty="0" smtClean="0">
+              <a:rPr lang="en-US" altLang="zh-TW" sz="2400" b="1" dirty="0">
                 <a:solidFill>
                   <a:srgbClr val="FF0000"/>
                 </a:solidFill>
@@ -18793,7 +18932,7 @@
               <a:t>reliability</a:t>
             </a:r>
             <a:r>
-              <a:rPr lang="en-US" altLang="zh-TW" sz="2400" dirty="0" smtClean="0">
+              <a:rPr lang="en-US" altLang="zh-TW" sz="2400" dirty="0">
                 <a:ea typeface="新細明體" charset="-120"/>
               </a:rPr>
               <a:t>.</a:t>
@@ -18801,7 +18940,7 @@
           </a:p>
           <a:p>
             <a:r>
-              <a:rPr lang="en-US" altLang="zh-TW" sz="2400" b="1" dirty="0" smtClean="0">
+              <a:rPr lang="en-US" altLang="zh-TW" sz="2400" b="1" dirty="0">
                 <a:solidFill>
                   <a:srgbClr val="FF0000"/>
                 </a:solidFill>
@@ -18810,7 +18949,7 @@
               <a:t>RAID 0 +1 </a:t>
             </a:r>
             <a:r>
-              <a:rPr lang="en-US" altLang="zh-TW" sz="2400" dirty="0" smtClean="0">
+              <a:rPr lang="en-US" altLang="zh-TW" sz="2400" dirty="0">
                 <a:ea typeface="新細明體" charset="-120"/>
               </a:rPr>
               <a:t>: A set of disks are striped, and then the stripe is mirrored to another, equivalent strip</a:t>
@@ -18818,7 +18957,7 @@
           </a:p>
           <a:p>
             <a:r>
-              <a:rPr lang="en-US" altLang="zh-TW" sz="2400" b="1" dirty="0" smtClean="0">
+              <a:rPr lang="en-US" altLang="zh-TW" sz="2400" b="1" dirty="0">
                 <a:solidFill>
                   <a:srgbClr val="FF0000"/>
                 </a:solidFill>
@@ -18827,7 +18966,7 @@
               <a:t>RAID 1+0</a:t>
             </a:r>
             <a:r>
-              <a:rPr lang="en-US" altLang="zh-TW" sz="2400" dirty="0" smtClean="0">
+              <a:rPr lang="en-US" altLang="zh-TW" sz="2400" dirty="0">
                 <a:ea typeface="新細明體" charset="-120"/>
               </a:rPr>
               <a:t>: Disks are mirrored in pairs and then the resulting mirrored pairs are striped. </a:t>
@@ -18835,7 +18974,7 @@
           </a:p>
           <a:p>
             <a:r>
-              <a:rPr lang="en-US" altLang="zh-TW" sz="2400" dirty="0" smtClean="0">
+              <a:rPr lang="en-US" altLang="zh-TW" sz="2400" dirty="0">
                 <a:ea typeface="新細明體" charset="-120"/>
               </a:rPr>
               <a:t>RAID 1+0 has some theoretical advantages over RAID 0+1.</a:t>
@@ -18843,12 +18982,12 @@
           </a:p>
           <a:p>
             <a:r>
-              <a:rPr lang="en-US" altLang="zh-TW" sz="2400" dirty="0" smtClean="0">
+              <a:rPr lang="en-US" altLang="zh-TW" sz="2400" dirty="0">
                 <a:ea typeface="新細明體" charset="-120"/>
               </a:rPr>
               <a:t>For example, if a single disk fails in RAID 0+1, an entire strip is inaccessible, leaving only the other strip available. With a failure in RAID 1+0, a single disk is unavailable, but the disk that mirrors it is still available, as are all the rest of the disks.</a:t>
             </a:r>
-            <a:endParaRPr lang="zh-TW" altLang="en-US" sz="2400" dirty="0" smtClean="0">
+            <a:endParaRPr lang="zh-TW" altLang="en-US" sz="2400" dirty="0">
               <a:ea typeface="新細明體" charset="-120"/>
             </a:endParaRPr>
           </a:p>
@@ -18886,7 +19025,7 @@
               <a:defRPr/>
             </a:pPr>
             <a:r>
-              <a:rPr lang="en-US" altLang="zh-TW" sz="3600" b="1" dirty="0" smtClean="0">
+              <a:rPr lang="en-US" altLang="zh-TW" sz="3600" b="1" dirty="0">
                 <a:latin typeface="Candara" pitchFamily="34" charset="0"/>
                 <a:ea typeface="新細明體" charset="-120"/>
               </a:rPr>
@@ -19349,7 +19488,7 @@
           <a:p>
             <a:pPr eaLnBrk="1" hangingPunct="1"/>
             <a:r>
-              <a:rPr lang="en-US" altLang="zh-TW" dirty="0" smtClean="0">
+              <a:rPr lang="en-US" altLang="zh-TW" dirty="0">
                 <a:ea typeface="新細明體" charset="-120"/>
               </a:rPr>
               <a:t>12.1 Overview of Mass Storage Structure</a:t>
@@ -19378,7 +19517,7 @@
           <a:lstStyle/>
           <a:p>
             <a:r>
-              <a:rPr lang="en-US" altLang="zh-TW" sz="2800" dirty="0" smtClean="0">
+              <a:rPr lang="en-US" altLang="zh-TW" sz="2800" dirty="0">
                 <a:ea typeface="新細明體" charset="-120"/>
               </a:rPr>
               <a:t>Magnetic disks provide bulk of secondary storage of modern computers</a:t>
@@ -19387,7 +19526,7 @@
           <a:p>
             <a:pPr lvl="1"/>
             <a:r>
-              <a:rPr lang="en-US" altLang="zh-TW" sz="2800" dirty="0" smtClean="0">
+              <a:rPr lang="en-US" altLang="zh-TW" sz="2800" dirty="0">
                 <a:ea typeface="新細明體" charset="-120"/>
               </a:rPr>
               <a:t>Drives rotate at 60 to 200 times per second</a:t>
@@ -19396,7 +19535,7 @@
           <a:p>
             <a:pPr lvl="1"/>
             <a:r>
-              <a:rPr lang="en-US" altLang="zh-TW" sz="2800" b="1" dirty="0" smtClean="0">
+              <a:rPr lang="en-US" altLang="zh-TW" sz="2800" b="1" dirty="0">
                 <a:solidFill>
                   <a:srgbClr val="FF0000"/>
                 </a:solidFill>
@@ -19405,7 +19544,7 @@
               <a:t>Transfer rate</a:t>
             </a:r>
             <a:r>
-              <a:rPr lang="en-US" altLang="zh-TW" sz="2800" dirty="0" smtClean="0">
+              <a:rPr lang="en-US" altLang="zh-TW" sz="2800" dirty="0">
                 <a:ea typeface="新細明體" charset="-120"/>
               </a:rPr>
               <a:t> is rate at which data flow between drive and computer</a:t>
@@ -19414,7 +19553,7 @@
           <a:p>
             <a:pPr lvl="1"/>
             <a:r>
-              <a:rPr lang="en-US" altLang="zh-TW" sz="2800" b="1" dirty="0" smtClean="0">
+              <a:rPr lang="en-US" altLang="zh-TW" sz="2800" b="1" dirty="0">
                 <a:solidFill>
                   <a:srgbClr val="FF0000"/>
                 </a:solidFill>
@@ -19423,7 +19562,7 @@
               <a:t>Positioning time</a:t>
             </a:r>
             <a:r>
-              <a:rPr lang="en-US" altLang="zh-TW" sz="2800" dirty="0" smtClean="0">
+              <a:rPr lang="en-US" altLang="zh-TW" sz="2800" dirty="0">
                 <a:solidFill>
                   <a:srgbClr val="FF0000"/>
                 </a:solidFill>
@@ -19432,7 +19571,7 @@
               <a:t> (</a:t>
             </a:r>
             <a:r>
-              <a:rPr lang="en-US" altLang="zh-TW" sz="2800" b="1" dirty="0" smtClean="0">
+              <a:rPr lang="en-US" altLang="zh-TW" sz="2800" b="1" dirty="0">
                 <a:solidFill>
                   <a:srgbClr val="FF0000"/>
                 </a:solidFill>
@@ -19441,7 +19580,7 @@
               <a:t>random-access time</a:t>
             </a:r>
             <a:r>
-              <a:rPr lang="en-US" altLang="zh-TW" sz="2800" dirty="0" smtClean="0">
+              <a:rPr lang="en-US" altLang="zh-TW" sz="2800" dirty="0">
                 <a:solidFill>
                   <a:srgbClr val="FF0000"/>
                 </a:solidFill>
@@ -19450,13 +19589,13 @@
               <a:t>) </a:t>
             </a:r>
             <a:r>
-              <a:rPr lang="en-US" altLang="zh-TW" sz="2800" dirty="0" smtClean="0">
+              <a:rPr lang="en-US" altLang="zh-TW" sz="2800" dirty="0">
                 <a:ea typeface="新細明體" charset="-120"/>
               </a:rPr>
               <a:t>is time to move disk arm to desired cylinder (</a:t>
             </a:r>
             <a:r>
-              <a:rPr lang="en-US" altLang="zh-TW" sz="2800" b="1" dirty="0" smtClean="0">
+              <a:rPr lang="en-US" altLang="zh-TW" sz="2800" b="1" dirty="0">
                 <a:solidFill>
                   <a:srgbClr val="FF0000"/>
                 </a:solidFill>
@@ -19465,13 +19604,13 @@
               <a:t>seek time</a:t>
             </a:r>
             <a:r>
-              <a:rPr lang="en-US" altLang="zh-TW" sz="2800" dirty="0" smtClean="0">
+              <a:rPr lang="en-US" altLang="zh-TW" sz="2800" dirty="0">
                 <a:ea typeface="新細明體" charset="-120"/>
               </a:rPr>
               <a:t>) and time for desired sector to rotate under the disk head (</a:t>
             </a:r>
             <a:r>
-              <a:rPr lang="en-US" altLang="zh-TW" sz="2800" b="1" dirty="0" smtClean="0">
+              <a:rPr lang="en-US" altLang="zh-TW" sz="2800" b="1" dirty="0">
                 <a:solidFill>
                   <a:srgbClr val="FF0000"/>
                 </a:solidFill>
@@ -19480,7 +19619,7 @@
               <a:t>rotational latency</a:t>
             </a:r>
             <a:r>
-              <a:rPr lang="en-US" altLang="zh-TW" sz="2800" dirty="0" smtClean="0">
+              <a:rPr lang="en-US" altLang="zh-TW" sz="2800" dirty="0">
                 <a:ea typeface="新細明體" charset="-120"/>
               </a:rPr>
               <a:t>)</a:t>
@@ -19489,7 +19628,7 @@
           <a:p>
             <a:pPr lvl="1"/>
             <a:r>
-              <a:rPr lang="en-US" altLang="zh-TW" sz="2800" b="1" dirty="0" smtClean="0">
+              <a:rPr lang="en-US" altLang="zh-TW" sz="2800" b="1" dirty="0">
                 <a:solidFill>
                   <a:srgbClr val="FF0000"/>
                 </a:solidFill>
@@ -19498,7 +19637,7 @@
               <a:t>Head crash</a:t>
             </a:r>
             <a:r>
-              <a:rPr lang="en-US" altLang="zh-TW" sz="2800" dirty="0" smtClean="0">
+              <a:rPr lang="en-US" altLang="zh-TW" sz="2800" dirty="0">
                 <a:solidFill>
                   <a:srgbClr val="FF0000"/>
                 </a:solidFill>
@@ -19507,33 +19646,33 @@
               <a:t> </a:t>
             </a:r>
             <a:r>
-              <a:rPr lang="en-US" altLang="zh-TW" sz="2800" dirty="0" smtClean="0">
+              <a:rPr lang="en-US" altLang="zh-TW" sz="2800" dirty="0">
                 <a:ea typeface="新細明體" charset="-120"/>
               </a:rPr>
               <a:t>results from disk head making contact with the disk surface</a:t>
             </a:r>
             <a:r>
-              <a:rPr lang="zh-TW" altLang="en-US" sz="2800" dirty="0" smtClean="0">
+              <a:rPr lang="zh-TW" altLang="en-US" sz="2800" dirty="0">
                 <a:ea typeface="新細明體" charset="-120"/>
               </a:rPr>
               <a:t> </a:t>
             </a:r>
             <a:r>
-              <a:rPr lang="en-US" altLang="zh-TW" sz="2800" dirty="0" smtClean="0">
+              <a:rPr lang="en-US" altLang="zh-TW" sz="2800" dirty="0">
                 <a:ea typeface="新細明體" charset="-120"/>
                 <a:sym typeface="Wingdings" pitchFamily="2" charset="2"/>
               </a:rPr>
               <a:t> </a:t>
             </a:r>
             <a:r>
-              <a:rPr lang="en-US" altLang="zh-TW" sz="2800" dirty="0" smtClean="0">
+              <a:rPr lang="en-US" altLang="zh-TW" sz="2800" dirty="0">
                 <a:ea typeface="新細明體" charset="-120"/>
               </a:rPr>
               <a:t>That’s bad</a:t>
             </a:r>
           </a:p>
           <a:p>
-            <a:endParaRPr lang="en-US" altLang="zh-TW" sz="2800" dirty="0" smtClean="0">
+            <a:endParaRPr lang="en-US" altLang="zh-TW" sz="2800" dirty="0">
               <a:ea typeface="新細明體" charset="-120"/>
             </a:endParaRPr>
           </a:p>
@@ -19855,12 +19994,12 @@
           <a:p>
             <a:pPr eaLnBrk="1" hangingPunct="1"/>
             <a:r>
-              <a:rPr lang="en-US" altLang="zh-TW" smtClean="0">
+              <a:rPr lang="en-US" altLang="zh-TW">
                 <a:ea typeface="新細明體" charset="-120"/>
               </a:rPr>
               <a:t>RAID (0 + 1) and (1 + 0)</a:t>
             </a:r>
-            <a:endParaRPr lang="en-US" altLang="zh-TW" sz="2400" smtClean="0">
+            <a:endParaRPr lang="en-US" altLang="zh-TW" sz="2400">
               <a:ea typeface="新細明體" charset="-120"/>
             </a:endParaRPr>
           </a:p>
@@ -20370,7 +20509,7 @@
           <a:p>
             <a:pPr eaLnBrk="1" hangingPunct="1"/>
             <a:r>
-              <a:rPr lang="en-US" altLang="zh-TW" dirty="0" smtClean="0">
+              <a:rPr lang="en-US" altLang="zh-TW" dirty="0">
                 <a:ea typeface="新細明體" charset="-120"/>
               </a:rPr>
               <a:t>12.8 Stable-Storage Implementation</a:t>
@@ -20399,13 +20538,13 @@
           <a:lstStyle/>
           <a:p>
             <a:r>
-              <a:rPr lang="en-US" altLang="zh-TW" sz="2400" dirty="0" smtClean="0">
+              <a:rPr lang="en-US" altLang="zh-TW" sz="2400" dirty="0">
                 <a:ea typeface="新細明體" charset="-120"/>
               </a:rPr>
               <a:t>Write-ahead log scheme requires </a:t>
             </a:r>
             <a:r>
-              <a:rPr lang="en-US" altLang="zh-TW" sz="2400" b="1" dirty="0" smtClean="0">
+              <a:rPr lang="en-US" altLang="zh-TW" sz="2400" b="1" dirty="0">
                 <a:solidFill>
                   <a:srgbClr val="FF0000"/>
                 </a:solidFill>
@@ -20414,7 +20553,7 @@
               <a:t>stable storage</a:t>
             </a:r>
             <a:r>
-              <a:rPr lang="en-US" altLang="zh-TW" sz="2400" dirty="0" smtClean="0">
+              <a:rPr lang="en-US" altLang="zh-TW" sz="2400" dirty="0">
                 <a:ea typeface="新細明體" charset="-120"/>
               </a:rPr>
               <a:t>.</a:t>
@@ -20422,7 +20561,7 @@
           </a:p>
           <a:p>
             <a:r>
-              <a:rPr lang="en-US" altLang="zh-TW" sz="2400" dirty="0" smtClean="0">
+              <a:rPr lang="en-US" altLang="zh-TW" sz="2400" dirty="0">
                 <a:ea typeface="新細明體" charset="-120"/>
               </a:rPr>
               <a:t>To implement stable storage:</a:t>
@@ -20431,7 +20570,7 @@
           <a:p>
             <a:pPr lvl="1"/>
             <a:r>
-              <a:rPr lang="en-US" altLang="zh-TW" sz="2400" b="1" dirty="0" smtClean="0">
+              <a:rPr lang="en-US" altLang="zh-TW" sz="2400" b="1" dirty="0">
                 <a:solidFill>
                   <a:srgbClr val="FF0000"/>
                 </a:solidFill>
@@ -20440,7 +20579,7 @@
               <a:t>Replicate information </a:t>
             </a:r>
             <a:r>
-              <a:rPr lang="en-US" altLang="zh-TW" sz="2400" dirty="0" smtClean="0">
+              <a:rPr lang="en-US" altLang="zh-TW" sz="2400" dirty="0">
                 <a:ea typeface="新細明體" charset="-120"/>
               </a:rPr>
               <a:t>on more than one nonvolatile storage media with independent failure modes.</a:t>
@@ -20449,13 +20588,13 @@
           <a:p>
             <a:pPr lvl="1"/>
             <a:r>
-              <a:rPr lang="en-US" altLang="zh-TW" sz="2400" dirty="0" smtClean="0">
+              <a:rPr lang="en-US" altLang="zh-TW" sz="2400" dirty="0">
                 <a:ea typeface="新細明體" charset="-120"/>
               </a:rPr>
               <a:t>Update information in a </a:t>
             </a:r>
             <a:r>
-              <a:rPr lang="en-US" altLang="zh-TW" sz="2400" b="1" dirty="0" smtClean="0">
+              <a:rPr lang="en-US" altLang="zh-TW" sz="2400" b="1" dirty="0">
                 <a:solidFill>
                   <a:srgbClr val="FF0000"/>
                 </a:solidFill>
@@ -20464,7 +20603,7 @@
               <a:t>controlled manner </a:t>
             </a:r>
             <a:r>
-              <a:rPr lang="en-US" altLang="zh-TW" sz="2400" dirty="0" smtClean="0">
+              <a:rPr lang="en-US" altLang="zh-TW" sz="2400" dirty="0">
                 <a:ea typeface="新細明體" charset="-120"/>
               </a:rPr>
               <a:t>to ensure that we can recover the stable data after any failure during data transfer or recovery.</a:t>
@@ -20755,7 +20894,7 @@
           <a:p>
             <a:pPr eaLnBrk="1" hangingPunct="1"/>
             <a:r>
-              <a:rPr lang="en-US" altLang="zh-TW" dirty="0" smtClean="0">
+              <a:rPr lang="en-US" altLang="zh-TW" dirty="0">
                 <a:ea typeface="新細明體" charset="-120"/>
               </a:rPr>
               <a:t>12.9 Tertiary Storage Structure</a:t>
@@ -20784,7 +20923,7 @@
           <a:lstStyle/>
           <a:p>
             <a:r>
-              <a:rPr lang="en-US" altLang="zh-TW" sz="2400" b="1" dirty="0" smtClean="0">
+              <a:rPr lang="en-US" altLang="zh-TW" sz="2400" b="1" dirty="0">
                 <a:solidFill>
                   <a:srgbClr val="FF0000"/>
                 </a:solidFill>
@@ -20793,7 +20932,7 @@
               <a:t>Low cost </a:t>
             </a:r>
             <a:r>
-              <a:rPr lang="en-US" altLang="zh-TW" sz="2400" dirty="0" smtClean="0">
+              <a:rPr lang="en-US" altLang="zh-TW" sz="2400" dirty="0">
                 <a:ea typeface="新細明體" charset="-120"/>
               </a:rPr>
               <a:t>is the defining characteristic of tertiary storage.</a:t>
@@ -20801,13 +20940,13 @@
           </a:p>
           <a:p>
             <a:r>
-              <a:rPr lang="en-US" altLang="zh-TW" sz="2400" dirty="0" smtClean="0">
+              <a:rPr lang="en-US" altLang="zh-TW" sz="2400" dirty="0">
                 <a:ea typeface="新細明體" charset="-120"/>
               </a:rPr>
               <a:t>Generally, tertiary storage is built using </a:t>
             </a:r>
             <a:r>
-              <a:rPr lang="en-US" altLang="zh-TW" sz="2400" b="1" i="1" dirty="0" smtClean="0">
+              <a:rPr lang="en-US" altLang="zh-TW" sz="2400" b="1" i="1" dirty="0">
                 <a:solidFill>
                   <a:srgbClr val="FF0000"/>
                 </a:solidFill>
@@ -20815,7 +20954,7 @@
               </a:rPr>
               <a:t>removable media</a:t>
             </a:r>
-            <a:endParaRPr lang="en-US" altLang="zh-TW" sz="2400" b="1" dirty="0" smtClean="0">
+            <a:endParaRPr lang="en-US" altLang="zh-TW" sz="2400" b="1" dirty="0">
               <a:solidFill>
                 <a:srgbClr val="FF0000"/>
               </a:solidFill>
@@ -20824,7 +20963,7 @@
           </a:p>
           <a:p>
             <a:r>
-              <a:rPr lang="en-US" altLang="zh-TW" sz="2400" dirty="0" smtClean="0">
+              <a:rPr lang="en-US" altLang="zh-TW" sz="2400" dirty="0">
                 <a:ea typeface="新細明體" charset="-120"/>
               </a:rPr>
               <a:t>Common examples of removable media are floppy disks and CD-ROMs; other types are available.</a:t>
@@ -21090,7 +21229,7 @@
           <a:p>
             <a:pPr eaLnBrk="1" hangingPunct="1"/>
             <a:r>
-              <a:rPr lang="en-US" altLang="zh-TW" smtClean="0">
+              <a:rPr lang="en-US" altLang="zh-TW">
                 <a:ea typeface="新細明體" charset="-120"/>
               </a:rPr>
               <a:t>Removable Disks</a:t>
@@ -21119,7 +21258,7 @@
           <a:lstStyle/>
           <a:p>
             <a:r>
-              <a:rPr lang="en-US" altLang="zh-TW" sz="2400" b="1" dirty="0" smtClean="0">
+              <a:rPr lang="en-US" altLang="zh-TW" sz="2400" b="1" dirty="0">
                 <a:solidFill>
                   <a:srgbClr val="FF0000"/>
                 </a:solidFill>
@@ -21128,7 +21267,7 @@
               <a:t>Floppy disk </a:t>
             </a:r>
             <a:r>
-              <a:rPr lang="en-US" altLang="zh-TW" sz="2400" dirty="0" smtClean="0">
+              <a:rPr lang="en-US" altLang="zh-TW" sz="2400" dirty="0">
                 <a:ea typeface="新細明體" charset="-120"/>
               </a:rPr>
               <a:t>— thin flexible disk coated with magnetic material, enclosed in a protective plastic case.</a:t>
@@ -21137,7 +21276,7 @@
           <a:p>
             <a:pPr lvl="1"/>
             <a:r>
-              <a:rPr lang="en-US" altLang="zh-TW" sz="2400" dirty="0" smtClean="0">
+              <a:rPr lang="en-US" altLang="zh-TW" sz="2400" dirty="0">
                 <a:ea typeface="新細明體" charset="-120"/>
               </a:rPr>
               <a:t>Most floppies hold about 1 MB; similar technology is used for removable disks that hold more than 1 GB.</a:t>
@@ -21146,7 +21285,7 @@
           <a:p>
             <a:pPr lvl="1"/>
             <a:r>
-              <a:rPr lang="en-US" altLang="zh-TW" sz="2400" dirty="0" smtClean="0">
+              <a:rPr lang="en-US" altLang="zh-TW" sz="2400" dirty="0">
                 <a:ea typeface="新細明體" charset="-120"/>
               </a:rPr>
               <a:t>Removable magnetic disks can be nearly as fast as hard disks, but they are at a greater risk of damage from exposure.</a:t>
@@ -21376,7 +21515,7 @@
           <a:p>
             <a:pPr eaLnBrk="1" hangingPunct="1"/>
             <a:r>
-              <a:rPr lang="en-US" altLang="zh-TW" smtClean="0">
+              <a:rPr lang="en-US" altLang="zh-TW">
                 <a:ea typeface="新細明體" charset="-120"/>
               </a:rPr>
               <a:t>Removable Disks (Cont.)</a:t>
@@ -21405,84 +21544,132 @@
           <a:lstStyle/>
           <a:p>
             <a:r>
-              <a:rPr lang="en-US" altLang="zh-TW" sz="2400" dirty="0" smtClean="0">
+              <a:rPr lang="en-US" altLang="zh-TW" sz="2400" dirty="0">
                 <a:ea typeface="新細明體" charset="-120"/>
               </a:rPr>
               <a:t>A </a:t>
             </a:r>
             <a:r>
-              <a:rPr lang="en-US" altLang="zh-TW" sz="2400" b="1" dirty="0" smtClean="0">
+              <a:rPr lang="en-US" altLang="zh-TW" sz="2400" b="1" dirty="0">
                 <a:solidFill>
                   <a:srgbClr val="FF0000"/>
                 </a:solidFill>
                 <a:ea typeface="新細明體" charset="-120"/>
               </a:rPr>
-              <a:t>magneto-optic disk </a:t>
-            </a:r>
-            <a:r>
-              <a:rPr lang="en-US" altLang="zh-TW" sz="2400" dirty="0" smtClean="0">
-                <a:ea typeface="新細明體" charset="-120"/>
-              </a:rPr>
-              <a:t>records data on a rigid platter coated with magnetic material.</a:t>
-            </a:r>
-          </a:p>
-          <a:p>
-            <a:pPr lvl="1"/>
-            <a:r>
-              <a:rPr lang="en-US" altLang="zh-TW" sz="2400" b="1" dirty="0" smtClean="0">
+              <a:t>magneto</a:t>
+            </a:r>
+            <a:r>
+              <a:rPr lang="zh-TW" altLang="en-US" sz="2400" b="1" dirty="0">
                 <a:solidFill>
                   <a:srgbClr val="FF0000"/>
                 </a:solidFill>
                 <a:ea typeface="新細明體" charset="-120"/>
               </a:rPr>
-              <a:t>Laser heat </a:t>
-            </a:r>
-            <a:r>
-              <a:rPr lang="en-US" altLang="zh-TW" sz="2400" dirty="0" smtClean="0">
-                <a:ea typeface="新細明體" charset="-120"/>
-              </a:rPr>
-              <a:t>is used to amplify a large, weak magnetic field to record a bit.</a:t>
-            </a:r>
-          </a:p>
-          <a:p>
-            <a:pPr lvl="1"/>
-            <a:r>
-              <a:rPr lang="en-US" altLang="zh-TW" sz="2400" b="1" dirty="0" smtClean="0">
+              <a:t>磁力</a:t>
+            </a:r>
+            <a:r>
+              <a:rPr lang="en-US" altLang="zh-TW" sz="2400" b="1" dirty="0">
                 <a:solidFill>
                   <a:srgbClr val="FF0000"/>
                 </a:solidFill>
                 <a:ea typeface="新細明體" charset="-120"/>
               </a:rPr>
-              <a:t>Laser light </a:t>
-            </a:r>
-            <a:r>
-              <a:rPr lang="en-US" altLang="zh-TW" sz="2400" dirty="0" smtClean="0">
-                <a:ea typeface="新細明體" charset="-120"/>
-              </a:rPr>
-              <a:t>is also used to read data (Kerr effect).</a:t>
-            </a:r>
-          </a:p>
-          <a:p>
-            <a:pPr lvl="1"/>
-            <a:r>
-              <a:rPr lang="en-US" altLang="zh-TW" sz="2400" dirty="0" smtClean="0">
-                <a:ea typeface="新細明體" charset="-120"/>
-              </a:rPr>
-              <a:t>The magneto-optic head flies much farther from the disk surface than a magnetic disk head, and the magnetic material is covered with a protective layer of plastic or glass; resistant to head crashes.</a:t>
-            </a:r>
-          </a:p>
-          <a:p>
-            <a:r>
-              <a:rPr lang="en-US" altLang="zh-TW" sz="2400" dirty="0" smtClean="0">
+              <a:t>-optic</a:t>
+            </a:r>
+            <a:r>
+              <a:rPr lang="zh-TW" altLang="en-US" sz="2400" b="1" dirty="0">
                 <a:solidFill>
                   <a:srgbClr val="FF0000"/>
                 </a:solidFill>
                 <a:ea typeface="新細明體" charset="-120"/>
               </a:rPr>
+              <a:t>光學</a:t>
+            </a:r>
+            <a:r>
+              <a:rPr lang="en-US" altLang="zh-TW" sz="2400" b="1" dirty="0">
+                <a:solidFill>
+                  <a:srgbClr val="FF0000"/>
+                </a:solidFill>
+                <a:ea typeface="新細明體" charset="-120"/>
+              </a:rPr>
+              <a:t> disk </a:t>
+            </a:r>
+            <a:r>
+              <a:rPr lang="en-US" altLang="zh-TW" sz="2400" dirty="0">
+                <a:ea typeface="新細明體" charset="-120"/>
+              </a:rPr>
+              <a:t>records data on a rigid</a:t>
+            </a:r>
+            <a:r>
+              <a:rPr lang="zh-TW" altLang="en-US" sz="2400" dirty="0">
+                <a:ea typeface="新細明體" charset="-120"/>
+              </a:rPr>
+              <a:t>堅硬的</a:t>
+            </a:r>
+            <a:r>
+              <a:rPr lang="en-US" altLang="zh-TW" sz="2400" dirty="0">
+                <a:ea typeface="新細明體" charset="-120"/>
+              </a:rPr>
+              <a:t> platter coated with magnetic material.</a:t>
+            </a:r>
+          </a:p>
+          <a:p>
+            <a:pPr lvl="1"/>
+            <a:r>
+              <a:rPr lang="en-US" altLang="zh-TW" sz="2400" b="1" dirty="0">
+                <a:solidFill>
+                  <a:srgbClr val="FF0000"/>
+                </a:solidFill>
+                <a:ea typeface="新細明體" charset="-120"/>
+              </a:rPr>
+              <a:t>Laser heat </a:t>
+            </a:r>
+            <a:r>
+              <a:rPr lang="en-US" altLang="zh-TW" sz="2400" dirty="0">
+                <a:ea typeface="新細明體" charset="-120"/>
+              </a:rPr>
+              <a:t>is used to amplify a large, weak magnetic field to record a bit.</a:t>
+            </a:r>
+          </a:p>
+          <a:p>
+            <a:pPr lvl="1"/>
+            <a:r>
+              <a:rPr lang="en-US" altLang="zh-TW" sz="2400" b="1" dirty="0">
+                <a:solidFill>
+                  <a:srgbClr val="FF0000"/>
+                </a:solidFill>
+                <a:ea typeface="新細明體" charset="-120"/>
+              </a:rPr>
+              <a:t>Laser light </a:t>
+            </a:r>
+            <a:r>
+              <a:rPr lang="en-US" altLang="zh-TW" sz="2400" dirty="0">
+                <a:ea typeface="新細明體" charset="-120"/>
+              </a:rPr>
+              <a:t>is also used to read data (Kerr effect).</a:t>
+            </a:r>
+          </a:p>
+          <a:p>
+            <a:pPr lvl="1"/>
+            <a:r>
+              <a:rPr lang="en-US" altLang="zh-TW" sz="2400" dirty="0">
+                <a:ea typeface="新細明體" charset="-120"/>
+              </a:rPr>
+              <a:t>The magneto-optic head flies much farther from the disk surface than a magnetic disk head, and the magnetic material is covered with a protective layer of plastic or glass; resistant to head crashes.</a:t>
+            </a:r>
+          </a:p>
+          <a:p>
+            <a:r>
+              <a:rPr lang="en-US" altLang="zh-TW" sz="2400" dirty="0">
+                <a:solidFill>
+                  <a:srgbClr val="FF0000"/>
+                </a:solidFill>
+                <a:ea typeface="新細明體" charset="-120"/>
+              </a:rPr>
               <a:t>Optical disks </a:t>
             </a:r>
             <a:r>
-              <a:rPr lang="en-US" altLang="zh-TW" sz="2400" dirty="0" smtClean="0">
+              <a:rPr lang="en-US" altLang="zh-TW" sz="2400" dirty="0">
                 <a:ea typeface="新細明體" charset="-120"/>
               </a:rPr>
               <a:t>do not use magnetism; they employ special materials that are altered by laser light.</a:t>
@@ -21816,7 +22003,7 @@
           <a:p>
             <a:pPr eaLnBrk="1" hangingPunct="1"/>
             <a:r>
-              <a:rPr lang="en-US" altLang="zh-TW" smtClean="0">
+              <a:rPr lang="en-US" altLang="zh-TW">
                 <a:ea typeface="新細明體" charset="-120"/>
               </a:rPr>
               <a:t>WORM Disks</a:t>
@@ -21845,7 +22032,7 @@
           <a:lstStyle/>
           <a:p>
             <a:r>
-              <a:rPr lang="en-US" altLang="zh-TW" sz="2400" dirty="0" smtClean="0">
+              <a:rPr lang="en-US" altLang="zh-TW" sz="2400" dirty="0">
                 <a:ea typeface="新細明體" charset="-120"/>
               </a:rPr>
               <a:t>The data on read-write disks can be modified over and over.</a:t>
@@ -21853,7 +22040,7 @@
           </a:p>
           <a:p>
             <a:r>
-              <a:rPr lang="en-US" altLang="zh-TW" sz="2400" b="1" dirty="0" smtClean="0">
+              <a:rPr lang="en-US" altLang="zh-TW" sz="2400" b="1" dirty="0">
                 <a:solidFill>
                   <a:srgbClr val="FF0000"/>
                 </a:solidFill>
@@ -21862,7 +22049,7 @@
               <a:t>WORM (“Write Once, Read Many Times”) </a:t>
             </a:r>
             <a:r>
-              <a:rPr lang="en-US" altLang="zh-TW" sz="2400" dirty="0" smtClean="0">
+              <a:rPr lang="en-US" altLang="zh-TW" sz="2400" dirty="0">
                 <a:ea typeface="新細明體" charset="-120"/>
               </a:rPr>
               <a:t>disks can be written only once.</a:t>
@@ -21870,21 +22057,33 @@
           </a:p>
           <a:p>
             <a:r>
-              <a:rPr lang="en-US" altLang="zh-TW" sz="2400" dirty="0" smtClean="0">
-                <a:ea typeface="新細明體" charset="-120"/>
-              </a:rPr>
-              <a:t>Thin aluminum film sandwiched between two glass or plastic platters.</a:t>
-            </a:r>
-          </a:p>
-          <a:p>
-            <a:r>
-              <a:rPr lang="en-US" altLang="zh-TW" sz="2400" dirty="0" smtClean="0">
+              <a:rPr lang="en-US" altLang="zh-TW" sz="2400" dirty="0">
+                <a:ea typeface="新細明體" charset="-120"/>
+              </a:rPr>
+              <a:t>Thin aluminum</a:t>
+            </a:r>
+            <a:r>
+              <a:rPr lang="zh-TW" altLang="en-US" sz="2400" dirty="0">
+                <a:ea typeface="新細明體" charset="-120"/>
+              </a:rPr>
+              <a:t>鋁</a:t>
+            </a:r>
+            <a:r>
+              <a:rPr lang="en-US" altLang="zh-TW" sz="2400" dirty="0">
+                <a:ea typeface="新細明體" charset="-120"/>
+              </a:rPr>
+              <a:t> film sandwiched between two glass or plastic platters.</a:t>
+            </a:r>
+          </a:p>
+          <a:p>
+            <a:r>
+              <a:rPr lang="en-US" altLang="zh-TW" sz="2400" dirty="0">
                 <a:ea typeface="新細明體" charset="-120"/>
               </a:rPr>
               <a:t>To write a bit, the drive uses a </a:t>
             </a:r>
             <a:r>
-              <a:rPr lang="en-US" altLang="zh-TW" sz="2400" b="1" dirty="0" smtClean="0">
+              <a:rPr lang="en-US" altLang="zh-TW" sz="2400" b="1" dirty="0">
                 <a:solidFill>
                   <a:srgbClr val="FF0000"/>
                 </a:solidFill>
@@ -21893,7 +22092,7 @@
               <a:t>laser light to burn a small hole</a:t>
             </a:r>
             <a:r>
-              <a:rPr lang="en-US" altLang="zh-TW" sz="2400" dirty="0" smtClean="0">
+              <a:rPr lang="en-US" altLang="zh-TW" sz="2400" dirty="0">
                 <a:ea typeface="新細明體" charset="-120"/>
               </a:rPr>
               <a:t> through the aluminum; information can be destroyed by not altered.</a:t>
@@ -21901,7 +22100,7 @@
           </a:p>
           <a:p>
             <a:r>
-              <a:rPr lang="en-US" altLang="zh-TW" sz="2400" dirty="0" smtClean="0">
+              <a:rPr lang="en-US" altLang="zh-TW" sz="2400" dirty="0">
                 <a:ea typeface="新細明體" charset="-120"/>
               </a:rPr>
               <a:t>Very durable and reliable.</a:t>
@@ -21909,13 +22108,13 @@
           </a:p>
           <a:p>
             <a:r>
-              <a:rPr lang="en-US" altLang="zh-TW" sz="2400" i="1" dirty="0" smtClean="0">
+              <a:rPr lang="en-US" altLang="zh-TW" sz="2400" i="1" dirty="0">
                 <a:ea typeface="新細明體" charset="-120"/>
               </a:rPr>
               <a:t>Read Only</a:t>
             </a:r>
             <a:r>
-              <a:rPr lang="en-US" altLang="zh-TW" sz="2400" dirty="0" smtClean="0">
+              <a:rPr lang="en-US" altLang="zh-TW" sz="2400" dirty="0">
                 <a:ea typeface="新細明體" charset="-120"/>
               </a:rPr>
               <a:t> disks, such as CD-ROM and DVD, come from the factory with the data pre-recorded.</a:t>
@@ -22303,7 +22502,7 @@
           <a:p>
             <a:pPr eaLnBrk="1" hangingPunct="1"/>
             <a:r>
-              <a:rPr lang="en-US" altLang="zh-TW" smtClean="0">
+              <a:rPr lang="en-US" altLang="zh-TW">
                 <a:ea typeface="新細明體" charset="-120"/>
               </a:rPr>
               <a:t>Tapes</a:t>
@@ -22332,13 +22531,13 @@
           <a:lstStyle/>
           <a:p>
             <a:r>
-              <a:rPr lang="en-US" altLang="zh-TW" sz="2400" dirty="0" smtClean="0">
+              <a:rPr lang="en-US" altLang="zh-TW" sz="2400" dirty="0">
                 <a:ea typeface="新細明體" charset="-120"/>
               </a:rPr>
               <a:t>Compared to a disk, a tape is less expensive and holds more data, but </a:t>
             </a:r>
             <a:r>
-              <a:rPr lang="en-US" altLang="zh-TW" sz="2400" dirty="0" smtClean="0">
+              <a:rPr lang="en-US" altLang="zh-TW" sz="2400" dirty="0">
                 <a:solidFill>
                   <a:srgbClr val="FF0000"/>
                 </a:solidFill>
@@ -22347,7 +22546,7 @@
               <a:t>random access is much slower</a:t>
             </a:r>
             <a:r>
-              <a:rPr lang="en-US" altLang="zh-TW" sz="2400" dirty="0" smtClean="0">
+              <a:rPr lang="en-US" altLang="zh-TW" sz="2400" dirty="0">
                 <a:ea typeface="新細明體" charset="-120"/>
               </a:rPr>
               <a:t>.</a:t>
@@ -22355,13 +22554,13 @@
           </a:p>
           <a:p>
             <a:r>
-              <a:rPr lang="en-US" altLang="zh-TW" sz="2400" dirty="0" smtClean="0">
+              <a:rPr lang="en-US" altLang="zh-TW" sz="2400" dirty="0">
                 <a:ea typeface="新細明體" charset="-120"/>
               </a:rPr>
               <a:t>Tape is an economical medium for purposes that</a:t>
             </a:r>
             <a:r>
-              <a:rPr lang="en-US" altLang="zh-TW" sz="2400" dirty="0" smtClean="0">
+              <a:rPr lang="en-US" altLang="zh-TW" sz="2400" dirty="0">
                 <a:solidFill>
                   <a:srgbClr val="FF0000"/>
                 </a:solidFill>
@@ -22370,7 +22569,7 @@
               <a:t> do not require fast random access</a:t>
             </a:r>
             <a:r>
-              <a:rPr lang="en-US" altLang="zh-TW" sz="2400" dirty="0" smtClean="0">
+              <a:rPr lang="en-US" altLang="zh-TW" sz="2400" dirty="0">
                 <a:ea typeface="新細明體" charset="-120"/>
               </a:rPr>
               <a:t>, e.g., backup copies of disk data, holding huge volumes of data.</a:t>
@@ -22378,7 +22577,7 @@
           </a:p>
           <a:p>
             <a:r>
-              <a:rPr lang="en-US" altLang="zh-TW" sz="2400" dirty="0" smtClean="0">
+              <a:rPr lang="en-US" altLang="zh-TW" sz="2400" dirty="0">
                 <a:ea typeface="新細明體" charset="-120"/>
               </a:rPr>
               <a:t>Large tape installations typically use robotic tape changers that move tapes between tape drives and storage slots in a tape library.</a:t>
@@ -22387,7 +22586,7 @@
           <a:p>
             <a:pPr lvl="1"/>
             <a:r>
-              <a:rPr lang="en-US" altLang="zh-TW" sz="2400" dirty="0" smtClean="0">
+              <a:rPr lang="en-US" altLang="zh-TW" sz="2400" dirty="0">
                 <a:solidFill>
                   <a:srgbClr val="FF0000"/>
                 </a:solidFill>
@@ -22396,7 +22595,7 @@
               <a:t>stacker </a:t>
             </a:r>
             <a:r>
-              <a:rPr lang="en-US" altLang="zh-TW" sz="2400" dirty="0" smtClean="0">
+              <a:rPr lang="en-US" altLang="zh-TW" sz="2400" dirty="0">
                 <a:ea typeface="新細明體" charset="-120"/>
               </a:rPr>
               <a:t>– library that holds a few tapes</a:t>
@@ -22405,7 +22604,7 @@
           <a:p>
             <a:pPr lvl="1"/>
             <a:r>
-              <a:rPr lang="en-US" altLang="zh-TW" sz="2400" dirty="0" smtClean="0">
+              <a:rPr lang="en-US" altLang="zh-TW" sz="2400" dirty="0">
                 <a:solidFill>
                   <a:srgbClr val="FF0000"/>
                 </a:solidFill>
@@ -22414,7 +22613,7 @@
               <a:t>silo</a:t>
             </a:r>
             <a:r>
-              <a:rPr lang="en-US" altLang="zh-TW" sz="2400" dirty="0" smtClean="0">
+              <a:rPr lang="en-US" altLang="zh-TW" sz="2400" dirty="0">
                 <a:ea typeface="新細明體" charset="-120"/>
               </a:rPr>
               <a:t> – library that holds thousands of tapes </a:t>
@@ -22422,31 +22621,31 @@
           </a:p>
           <a:p>
             <a:r>
-              <a:rPr lang="en-US" altLang="zh-TW" sz="2400" dirty="0" smtClean="0">
+              <a:rPr lang="en-US" altLang="zh-TW" sz="2400" dirty="0">
                 <a:ea typeface="新細明體" charset="-120"/>
               </a:rPr>
               <a:t>A disk-resident file can be </a:t>
             </a:r>
             <a:r>
-              <a:rPr lang="en-US" altLang="zh-TW" sz="2400" i="1" dirty="0" smtClean="0">
+              <a:rPr lang="en-US" altLang="zh-TW" sz="2400" i="1" dirty="0">
                 <a:ea typeface="新細明體" charset="-120"/>
               </a:rPr>
               <a:t>archived</a:t>
             </a:r>
             <a:r>
-              <a:rPr lang="en-US" altLang="zh-TW" sz="2400" dirty="0" smtClean="0">
+              <a:rPr lang="en-US" altLang="zh-TW" sz="2400" dirty="0">
                 <a:ea typeface="新細明體" charset="-120"/>
               </a:rPr>
               <a:t> to tape for low cost storage; the computer can </a:t>
             </a:r>
             <a:r>
-              <a:rPr lang="en-US" altLang="zh-TW" sz="2400" i="1" dirty="0" smtClean="0">
+              <a:rPr lang="en-US" altLang="zh-TW" sz="2400" i="1" dirty="0">
                 <a:ea typeface="新細明體" charset="-120"/>
               </a:rPr>
               <a:t>stage</a:t>
             </a:r>
             <a:r>
-              <a:rPr lang="en-US" altLang="zh-TW" sz="2400" dirty="0" smtClean="0">
+              <a:rPr lang="en-US" altLang="zh-TW" sz="2400" dirty="0">
                 <a:ea typeface="新細明體" charset="-120"/>
               </a:rPr>
               <a:t> it back into disk storage for active use. </a:t>
@@ -22798,7 +22997,7 @@
           <a:p>
             <a:pPr eaLnBrk="1" hangingPunct="1"/>
             <a:r>
-              <a:rPr lang="en-US" altLang="zh-TW" dirty="0" smtClean="0">
+              <a:rPr lang="en-US" altLang="zh-TW" dirty="0">
                 <a:ea typeface="新細明體" charset="-120"/>
               </a:rPr>
               <a:t>Operating System Support</a:t>
@@ -22827,7 +23026,7 @@
           <a:lstStyle/>
           <a:p>
             <a:r>
-              <a:rPr lang="en-US" altLang="zh-TW" sz="2400" dirty="0" smtClean="0">
+              <a:rPr lang="en-US" altLang="zh-TW" sz="2400" dirty="0">
                 <a:ea typeface="新細明體" charset="-120"/>
               </a:rPr>
               <a:t>Major OS jobs are to manage physical devices and to present a virtual machine abstraction to applications</a:t>
@@ -22835,7 +23034,7 @@
           </a:p>
           <a:p>
             <a:r>
-              <a:rPr lang="en-US" altLang="zh-TW" sz="2400" dirty="0" smtClean="0">
+              <a:rPr lang="en-US" altLang="zh-TW" sz="2400" dirty="0">
                 <a:ea typeface="新細明體" charset="-120"/>
               </a:rPr>
               <a:t>For hard disks, the OS provides two abstraction:</a:t>
@@ -22844,7 +23043,7 @@
           <a:p>
             <a:pPr lvl="1"/>
             <a:r>
-              <a:rPr lang="en-US" altLang="zh-TW" sz="2400" b="1" dirty="0" smtClean="0">
+              <a:rPr lang="en-US" altLang="zh-TW" sz="2400" b="1" dirty="0">
                 <a:solidFill>
                   <a:srgbClr val="FF0000"/>
                 </a:solidFill>
@@ -22853,7 +23052,7 @@
               <a:t>Raw device </a:t>
             </a:r>
             <a:r>
-              <a:rPr lang="en-US" altLang="zh-TW" sz="2400" dirty="0" smtClean="0">
+              <a:rPr lang="en-US" altLang="zh-TW" sz="2400" dirty="0">
                 <a:ea typeface="新細明體" charset="-120"/>
               </a:rPr>
               <a:t>– an array of data blocks.</a:t>
@@ -22862,7 +23061,7 @@
           <a:p>
             <a:pPr lvl="1"/>
             <a:r>
-              <a:rPr lang="en-US" altLang="zh-TW" sz="2400" b="1" dirty="0" smtClean="0">
+              <a:rPr lang="en-US" altLang="zh-TW" sz="2400" b="1" dirty="0">
                 <a:solidFill>
                   <a:srgbClr val="FF0000"/>
                 </a:solidFill>
@@ -22871,7 +23070,7 @@
               <a:t>File system </a:t>
             </a:r>
             <a:r>
-              <a:rPr lang="en-US" altLang="zh-TW" sz="2400" dirty="0" smtClean="0">
+              <a:rPr lang="en-US" altLang="zh-TW" sz="2400" dirty="0">
                 <a:ea typeface="新細明體" charset="-120"/>
               </a:rPr>
               <a:t>– the OS queues and schedules the interleaved requests from several applications.</a:t>
@@ -23101,7 +23300,7 @@
           <a:p>
             <a:pPr eaLnBrk="1" hangingPunct="1"/>
             <a:r>
-              <a:rPr lang="en-US" altLang="zh-TW" smtClean="0">
+              <a:rPr lang="en-US" altLang="zh-TW">
                 <a:ea typeface="新細明體" charset="-120"/>
               </a:rPr>
               <a:t>Application Interface</a:t>
@@ -23130,13 +23329,13 @@
           <a:lstStyle/>
           <a:p>
             <a:r>
-              <a:rPr lang="en-US" altLang="zh-TW" sz="2400" dirty="0" smtClean="0">
+              <a:rPr lang="en-US" altLang="zh-TW" sz="2400" dirty="0">
                 <a:ea typeface="新細明體" charset="-120"/>
               </a:rPr>
               <a:t>Most OSs  handle </a:t>
             </a:r>
             <a:r>
-              <a:rPr lang="en-US" altLang="zh-TW" sz="2400" dirty="0" smtClean="0">
+              <a:rPr lang="en-US" altLang="zh-TW" sz="2400" dirty="0">
                 <a:solidFill>
                   <a:srgbClr val="FF0000"/>
                 </a:solidFill>
@@ -23145,13 +23344,23 @@
               <a:t>removable disks almost exactly like fixed disks</a:t>
             </a:r>
             <a:r>
-              <a:rPr lang="en-US" altLang="zh-TW" sz="2400" dirty="0" smtClean="0">
-                <a:ea typeface="新細明體" charset="-120"/>
-              </a:rPr>
-              <a:t> — a new cartridge is formatted and </a:t>
-            </a:r>
-            <a:r>
-              <a:rPr lang="en-US" altLang="zh-TW" sz="2400" dirty="0" smtClean="0">
+              <a:rPr lang="en-US" altLang="zh-TW" sz="2400" dirty="0">
+                <a:ea typeface="新細明體" charset="-120"/>
+              </a:rPr>
+              <a:t>— a new cartridge</a:t>
+            </a:r>
+            <a:r>
+              <a:rPr lang="zh-TW" altLang="en-US" b="0" dirty="0"/>
+              <a:t> </a:t>
+            </a:r>
+            <a:r>
+              <a:rPr lang="en-US" altLang="zh-TW" sz="2400" dirty="0">
+                <a:ea typeface="新細明體" charset="-120"/>
+              </a:rPr>
+              <a:t>is formatted and </a:t>
+            </a:r>
+            <a:r>
+              <a:rPr lang="en-US" altLang="zh-TW" sz="2400" dirty="0">
                 <a:solidFill>
                   <a:srgbClr val="FF0000"/>
                 </a:solidFill>
@@ -23162,7 +23371,7 @@
           </a:p>
           <a:p>
             <a:r>
-              <a:rPr lang="en-US" altLang="zh-TW" sz="2400" b="1" dirty="0" smtClean="0">
+              <a:rPr lang="en-US" altLang="zh-TW" sz="2400" b="1" dirty="0">
                 <a:solidFill>
                   <a:srgbClr val="FF0000"/>
                 </a:solidFill>
@@ -23171,61 +23380,76 @@
               <a:t>Tapes are presented as a raw storage medium</a:t>
             </a:r>
             <a:r>
-              <a:rPr lang="en-US" altLang="zh-TW" sz="2400" dirty="0" smtClean="0">
-                <a:ea typeface="新細明體" charset="-120"/>
-              </a:rPr>
-              <a:t>, i.e., and application does not open a file on the tape, it opens the whole tape drive as a raw device.</a:t>
-            </a:r>
-          </a:p>
-          <a:p>
-            <a:r>
-              <a:rPr lang="en-US" altLang="zh-TW" sz="2400" dirty="0" smtClean="0">
-                <a:ea typeface="新細明體" charset="-120"/>
-              </a:rPr>
-              <a:t>Usually the tape drive is reserved for the exclusive use of that application.</a:t>
-            </a:r>
-          </a:p>
-          <a:p>
-            <a:r>
-              <a:rPr lang="en-US" altLang="zh-TW" sz="2400" dirty="0" smtClean="0">
-                <a:ea typeface="新細明體" charset="-120"/>
-              </a:rPr>
-              <a:t>Since the OS does not provide file system services, the </a:t>
-            </a:r>
-            <a:r>
-              <a:rPr lang="en-US" altLang="zh-TW" sz="2400" dirty="0" smtClean="0">
+              <a:rPr lang="en-US" altLang="zh-TW" sz="2400" dirty="0">
+                <a:ea typeface="新細明體" charset="-120"/>
+              </a:rPr>
+              <a:t>, i.e., and application does not open a file on the tape, it opens the </a:t>
+            </a:r>
+            <a:r>
+              <a:rPr lang="en-US" altLang="zh-TW" sz="2400" dirty="0">
                 <a:solidFill>
                   <a:srgbClr val="FF0000"/>
                 </a:solidFill>
                 <a:ea typeface="新細明體" charset="-120"/>
               </a:rPr>
-              <a:t>application must decide how to use the array of blocks</a:t>
-            </a:r>
-            <a:r>
-              <a:rPr lang="en-US" altLang="zh-TW" sz="2400" dirty="0" smtClean="0">
-                <a:ea typeface="新細明體" charset="-120"/>
-              </a:rPr>
-              <a:t>.</a:t>
-            </a:r>
-          </a:p>
-          <a:p>
-            <a:r>
-              <a:rPr lang="en-US" altLang="zh-TW" sz="2400" dirty="0" smtClean="0">
-                <a:ea typeface="新細明體" charset="-120"/>
-              </a:rPr>
-              <a:t>Since every application makes up its own rules for how to organize a tape, a tape full of data can generally </a:t>
-            </a:r>
-            <a:r>
-              <a:rPr lang="en-US" altLang="zh-TW" sz="2400" dirty="0" smtClean="0">
+              <a:t>whole tape drive </a:t>
+            </a:r>
+            <a:r>
+              <a:rPr lang="en-US" altLang="zh-TW" sz="2400" dirty="0">
+                <a:ea typeface="新細明體" charset="-120"/>
+              </a:rPr>
+              <a:t>as a raw device.</a:t>
+            </a:r>
+          </a:p>
+          <a:p>
+            <a:r>
+              <a:rPr lang="en-US" altLang="zh-TW" sz="2400" dirty="0">
+                <a:ea typeface="新細明體" charset="-120"/>
+              </a:rPr>
+              <a:t>Usually the tape drive is reserved for the exclusive use of that application.                                                                                                                                                                                                                                             </a:t>
+            </a:r>
+          </a:p>
+          <a:p>
+            <a:r>
+              <a:rPr lang="en-US" altLang="zh-TW" sz="2400" dirty="0">
+                <a:ea typeface="新細明體" charset="-120"/>
+              </a:rPr>
+              <a:t>Since the OS does not provide file system services, the </a:t>
+            </a:r>
+            <a:r>
+              <a:rPr lang="en-US" altLang="zh-TW" sz="2400" dirty="0">
                 <a:solidFill>
                   <a:srgbClr val="FF0000"/>
                 </a:solidFill>
                 <a:ea typeface="新細明體" charset="-120"/>
               </a:rPr>
+              <a:t>application must decide how to use the array of blocks</a:t>
+            </a:r>
+            <a:r>
+              <a:rPr lang="en-US" altLang="zh-TW" sz="2400" dirty="0">
+                <a:ea typeface="新細明體" charset="-120"/>
+              </a:rPr>
+              <a:t>.</a:t>
+            </a:r>
+          </a:p>
+          <a:p>
+            <a:r>
+              <a:rPr lang="en-US" altLang="zh-TW" sz="2400" dirty="0">
+                <a:ea typeface="新細明體" charset="-120"/>
+              </a:rPr>
+              <a:t>Since every application makes up its own rules for how to organize a tape, a tape full of data can generally </a:t>
+            </a:r>
+            <a:r>
+              <a:rPr lang="en-US" altLang="zh-TW" sz="2400" dirty="0">
+                <a:solidFill>
+                  <a:srgbClr val="FF0000"/>
+                </a:solidFill>
+                <a:ea typeface="新細明體" charset="-120"/>
+              </a:rPr>
               <a:t>only be used by the program that created it</a:t>
             </a:r>
             <a:r>
-              <a:rPr lang="en-US" altLang="zh-TW" sz="2400" dirty="0" smtClean="0">
+              <a:rPr lang="en-US" altLang="zh-TW" sz="2400" dirty="0">
                 <a:ea typeface="新細明體" charset="-120"/>
               </a:rPr>
               <a:t>. </a:t>
@@ -23552,7 +23776,7 @@
           <a:p>
             <a:pPr eaLnBrk="1" hangingPunct="1"/>
             <a:r>
-              <a:rPr lang="en-US" altLang="zh-TW" smtClean="0">
+              <a:rPr lang="en-US" altLang="zh-TW">
                 <a:ea typeface="新細明體" charset="-120"/>
               </a:rPr>
               <a:t>Tape Drives</a:t>
@@ -23581,7 +23805,7 @@
           <a:lstStyle/>
           <a:p>
             <a:r>
-              <a:rPr lang="en-US" altLang="zh-TW" sz="2400" dirty="0" smtClean="0">
+              <a:rPr lang="en-US" altLang="zh-TW" sz="2400" dirty="0">
                 <a:ea typeface="新細明體" charset="-120"/>
               </a:rPr>
               <a:t>The basic operations for a tape drive differ from those of a disk drive.</a:t>
@@ -23589,7 +23813,7 @@
           </a:p>
           <a:p>
             <a:r>
-              <a:rPr lang="en-US" altLang="zh-TW" sz="2400" b="1" dirty="0" smtClean="0">
+              <a:rPr lang="en-US" altLang="zh-TW" sz="2400" b="1" dirty="0">
                 <a:solidFill>
                   <a:srgbClr val="FF0000"/>
                 </a:solidFill>
@@ -23598,19 +23822,19 @@
               <a:t>locate</a:t>
             </a:r>
             <a:r>
-              <a:rPr lang="en-US" altLang="zh-TW" sz="2400" dirty="0" smtClean="0">
+              <a:rPr lang="en-US" altLang="zh-TW" sz="2400" dirty="0">
                 <a:ea typeface="新細明體" charset="-120"/>
               </a:rPr>
               <a:t> positions the tape to a specific logical block, not an entire track (corresponds to </a:t>
             </a:r>
             <a:r>
-              <a:rPr lang="en-US" altLang="zh-TW" sz="2400" b="1" dirty="0" smtClean="0">
+              <a:rPr lang="en-US" altLang="zh-TW" sz="2400" b="1" dirty="0">
                 <a:ea typeface="新細明體" charset="-120"/>
               </a:rPr>
               <a:t>seek</a:t>
             </a:r>
             <a:r>
-              <a:rPr lang="en-US" altLang="zh-TW" sz="2400" dirty="0" smtClean="0">
+              <a:rPr lang="en-US" altLang="zh-TW" sz="2400" dirty="0">
                 <a:ea typeface="新細明體" charset="-120"/>
               </a:rPr>
               <a:t>).</a:t>
@@ -23618,13 +23842,13 @@
           </a:p>
           <a:p>
             <a:r>
-              <a:rPr lang="en-US" altLang="zh-TW" sz="2400" dirty="0" smtClean="0">
+              <a:rPr lang="en-US" altLang="zh-TW" sz="2400" dirty="0">
                 <a:ea typeface="新細明體" charset="-120"/>
               </a:rPr>
               <a:t>The </a:t>
             </a:r>
             <a:r>
-              <a:rPr lang="en-US" altLang="zh-TW" sz="2400" b="1" dirty="0" smtClean="0">
+              <a:rPr lang="en-US" altLang="zh-TW" sz="2400" b="1" dirty="0">
                 <a:solidFill>
                   <a:srgbClr val="FF0000"/>
                 </a:solidFill>
@@ -23633,7 +23857,7 @@
               <a:t>read position</a:t>
             </a:r>
             <a:r>
-              <a:rPr lang="en-US" altLang="zh-TW" sz="2400" dirty="0" smtClean="0">
+              <a:rPr lang="en-US" altLang="zh-TW" sz="2400" dirty="0">
                 <a:solidFill>
                   <a:srgbClr val="FF0000"/>
                 </a:solidFill>
@@ -23642,7 +23866,7 @@
               <a:t> </a:t>
             </a:r>
             <a:r>
-              <a:rPr lang="en-US" altLang="zh-TW" sz="2400" dirty="0" smtClean="0">
+              <a:rPr lang="en-US" altLang="zh-TW" sz="2400" dirty="0">
                 <a:ea typeface="新細明體" charset="-120"/>
               </a:rPr>
               <a:t>operation returns the logical block number where the tape head is.</a:t>
@@ -23650,13 +23874,13 @@
           </a:p>
           <a:p>
             <a:r>
-              <a:rPr lang="en-US" altLang="zh-TW" sz="2400" dirty="0" smtClean="0">
+              <a:rPr lang="en-US" altLang="zh-TW" sz="2400" dirty="0">
                 <a:ea typeface="新細明體" charset="-120"/>
               </a:rPr>
               <a:t>The </a:t>
             </a:r>
             <a:r>
-              <a:rPr lang="en-US" altLang="zh-TW" sz="2400" b="1" dirty="0" smtClean="0">
+              <a:rPr lang="en-US" altLang="zh-TW" sz="2400" b="1" dirty="0">
                 <a:solidFill>
                   <a:srgbClr val="FF0000"/>
                 </a:solidFill>
@@ -23665,7 +23889,7 @@
               <a:t>space</a:t>
             </a:r>
             <a:r>
-              <a:rPr lang="en-US" altLang="zh-TW" sz="2400" dirty="0" smtClean="0">
+              <a:rPr lang="en-US" altLang="zh-TW" sz="2400" dirty="0">
                 <a:ea typeface="新細明體" charset="-120"/>
               </a:rPr>
               <a:t> operation enables relative motion.</a:t>
@@ -23673,13 +23897,13 @@
           </a:p>
           <a:p>
             <a:r>
-              <a:rPr lang="en-US" altLang="zh-TW" sz="2400" dirty="0" smtClean="0">
+              <a:rPr lang="en-US" altLang="zh-TW" sz="2400" dirty="0">
                 <a:ea typeface="新細明體" charset="-120"/>
               </a:rPr>
               <a:t>Tape drives are </a:t>
             </a:r>
             <a:r>
-              <a:rPr lang="en-US" altLang="zh-TW" sz="2400" b="1" dirty="0" smtClean="0">
+              <a:rPr lang="en-US" altLang="zh-TW" sz="2400" b="1" dirty="0">
                 <a:solidFill>
                   <a:srgbClr val="FF0000"/>
                 </a:solidFill>
@@ -23688,7 +23912,7 @@
               <a:t>“append-only” devices</a:t>
             </a:r>
             <a:r>
-              <a:rPr lang="en-US" altLang="zh-TW" sz="2400" dirty="0" smtClean="0">
+              <a:rPr lang="en-US" altLang="zh-TW" sz="2400" dirty="0">
                 <a:ea typeface="新細明體" charset="-120"/>
               </a:rPr>
               <a:t>; updating a block in the middle of the tape also effectively erases everything beyond that block.</a:t>
@@ -23696,7 +23920,7 @@
           </a:p>
           <a:p>
             <a:r>
-              <a:rPr lang="en-US" altLang="zh-TW" sz="2400" dirty="0" smtClean="0">
+              <a:rPr lang="en-US" altLang="zh-TW" sz="2400" dirty="0">
                 <a:ea typeface="新細明體" charset="-120"/>
               </a:rPr>
               <a:t>An EOT mark is placed after a block that is written.</a:t>
@@ -24084,7 +24308,7 @@
           <a:p>
             <a:pPr eaLnBrk="1" hangingPunct="1"/>
             <a:r>
-              <a:rPr lang="en-US" altLang="zh-TW" smtClean="0">
+              <a:rPr lang="en-US" altLang="zh-TW">
                 <a:ea typeface="新細明體" charset="-120"/>
               </a:rPr>
               <a:t>Moving-head Disk Mechanism</a:t>
@@ -26218,7 +26442,7 @@
           <a:p>
             <a:pPr eaLnBrk="1" hangingPunct="1"/>
             <a:r>
-              <a:rPr lang="en-US" altLang="zh-TW" smtClean="0">
+              <a:rPr lang="en-US" altLang="zh-TW">
                 <a:ea typeface="新細明體" charset="-120"/>
               </a:rPr>
               <a:t>File Naming</a:t>
@@ -26247,13 +26471,13 @@
           <a:lstStyle/>
           <a:p>
             <a:r>
-              <a:rPr lang="en-US" altLang="zh-TW" sz="2400" dirty="0" smtClean="0">
+              <a:rPr lang="en-US" altLang="zh-TW" sz="2400" dirty="0">
                 <a:ea typeface="新細明體" charset="-120"/>
               </a:rPr>
               <a:t>The issue of </a:t>
             </a:r>
             <a:r>
-              <a:rPr lang="en-US" altLang="zh-TW" sz="2400" dirty="0" smtClean="0">
+              <a:rPr lang="en-US" altLang="zh-TW" sz="2400" dirty="0">
                 <a:solidFill>
                   <a:srgbClr val="FF0000"/>
                 </a:solidFill>
@@ -26262,21 +26486,43 @@
               <a:t>naming files on removable media is especially difficult</a:t>
             </a:r>
             <a:r>
-              <a:rPr lang="en-US" altLang="zh-TW" sz="2400" dirty="0" smtClean="0">
-                <a:ea typeface="新細明體" charset="-120"/>
-              </a:rPr>
-              <a:t> when we want to write data on a removable cartridge on one computer, and then use the cartridge in another computer. </a:t>
-            </a:r>
-          </a:p>
-          <a:p>
-            <a:r>
-              <a:rPr lang="en-US" altLang="zh-TW" sz="2400" dirty="0" smtClean="0">
-                <a:ea typeface="新細明體" charset="-120"/>
-              </a:rPr>
-              <a:t>Contemporary OSs generally </a:t>
-            </a:r>
-            <a:r>
-              <a:rPr lang="en-US" altLang="zh-TW" sz="2400" dirty="0" smtClean="0">
+              <a:rPr lang="en-US" altLang="zh-TW" sz="2400" dirty="0">
+                <a:ea typeface="新細明體" charset="-120"/>
+              </a:rPr>
+              <a:t> when we want to write data on a removable cartridge</a:t>
+            </a:r>
+            <a:r>
+              <a:rPr lang="zh-TW" altLang="en-US" b="0" dirty="0"/>
+              <a:t> 彈藥筒</a:t>
+            </a:r>
+            <a:r>
+              <a:rPr lang="en-US" altLang="zh-TW" sz="2400" dirty="0">
+                <a:ea typeface="新細明體" charset="-120"/>
+              </a:rPr>
+              <a:t> on one computer, and then use the cartridge in another computer. </a:t>
+            </a:r>
+          </a:p>
+          <a:p>
+            <a:r>
+              <a:rPr lang="en-US" altLang="zh-TW" sz="2400" dirty="0">
+                <a:ea typeface="新細明體" charset="-120"/>
+              </a:rPr>
+              <a:t>Contemporary</a:t>
+            </a:r>
+            <a:r>
+              <a:rPr lang="zh-TW" altLang="en-US" sz="2400" dirty="0">
+                <a:ea typeface="新細明體" charset="-120"/>
+              </a:rPr>
+              <a:t>當代的</a:t>
+            </a:r>
+            <a:r>
+              <a:rPr lang="en-US" altLang="zh-TW" sz="2400" dirty="0">
+                <a:ea typeface="新細明體" charset="-120"/>
+              </a:rPr>
+              <a:t> OSs generally </a:t>
+            </a:r>
+            <a:r>
+              <a:rPr lang="en-US" altLang="zh-TW" sz="2400" dirty="0">
                 <a:solidFill>
                   <a:srgbClr val="FF0000"/>
                 </a:solidFill>
@@ -26285,7 +26531,7 @@
               <a:t>leave the name space problem unsolved for removable media</a:t>
             </a:r>
             <a:r>
-              <a:rPr lang="en-US" altLang="zh-TW" sz="2400" dirty="0" smtClean="0">
+              <a:rPr lang="en-US" altLang="zh-TW" sz="2400" dirty="0">
                 <a:ea typeface="新細明體" charset="-120"/>
               </a:rPr>
               <a:t>, and depend on applications and users to figure out how to access and interpret the data.</a:t>
@@ -26293,7 +26539,7 @@
           </a:p>
           <a:p>
             <a:r>
-              <a:rPr lang="en-US" altLang="zh-TW" sz="2400" dirty="0" smtClean="0">
+              <a:rPr lang="en-US" altLang="zh-TW" sz="2400" dirty="0">
                 <a:ea typeface="新細明體" charset="-120"/>
               </a:rPr>
               <a:t>Some kinds of removable media (e.g., CDs) are so well standardized that all computers use them the same way. </a:t>
@@ -26503,7 +26749,7 @@
           <a:p>
             <a:pPr eaLnBrk="1" hangingPunct="1"/>
             <a:r>
-              <a:rPr lang="en-US" altLang="zh-TW" dirty="0" smtClean="0">
+              <a:rPr lang="en-US" altLang="zh-TW" dirty="0">
                 <a:ea typeface="新細明體" charset="-120"/>
               </a:rPr>
               <a:t>Hierarchical Storage Management (HSM)</a:t>
@@ -26532,13 +26778,13 @@
           <a:lstStyle/>
           <a:p>
             <a:r>
-              <a:rPr lang="en-US" altLang="zh-TW" sz="2400" dirty="0" smtClean="0">
+              <a:rPr lang="en-US" altLang="zh-TW" sz="2400" dirty="0">
                 <a:ea typeface="新細明體" charset="-120"/>
               </a:rPr>
               <a:t>A </a:t>
             </a:r>
             <a:r>
-              <a:rPr lang="en-US" altLang="zh-TW" sz="2400" b="1" i="1" dirty="0" smtClean="0">
+              <a:rPr lang="en-US" altLang="zh-TW" sz="2400" b="1" i="1" dirty="0">
                 <a:solidFill>
                   <a:srgbClr val="FF0000"/>
                 </a:solidFill>
@@ -26547,13 +26793,13 @@
               <a:t>hierarchical storage system </a:t>
             </a:r>
             <a:r>
-              <a:rPr lang="en-US" altLang="zh-TW" sz="2400" dirty="0" smtClean="0">
+              <a:rPr lang="en-US" altLang="zh-TW" sz="2400" dirty="0">
                 <a:ea typeface="新細明體" charset="-120"/>
               </a:rPr>
               <a:t>extends the storage hierarchy beyond primary memory and secondary storage </a:t>
             </a:r>
             <a:r>
-              <a:rPr lang="en-US" altLang="zh-TW" sz="2400" b="1" dirty="0" smtClean="0">
+              <a:rPr lang="en-US" altLang="zh-TW" sz="2400" b="1" dirty="0">
                 <a:solidFill>
                   <a:srgbClr val="FF0000"/>
                 </a:solidFill>
@@ -26562,13 +26808,13 @@
               <a:t>to incorporate tertiary storage </a:t>
             </a:r>
             <a:r>
-              <a:rPr lang="en-US" altLang="zh-TW" sz="2400" dirty="0" smtClean="0">
+              <a:rPr lang="en-US" altLang="zh-TW" sz="2400" dirty="0">
                 <a:ea typeface="新細明體" charset="-120"/>
               </a:rPr>
               <a:t>— usually implemented as a </a:t>
             </a:r>
             <a:r>
-              <a:rPr lang="en-US" altLang="zh-TW" sz="2400" b="1" dirty="0" smtClean="0">
+              <a:rPr lang="en-US" altLang="zh-TW" sz="2400" b="1" dirty="0">
                 <a:solidFill>
                   <a:srgbClr val="FF0000"/>
                 </a:solidFill>
@@ -26577,7 +26823,16 @@
               <a:t>jukebox</a:t>
             </a:r>
             <a:r>
-              <a:rPr lang="en-US" altLang="zh-TW" sz="2400" dirty="0" smtClean="0">
+              <a:rPr lang="zh-TW" altLang="en-US" sz="2400" b="1" dirty="0">
+                <a:solidFill>
+                  <a:srgbClr val="FF0000"/>
+                </a:solidFill>
+                <a:ea typeface="新細明體" charset="-120"/>
+              </a:rPr>
+              <a:t>自動唱機</a:t>
+            </a:r>
+            <a:r>
+              <a:rPr lang="en-US" altLang="zh-TW" sz="2400" dirty="0">
                 <a:ea typeface="新細明體" charset="-120"/>
               </a:rPr>
               <a:t> of tapes or removable disks.</a:t>
@@ -26585,7 +26840,7 @@
           </a:p>
           <a:p>
             <a:r>
-              <a:rPr lang="en-US" altLang="zh-TW" sz="2400" dirty="0" smtClean="0">
+              <a:rPr lang="en-US" altLang="zh-TW" sz="2400" dirty="0">
                 <a:ea typeface="新細明體" charset="-120"/>
               </a:rPr>
               <a:t>Usually incorporate tertiary storage by extending the file system.</a:t>
@@ -26594,7 +26849,7 @@
           <a:p>
             <a:pPr lvl="1"/>
             <a:r>
-              <a:rPr lang="en-US" altLang="zh-TW" sz="2400" dirty="0" smtClean="0">
+              <a:rPr lang="en-US" altLang="zh-TW" sz="2400" dirty="0">
                 <a:ea typeface="新細明體" charset="-120"/>
               </a:rPr>
               <a:t>Small and frequently used files remain on disk.</a:t>
@@ -26603,7 +26858,7 @@
           <a:p>
             <a:pPr lvl="1"/>
             <a:r>
-              <a:rPr lang="en-US" altLang="zh-TW" sz="2400" dirty="0" smtClean="0">
+              <a:rPr lang="en-US" altLang="zh-TW" sz="2400" dirty="0">
                 <a:ea typeface="新細明體" charset="-120"/>
               </a:rPr>
               <a:t>Large, old, inactive files are archived to the jukebox.</a:t>
@@ -26611,7 +26866,7 @@
           </a:p>
           <a:p>
             <a:r>
-              <a:rPr lang="en-US" altLang="zh-TW" sz="2400" dirty="0" smtClean="0">
+              <a:rPr lang="en-US" altLang="zh-TW" sz="2400" dirty="0">
                 <a:ea typeface="新細明體" charset="-120"/>
               </a:rPr>
               <a:t>HSM is usually found in supercomputing centers and other large installations that have enormous volumes of data. </a:t>
@@ -26902,7 +27157,7 @@
           <a:p>
             <a:pPr eaLnBrk="1" hangingPunct="1"/>
             <a:r>
-              <a:rPr lang="en-US" altLang="zh-TW" smtClean="0">
+              <a:rPr lang="en-US" altLang="zh-TW">
                 <a:ea typeface="新細明體" charset="-120"/>
               </a:rPr>
               <a:t>Speed </a:t>
@@ -26926,13 +27181,13 @@
           <a:lstStyle/>
           <a:p>
             <a:r>
-              <a:rPr lang="en-US" altLang="zh-TW" sz="2400" dirty="0" smtClean="0">
+              <a:rPr lang="en-US" altLang="zh-TW" sz="2400" dirty="0">
                 <a:ea typeface="新細明體" charset="-120"/>
               </a:rPr>
               <a:t>Two aspects of speed in tertiary storage are </a:t>
             </a:r>
             <a:r>
-              <a:rPr lang="en-US" altLang="zh-TW" sz="2400" b="1" dirty="0" smtClean="0">
+              <a:rPr lang="en-US" altLang="zh-TW" sz="2400" b="1" dirty="0">
                 <a:solidFill>
                   <a:srgbClr val="FF0000"/>
                 </a:solidFill>
@@ -26941,13 +27196,13 @@
               <a:t>bandwidth</a:t>
             </a:r>
             <a:r>
-              <a:rPr lang="en-US" altLang="zh-TW" sz="2400" dirty="0" smtClean="0">
+              <a:rPr lang="en-US" altLang="zh-TW" sz="2400" dirty="0">
                 <a:ea typeface="新細明體" charset="-120"/>
               </a:rPr>
               <a:t> and </a:t>
             </a:r>
             <a:r>
-              <a:rPr lang="en-US" altLang="zh-TW" sz="2400" b="1" dirty="0" smtClean="0">
+              <a:rPr lang="en-US" altLang="zh-TW" sz="2400" b="1" dirty="0">
                 <a:solidFill>
                   <a:srgbClr val="FF0000"/>
                 </a:solidFill>
@@ -26956,7 +27211,7 @@
               <a:t>latency</a:t>
             </a:r>
             <a:r>
-              <a:rPr lang="en-US" altLang="zh-TW" sz="2400" dirty="0" smtClean="0">
+              <a:rPr lang="en-US" altLang="zh-TW" sz="2400" dirty="0">
                 <a:ea typeface="新細明體" charset="-120"/>
               </a:rPr>
               <a:t>.</a:t>
@@ -26964,7 +27219,7 @@
           </a:p>
           <a:p>
             <a:r>
-              <a:rPr lang="en-US" altLang="zh-TW" sz="2400" dirty="0" smtClean="0">
+              <a:rPr lang="en-US" altLang="zh-TW" sz="2400" dirty="0">
                 <a:ea typeface="新細明體" charset="-120"/>
               </a:rPr>
               <a:t>Bandwidth is measured in bytes per second.</a:t>
@@ -26973,99 +27228,141 @@
           <a:p>
             <a:pPr lvl="1"/>
             <a:r>
-              <a:rPr lang="en-US" altLang="zh-TW" sz="2400" b="1" dirty="0" smtClean="0">
+              <a:rPr lang="en-US" altLang="zh-TW" sz="2400" b="1" dirty="0">
                 <a:solidFill>
                   <a:srgbClr val="FF0000"/>
                 </a:solidFill>
                 <a:ea typeface="新細明體" charset="-120"/>
               </a:rPr>
-              <a:t>Sustained bandwidth </a:t>
-            </a:r>
-            <a:r>
-              <a:rPr lang="en-US" altLang="zh-TW" sz="2400" dirty="0" smtClean="0">
-                <a:ea typeface="新細明體" charset="-120"/>
-              </a:rPr>
-              <a:t>– average data rate during a large transfer; </a:t>
-            </a:r>
-            <a:r>
-              <a:rPr lang="en-US" altLang="zh-TW" sz="2400" dirty="0" smtClean="0">
+              <a:t>Sustained</a:t>
+            </a:r>
+            <a:r>
+              <a:rPr lang="zh-TW" altLang="en-US" sz="2400" b="1" dirty="0">
                 <a:solidFill>
                   <a:srgbClr val="FF0000"/>
                 </a:solidFill>
                 <a:ea typeface="新細明體" charset="-120"/>
               </a:rPr>
-              <a:t># of bytes/transfer time</a:t>
-            </a:r>
-            <a:r>
-              <a:rPr lang="en-US" altLang="zh-TW" sz="2400" dirty="0" smtClean="0">
-                <a:ea typeface="新細明體" charset="-120"/>
-              </a:rPr>
-              <a:t>.</a:t>
-            </a:r>
-            <a:br>
-              <a:rPr lang="en-US" altLang="zh-TW" sz="2400" dirty="0" smtClean="0">
-                <a:ea typeface="新細明體" charset="-120"/>
-              </a:rPr>
-            </a:br>
-            <a:r>
-              <a:rPr lang="en-US" altLang="zh-TW" sz="2400" dirty="0" smtClean="0">
-                <a:ea typeface="新細明體" charset="-120"/>
-              </a:rPr>
-              <a:t>Data rate when the data stream is actually flowing.</a:t>
-            </a:r>
-          </a:p>
-          <a:p>
-            <a:pPr lvl="1"/>
-            <a:r>
-              <a:rPr lang="en-US" altLang="zh-TW" sz="2400" b="1" dirty="0" smtClean="0">
+              <a:t>維持</a:t>
+            </a:r>
+            <a:r>
+              <a:rPr lang="en-US" altLang="zh-TW" sz="2400" b="1" dirty="0">
                 <a:solidFill>
                   <a:srgbClr val="FF0000"/>
                 </a:solidFill>
                 <a:ea typeface="新細明體" charset="-120"/>
               </a:rPr>
+              <a:t> bandwidth </a:t>
+            </a:r>
+            <a:r>
+              <a:rPr lang="en-US" altLang="zh-TW" sz="2400" dirty="0">
+                <a:ea typeface="新細明體" charset="-120"/>
+              </a:rPr>
+              <a:t>– average data rate during a large transfer; </a:t>
+            </a:r>
+            <a:r>
+              <a:rPr lang="en-US" altLang="zh-TW" sz="2400" dirty="0">
+                <a:solidFill>
+                  <a:srgbClr val="FF0000"/>
+                </a:solidFill>
+                <a:ea typeface="新細明體" charset="-120"/>
+              </a:rPr>
+              <a:t># of bytes/transfer time</a:t>
+            </a:r>
+            <a:r>
+              <a:rPr lang="en-US" altLang="zh-TW" sz="2400" dirty="0">
+                <a:ea typeface="新細明體" charset="-120"/>
+              </a:rPr>
+              <a:t>.</a:t>
+            </a:r>
+            <a:br>
+              <a:rPr lang="en-US" altLang="zh-TW" sz="2400" dirty="0">
+                <a:ea typeface="新細明體" charset="-120"/>
+              </a:rPr>
+            </a:br>
+            <a:r>
+              <a:rPr lang="en-US" altLang="zh-TW" sz="2400" dirty="0">
+                <a:ea typeface="新細明體" charset="-120"/>
+              </a:rPr>
+              <a:t>Data rate when the data stream is actually flowing.</a:t>
+            </a:r>
+          </a:p>
+          <a:p>
+            <a:pPr lvl="1"/>
+            <a:r>
+              <a:rPr lang="en-US" altLang="zh-TW" sz="2400" b="1" dirty="0">
+                <a:solidFill>
+                  <a:srgbClr val="FF0000"/>
+                </a:solidFill>
+                <a:ea typeface="新細明體" charset="-120"/>
+              </a:rPr>
               <a:t>Effective bandwidth </a:t>
             </a:r>
             <a:r>
-              <a:rPr lang="en-US" altLang="zh-TW" sz="2400" dirty="0" smtClean="0">
+              <a:rPr lang="en-US" altLang="zh-TW" sz="2400" dirty="0">
                 <a:ea typeface="新細明體" charset="-120"/>
               </a:rPr>
               <a:t>– average over the entire I/O time, including </a:t>
             </a:r>
             <a:r>
-              <a:rPr lang="en-US" altLang="zh-TW" sz="2400" b="1" dirty="0" smtClean="0">
+              <a:rPr lang="en-US" altLang="zh-TW" sz="2400" b="1" dirty="0">
                 <a:ea typeface="新細明體" charset="-120"/>
               </a:rPr>
               <a:t>seek</a:t>
             </a:r>
             <a:r>
-              <a:rPr lang="en-US" altLang="zh-TW" sz="2400" dirty="0" smtClean="0">
+              <a:rPr lang="en-US" altLang="zh-TW" sz="2400" dirty="0">
                 <a:ea typeface="新細明體" charset="-120"/>
               </a:rPr>
               <a:t> or </a:t>
             </a:r>
             <a:r>
-              <a:rPr lang="en-US" altLang="zh-TW" sz="2400" b="1" dirty="0" smtClean="0">
+              <a:rPr lang="en-US" altLang="zh-TW" sz="2400" b="1" dirty="0">
                 <a:ea typeface="新細明體" charset="-120"/>
               </a:rPr>
               <a:t>locate</a:t>
             </a:r>
             <a:r>
-              <a:rPr lang="en-US" altLang="zh-TW" sz="2400" dirty="0" smtClean="0">
-                <a:ea typeface="新細明體" charset="-120"/>
-              </a:rPr>
-              <a:t>, and cartridge switching.</a:t>
+              <a:rPr lang="en-US" altLang="zh-TW" sz="2400" dirty="0">
+                <a:ea typeface="新細明體" charset="-120"/>
+              </a:rPr>
+              <a:t>, and cartridge</a:t>
+            </a:r>
+            <a:r>
+              <a:rPr lang="zh-TW" altLang="en-US" dirty="0">
+                <a:ea typeface="新細明體" charset="-120"/>
+              </a:rPr>
+              <a:t> 彈藥筒</a:t>
+            </a:r>
+            <a:r>
+              <a:rPr lang="en-US" altLang="zh-TW" sz="2400" dirty="0">
+                <a:ea typeface="新細明體" charset="-120"/>
+              </a:rPr>
+              <a:t> switching.</a:t>
             </a:r>
             <a:br>
-              <a:rPr lang="en-US" altLang="zh-TW" sz="2400" dirty="0" smtClean="0">
+              <a:rPr lang="en-US" altLang="zh-TW" sz="2400" dirty="0">
                 <a:ea typeface="新細明體" charset="-120"/>
               </a:rPr>
             </a:br>
             <a:r>
-              <a:rPr lang="en-US" altLang="zh-TW" sz="2400" dirty="0" smtClean="0">
+              <a:rPr lang="en-US" altLang="zh-TW" sz="2400" dirty="0">
                 <a:ea typeface="新細明體" charset="-120"/>
               </a:rPr>
               <a:t>Drive’s overall data rate.</a:t>
             </a:r>
+          </a:p>
+          <a:p>
+            <a:pPr lvl="1"/>
+            <a:r>
+              <a:rPr lang="zh-TW" altLang="en-US" dirty="0">
+                <a:ea typeface="新細明體" charset="-120"/>
+              </a:rPr>
+              <a:t>看不出差異 等影片</a:t>
+            </a:r>
+            <a:endParaRPr lang="en-US" altLang="zh-TW" sz="2400" dirty="0">
+              <a:ea typeface="新細明體" charset="-120"/>
+            </a:endParaRPr>
           </a:p>
         </p:txBody>
       </p:sp>
@@ -27215,6 +27512,49 @@
                                           <p:spTgt spid="48131">
                                             <p:txEl>
                                               <p:pRg st="3" end="3"/>
+                                            </p:txEl>
+                                          </p:spTgt>
+                                        </p:tgtEl>
+                                      </p:cBhvr>
+                                    </p:animEffect>
+                                  </p:childTnLst>
+                                </p:cTn>
+                              </p:par>
+                              <p:par>
+                                <p:cTn id="14" presetID="22" presetClass="entr" presetSubtype="8" fill="hold" grpId="0" nodeType="withEffect">
+                                  <p:stCondLst>
+                                    <p:cond delay="0"/>
+                                  </p:stCondLst>
+                                  <p:childTnLst>
+                                    <p:set>
+                                      <p:cBhvr>
+                                        <p:cTn id="15" dur="1" fill="hold">
+                                          <p:stCondLst>
+                                            <p:cond delay="0"/>
+                                          </p:stCondLst>
+                                        </p:cTn>
+                                        <p:tgtEl>
+                                          <p:spTgt spid="48131">
+                                            <p:txEl>
+                                              <p:pRg st="4" end="4"/>
+                                            </p:txEl>
+                                          </p:spTgt>
+                                        </p:tgtEl>
+                                        <p:attrNameLst>
+                                          <p:attrName>style.visibility</p:attrName>
+                                        </p:attrNameLst>
+                                      </p:cBhvr>
+                                      <p:to>
+                                        <p:strVal val="visible"/>
+                                      </p:to>
+                                    </p:set>
+                                    <p:animEffect transition="in" filter="wipe(left)">
+                                      <p:cBhvr>
+                                        <p:cTn id="16" dur="1000"/>
+                                        <p:tgtEl>
+                                          <p:spTgt spid="48131">
+                                            <p:txEl>
+                                              <p:pRg st="4" end="4"/>
                                             </p:txEl>
                                           </p:spTgt>
                                         </p:tgtEl>
@@ -27291,7 +27631,7 @@
           <a:p>
             <a:pPr eaLnBrk="1" hangingPunct="1"/>
             <a:r>
-              <a:rPr lang="en-US" altLang="zh-TW" smtClean="0">
+              <a:rPr lang="en-US" altLang="zh-TW">
                 <a:ea typeface="新細明體" charset="-120"/>
               </a:rPr>
               <a:t>Speed (Cont.)</a:t>
@@ -27320,7 +27660,7 @@
           <a:lstStyle/>
           <a:p>
             <a:r>
-              <a:rPr lang="en-US" altLang="zh-TW" b="1" dirty="0" smtClean="0">
+              <a:rPr lang="en-US" altLang="zh-TW" b="1" dirty="0">
                 <a:solidFill>
                   <a:srgbClr val="FF0000"/>
                 </a:solidFill>
@@ -27329,7 +27669,7 @@
               <a:t>Access latency </a:t>
             </a:r>
             <a:r>
-              <a:rPr lang="en-US" altLang="zh-TW" dirty="0" smtClean="0">
+              <a:rPr lang="en-US" altLang="zh-TW" dirty="0">
                 <a:ea typeface="新細明體" charset="-120"/>
               </a:rPr>
               <a:t>– amount of time needed to locate data.</a:t>
@@ -27338,13 +27678,13 @@
           <a:p>
             <a:pPr lvl="1"/>
             <a:r>
-              <a:rPr lang="en-US" altLang="zh-TW" sz="2000" dirty="0" smtClean="0">
+              <a:rPr lang="en-US" altLang="zh-TW" sz="2000" dirty="0">
                 <a:ea typeface="新細明體" charset="-120"/>
               </a:rPr>
               <a:t>Access time for a </a:t>
             </a:r>
             <a:r>
-              <a:rPr lang="en-US" altLang="zh-TW" sz="2000" b="1" dirty="0" smtClean="0">
+              <a:rPr lang="en-US" altLang="zh-TW" sz="2000" b="1" dirty="0">
                 <a:solidFill>
                   <a:srgbClr val="FF0000"/>
                 </a:solidFill>
@@ -27353,13 +27693,13 @@
               <a:t>disk</a:t>
             </a:r>
             <a:r>
-              <a:rPr lang="en-US" altLang="zh-TW" sz="2000" dirty="0" smtClean="0">
+              <a:rPr lang="en-US" altLang="zh-TW" sz="2000" dirty="0">
                 <a:ea typeface="新細明體" charset="-120"/>
               </a:rPr>
               <a:t> – move the arm to the selected cylinder and wait for the rotational latency; </a:t>
             </a:r>
             <a:r>
-              <a:rPr lang="en-US" altLang="zh-TW" sz="2000" dirty="0" smtClean="0">
+              <a:rPr lang="en-US" altLang="zh-TW" sz="2000" dirty="0">
                 <a:solidFill>
                   <a:srgbClr val="FF0000"/>
                 </a:solidFill>
@@ -27368,7 +27708,7 @@
               <a:t>&lt; 35 milliseconds</a:t>
             </a:r>
             <a:r>
-              <a:rPr lang="en-US" altLang="zh-TW" sz="2000" dirty="0" smtClean="0">
+              <a:rPr lang="en-US" altLang="zh-TW" sz="2000" dirty="0">
                 <a:ea typeface="新細明體" charset="-120"/>
               </a:rPr>
               <a:t>.</a:t>
@@ -27377,13 +27717,13 @@
           <a:p>
             <a:pPr lvl="1"/>
             <a:r>
-              <a:rPr lang="en-US" altLang="zh-TW" sz="2000" dirty="0" smtClean="0">
+              <a:rPr lang="en-US" altLang="zh-TW" sz="2000" dirty="0">
                 <a:ea typeface="新細明體" charset="-120"/>
               </a:rPr>
               <a:t>Access on </a:t>
             </a:r>
             <a:r>
-              <a:rPr lang="en-US" altLang="zh-TW" sz="2000" b="1" dirty="0" smtClean="0">
+              <a:rPr lang="en-US" altLang="zh-TW" sz="2000" b="1" dirty="0">
                 <a:solidFill>
                   <a:srgbClr val="FF0000"/>
                 </a:solidFill>
@@ -27392,13 +27732,13 @@
               <a:t>tape</a:t>
             </a:r>
             <a:r>
-              <a:rPr lang="en-US" altLang="zh-TW" sz="2000" dirty="0" smtClean="0">
+              <a:rPr lang="en-US" altLang="zh-TW" sz="2000" dirty="0">
                 <a:ea typeface="新細明體" charset="-120"/>
               </a:rPr>
               <a:t> requires winding the tape reels until the selected block reaches the tape head; </a:t>
             </a:r>
             <a:r>
-              <a:rPr lang="en-US" altLang="zh-TW" sz="2000" dirty="0" smtClean="0">
+              <a:rPr lang="en-US" altLang="zh-TW" sz="2000" dirty="0">
                 <a:solidFill>
                   <a:srgbClr val="FF0000"/>
                 </a:solidFill>
@@ -27410,13 +27750,13 @@
           <a:p>
             <a:pPr lvl="1"/>
             <a:r>
-              <a:rPr lang="en-US" altLang="zh-TW" sz="2000" dirty="0" smtClean="0">
+              <a:rPr lang="en-US" altLang="zh-TW" sz="2000" dirty="0">
                 <a:ea typeface="新細明體" charset="-120"/>
               </a:rPr>
               <a:t>Generally say that random access within a tape cartridge is about </a:t>
             </a:r>
             <a:r>
-              <a:rPr lang="en-US" altLang="zh-TW" sz="2000" dirty="0" smtClean="0">
+              <a:rPr lang="en-US" altLang="zh-TW" sz="2000" dirty="0">
                 <a:solidFill>
                   <a:srgbClr val="FF0000"/>
                 </a:solidFill>
@@ -27425,7 +27765,7 @@
               <a:t>a thousand times slower than random access on disk</a:t>
             </a:r>
             <a:r>
-              <a:rPr lang="en-US" altLang="zh-TW" sz="2000" dirty="0" smtClean="0">
+              <a:rPr lang="en-US" altLang="zh-TW" sz="2000" dirty="0">
                 <a:ea typeface="新細明體" charset="-120"/>
               </a:rPr>
               <a:t>.</a:t>
@@ -27433,13 +27773,13 @@
           </a:p>
           <a:p>
             <a:r>
-              <a:rPr lang="en-US" altLang="zh-TW" dirty="0" smtClean="0">
+              <a:rPr lang="en-US" altLang="zh-TW" dirty="0">
                 <a:ea typeface="新細明體" charset="-120"/>
               </a:rPr>
               <a:t>The low cost of tertiary storage is a result of having </a:t>
             </a:r>
             <a:r>
-              <a:rPr lang="en-US" altLang="zh-TW" dirty="0" smtClean="0">
+              <a:rPr lang="en-US" altLang="zh-TW" dirty="0">
                 <a:solidFill>
                   <a:srgbClr val="FF0000"/>
                 </a:solidFill>
@@ -27448,7 +27788,7 @@
               <a:t>many cheap cartridges share a few expensive drives</a:t>
             </a:r>
             <a:r>
-              <a:rPr lang="en-US" altLang="zh-TW" dirty="0" smtClean="0">
+              <a:rPr lang="en-US" altLang="zh-TW" dirty="0">
                 <a:ea typeface="新細明體" charset="-120"/>
               </a:rPr>
               <a:t>.</a:t>
@@ -27456,7 +27796,7 @@
           </a:p>
           <a:p>
             <a:r>
-              <a:rPr lang="en-US" altLang="zh-TW" dirty="0" smtClean="0">
+              <a:rPr lang="en-US" altLang="zh-TW" dirty="0">
                 <a:ea typeface="新細明體" charset="-120"/>
               </a:rPr>
               <a:t>A removable library is best devoted to the storage of infrequently used data, because the library can only satisfy a relatively small number of I/O requests per hour.</a:t>
@@ -27851,7 +28191,7 @@
           <a:p>
             <a:pPr eaLnBrk="1" hangingPunct="1"/>
             <a:r>
-              <a:rPr lang="en-US" altLang="zh-TW" smtClean="0">
+              <a:rPr lang="en-US" altLang="zh-TW">
                 <a:ea typeface="新細明體" charset="-120"/>
               </a:rPr>
               <a:t>Reliability</a:t>
@@ -27880,13 +28220,13 @@
           <a:lstStyle/>
           <a:p>
             <a:r>
-              <a:rPr lang="en-US" altLang="zh-TW" sz="2800" dirty="0" smtClean="0">
+              <a:rPr lang="en-US" altLang="zh-TW" sz="2800" dirty="0">
                 <a:ea typeface="新細明體" charset="-120"/>
               </a:rPr>
               <a:t>A </a:t>
             </a:r>
             <a:r>
-              <a:rPr lang="en-US" altLang="zh-TW" sz="2800" dirty="0" smtClean="0">
+              <a:rPr lang="en-US" altLang="zh-TW" sz="2800" dirty="0">
                 <a:solidFill>
                   <a:srgbClr val="FF0000"/>
                 </a:solidFill>
@@ -27895,13 +28235,13 @@
               <a:t>fixed disk drive </a:t>
             </a:r>
             <a:r>
-              <a:rPr lang="en-US" altLang="zh-TW" sz="2800" dirty="0" smtClean="0">
+              <a:rPr lang="en-US" altLang="zh-TW" sz="2800" dirty="0">
                 <a:ea typeface="新細明體" charset="-120"/>
               </a:rPr>
               <a:t>is likely to be </a:t>
             </a:r>
             <a:r>
-              <a:rPr lang="en-US" altLang="zh-TW" sz="2800" dirty="0" smtClean="0">
+              <a:rPr lang="en-US" altLang="zh-TW" sz="2800" dirty="0">
                 <a:solidFill>
                   <a:srgbClr val="FF0000"/>
                 </a:solidFill>
@@ -27910,7 +28250,7 @@
               <a:t>more reliable </a:t>
             </a:r>
             <a:r>
-              <a:rPr lang="en-US" altLang="zh-TW" sz="2800" dirty="0" smtClean="0">
+              <a:rPr lang="en-US" altLang="zh-TW" sz="2800" dirty="0">
                 <a:ea typeface="新細明體" charset="-120"/>
               </a:rPr>
               <a:t>than a removable disk or tape drive.</a:t>
@@ -27918,13 +28258,13 @@
           </a:p>
           <a:p>
             <a:r>
-              <a:rPr lang="en-US" altLang="zh-TW" sz="2800" dirty="0" smtClean="0">
+              <a:rPr lang="en-US" altLang="zh-TW" sz="2800" dirty="0">
                 <a:ea typeface="新細明體" charset="-120"/>
               </a:rPr>
               <a:t>An </a:t>
             </a:r>
             <a:r>
-              <a:rPr lang="en-US" altLang="zh-TW" sz="2800" dirty="0" smtClean="0">
+              <a:rPr lang="en-US" altLang="zh-TW" sz="2800" dirty="0">
                 <a:solidFill>
                   <a:srgbClr val="FF0000"/>
                 </a:solidFill>
@@ -27933,7 +28273,7 @@
               <a:t>optical cartridge </a:t>
             </a:r>
             <a:r>
-              <a:rPr lang="en-US" altLang="zh-TW" sz="2800" dirty="0" smtClean="0">
+              <a:rPr lang="en-US" altLang="zh-TW" sz="2800" dirty="0">
                 <a:ea typeface="新細明體" charset="-120"/>
               </a:rPr>
               <a:t>is likely to be more reliable than a magnetic disk or tape.</a:t>
@@ -27941,13 +28281,13 @@
           </a:p>
           <a:p>
             <a:r>
-              <a:rPr lang="en-US" altLang="zh-TW" sz="2800" dirty="0" smtClean="0">
+              <a:rPr lang="en-US" altLang="zh-TW" sz="2800" dirty="0">
                 <a:ea typeface="新細明體" charset="-120"/>
               </a:rPr>
               <a:t>A </a:t>
             </a:r>
             <a:r>
-              <a:rPr lang="en-US" altLang="zh-TW" sz="2800" dirty="0" smtClean="0">
+              <a:rPr lang="en-US" altLang="zh-TW" sz="2800" dirty="0">
                 <a:solidFill>
                   <a:srgbClr val="FF0000"/>
                 </a:solidFill>
@@ -27956,10 +28296,22 @@
               <a:t>head crash in a fixed hard disk </a:t>
             </a:r>
             <a:r>
-              <a:rPr lang="en-US" altLang="zh-TW" sz="2800" dirty="0" smtClean="0">
-                <a:ea typeface="新細明體" charset="-120"/>
-              </a:rPr>
-              <a:t>generally destroys the data, whereas the failure of a tape drive or optical disk drive often leaves the data cartridge unharmed.</a:t>
+              <a:rPr lang="en-US" altLang="zh-TW" sz="2800" dirty="0">
+                <a:ea typeface="新細明體" charset="-120"/>
+              </a:rPr>
+              <a:t>generally destroys the data, whereas</a:t>
+            </a:r>
+            <a:r>
+              <a:rPr lang="zh-TW" altLang="en-US" sz="2800" dirty="0">
+                <a:ea typeface="新細明體" charset="-120"/>
+              </a:rPr>
+              <a:t>反之</a:t>
+            </a:r>
+            <a:r>
+              <a:rPr lang="en-US" altLang="zh-TW" sz="2800" dirty="0">
+                <a:ea typeface="新細明體" charset="-120"/>
+              </a:rPr>
+              <a:t> the failure of a tape drive or optical disk drive often leaves the data cartridge unharmed.</a:t>
             </a:r>
           </a:p>
         </p:txBody>
@@ -28161,7 +28513,7 @@
           <a:p>
             <a:pPr eaLnBrk="1" hangingPunct="1"/>
             <a:r>
-              <a:rPr lang="en-US" altLang="zh-TW" smtClean="0">
+              <a:rPr lang="en-US" altLang="zh-TW">
                 <a:ea typeface="新細明體" charset="-120"/>
               </a:rPr>
               <a:t>Cost</a:t>
@@ -28190,7 +28542,7 @@
           <a:lstStyle/>
           <a:p>
             <a:r>
-              <a:rPr lang="en-US" altLang="zh-TW" sz="2800" dirty="0" smtClean="0">
+              <a:rPr lang="en-US" altLang="zh-TW" sz="2800" dirty="0">
                 <a:ea typeface="新細明體" charset="-120"/>
               </a:rPr>
               <a:t>Main memory is much more expensive than disk storage</a:t>
@@ -28198,13 +28550,13 @@
           </a:p>
           <a:p>
             <a:r>
-              <a:rPr lang="en-US" altLang="zh-TW" sz="2800" dirty="0" smtClean="0">
+              <a:rPr lang="en-US" altLang="zh-TW" sz="2800" dirty="0">
                 <a:ea typeface="新細明體" charset="-120"/>
               </a:rPr>
               <a:t>The cost per megabyte of hard disk storage is competitive with magnetic tape </a:t>
             </a:r>
             <a:r>
-              <a:rPr lang="en-US" altLang="zh-TW" sz="2800" b="1" dirty="0" smtClean="0">
+              <a:rPr lang="en-US" altLang="zh-TW" sz="2800" b="1" dirty="0">
                 <a:solidFill>
                   <a:srgbClr val="FF0000"/>
                 </a:solidFill>
@@ -28215,7 +28567,7 @@
           </a:p>
           <a:p>
             <a:r>
-              <a:rPr lang="en-US" altLang="zh-TW" sz="2800" dirty="0" smtClean="0">
+              <a:rPr lang="en-US" altLang="zh-TW" sz="2800" dirty="0">
                 <a:ea typeface="新細明體" charset="-120"/>
               </a:rPr>
               <a:t>The cheapest tape drives and the cheapest disk drives have had about the same storage capacity over the years.</a:t>
@@ -28223,7 +28575,7 @@
           </a:p>
           <a:p>
             <a:r>
-              <a:rPr lang="en-US" altLang="zh-TW" sz="2800" dirty="0" smtClean="0">
+              <a:rPr lang="en-US" altLang="zh-TW" sz="2800" dirty="0">
                 <a:solidFill>
                   <a:srgbClr val="FF0000"/>
                 </a:solidFill>
@@ -28232,7 +28584,7 @@
               <a:t>Tertiary storage gives a cost savings only when the number of cartridges is considerably larger than the number of drives</a:t>
             </a:r>
             <a:r>
-              <a:rPr lang="en-US" altLang="zh-TW" sz="2800" dirty="0" smtClean="0">
+              <a:rPr lang="en-US" altLang="zh-TW" sz="2800" dirty="0">
                 <a:ea typeface="新細明體" charset="-120"/>
               </a:rPr>
               <a:t>.</a:t>
@@ -28497,7 +28849,7 @@
           <a:blip r:embed="rId4">
             <a:extLst>
               <a:ext uri="{28A0092B-C50C-407E-A947-70E740481C1C}">
-                <a14:useLocalDpi xmlns="" xmlns:a14="http://schemas.microsoft.com/office/drawing/2010/main" val="0"/>
+                <a14:useLocalDpi xmlns:a14="http://schemas.microsoft.com/office/drawing/2010/main" val="0"/>
               </a:ext>
             </a:extLst>
           </a:blip>
@@ -28521,14 +28873,14 @@
           <a:effectLst/>
           <a:extLst>
             <a:ext uri="{909E8E84-426E-40DD-AFC4-6F175D3DCCD1}">
-              <a14:hiddenFill xmlns="" xmlns:a14="http://schemas.microsoft.com/office/drawing/2010/main">
+              <a14:hiddenFill xmlns:a14="http://schemas.microsoft.com/office/drawing/2010/main">
                 <a:solidFill>
                   <a:schemeClr val="accent1"/>
                 </a:solidFill>
               </a14:hiddenFill>
             </a:ext>
             <a:ext uri="{91240B29-F687-4F45-9708-019B960494DF}">
-              <a14:hiddenLine xmlns="" xmlns:a14="http://schemas.microsoft.com/office/drawing/2010/main" w="9525">
+              <a14:hiddenLine xmlns:a14="http://schemas.microsoft.com/office/drawing/2010/main" w="9525">
                 <a:solidFill>
                   <a:schemeClr val="tx1"/>
                 </a:solidFill>
@@ -28538,7 +28890,7 @@
               </a14:hiddenLine>
             </a:ext>
             <a:ext uri="{AF507438-7753-43E0-B8FC-AC1667EBCBE1}">
-              <a14:hiddenEffects xmlns="" xmlns:a14="http://schemas.microsoft.com/office/drawing/2010/main">
+              <a14:hiddenEffects xmlns:a14="http://schemas.microsoft.com/office/drawing/2010/main">
                 <a:effectLst>
                   <a:outerShdw dist="35921" dir="2700000" algn="ctr" rotWithShape="0">
                     <a:schemeClr val="bg2"/>
@@ -28571,29 +28923,23 @@
           <a:p>
             <a:pPr eaLnBrk="1" hangingPunct="1"/>
             <a:r>
-              <a:rPr lang="en-US" altLang="zh-TW" dirty="0" smtClean="0">
+              <a:rPr lang="en-US" altLang="zh-TW" dirty="0">
                 <a:ea typeface="新細明體" charset="-120"/>
               </a:rPr>
               <a:t>Price per Megabyte of DRAM </a:t>
             </a:r>
             <a:br>
-              <a:rPr lang="en-US" altLang="zh-TW" dirty="0" smtClean="0">
+              <a:rPr lang="en-US" altLang="zh-TW" dirty="0">
                 <a:ea typeface="新細明體" charset="-120"/>
               </a:rPr>
             </a:br>
-            <a:r>
-              <a:rPr lang="en-US" altLang="zh-TW" dirty="0" smtClean="0">
-                <a:ea typeface="新細明體" charset="-120"/>
-              </a:rPr>
-              <a:t/>
-            </a:r>
             <a:br>
-              <a:rPr lang="en-US" altLang="zh-TW" dirty="0" smtClean="0">
+              <a:rPr lang="en-US" altLang="zh-TW" dirty="0">
                 <a:ea typeface="新細明體" charset="-120"/>
               </a:rPr>
             </a:br>
             <a:r>
-              <a:rPr lang="en-US" altLang="zh-TW" dirty="0" smtClean="0">
+              <a:rPr lang="en-US" altLang="zh-TW" dirty="0">
                 <a:ea typeface="新細明體" charset="-120"/>
               </a:rPr>
               <a:t>From 1981 to 2008</a:t>
@@ -28606,13 +28952,6 @@
   <p:clrMapOvr>
     <a:masterClrMapping/>
   </p:clrMapOvr>
-  <p:timing>
-    <p:tnLst>
-      <p:par>
-        <p:cTn id="1" dur="indefinite" restart="never" nodeType="tmRoot"/>
-      </p:par>
-    </p:tnLst>
-  </p:timing>
 </p:sld>
 </file>
 
@@ -28649,7 +28988,7 @@
           <a:blip r:embed="rId4">
             <a:extLst>
               <a:ext uri="{28A0092B-C50C-407E-A947-70E740481C1C}">
-                <a14:useLocalDpi xmlns="" xmlns:a14="http://schemas.microsoft.com/office/drawing/2010/main" val="0"/>
+                <a14:useLocalDpi xmlns:a14="http://schemas.microsoft.com/office/drawing/2010/main" val="0"/>
               </a:ext>
             </a:extLst>
           </a:blip>
@@ -28673,14 +29012,14 @@
           <a:effectLst/>
           <a:extLst>
             <a:ext uri="{909E8E84-426E-40DD-AFC4-6F175D3DCCD1}">
-              <a14:hiddenFill xmlns="" xmlns:a14="http://schemas.microsoft.com/office/drawing/2010/main">
+              <a14:hiddenFill xmlns:a14="http://schemas.microsoft.com/office/drawing/2010/main">
                 <a:solidFill>
                   <a:schemeClr val="accent1"/>
                 </a:solidFill>
               </a14:hiddenFill>
             </a:ext>
             <a:ext uri="{91240B29-F687-4F45-9708-019B960494DF}">
-              <a14:hiddenLine xmlns="" xmlns:a14="http://schemas.microsoft.com/office/drawing/2010/main" w="9525">
+              <a14:hiddenLine xmlns:a14="http://schemas.microsoft.com/office/drawing/2010/main" w="9525">
                 <a:solidFill>
                   <a:schemeClr val="tx1"/>
                 </a:solidFill>
@@ -28690,7 +29029,7 @@
               </a14:hiddenLine>
             </a:ext>
             <a:ext uri="{AF507438-7753-43E0-B8FC-AC1667EBCBE1}">
-              <a14:hiddenEffects xmlns="" xmlns:a14="http://schemas.microsoft.com/office/drawing/2010/main">
+              <a14:hiddenEffects xmlns:a14="http://schemas.microsoft.com/office/drawing/2010/main">
                 <a:effectLst>
                   <a:outerShdw dist="35921" dir="2700000" algn="ctr" rotWithShape="0">
                     <a:schemeClr val="bg2"/>
@@ -28723,29 +29062,23 @@
           <a:p>
             <a:pPr eaLnBrk="1" hangingPunct="1"/>
             <a:r>
-              <a:rPr lang="en-US" altLang="zh-TW" dirty="0" smtClean="0">
+              <a:rPr lang="en-US" altLang="zh-TW" dirty="0">
                 <a:ea typeface="新細明體" charset="-120"/>
               </a:rPr>
               <a:t>Price per Megabyte of Magnetic Hard Disk </a:t>
             </a:r>
             <a:br>
-              <a:rPr lang="en-US" altLang="zh-TW" dirty="0" smtClean="0">
+              <a:rPr lang="en-US" altLang="zh-TW" dirty="0">
                 <a:ea typeface="新細明體" charset="-120"/>
               </a:rPr>
             </a:br>
-            <a:r>
-              <a:rPr lang="en-US" altLang="zh-TW" dirty="0" smtClean="0">
-                <a:ea typeface="新細明體" charset="-120"/>
-              </a:rPr>
-              <a:t/>
-            </a:r>
             <a:br>
-              <a:rPr lang="en-US" altLang="zh-TW" dirty="0" smtClean="0">
+              <a:rPr lang="en-US" altLang="zh-TW" dirty="0">
                 <a:ea typeface="新細明體" charset="-120"/>
               </a:rPr>
             </a:br>
             <a:r>
-              <a:rPr lang="en-US" altLang="zh-TW" dirty="0" smtClean="0">
+              <a:rPr lang="en-US" altLang="zh-TW" dirty="0">
                 <a:ea typeface="新細明體" charset="-120"/>
               </a:rPr>
               <a:t>From 1981 to 2008</a:t>
@@ -28758,13 +29091,6 @@
   <p:clrMapOvr>
     <a:masterClrMapping/>
   </p:clrMapOvr>
-  <p:timing>
-    <p:tnLst>
-      <p:par>
-        <p:cTn id="1" dur="indefinite" restart="never" nodeType="tmRoot"/>
-      </p:par>
-    </p:tnLst>
-  </p:timing>
 </p:sld>
 </file>
 
@@ -28801,7 +29127,7 @@
           <a:blip r:embed="rId4">
             <a:extLst>
               <a:ext uri="{28A0092B-C50C-407E-A947-70E740481C1C}">
-                <a14:useLocalDpi xmlns="" xmlns:a14="http://schemas.microsoft.com/office/drawing/2010/main" val="0"/>
+                <a14:useLocalDpi xmlns:a14="http://schemas.microsoft.com/office/drawing/2010/main" val="0"/>
               </a:ext>
             </a:extLst>
           </a:blip>
@@ -28825,14 +29151,14 @@
           <a:effectLst/>
           <a:extLst>
             <a:ext uri="{909E8E84-426E-40DD-AFC4-6F175D3DCCD1}">
-              <a14:hiddenFill xmlns="" xmlns:a14="http://schemas.microsoft.com/office/drawing/2010/main">
+              <a14:hiddenFill xmlns:a14="http://schemas.microsoft.com/office/drawing/2010/main">
                 <a:solidFill>
                   <a:schemeClr val="accent1"/>
                 </a:solidFill>
               </a14:hiddenFill>
             </a:ext>
             <a:ext uri="{91240B29-F687-4F45-9708-019B960494DF}">
-              <a14:hiddenLine xmlns="" xmlns:a14="http://schemas.microsoft.com/office/drawing/2010/main" w="9525">
+              <a14:hiddenLine xmlns:a14="http://schemas.microsoft.com/office/drawing/2010/main" w="9525">
                 <a:solidFill>
                   <a:schemeClr val="tx1"/>
                 </a:solidFill>
@@ -28842,7 +29168,7 @@
               </a14:hiddenLine>
             </a:ext>
             <a:ext uri="{AF507438-7753-43E0-B8FC-AC1667EBCBE1}">
-              <a14:hiddenEffects xmlns="" xmlns:a14="http://schemas.microsoft.com/office/drawing/2010/main">
+              <a14:hiddenEffects xmlns:a14="http://schemas.microsoft.com/office/drawing/2010/main">
                 <a:effectLst>
                   <a:outerShdw dist="35921" dir="2700000" algn="ctr" rotWithShape="0">
                     <a:schemeClr val="bg2"/>
@@ -28875,29 +29201,23 @@
           <a:p>
             <a:pPr eaLnBrk="1" hangingPunct="1"/>
             <a:r>
-              <a:rPr lang="en-US" altLang="zh-TW" dirty="0" smtClean="0">
+              <a:rPr lang="en-US" altLang="zh-TW" dirty="0">
                 <a:ea typeface="新細明體" charset="-120"/>
               </a:rPr>
               <a:t>Price per Megabyte of a Tape Drive </a:t>
             </a:r>
             <a:br>
-              <a:rPr lang="en-US" altLang="zh-TW" dirty="0" smtClean="0">
+              <a:rPr lang="en-US" altLang="zh-TW" dirty="0">
                 <a:ea typeface="新細明體" charset="-120"/>
               </a:rPr>
             </a:br>
-            <a:r>
-              <a:rPr lang="en-US" altLang="zh-TW" dirty="0" smtClean="0">
-                <a:ea typeface="新細明體" charset="-120"/>
-              </a:rPr>
-              <a:t/>
-            </a:r>
             <a:br>
-              <a:rPr lang="en-US" altLang="zh-TW" dirty="0" smtClean="0">
+              <a:rPr lang="en-US" altLang="zh-TW" dirty="0">
                 <a:ea typeface="新細明體" charset="-120"/>
               </a:rPr>
             </a:br>
             <a:r>
-              <a:rPr lang="en-US" altLang="zh-TW" dirty="0" smtClean="0">
+              <a:rPr lang="en-US" altLang="zh-TW" dirty="0">
                 <a:ea typeface="新細明體" charset="-120"/>
               </a:rPr>
               <a:t>From 1984-2008</a:t>
@@ -28910,13 +29230,6 @@
   <p:clrMapOvr>
     <a:masterClrMapping/>
   </p:clrMapOvr>
-  <p:timing>
-    <p:tnLst>
-      <p:par>
-        <p:cTn id="1" dur="indefinite" restart="never" nodeType="tmRoot"/>
-      </p:par>
-    </p:tnLst>
-  </p:timing>
 </p:sld>
 </file>
 
@@ -28954,7 +29267,7 @@
           <a:p>
             <a:pPr eaLnBrk="1" hangingPunct="1"/>
             <a:r>
-              <a:rPr lang="en-US" altLang="zh-TW" smtClean="0">
+              <a:rPr lang="en-US" altLang="zh-TW">
                 <a:ea typeface="新細明體" charset="-120"/>
               </a:rPr>
               <a:t>End of Chapter 12</a:t>
@@ -28967,13 +29280,6 @@
   <p:clrMapOvr>
     <a:masterClrMapping/>
   </p:clrMapOvr>
-  <p:timing>
-    <p:tnLst>
-      <p:par>
-        <p:cTn id="1" dur="indefinite" restart="never" nodeType="tmRoot"/>
-      </p:par>
-    </p:tnLst>
-  </p:timing>
 </p:sld>
 </file>
 
@@ -29016,7 +29322,7 @@
           <a:p>
             <a:pPr eaLnBrk="1" hangingPunct="1"/>
             <a:r>
-              <a:rPr lang="en-US" altLang="zh-TW" dirty="0" smtClean="0">
+              <a:rPr lang="en-US" altLang="zh-TW" dirty="0">
                 <a:ea typeface="新細明體" charset="-120"/>
               </a:rPr>
               <a:t>Overview of Mass Storage Structure</a:t>
@@ -29045,7 +29351,7 @@
           <a:lstStyle/>
           <a:p>
             <a:r>
-              <a:rPr lang="en-US" altLang="zh-TW" sz="2800" dirty="0" smtClean="0">
+              <a:rPr lang="en-US" altLang="zh-TW" sz="2800" dirty="0">
                 <a:ea typeface="新細明體" charset="-120"/>
               </a:rPr>
               <a:t>Disks can be removable</a:t>
@@ -29053,13 +29359,13 @@
           </a:p>
           <a:p>
             <a:r>
-              <a:rPr lang="en-US" altLang="zh-TW" sz="2800" dirty="0" smtClean="0">
+              <a:rPr lang="en-US" altLang="zh-TW" sz="2800" dirty="0">
                 <a:ea typeface="新細明體" charset="-120"/>
               </a:rPr>
               <a:t>Drive attached to computer via </a:t>
             </a:r>
             <a:r>
-              <a:rPr lang="en-US" altLang="zh-TW" sz="2800" b="1" dirty="0" smtClean="0">
+              <a:rPr lang="en-US" altLang="zh-TW" sz="2800" b="1" dirty="0">
                 <a:solidFill>
                   <a:srgbClr val="FF0000"/>
                 </a:solidFill>
@@ -29071,13 +29377,13 @@
           <a:p>
             <a:pPr lvl="1"/>
             <a:r>
-              <a:rPr lang="en-US" altLang="zh-TW" sz="2800" dirty="0" smtClean="0">
+              <a:rPr lang="en-US" altLang="zh-TW" sz="2800" dirty="0">
                 <a:ea typeface="新細明體" charset="-120"/>
               </a:rPr>
               <a:t>Busses vary, including </a:t>
             </a:r>
             <a:r>
-              <a:rPr lang="en-US" altLang="zh-TW" sz="2800" b="1" dirty="0" smtClean="0">
+              <a:rPr lang="en-US" altLang="zh-TW" sz="2800" b="1" dirty="0">
                 <a:solidFill>
                   <a:srgbClr val="FF0000"/>
                 </a:solidFill>
@@ -29086,7 +29392,7 @@
               <a:t>EIDE, ATA, SATA, USB, </a:t>
             </a:r>
             <a:r>
-              <a:rPr lang="en-US" altLang="zh-TW" sz="2800" b="1" dirty="0" err="1" smtClean="0">
+              <a:rPr lang="en-US" altLang="zh-TW" sz="2800" b="1" dirty="0" err="1">
                 <a:solidFill>
                   <a:srgbClr val="FF0000"/>
                 </a:solidFill>
@@ -29095,7 +29401,7 @@
               <a:t>Fibre</a:t>
             </a:r>
             <a:r>
-              <a:rPr lang="en-US" altLang="zh-TW" sz="2800" b="1" dirty="0" smtClean="0">
+              <a:rPr lang="en-US" altLang="zh-TW" sz="2800" b="1" dirty="0">
                 <a:solidFill>
                   <a:srgbClr val="FF0000"/>
                 </a:solidFill>
@@ -29104,7 +29410,7 @@
               <a:t> Channel</a:t>
             </a:r>
             <a:r>
-              <a:rPr lang="zh-TW" altLang="en-US" sz="2800" b="1" dirty="0" smtClean="0">
+              <a:rPr lang="zh-TW" altLang="en-US" sz="2800" b="1" dirty="0">
                 <a:solidFill>
                   <a:srgbClr val="FF0000"/>
                 </a:solidFill>
@@ -29113,7 +29419,7 @@
               <a:t> </a:t>
             </a:r>
             <a:r>
-              <a:rPr lang="en-US" altLang="zh-TW" sz="2800" b="1" dirty="0" smtClean="0">
+              <a:rPr lang="en-US" altLang="zh-TW" sz="2800" b="1" dirty="0">
                 <a:solidFill>
                   <a:srgbClr val="FF0000"/>
                 </a:solidFill>
@@ -29125,7 +29431,7 @@
           <a:p>
             <a:pPr lvl="1"/>
             <a:r>
-              <a:rPr lang="en-US" altLang="zh-TW" sz="2800" b="1" dirty="0" smtClean="0">
+              <a:rPr lang="en-US" altLang="zh-TW" sz="2800" b="1" dirty="0">
                 <a:solidFill>
                   <a:srgbClr val="FF0000"/>
                 </a:solidFill>
@@ -29134,7 +29440,7 @@
               <a:t>Host controller</a:t>
             </a:r>
             <a:r>
-              <a:rPr lang="en-US" altLang="zh-TW" sz="2800" dirty="0" smtClean="0">
+              <a:rPr lang="en-US" altLang="zh-TW" sz="2800" dirty="0">
                 <a:solidFill>
                   <a:srgbClr val="FF0000"/>
                 </a:solidFill>
@@ -29143,13 +29449,13 @@
               <a:t> </a:t>
             </a:r>
             <a:r>
-              <a:rPr lang="en-US" altLang="zh-TW" sz="2800" dirty="0" smtClean="0">
+              <a:rPr lang="en-US" altLang="zh-TW" sz="2800" dirty="0">
                 <a:ea typeface="新細明體" charset="-120"/>
               </a:rPr>
               <a:t>in computer uses bus to talk to </a:t>
             </a:r>
             <a:r>
-              <a:rPr lang="en-US" altLang="zh-TW" sz="2800" b="1" dirty="0" smtClean="0">
+              <a:rPr lang="en-US" altLang="zh-TW" sz="2800" b="1" dirty="0">
                 <a:solidFill>
                   <a:srgbClr val="FF0000"/>
                 </a:solidFill>
@@ -29158,7 +29464,7 @@
               <a:t>disk controller</a:t>
             </a:r>
             <a:r>
-              <a:rPr lang="en-US" altLang="zh-TW" sz="2800" dirty="0" smtClean="0">
+              <a:rPr lang="en-US" altLang="zh-TW" sz="2800" dirty="0">
                 <a:solidFill>
                   <a:srgbClr val="FF0000"/>
                 </a:solidFill>
@@ -29167,14 +29473,14 @@
               <a:t> </a:t>
             </a:r>
             <a:r>
-              <a:rPr lang="en-US" altLang="zh-TW" sz="2800" dirty="0" smtClean="0">
+              <a:rPr lang="en-US" altLang="zh-TW" sz="2800" dirty="0">
                 <a:ea typeface="新細明體" charset="-120"/>
               </a:rPr>
               <a:t>built into drive or storage array</a:t>
             </a:r>
           </a:p>
           <a:p>
-            <a:endParaRPr lang="en-US" altLang="zh-TW" sz="2800" dirty="0" smtClean="0">
+            <a:endParaRPr lang="en-US" altLang="zh-TW" sz="2800" dirty="0">
               <a:ea typeface="新細明體" charset="-120"/>
             </a:endParaRPr>
           </a:p>
@@ -29468,7 +29774,7 @@
           <a:p>
             <a:pPr eaLnBrk="1" hangingPunct="1"/>
             <a:r>
-              <a:rPr lang="en-US" altLang="zh-TW" sz="3200" dirty="0" smtClean="0">
+              <a:rPr lang="en-US" altLang="zh-TW" sz="3200" dirty="0">
                 <a:ea typeface="新細明體" charset="-120"/>
               </a:rPr>
               <a:t>Overview of Mass Storage Structure (Cont.)</a:t>
@@ -29497,7 +29803,7 @@
           <a:lstStyle/>
           <a:p>
             <a:r>
-              <a:rPr lang="en-US" altLang="zh-TW" sz="2400" b="1" dirty="0" smtClean="0">
+              <a:rPr lang="en-US" altLang="zh-TW" sz="2400" b="1" dirty="0">
                 <a:solidFill>
                   <a:srgbClr val="FF0000"/>
                 </a:solidFill>
@@ -29509,7 +29815,7 @@
           <a:p>
             <a:pPr lvl="1"/>
             <a:r>
-              <a:rPr lang="en-US" altLang="zh-TW" sz="2400" dirty="0" smtClean="0">
+              <a:rPr lang="en-US" altLang="zh-TW" sz="2400" dirty="0">
                 <a:ea typeface="新細明體" charset="-120"/>
               </a:rPr>
               <a:t>Was early secondary-storage medium</a:t>
@@ -29518,7 +29824,7 @@
           <a:p>
             <a:pPr lvl="1"/>
             <a:r>
-              <a:rPr lang="en-US" altLang="zh-TW" sz="2400" dirty="0" smtClean="0">
+              <a:rPr lang="en-US" altLang="zh-TW" sz="2400" dirty="0">
                 <a:ea typeface="新細明體" charset="-120"/>
               </a:rPr>
               <a:t>Relatively permanent and holds large quantities of data</a:t>
@@ -29527,7 +29833,7 @@
           <a:p>
             <a:pPr lvl="1"/>
             <a:r>
-              <a:rPr lang="en-US" altLang="zh-TW" sz="2400" dirty="0" smtClean="0">
+              <a:rPr lang="en-US" altLang="zh-TW" sz="2400" dirty="0">
                 <a:ea typeface="新細明體" charset="-120"/>
               </a:rPr>
               <a:t>Access time slow</a:t>
@@ -29536,7 +29842,7 @@
           <a:p>
             <a:pPr lvl="1"/>
             <a:r>
-              <a:rPr lang="en-US" altLang="zh-TW" sz="2400" dirty="0" smtClean="0">
+              <a:rPr lang="en-US" altLang="zh-TW" sz="2400" dirty="0">
                 <a:ea typeface="新細明體" charset="-120"/>
               </a:rPr>
               <a:t>Random access ~1000 times slower than disk</a:t>
@@ -29545,7 +29851,7 @@
           <a:p>
             <a:pPr lvl="1"/>
             <a:r>
-              <a:rPr lang="en-US" altLang="zh-TW" sz="2400" dirty="0" smtClean="0">
+              <a:rPr lang="en-US" altLang="zh-TW" sz="2400" dirty="0">
                 <a:ea typeface="新細明體" charset="-120"/>
               </a:rPr>
               <a:t>Mainly used for backup, storage of infrequently-used data, transfer medium between systems</a:t>
@@ -29554,16 +29860,28 @@
           <a:p>
             <a:pPr lvl="1"/>
             <a:r>
-              <a:rPr lang="en-US" altLang="zh-TW" sz="2400" dirty="0" smtClean="0">
-                <a:ea typeface="新細明體" charset="-120"/>
-              </a:rPr>
-              <a:t>Kept in spool and wound or rewound past read-write head</a:t>
+              <a:rPr lang="en-US" altLang="zh-TW" sz="2400" dirty="0">
+                <a:ea typeface="新細明體" charset="-120"/>
+              </a:rPr>
+              <a:t>Kept in spool</a:t>
+            </a:r>
+            <a:r>
+              <a:rPr lang="zh-TW" altLang="en-US" sz="2400" dirty="0">
+                <a:ea typeface="新細明體" charset="-120"/>
+              </a:rPr>
+              <a:t>線軸</a:t>
+            </a:r>
+            <a:r>
+              <a:rPr lang="en-US" altLang="zh-TW" sz="2400" dirty="0">
+                <a:ea typeface="新細明體" charset="-120"/>
+              </a:rPr>
+              <a:t> and wound or rewound past read-write head</a:t>
             </a:r>
           </a:p>
           <a:p>
             <a:pPr lvl="1"/>
             <a:r>
-              <a:rPr lang="en-US" altLang="zh-TW" sz="2400" dirty="0" smtClean="0">
+              <a:rPr lang="en-US" altLang="zh-TW" sz="2400" dirty="0">
                 <a:ea typeface="新細明體" charset="-120"/>
               </a:rPr>
               <a:t>Once data under head, transfer rates comparable to disk</a:t>
@@ -29572,7 +29890,7 @@
           <a:p>
             <a:pPr lvl="1"/>
             <a:r>
-              <a:rPr lang="en-US" altLang="zh-TW" sz="2400" dirty="0" smtClean="0">
+              <a:rPr lang="en-US" altLang="zh-TW" sz="2400" dirty="0">
                 <a:ea typeface="新細明體" charset="-120"/>
               </a:rPr>
               <a:t>20-200GB typical storage</a:t>
@@ -30140,7 +30458,7 @@
           <a:p>
             <a:pPr eaLnBrk="1" hangingPunct="1"/>
             <a:r>
-              <a:rPr lang="en-US" altLang="zh-TW" dirty="0" smtClean="0">
+              <a:rPr lang="en-US" altLang="zh-TW" dirty="0">
                 <a:ea typeface="新細明體" charset="-120"/>
               </a:rPr>
               <a:t>12.2 Disk Structure</a:t>
@@ -30169,13 +30487,13 @@
           <a:lstStyle/>
           <a:p>
             <a:r>
-              <a:rPr lang="en-US" altLang="zh-TW" sz="2400" dirty="0" smtClean="0">
+              <a:rPr lang="en-US" altLang="zh-TW" sz="2400" dirty="0">
                 <a:ea typeface="新細明體" charset="-120"/>
               </a:rPr>
               <a:t>Disk drives are </a:t>
             </a:r>
             <a:r>
-              <a:rPr lang="en-US" altLang="zh-TW" sz="2400" dirty="0" smtClean="0">
+              <a:rPr lang="en-US" altLang="zh-TW" sz="2400" dirty="0">
                 <a:solidFill>
                   <a:srgbClr val="FF0000"/>
                 </a:solidFill>
@@ -30184,13 +30502,13 @@
               <a:t>addressed</a:t>
             </a:r>
             <a:r>
-              <a:rPr lang="en-US" altLang="zh-TW" sz="2400" dirty="0" smtClean="0">
+              <a:rPr lang="en-US" altLang="zh-TW" sz="2400" dirty="0">
                 <a:ea typeface="新細明體" charset="-120"/>
               </a:rPr>
               <a:t> as large </a:t>
             </a:r>
             <a:r>
-              <a:rPr lang="en-US" altLang="zh-TW" sz="2400" b="1" dirty="0" smtClean="0">
+              <a:rPr lang="en-US" altLang="zh-TW" sz="2400" b="1" dirty="0">
                 <a:solidFill>
                   <a:srgbClr val="FF0000"/>
                 </a:solidFill>
@@ -30199,13 +30517,13 @@
               <a:t>1-dimensional arrays</a:t>
             </a:r>
             <a:r>
-              <a:rPr lang="en-US" altLang="zh-TW" sz="2400" dirty="0" smtClean="0">
+              <a:rPr lang="en-US" altLang="zh-TW" sz="2400" dirty="0">
                 <a:ea typeface="新細明體" charset="-120"/>
               </a:rPr>
               <a:t> of </a:t>
             </a:r>
             <a:r>
-              <a:rPr lang="en-US" altLang="zh-TW" sz="2400" b="1" i="1" dirty="0" smtClean="0">
+              <a:rPr lang="en-US" altLang="zh-TW" sz="2400" b="1" i="1" dirty="0">
                 <a:solidFill>
                   <a:srgbClr val="FF0000"/>
                 </a:solidFill>
@@ -30214,7 +30532,7 @@
               <a:t>logical blocks</a:t>
             </a:r>
             <a:r>
-              <a:rPr lang="en-US" altLang="zh-TW" sz="2400" dirty="0" smtClean="0">
+              <a:rPr lang="en-US" altLang="zh-TW" sz="2400" dirty="0">
                 <a:ea typeface="新細明體" charset="-120"/>
               </a:rPr>
               <a:t>, where the logical block is the smallest unit of transfer. </a:t>
@@ -30222,13 +30540,13 @@
           </a:p>
           <a:p>
             <a:r>
-              <a:rPr lang="en-US" altLang="zh-TW" sz="2400" dirty="0" smtClean="0">
+              <a:rPr lang="en-US" altLang="zh-TW" sz="2400" dirty="0">
                 <a:ea typeface="新細明體" charset="-120"/>
               </a:rPr>
               <a:t>The 1-dimensional array of logical blocks is mapped into the </a:t>
             </a:r>
             <a:r>
-              <a:rPr lang="en-US" altLang="zh-TW" sz="2400" b="1" dirty="0" smtClean="0">
+              <a:rPr lang="en-US" altLang="zh-TW" sz="2400" b="1" dirty="0">
                 <a:solidFill>
                   <a:srgbClr val="FF0000"/>
                 </a:solidFill>
@@ -30237,7 +30555,7 @@
               <a:t>sectors</a:t>
             </a:r>
             <a:r>
-              <a:rPr lang="en-US" altLang="zh-TW" sz="2400" dirty="0" smtClean="0">
+              <a:rPr lang="en-US" altLang="zh-TW" sz="2400" dirty="0">
                 <a:ea typeface="新細明體" charset="-120"/>
               </a:rPr>
               <a:t> of the disk sequentially.</a:t>
@@ -30246,23 +30564,44 @@
           <a:p>
             <a:pPr lvl="1"/>
             <a:r>
-              <a:rPr lang="en-US" altLang="zh-TW" sz="2400" dirty="0" smtClean="0">
-                <a:ea typeface="新細明體" charset="-120"/>
-              </a:rPr>
-              <a:t>Sector 0 is the first sector of the first track on the outermost cylinder.</a:t>
+              <a:rPr lang="en-US" altLang="zh-TW" sz="2400" dirty="0">
+                <a:ea typeface="新細明體" charset="-120"/>
+              </a:rPr>
+              <a:t>Sector</a:t>
+            </a:r>
+            <a:r>
+              <a:rPr lang="zh-TW" altLang="en-US" sz="2400" dirty="0">
+                <a:ea typeface="新細明體" charset="-120"/>
+              </a:rPr>
+              <a:t>扇形</a:t>
+            </a:r>
+            <a:r>
+              <a:rPr lang="en-US" altLang="zh-TW" sz="2400" dirty="0">
+                <a:ea typeface="新細明體" charset="-120"/>
+              </a:rPr>
+              <a:t> 0 is the first sector of the first track on the outermost cylinder.</a:t>
             </a:r>
           </a:p>
           <a:p>
             <a:pPr lvl="1"/>
             <a:r>
-              <a:rPr lang="en-US" altLang="zh-TW" sz="2400" dirty="0" smtClean="0">
-                <a:ea typeface="新細明體" charset="-120"/>
-              </a:rPr>
-              <a:t>Mapping proceeds in order through that track, then the rest of the tracks in that cylinder, and then through the rest of the cylinders from outermost to innermost.</a:t>
-            </a:r>
-          </a:p>
-          <a:p>
-            <a:endParaRPr lang="en-US" altLang="zh-TW" sz="2400" dirty="0" smtClean="0">
+              <a:rPr lang="en-US" altLang="zh-TW" sz="2400" dirty="0">
+                <a:ea typeface="新細明體" charset="-120"/>
+              </a:rPr>
+              <a:t>Mapping proceeds in order through that track, then the rest of the tracks in that cylinder, and then through the rest of the cylinders </a:t>
+            </a:r>
+            <a:r>
+              <a:rPr lang="en-US" altLang="zh-TW" sz="2400" dirty="0">
+                <a:solidFill>
+                  <a:srgbClr val="FF0000"/>
+                </a:solidFill>
+                <a:ea typeface="新細明體" charset="-120"/>
+              </a:rPr>
+              <a:t>from outermost to innermost.</a:t>
+            </a:r>
+          </a:p>
+          <a:p>
+            <a:endParaRPr lang="en-US" altLang="zh-TW" sz="2400" dirty="0">
               <a:ea typeface="新細明體" charset="-120"/>
             </a:endParaRPr>
           </a:p>
@@ -30587,7 +30926,7 @@
           <a:p>
             <a:pPr eaLnBrk="1" hangingPunct="1"/>
             <a:r>
-              <a:rPr lang="en-US" altLang="zh-TW" dirty="0" smtClean="0">
+              <a:rPr lang="en-US" altLang="zh-TW" dirty="0">
                 <a:ea typeface="新細明體" charset="-120"/>
               </a:rPr>
               <a:t>12.3 Disk Attachment</a:t>
@@ -30616,7 +30955,7 @@
           <a:lstStyle/>
           <a:p>
             <a:r>
-              <a:rPr lang="en-US" altLang="zh-TW" sz="2400" dirty="0" smtClean="0">
+              <a:rPr lang="en-US" altLang="zh-TW" sz="2400" dirty="0">
                 <a:ea typeface="新細明體" charset="-120"/>
               </a:rPr>
               <a:t>Host-attached storage accessed through I/O ports talking to I/O busses</a:t>
@@ -30624,13 +30963,13 @@
           </a:p>
           <a:p>
             <a:r>
-              <a:rPr lang="en-US" altLang="zh-TW" sz="2400" dirty="0" smtClean="0">
+              <a:rPr lang="en-US" altLang="zh-TW" sz="2400" dirty="0">
                 <a:ea typeface="新細明體" charset="-120"/>
               </a:rPr>
               <a:t>SCSI itself is a bus, up to 16 devices on one cable, </a:t>
             </a:r>
             <a:r>
-              <a:rPr lang="en-US" altLang="zh-TW" sz="2400" b="1" dirty="0" smtClean="0">
+              <a:rPr lang="en-US" altLang="zh-TW" sz="2400" b="1" dirty="0">
                 <a:solidFill>
                   <a:srgbClr val="FF0000"/>
                 </a:solidFill>
@@ -30639,7 +30978,7 @@
               <a:t>SCSI initiator</a:t>
             </a:r>
             <a:r>
-              <a:rPr lang="en-US" altLang="zh-TW" sz="2400" dirty="0" smtClean="0">
+              <a:rPr lang="en-US" altLang="zh-TW" sz="2400" dirty="0">
                 <a:solidFill>
                   <a:srgbClr val="FF0000"/>
                 </a:solidFill>
@@ -30648,13 +30987,13 @@
               <a:t> </a:t>
             </a:r>
             <a:r>
-              <a:rPr lang="en-US" altLang="zh-TW" sz="2400" dirty="0" smtClean="0">
+              <a:rPr lang="en-US" altLang="zh-TW" sz="2400" dirty="0">
                 <a:ea typeface="新細明體" charset="-120"/>
               </a:rPr>
               <a:t>requests operation and </a:t>
             </a:r>
             <a:r>
-              <a:rPr lang="en-US" altLang="zh-TW" sz="2400" b="1" dirty="0" smtClean="0">
+              <a:rPr lang="en-US" altLang="zh-TW" sz="2400" b="1" dirty="0">
                 <a:solidFill>
                   <a:srgbClr val="FF0000"/>
                 </a:solidFill>
@@ -30663,7 +31002,7 @@
               <a:t>SCSI targets</a:t>
             </a:r>
             <a:r>
-              <a:rPr lang="en-US" altLang="zh-TW" sz="2400" dirty="0" smtClean="0">
+              <a:rPr lang="en-US" altLang="zh-TW" sz="2400" dirty="0">
                 <a:solidFill>
                   <a:srgbClr val="FF0000"/>
                 </a:solidFill>
@@ -30672,7 +31011,7 @@
               <a:t> </a:t>
             </a:r>
             <a:r>
-              <a:rPr lang="en-US" altLang="zh-TW" sz="2400" dirty="0" smtClean="0">
+              <a:rPr lang="en-US" altLang="zh-TW" sz="2400" dirty="0">
                 <a:ea typeface="新細明體" charset="-120"/>
               </a:rPr>
               <a:t>perform tasks </a:t>
@@ -30681,13 +31020,13 @@
           <a:p>
             <a:pPr lvl="1"/>
             <a:r>
-              <a:rPr lang="en-US" altLang="zh-TW" sz="2400" dirty="0" smtClean="0">
+              <a:rPr lang="en-US" altLang="zh-TW" sz="2400" dirty="0">
                 <a:ea typeface="新細明體" charset="-120"/>
               </a:rPr>
               <a:t>Each target can have up to </a:t>
             </a:r>
             <a:r>
-              <a:rPr lang="en-US" altLang="zh-TW" sz="2400" dirty="0" smtClean="0">
+              <a:rPr lang="en-US" altLang="zh-TW" sz="2400" dirty="0">
                 <a:solidFill>
                   <a:srgbClr val="FF0000"/>
                 </a:solidFill>
@@ -30696,7 +31035,7 @@
               <a:t>8 </a:t>
             </a:r>
             <a:r>
-              <a:rPr lang="en-US" altLang="zh-TW" sz="2400" b="1" dirty="0" smtClean="0">
+              <a:rPr lang="en-US" altLang="zh-TW" sz="2400" b="1" dirty="0">
                 <a:solidFill>
                   <a:srgbClr val="FF0000"/>
                 </a:solidFill>
@@ -30705,7 +31044,7 @@
               <a:t>logical units</a:t>
             </a:r>
             <a:r>
-              <a:rPr lang="en-US" altLang="zh-TW" sz="2400" dirty="0" smtClean="0">
+              <a:rPr lang="en-US" altLang="zh-TW" sz="2400" dirty="0">
                 <a:solidFill>
                   <a:srgbClr val="FF0000"/>
                 </a:solidFill>
@@ -30714,7 +31053,7 @@
               <a:t> </a:t>
             </a:r>
             <a:r>
-              <a:rPr lang="en-US" altLang="zh-TW" sz="2400" dirty="0" smtClean="0">
+              <a:rPr lang="en-US" altLang="zh-TW" sz="2400" dirty="0">
                 <a:ea typeface="新細明體" charset="-120"/>
               </a:rPr>
               <a:t>(disks attached to device controller)</a:t>
@@ -30722,7 +31061,7 @@
           </a:p>
           <a:p>
             <a:r>
-              <a:rPr lang="en-US" altLang="zh-TW" sz="2400" dirty="0" smtClean="0">
+              <a:rPr lang="en-US" altLang="zh-TW" sz="2400" dirty="0">
                 <a:ea typeface="新細明體" charset="-120"/>
               </a:rPr>
               <a:t>FC (Fiber Channel) is high-speed serial architecture</a:t>
@@ -30731,13 +31070,13 @@
           <a:p>
             <a:pPr lvl="1"/>
             <a:r>
-              <a:rPr lang="en-US" altLang="zh-TW" sz="2400" dirty="0" smtClean="0">
+              <a:rPr lang="en-US" altLang="zh-TW" sz="2400" dirty="0">
                 <a:ea typeface="新細明體" charset="-120"/>
               </a:rPr>
               <a:t>Can be </a:t>
             </a:r>
             <a:r>
-              <a:rPr lang="en-US" altLang="zh-TW" sz="2400" b="1" dirty="0" smtClean="0">
+              <a:rPr lang="en-US" altLang="zh-TW" sz="2400" b="1" dirty="0">
                 <a:solidFill>
                   <a:srgbClr val="FF0000"/>
                 </a:solidFill>
@@ -30746,13 +31085,13 @@
               <a:t>switched fabric </a:t>
             </a:r>
             <a:r>
-              <a:rPr lang="en-US" altLang="zh-TW" sz="2400" dirty="0" smtClean="0">
+              <a:rPr lang="en-US" altLang="zh-TW" sz="2400" dirty="0">
                 <a:ea typeface="新細明體" charset="-120"/>
               </a:rPr>
               <a:t>with 24-bit address space – the basis of </a:t>
             </a:r>
             <a:r>
-              <a:rPr lang="en-US" altLang="zh-TW" sz="2400" b="1" dirty="0" smtClean="0">
+              <a:rPr lang="en-US" altLang="zh-TW" sz="2400" b="1" dirty="0">
                 <a:solidFill>
                   <a:srgbClr val="FF0000"/>
                 </a:solidFill>
@@ -30761,7 +31100,7 @@
               <a:t>storage area networks (SANs)</a:t>
             </a:r>
             <a:r>
-              <a:rPr lang="en-US" altLang="zh-TW" sz="2400" dirty="0" smtClean="0">
+              <a:rPr lang="en-US" altLang="zh-TW" sz="2400" dirty="0">
                 <a:ea typeface="新細明體" charset="-120"/>
               </a:rPr>
               <a:t> in which many hosts attach to many storage units</a:t>
@@ -30770,13 +31109,13 @@
           <a:p>
             <a:pPr lvl="1"/>
             <a:r>
-              <a:rPr lang="en-US" altLang="zh-TW" sz="2400" dirty="0" smtClean="0">
+              <a:rPr lang="en-US" altLang="zh-TW" sz="2400" dirty="0">
                 <a:ea typeface="新細明體" charset="-120"/>
               </a:rPr>
               <a:t>Can </a:t>
             </a:r>
             <a:r>
-              <a:rPr lang="en-US" altLang="zh-TW" sz="2400" dirty="0" smtClean="0">
+              <a:rPr lang="en-US" altLang="zh-TW" sz="2400" dirty="0">
                 <a:solidFill>
                   <a:srgbClr val="FF0000"/>
                 </a:solidFill>
@@ -30785,7 +31124,7 @@
               <a:t>be </a:t>
             </a:r>
             <a:r>
-              <a:rPr lang="en-US" altLang="zh-TW" sz="2400" b="1" dirty="0" smtClean="0">
+              <a:rPr lang="en-US" altLang="zh-TW" sz="2400" b="1" dirty="0">
                 <a:solidFill>
                   <a:srgbClr val="FF0000"/>
                 </a:solidFill>
@@ -30794,7 +31133,7 @@
               <a:t>arbitrated loop</a:t>
             </a:r>
             <a:r>
-              <a:rPr lang="en-US" altLang="zh-TW" sz="2400" dirty="0" smtClean="0">
+              <a:rPr lang="en-US" altLang="zh-TW" sz="2400" dirty="0">
                 <a:solidFill>
                   <a:srgbClr val="FF0000"/>
                 </a:solidFill>
@@ -30803,7 +31142,7 @@
               <a:t> (</a:t>
             </a:r>
             <a:r>
-              <a:rPr lang="en-US" altLang="zh-TW" sz="2400" b="1" dirty="0" smtClean="0">
+              <a:rPr lang="en-US" altLang="zh-TW" sz="2400" b="1" dirty="0">
                 <a:solidFill>
                   <a:srgbClr val="FF0000"/>
                 </a:solidFill>
@@ -30812,7 +31151,7 @@
               <a:t>FC-AL</a:t>
             </a:r>
             <a:r>
-              <a:rPr lang="en-US" altLang="zh-TW" sz="2400" dirty="0" smtClean="0">
+              <a:rPr lang="en-US" altLang="zh-TW" sz="2400" dirty="0">
                 <a:solidFill>
                   <a:srgbClr val="FF0000"/>
                 </a:solidFill>
@@ -30821,7 +31160,7 @@
               <a:t>) </a:t>
             </a:r>
             <a:r>
-              <a:rPr lang="en-US" altLang="zh-TW" sz="2400" dirty="0" smtClean="0">
+              <a:rPr lang="en-US" altLang="zh-TW" sz="2400" dirty="0">
                 <a:ea typeface="新細明體" charset="-120"/>
               </a:rPr>
               <a:t>of 126 devices</a:t>

--- a/ch12.pptx
+++ b/ch12.pptx
@@ -1068,7 +1068,159 @@
           <a:lstStyle/>
           <a:p>
             <a:pPr eaLnBrk="1" hangingPunct="1"/>
-            <a:endParaRPr lang="zh-TW" altLang="zh-TW"/>
+            <a:r>
+              <a:rPr lang="en-US" altLang="zh-TW" dirty="0"/>
+              <a:t>storage </a:t>
+            </a:r>
+            <a:r>
+              <a:rPr lang="zh-TW" altLang="en-US" dirty="0"/>
+              <a:t>不是直接跟電腦接  是透過網路                          </a:t>
+            </a:r>
+            <a:r>
+              <a:rPr lang="zh-TW" altLang="en-US" sz="1200" b="0" i="0" kern="1200" dirty="0">
+                <a:solidFill>
+                  <a:schemeClr val="tx1"/>
+                </a:solidFill>
+                <a:effectLst/>
+                <a:latin typeface="Times New Roman" charset="0"/>
+                <a:ea typeface="MS PGothic" pitchFamily="34" charset="-128"/>
+                <a:cs typeface="ＭＳ Ｐゴシック" charset="-128"/>
+              </a:rPr>
+              <a:t>網路文件共享系統</a:t>
+            </a:r>
+            <a:r>
+              <a:rPr lang="en-US" altLang="zh-TW" sz="1200" b="0" i="0" kern="1200" dirty="0">
+                <a:solidFill>
+                  <a:schemeClr val="tx1"/>
+                </a:solidFill>
+                <a:effectLst/>
+                <a:latin typeface="Times New Roman" charset="0"/>
+                <a:ea typeface="MS PGothic" pitchFamily="34" charset="-128"/>
+                <a:cs typeface="ＭＳ Ｐゴシック" charset="-128"/>
+              </a:rPr>
+              <a:t>(</a:t>
+            </a:r>
+            <a:r>
+              <a:rPr lang="en-US" sz="1200" b="0" i="0" kern="1200" dirty="0">
+                <a:solidFill>
+                  <a:schemeClr val="tx1"/>
+                </a:solidFill>
+                <a:effectLst/>
+                <a:latin typeface="Times New Roman" charset="0"/>
+                <a:ea typeface="MS PGothic" pitchFamily="34" charset="-128"/>
+                <a:cs typeface="ＭＳ Ｐゴシック" charset="-128"/>
+              </a:rPr>
+              <a:t>Common Internet File </a:t>
+            </a:r>
+            <a:r>
+              <a:rPr lang="en-US" sz="1200" b="0" i="0" kern="1200" dirty="0" err="1">
+                <a:solidFill>
+                  <a:schemeClr val="tx1"/>
+                </a:solidFill>
+                <a:effectLst/>
+                <a:latin typeface="Times New Roman" charset="0"/>
+                <a:ea typeface="MS PGothic" pitchFamily="34" charset="-128"/>
+                <a:cs typeface="ＭＳ Ｐゴシック" charset="-128"/>
+              </a:rPr>
+              <a:t>System；CIFS</a:t>
+            </a:r>
+            <a:r>
+              <a:rPr lang="en-US" sz="1200" b="0" i="0" kern="1200" dirty="0">
+                <a:solidFill>
+                  <a:schemeClr val="tx1"/>
+                </a:solidFill>
+                <a:effectLst/>
+                <a:latin typeface="Times New Roman" charset="0"/>
+                <a:ea typeface="MS PGothic" pitchFamily="34" charset="-128"/>
+                <a:cs typeface="ＭＳ Ｐゴシック" charset="-128"/>
+              </a:rPr>
+              <a:t>)</a:t>
+            </a:r>
+            <a:r>
+              <a:rPr lang="zh-TW" altLang="en-US" sz="1200" b="0" i="0" kern="1200" dirty="0">
+                <a:solidFill>
+                  <a:schemeClr val="tx1"/>
+                </a:solidFill>
+                <a:effectLst/>
+                <a:latin typeface="Times New Roman" charset="0"/>
+                <a:ea typeface="MS PGothic" pitchFamily="34" charset="-128"/>
+                <a:cs typeface="ＭＳ Ｐゴシック" charset="-128"/>
+              </a:rPr>
+              <a:t>原先被稱為伺服器訊息區塊</a:t>
+            </a:r>
+            <a:r>
+              <a:rPr lang="en-US" altLang="zh-TW" sz="1200" b="0" i="0" kern="1200" dirty="0">
+                <a:solidFill>
+                  <a:schemeClr val="tx1"/>
+                </a:solidFill>
+                <a:effectLst/>
+                <a:latin typeface="Times New Roman" charset="0"/>
+                <a:ea typeface="MS PGothic" pitchFamily="34" charset="-128"/>
+                <a:cs typeface="ＭＳ Ｐゴシック" charset="-128"/>
+              </a:rPr>
+              <a:t>(</a:t>
+            </a:r>
+            <a:r>
+              <a:rPr lang="en-US" sz="1200" b="0" i="0" kern="1200" dirty="0">
+                <a:solidFill>
+                  <a:schemeClr val="tx1"/>
+                </a:solidFill>
+                <a:effectLst/>
+                <a:latin typeface="Times New Roman" charset="0"/>
+                <a:ea typeface="MS PGothic" pitchFamily="34" charset="-128"/>
+                <a:cs typeface="ＭＳ Ｐゴシック" charset="-128"/>
+              </a:rPr>
+              <a:t>Server Message </a:t>
+            </a:r>
+            <a:r>
+              <a:rPr lang="en-US" sz="1200" b="0" i="0" kern="1200" dirty="0" err="1">
+                <a:solidFill>
+                  <a:schemeClr val="tx1"/>
+                </a:solidFill>
+                <a:effectLst/>
+                <a:latin typeface="Times New Roman" charset="0"/>
+                <a:ea typeface="MS PGothic" pitchFamily="34" charset="-128"/>
+                <a:cs typeface="ＭＳ Ｐゴシック" charset="-128"/>
+              </a:rPr>
+              <a:t>Block；SMB</a:t>
+            </a:r>
+            <a:r>
+              <a:rPr lang="en-US" sz="1200" b="0" i="0" kern="1200" dirty="0">
+                <a:solidFill>
+                  <a:schemeClr val="tx1"/>
+                </a:solidFill>
+                <a:effectLst/>
+                <a:latin typeface="Times New Roman" charset="0"/>
+                <a:ea typeface="MS PGothic" pitchFamily="34" charset="-128"/>
+                <a:cs typeface="ＭＳ Ｐゴシック" charset="-128"/>
+              </a:rPr>
+              <a:t>)，</a:t>
+            </a:r>
+            <a:r>
+              <a:rPr lang="en-US" altLang="zh-TW" sz="1200" b="0" i="0" kern="1200" dirty="0">
+                <a:solidFill>
+                  <a:schemeClr val="tx1"/>
+                </a:solidFill>
+                <a:effectLst/>
+                <a:latin typeface="Times New Roman" charset="0"/>
+                <a:ea typeface="MS PGothic" pitchFamily="34" charset="-128"/>
+                <a:cs typeface="ＭＳ Ｐゴシック" charset="-128"/>
+              </a:rPr>
+              <a:t>Windows</a:t>
+            </a:r>
+            <a:r>
+              <a:rPr lang="zh-TW" altLang="en-US" sz="1200" b="0" i="0" kern="1200" dirty="0">
+                <a:solidFill>
+                  <a:schemeClr val="tx1"/>
+                </a:solidFill>
+                <a:effectLst/>
+                <a:latin typeface="Times New Roman" charset="0"/>
+                <a:ea typeface="MS PGothic" pitchFamily="34" charset="-128"/>
+                <a:cs typeface="ＭＳ Ｐゴシック" charset="-128"/>
+              </a:rPr>
+              <a:t>上的</a:t>
+            </a:r>
+            <a:endParaRPr lang="zh-TW" altLang="zh-TW" dirty="0"/>
           </a:p>
         </p:txBody>
       </p:sp>
@@ -1156,7 +1308,63 @@
           <a:lstStyle/>
           <a:p>
             <a:pPr eaLnBrk="1" hangingPunct="1"/>
-            <a:endParaRPr lang="zh-TW" altLang="zh-TW"/>
+            <a:r>
+              <a:rPr lang="zh-TW" altLang="en-US" dirty="0"/>
+              <a:t>例如</a:t>
+            </a:r>
+            <a:r>
+              <a:rPr lang="en-US" altLang="zh-TW" dirty="0" err="1"/>
+              <a:t>dropbox</a:t>
+            </a:r>
+            <a:r>
+              <a:rPr lang="zh-TW" altLang="en-US" dirty="0"/>
+              <a:t>可能會用到    </a:t>
+            </a:r>
+            <a:r>
+              <a:rPr lang="en-US" altLang="zh-TW" dirty="0"/>
+              <a:t>SAN</a:t>
+            </a:r>
+            <a:r>
+              <a:rPr lang="zh-TW" altLang="en-US" dirty="0"/>
+              <a:t>也是</a:t>
+            </a:r>
+            <a:r>
+              <a:rPr lang="en-US" altLang="zh-TW" dirty="0"/>
+              <a:t>storage+</a:t>
+            </a:r>
+            <a:r>
+              <a:rPr lang="zh-TW" altLang="en-US" dirty="0"/>
+              <a:t>網路  但是比</a:t>
+            </a:r>
+            <a:r>
+              <a:rPr lang="en-US" altLang="zh-TW" dirty="0"/>
+              <a:t>NAS</a:t>
+            </a:r>
+            <a:r>
+              <a:rPr lang="zh-TW" altLang="en-US" dirty="0"/>
+              <a:t>規模更大     </a:t>
+            </a:r>
+            <a:r>
+              <a:rPr lang="en-US" altLang="zh-TW" dirty="0"/>
+              <a:t>storage array </a:t>
+            </a:r>
+            <a:r>
+              <a:rPr lang="zh-TW" altLang="en-US" dirty="0"/>
+              <a:t>例如</a:t>
+            </a:r>
+            <a:r>
+              <a:rPr lang="en-US" altLang="zh-TW" dirty="0"/>
+              <a:t>RAID</a:t>
+            </a:r>
+            <a:r>
+              <a:rPr lang="zh-TW" altLang="en-US" dirty="0"/>
+              <a:t>    </a:t>
+            </a:r>
+            <a:r>
+              <a:rPr lang="en-US" altLang="zh-TW" dirty="0"/>
+              <a:t>12-2</a:t>
+            </a:r>
+            <a:endParaRPr lang="zh-TW" altLang="zh-TW" dirty="0"/>
           </a:p>
         </p:txBody>
       </p:sp>
@@ -1332,7 +1540,11 @@
           <a:lstStyle/>
           <a:p>
             <a:pPr eaLnBrk="1" hangingPunct="1"/>
-            <a:endParaRPr lang="zh-TW" altLang="zh-TW"/>
+            <a:r>
+              <a:rPr lang="en-US" altLang="zh-TW" dirty="0"/>
+              <a:t>12-3</a:t>
+            </a:r>
+            <a:endParaRPr lang="zh-TW" altLang="zh-TW" dirty="0"/>
           </a:p>
         </p:txBody>
       </p:sp>
@@ -2212,7 +2424,31 @@
           <a:lstStyle/>
           <a:p>
             <a:pPr eaLnBrk="1" hangingPunct="1"/>
-            <a:endParaRPr lang="zh-TW" altLang="zh-TW"/>
+            <a:r>
+              <a:rPr lang="zh-TW" altLang="en-US" dirty="0"/>
+              <a:t>往右其實只到</a:t>
+            </a:r>
+            <a:r>
+              <a:rPr lang="en-US" altLang="zh-TW" dirty="0"/>
+              <a:t>183</a:t>
+            </a:r>
+            <a:r>
+              <a:rPr lang="zh-TW" altLang="en-US" dirty="0"/>
+              <a:t>就夠  不用到底</a:t>
+            </a:r>
+            <a:r>
+              <a:rPr lang="en-US" altLang="zh-TW" dirty="0"/>
+              <a:t>199</a:t>
+            </a:r>
+            <a:r>
+              <a:rPr lang="zh-TW" altLang="en-US" dirty="0"/>
+              <a:t>  所以改良版</a:t>
+            </a:r>
+            <a:r>
+              <a:rPr lang="en-US" altLang="zh-TW" dirty="0" err="1"/>
+              <a:t>CLook</a:t>
+            </a:r>
+            <a:endParaRPr lang="zh-TW" altLang="zh-TW" dirty="0"/>
           </a:p>
         </p:txBody>
       </p:sp>
@@ -2300,7 +2536,11 @@
           <a:lstStyle/>
           <a:p>
             <a:pPr eaLnBrk="1" hangingPunct="1"/>
-            <a:endParaRPr lang="zh-TW" altLang="zh-TW"/>
+            <a:r>
+              <a:rPr lang="en-US" altLang="zh-TW" dirty="0"/>
+              <a:t>12-4 end</a:t>
+            </a:r>
+            <a:endParaRPr lang="zh-TW" altLang="zh-TW" dirty="0"/>
           </a:p>
         </p:txBody>
       </p:sp>
@@ -2476,7 +2716,191 @@
           <a:lstStyle/>
           <a:p>
             <a:pPr eaLnBrk="1" hangingPunct="1"/>
-            <a:endParaRPr lang="zh-TW" altLang="zh-TW"/>
+            <a:r>
+              <a:rPr lang="zh-TW" altLang="en-US" dirty="0"/>
+              <a:t>電腦開機後  到</a:t>
+            </a:r>
+            <a:r>
+              <a:rPr lang="en-US" altLang="zh-TW" dirty="0"/>
+              <a:t>ROM</a:t>
+            </a:r>
+            <a:r>
+              <a:rPr lang="zh-TW" altLang="en-US" dirty="0"/>
+              <a:t>執行</a:t>
+            </a:r>
+            <a:r>
+              <a:rPr lang="en-US" altLang="zh-TW" dirty="0" err="1"/>
+              <a:t>boostrap</a:t>
+            </a:r>
+            <a:r>
+              <a:rPr lang="en-US" altLang="zh-TW" dirty="0"/>
+              <a:t>  </a:t>
+            </a:r>
+            <a:r>
+              <a:rPr lang="zh-TW" altLang="en-US" dirty="0"/>
+              <a:t>會到</a:t>
+            </a:r>
+            <a:r>
+              <a:rPr lang="en-US" altLang="zh-TW" dirty="0"/>
+              <a:t>disk</a:t>
+            </a:r>
+            <a:r>
+              <a:rPr lang="zh-TW" altLang="en-US" dirty="0"/>
+              <a:t>的</a:t>
+            </a:r>
+            <a:r>
+              <a:rPr lang="en-US" altLang="zh-TW" dirty="0"/>
+              <a:t>MBR</a:t>
+            </a:r>
+            <a:r>
+              <a:rPr lang="zh-TW" altLang="en-US" dirty="0"/>
+              <a:t> </a:t>
+            </a:r>
+            <a:r>
+              <a:rPr lang="en-US" altLang="zh-TW" dirty="0">
+                <a:solidFill>
+                  <a:srgbClr val="FF0000"/>
+                </a:solidFill>
+              </a:rPr>
+              <a:t>Master boot record</a:t>
+            </a:r>
+            <a:r>
+              <a:rPr lang="zh-TW" altLang="en-US" dirty="0">
+                <a:solidFill>
+                  <a:srgbClr val="FF0000"/>
+                </a:solidFill>
+              </a:rPr>
+              <a:t>   內有</a:t>
+            </a:r>
+            <a:r>
+              <a:rPr lang="en-US" altLang="zh-TW" dirty="0">
+                <a:solidFill>
+                  <a:srgbClr val="FF0000"/>
+                </a:solidFill>
+              </a:rPr>
+              <a:t>b cod  p table  </a:t>
+            </a:r>
+            <a:r>
+              <a:rPr lang="zh-TW" altLang="en-US" dirty="0">
+                <a:solidFill>
+                  <a:srgbClr val="FF0000"/>
+                </a:solidFill>
+              </a:rPr>
+              <a:t>然後到</a:t>
+            </a:r>
+            <a:r>
+              <a:rPr lang="en-US" altLang="zh-TW" dirty="0">
+                <a:solidFill>
+                  <a:srgbClr val="FF0000"/>
+                </a:solidFill>
+              </a:rPr>
+              <a:t>boot</a:t>
+            </a:r>
+            <a:r>
+              <a:rPr lang="zh-TW" altLang="en-US" dirty="0">
+                <a:solidFill>
+                  <a:srgbClr val="FF0000"/>
+                </a:solidFill>
+              </a:rPr>
+              <a:t>所在的</a:t>
+            </a:r>
+            <a:r>
+              <a:rPr lang="en-US" altLang="zh-TW" dirty="0">
+                <a:solidFill>
+                  <a:srgbClr val="FF0000"/>
+                </a:solidFill>
+              </a:rPr>
+              <a:t>part</a:t>
+            </a:r>
+            <a:r>
+              <a:rPr lang="zh-TW" altLang="en-US" dirty="0">
+                <a:solidFill>
+                  <a:srgbClr val="FF0000"/>
+                </a:solidFill>
+              </a:rPr>
+              <a:t> 將</a:t>
+            </a:r>
+            <a:r>
+              <a:rPr lang="en-US" altLang="zh-TW" dirty="0">
+                <a:solidFill>
+                  <a:srgbClr val="FF0000"/>
+                </a:solidFill>
+              </a:rPr>
+              <a:t>boot </a:t>
+            </a:r>
+            <a:r>
+              <a:rPr lang="zh-TW" altLang="en-US" dirty="0">
+                <a:solidFill>
+                  <a:srgbClr val="FF0000"/>
+                </a:solidFill>
+              </a:rPr>
+              <a:t>載入到</a:t>
+            </a:r>
+            <a:r>
+              <a:rPr lang="en-US" altLang="zh-TW" dirty="0">
+                <a:solidFill>
+                  <a:srgbClr val="FF0000"/>
+                </a:solidFill>
+              </a:rPr>
+              <a:t>mem</a:t>
+            </a:r>
+            <a:r>
+              <a:rPr lang="zh-TW" altLang="en-US" dirty="0">
+                <a:solidFill>
+                  <a:srgbClr val="FF0000"/>
+                </a:solidFill>
+              </a:rPr>
+              <a:t>執行  就會把</a:t>
+            </a:r>
+            <a:r>
+              <a:rPr lang="en-US" altLang="zh-TW" dirty="0">
+                <a:solidFill>
+                  <a:srgbClr val="FF0000"/>
+                </a:solidFill>
+              </a:rPr>
+              <a:t>OS</a:t>
+            </a:r>
+            <a:r>
+              <a:rPr lang="zh-TW" altLang="en-US" dirty="0">
+                <a:solidFill>
+                  <a:srgbClr val="FF0000"/>
+                </a:solidFill>
+              </a:rPr>
+              <a:t>下載到</a:t>
+            </a:r>
+            <a:r>
+              <a:rPr lang="en-US" altLang="zh-TW" dirty="0">
+                <a:solidFill>
+                  <a:srgbClr val="FF0000"/>
+                </a:solidFill>
+              </a:rPr>
+              <a:t>boot partition                    </a:t>
+            </a:r>
+            <a:r>
+              <a:rPr lang="en-US" sz="1200" b="0" i="0" kern="1200" dirty="0">
+                <a:solidFill>
+                  <a:schemeClr val="tx1"/>
+                </a:solidFill>
+                <a:effectLst/>
+                <a:latin typeface="Times New Roman" charset="0"/>
+                <a:ea typeface="MS PGothic" pitchFamily="34" charset="-128"/>
+                <a:cs typeface="ＭＳ Ｐゴシック" charset="-128"/>
+              </a:rPr>
+              <a:t>boot</a:t>
+            </a:r>
+            <a:r>
+              <a:rPr lang="zh-TW" altLang="en-US" sz="1200" b="0" i="0" kern="1200" dirty="0">
+                <a:solidFill>
+                  <a:schemeClr val="tx1"/>
+                </a:solidFill>
+                <a:effectLst/>
+                <a:latin typeface="Times New Roman" charset="0"/>
+                <a:ea typeface="MS PGothic" pitchFamily="34" charset="-128"/>
+                <a:cs typeface="ＭＳ Ｐゴシック" charset="-128"/>
+              </a:rPr>
+              <a:t> 短靴</a:t>
+            </a:r>
+            <a:endParaRPr lang="zh-TW" altLang="zh-TW" dirty="0"/>
           </a:p>
         </p:txBody>
       </p:sp>
@@ -2652,7 +3076,22 @@
           <a:lstStyle/>
           <a:p>
             <a:pPr eaLnBrk="1" hangingPunct="1"/>
-            <a:endParaRPr lang="zh-TW" altLang="zh-TW"/>
+            <a:r>
+              <a:rPr lang="zh-TW" altLang="en-US" dirty="0"/>
+              <a:t>長方形是</a:t>
+            </a:r>
+            <a:r>
+              <a:rPr lang="en-US" altLang="zh-TW" dirty="0"/>
+              <a:t>swap area    </a:t>
+            </a:r>
+            <a:r>
+              <a:rPr lang="zh-TW" altLang="en-US" dirty="0"/>
+              <a:t>灰可用  藍被使用     </a:t>
+            </a:r>
+            <a:r>
+              <a:rPr lang="en-US" altLang="zh-TW" dirty="0"/>
+              <a:t>12-5 end</a:t>
+            </a:r>
           </a:p>
         </p:txBody>
       </p:sp>
@@ -3092,7 +3531,19 @@
           <a:lstStyle/>
           <a:p>
             <a:pPr eaLnBrk="1" hangingPunct="1"/>
-            <a:endParaRPr lang="zh-TW" altLang="zh-TW"/>
+            <a:r>
+              <a:rPr lang="en-US" altLang="zh-TW" dirty="0"/>
+              <a:t>RAID 2 </a:t>
+            </a:r>
+            <a:r>
+              <a:rPr lang="zh-TW" altLang="en-US" dirty="0"/>
+              <a:t>用</a:t>
+            </a:r>
+            <a:r>
+              <a:rPr lang="en-US" altLang="zh-TW" dirty="0"/>
+              <a:t>mem  parity</a:t>
+            </a:r>
+            <a:endParaRPr lang="zh-TW" altLang="zh-TW" dirty="0"/>
           </a:p>
         </p:txBody>
       </p:sp>
@@ -3202,7 +3653,103 @@
                 <a:ea typeface="MS PGothic" pitchFamily="34" charset="-128"/>
                 <a:cs typeface="ＭＳ Ｐゴシック" charset="-128"/>
               </a:rPr>
-              <a:t>插空白頁於書頁間；插入，插</a:t>
+              <a:t>插空白頁於書頁間；插入，插         </a:t>
+            </a:r>
+            <a:r>
+              <a:rPr lang="en-US" altLang="zh-TW" sz="1200" b="0" i="0" kern="1200" dirty="0">
+                <a:solidFill>
+                  <a:schemeClr val="tx1"/>
+                </a:solidFill>
+                <a:effectLst/>
+                <a:latin typeface="Times New Roman" charset="0"/>
+                <a:ea typeface="MS PGothic" pitchFamily="34" charset="-128"/>
+                <a:cs typeface="ＭＳ Ｐゴシック" charset="-128"/>
+              </a:rPr>
+              <a:t>RAID 3 </a:t>
+            </a:r>
+            <a:r>
+              <a:rPr lang="zh-TW" altLang="en-US" sz="1200" b="0" i="0" kern="1200" dirty="0">
+                <a:solidFill>
+                  <a:schemeClr val="tx1"/>
+                </a:solidFill>
+                <a:effectLst/>
+                <a:latin typeface="Times New Roman" charset="0"/>
+                <a:ea typeface="MS PGothic" pitchFamily="34" charset="-128"/>
+                <a:cs typeface="ＭＳ Ｐゴシック" charset="-128"/>
+              </a:rPr>
+              <a:t>用 </a:t>
+            </a:r>
+            <a:r>
+              <a:rPr lang="en-US" altLang="zh-TW" sz="1200" b="0" i="0" kern="1200" dirty="0">
+                <a:solidFill>
+                  <a:schemeClr val="tx1"/>
+                </a:solidFill>
+                <a:effectLst/>
+                <a:latin typeface="Times New Roman" charset="0"/>
+                <a:ea typeface="MS PGothic" pitchFamily="34" charset="-128"/>
+                <a:cs typeface="ＭＳ Ｐゴシック" charset="-128"/>
+              </a:rPr>
+              <a:t>disk controller </a:t>
+            </a:r>
+            <a:r>
+              <a:rPr lang="zh-TW" altLang="en-US" sz="1200" b="0" i="0" kern="1200" dirty="0">
+                <a:solidFill>
+                  <a:schemeClr val="tx1"/>
+                </a:solidFill>
+                <a:effectLst/>
+                <a:latin typeface="Times New Roman" charset="0"/>
+                <a:ea typeface="MS PGothic" pitchFamily="34" charset="-128"/>
+                <a:cs typeface="ＭＳ Ｐゴシック" charset="-128"/>
+              </a:rPr>
+              <a:t>讀的時候就能判斷對錯  所以</a:t>
+            </a:r>
+            <a:r>
+              <a:rPr lang="en-US" altLang="zh-TW" sz="1200" b="0" i="0" kern="1200" dirty="0">
+                <a:solidFill>
+                  <a:schemeClr val="tx1"/>
+                </a:solidFill>
+                <a:effectLst/>
+                <a:latin typeface="Times New Roman" charset="0"/>
+                <a:ea typeface="MS PGothic" pitchFamily="34" charset="-128"/>
+                <a:cs typeface="ＭＳ Ｐゴシック" charset="-128"/>
+              </a:rPr>
+              <a:t>mem</a:t>
+            </a:r>
+            <a:r>
+              <a:rPr lang="zh-TW" altLang="en-US" sz="1200" b="0" i="0" kern="1200" dirty="0">
+                <a:solidFill>
+                  <a:schemeClr val="tx1"/>
+                </a:solidFill>
+                <a:effectLst/>
+                <a:latin typeface="Times New Roman" charset="0"/>
+                <a:ea typeface="MS PGothic" pitchFamily="34" charset="-128"/>
+                <a:cs typeface="ＭＳ Ｐゴシック" charset="-128"/>
+              </a:rPr>
+              <a:t>不用用那麼多</a:t>
+            </a:r>
+            <a:r>
+              <a:rPr lang="en-US" altLang="zh-TW" sz="1200" b="0" i="0" kern="1200" dirty="0">
+                <a:solidFill>
+                  <a:schemeClr val="tx1"/>
+                </a:solidFill>
+                <a:effectLst/>
+                <a:latin typeface="Times New Roman" charset="0"/>
+                <a:ea typeface="MS PGothic" pitchFamily="34" charset="-128"/>
+                <a:cs typeface="ＭＳ Ｐゴシック" charset="-128"/>
+              </a:rPr>
+              <a:t>  parity</a:t>
+            </a:r>
+            <a:r>
+              <a:rPr lang="zh-TW" altLang="en-US" sz="1200" b="0" i="0" kern="1200" dirty="0">
+                <a:solidFill>
+                  <a:schemeClr val="tx1"/>
+                </a:solidFill>
+                <a:effectLst/>
+                <a:latin typeface="Times New Roman" charset="0"/>
+                <a:ea typeface="MS PGothic" pitchFamily="34" charset="-128"/>
+                <a:cs typeface="ＭＳ Ｐゴシック" charset="-128"/>
+              </a:rPr>
+              <a:t>也可以減少量    </a:t>
             </a:r>
             <a:endParaRPr lang="zh-TW" altLang="zh-TW" dirty="0"/>
           </a:p>
@@ -3292,7 +3839,23 @@
           <a:lstStyle/>
           <a:p>
             <a:pPr eaLnBrk="1" hangingPunct="1"/>
-            <a:endParaRPr lang="zh-TW" altLang="zh-TW"/>
+            <a:r>
+              <a:rPr lang="en-US" altLang="zh-TW" dirty="0"/>
+              <a:t>RAID 3 bit level   RAID</a:t>
+            </a:r>
+            <a:r>
+              <a:rPr lang="zh-TW" altLang="en-US" dirty="0"/>
+              <a:t> </a:t>
+            </a:r>
+            <a:r>
+              <a:rPr lang="en-US" altLang="zh-TW" dirty="0"/>
+              <a:t>4  </a:t>
+            </a:r>
+            <a:r>
+              <a:rPr lang="en-US" altLang="zh-TW"/>
+              <a:t>block level</a:t>
+            </a:r>
+            <a:endParaRPr lang="zh-TW" altLang="zh-TW" dirty="0"/>
           </a:p>
         </p:txBody>
       </p:sp>
@@ -4636,56 +5199,21 @@
           <a:bodyPr/>
           <a:lstStyle/>
           <a:p>
-            <a:pPr eaLnBrk="1" hangingPunct="1"/>
-            <a:r>
-              <a:rPr lang="en-US" sz="1200" b="0" i="0" kern="1200" dirty="0">
+            <a:r>
+              <a:rPr lang="en-US" altLang="zh-TW" sz="1200" b="1" dirty="0">
                 <a:solidFill>
-                  <a:schemeClr val="tx1"/>
+                  <a:srgbClr val="FF0000"/>
                 </a:solidFill>
-                <a:effectLst/>
-                <a:latin typeface="Times New Roman" charset="0"/>
-                <a:ea typeface="MS PGothic" pitchFamily="34" charset="-128"/>
-                <a:cs typeface="ＭＳ Ｐゴシック" charset="-128"/>
-              </a:rPr>
-              <a:t>Hardware Security Module, HSM</a:t>
-            </a:r>
-            <a:r>
-              <a:rPr lang="zh-TW" altLang="en-US" sz="1200" b="0" i="0" kern="1200" dirty="0">
-                <a:solidFill>
-                  <a:schemeClr val="tx1"/>
-                </a:solidFill>
-                <a:effectLst/>
-                <a:latin typeface="Times New Roman" charset="0"/>
-                <a:ea typeface="MS PGothic" pitchFamily="34" charset="-128"/>
-                <a:cs typeface="ＭＳ Ｐゴシック" charset="-128"/>
-              </a:rPr>
-              <a:t>           許多</a:t>
-            </a:r>
-            <a:r>
-              <a:rPr lang="en-US" altLang="zh-TW" sz="1200" b="0" i="0" kern="1200" dirty="0">
-                <a:solidFill>
-                  <a:schemeClr val="tx1"/>
-                </a:solidFill>
-                <a:effectLst/>
-                <a:latin typeface="Times New Roman" charset="0"/>
-                <a:ea typeface="MS PGothic" pitchFamily="34" charset="-128"/>
-                <a:cs typeface="ＭＳ Ｐゴシック" charset="-128"/>
+                <a:ea typeface="新細明體" charset="-120"/>
               </a:rPr>
               <a:t>HSM</a:t>
             </a:r>
             <a:r>
-              <a:rPr lang="zh-TW" altLang="en-US" sz="1200" b="0" i="0" kern="1200" dirty="0">
-                <a:solidFill>
-                  <a:schemeClr val="tx1"/>
-                </a:solidFill>
-                <a:effectLst/>
-                <a:latin typeface="Times New Roman" charset="0"/>
-                <a:ea typeface="MS PGothic" pitchFamily="34" charset="-128"/>
-                <a:cs typeface="ＭＳ Ｐゴシック" charset="-128"/>
-              </a:rPr>
-              <a:t>系統提供安全備份外部金鑰的機制。金鑰可以以封包形式備份並儲存在電腦磁碟或其他媒介上，或安全的可攜式裝置（如智慧卡或</a:t>
-            </a:r>
-            <a:endParaRPr lang="zh-TW" altLang="zh-TW" dirty="0"/>
+              <a:rPr lang="en-US" altLang="zh-TW" sz="1200" dirty="0">
+                <a:ea typeface="新細明體" charset="-120"/>
+              </a:rPr>
+              <a:t> (Hierarchical Storage Management )</a:t>
+            </a:r>
           </a:p>
         </p:txBody>
       </p:sp>
@@ -4955,7 +5483,47 @@
             </a:r>
             <a:r>
               <a:rPr lang="zh-TW" altLang="en-US" dirty="0"/>
-              <a:t>轉盤</a:t>
+              <a:t>轉盤    </a:t>
+            </a:r>
+            <a:r>
+              <a:rPr lang="en-US" altLang="zh-TW" dirty="0"/>
+              <a:t>head</a:t>
+            </a:r>
+            <a:r>
+              <a:rPr lang="zh-TW" altLang="en-US" dirty="0"/>
+              <a:t>磁頭     </a:t>
+            </a:r>
+            <a:r>
+              <a:rPr lang="en-US" altLang="zh-TW" dirty="0"/>
+              <a:t>disk</a:t>
+            </a:r>
+            <a:r>
+              <a:rPr lang="zh-TW" altLang="en-US" dirty="0"/>
+              <a:t>讀取是以</a:t>
+            </a:r>
+            <a:r>
+              <a:rPr lang="en-US" altLang="zh-TW" dirty="0"/>
+              <a:t>sector</a:t>
+            </a:r>
+            <a:r>
+              <a:rPr lang="zh-TW" altLang="en-US" dirty="0"/>
+              <a:t>為主體</a:t>
+            </a:r>
+            <a:r>
+              <a:rPr lang="en-US" altLang="zh-TW" dirty="0"/>
+              <a:t>    track</a:t>
+            </a:r>
+            <a:r>
+              <a:rPr lang="zh-TW" altLang="en-US" dirty="0"/>
+              <a:t>好像是一整圈    </a:t>
+            </a:r>
+            <a:r>
+              <a:rPr lang="en-US" altLang="zh-TW" dirty="0"/>
+              <a:t>sector</a:t>
+            </a:r>
+            <a:r>
+              <a:rPr lang="zh-TW" altLang="en-US" dirty="0"/>
+              <a:t>是一整圈上面的一小塊</a:t>
             </a:r>
             <a:endParaRPr lang="zh-TW" altLang="zh-TW" dirty="0"/>
           </a:p>
@@ -5485,7 +6053,7 @@
           <a:lstStyle/>
           <a:p>
             <a:pPr eaLnBrk="1" hangingPunct="1"/>
-            <a:endParaRPr lang="zh-TW" altLang="zh-TW"/>
+            <a:endParaRPr lang="zh-TW" altLang="zh-TW" dirty="0"/>
           </a:p>
         </p:txBody>
       </p:sp>
@@ -5661,7 +6229,7 @@
           <a:lstStyle/>
           <a:p>
             <a:pPr eaLnBrk="1" hangingPunct="1"/>
-            <a:endParaRPr lang="zh-TW" altLang="zh-TW"/>
+            <a:endParaRPr lang="zh-TW" altLang="zh-TW" dirty="0"/>
           </a:p>
         </p:txBody>
       </p:sp>
@@ -5749,7 +6317,59 @@
           <a:lstStyle/>
           <a:p>
             <a:pPr eaLnBrk="1" hangingPunct="1"/>
-            <a:endParaRPr lang="zh-TW" altLang="zh-TW"/>
+            <a:r>
+              <a:rPr lang="zh-TW" altLang="en-US" dirty="0"/>
+              <a:t>把整個磁碟編成一個</a:t>
+            </a:r>
+            <a:r>
+              <a:rPr lang="en-US" altLang="zh-TW" dirty="0"/>
+              <a:t>1 dim </a:t>
+            </a:r>
+            <a:r>
+              <a:rPr lang="en-US" altLang="zh-TW" dirty="0" err="1"/>
+              <a:t>arr</a:t>
+            </a:r>
+            <a:r>
+              <a:rPr lang="en-US" altLang="zh-TW" dirty="0"/>
+              <a:t>    </a:t>
+            </a:r>
+            <a:r>
+              <a:rPr lang="zh-TW" altLang="en-US" dirty="0"/>
+              <a:t>從整個立體</a:t>
+            </a:r>
+            <a:r>
+              <a:rPr lang="en-US" altLang="zh-TW" dirty="0"/>
+              <a:t>cylinder</a:t>
+            </a:r>
+            <a:r>
+              <a:rPr lang="zh-TW" altLang="en-US" dirty="0"/>
+              <a:t>最外圈的</a:t>
+            </a:r>
+            <a:r>
+              <a:rPr lang="en-US" altLang="zh-TW" dirty="0"/>
+              <a:t>track</a:t>
+            </a:r>
+            <a:r>
+              <a:rPr lang="zh-TW" altLang="en-US" dirty="0"/>
+              <a:t>裡面的每個</a:t>
+            </a:r>
+            <a:r>
+              <a:rPr lang="en-US" altLang="zh-TW" dirty="0"/>
+              <a:t>sector  </a:t>
+            </a:r>
+            <a:r>
+              <a:rPr lang="zh-TW" altLang="en-US" dirty="0"/>
+              <a:t>往內層的</a:t>
+            </a:r>
+            <a:r>
+              <a:rPr lang="en-US" altLang="zh-TW" dirty="0"/>
+              <a:t>track</a:t>
+            </a:r>
+            <a:r>
+              <a:rPr lang="zh-TW" altLang="en-US" dirty="0"/>
+              <a:t>逐一編</a:t>
+            </a:r>
+            <a:endParaRPr lang="zh-TW" altLang="zh-TW" dirty="0"/>
           </a:p>
         </p:txBody>
       </p:sp>
@@ -5837,7 +6457,26 @@
           <a:lstStyle/>
           <a:p>
             <a:pPr eaLnBrk="1" hangingPunct="1"/>
-            <a:endParaRPr lang="zh-TW" altLang="zh-TW"/>
+            <a:r>
+              <a:rPr lang="en-US" dirty="0">
+                <a:solidFill>
+                  <a:schemeClr val="tx1"/>
+                </a:solidFill>
+                <a:hlinkClick r:id="rId3">
+                  <a:extLst>
+                    <a:ext uri="{A12FA001-AC4F-418D-AE19-62706E023703}">
+                      <ahyp:hlinkClr xmlns:ahyp="http://schemas.microsoft.com/office/drawing/2018/hyperlinkcolor" val="tx"/>
+                    </a:ext>
+                  </a:extLst>
+                </a:hlinkClick>
+              </a:rPr>
+              <a:t>https://en.wikipedia.org/wiki/Switched_fabric</a:t>
+            </a:r>
+            <a:endParaRPr lang="zh-TW" altLang="zh-TW" dirty="0">
+              <a:solidFill>
+                <a:schemeClr val="tx1"/>
+              </a:solidFill>
+            </a:endParaRPr>
           </a:p>
         </p:txBody>
       </p:sp>
@@ -9359,6 +9998,15 @@
               </a:rPr>
               <a:t> containing the desired sector.</a:t>
             </a:r>
+            <a:r>
+              <a:rPr lang="zh-TW" altLang="en-US" sz="2400" dirty="0">
+                <a:ea typeface="新細明體" charset="-120"/>
+              </a:rPr>
+              <a:t>垂直</a:t>
+            </a:r>
+            <a:endParaRPr lang="en-US" altLang="zh-TW" sz="2400" dirty="0">
+              <a:ea typeface="新細明體" charset="-120"/>
+            </a:endParaRPr>
           </a:p>
           <a:p>
             <a:pPr lvl="1"/>
@@ -9431,6 +10079,15 @@
               </a:rPr>
               <a:t>.</a:t>
             </a:r>
+            <a:r>
+              <a:rPr lang="zh-TW" altLang="en-US" sz="2400" dirty="0">
+                <a:ea typeface="新細明體" charset="-120"/>
+              </a:rPr>
+              <a:t>水平</a:t>
+            </a:r>
+            <a:endParaRPr lang="en-US" altLang="zh-TW" sz="2400" dirty="0">
+              <a:ea typeface="新細明體" charset="-120"/>
+            </a:endParaRPr>
           </a:p>
           <a:p>
             <a:r>
@@ -10133,11 +10790,35 @@
           <a:p>
             <a:pPr eaLnBrk="1" hangingPunct="1"/>
             <a:r>
-              <a:rPr lang="en-US" altLang="zh-TW">
-                <a:ea typeface="新細明體" charset="-120"/>
-              </a:rPr>
-              <a:t>FCFS (First Come First Service)</a:t>
-            </a:r>
+              <a:rPr lang="en-US" altLang="zh-TW" dirty="0">
+                <a:ea typeface="新細明體" charset="-120"/>
+              </a:rPr>
+              <a:t>FCFS (</a:t>
+            </a:r>
+            <a:r>
+              <a:rPr lang="en-US" altLang="zh-TW" dirty="0">
+                <a:solidFill>
+                  <a:srgbClr val="FF0000"/>
+                </a:solidFill>
+                <a:ea typeface="新細明體" charset="-120"/>
+              </a:rPr>
+              <a:t>First Come First Service</a:t>
+            </a:r>
+            <a:r>
+              <a:rPr lang="en-US" altLang="zh-TW" dirty="0">
+                <a:ea typeface="新細明體" charset="-120"/>
+              </a:rPr>
+              <a:t>)</a:t>
+            </a:r>
+            <a:r>
+              <a:rPr lang="zh-TW" altLang="en-US" dirty="0">
+                <a:ea typeface="新細明體" charset="-120"/>
+              </a:rPr>
+              <a:t>慢</a:t>
+            </a:r>
+            <a:endParaRPr lang="en-US" altLang="zh-TW" dirty="0">
+              <a:ea typeface="新細明體" charset="-120"/>
+            </a:endParaRPr>
           </a:p>
         </p:txBody>
       </p:sp>
@@ -10282,10 +10963,25 @@
           <a:p>
             <a:pPr eaLnBrk="1" hangingPunct="1"/>
             <a:r>
-              <a:rPr lang="en-US" altLang="zh-TW">
-                <a:ea typeface="新細明體" charset="-120"/>
-              </a:rPr>
-              <a:t>SSTF (Shortest Seek Time First)</a:t>
+              <a:rPr lang="en-US" altLang="zh-TW" dirty="0">
+                <a:ea typeface="新細明體" charset="-120"/>
+              </a:rPr>
+              <a:t>SSTF (</a:t>
+            </a:r>
+            <a:r>
+              <a:rPr lang="en-US" altLang="zh-TW" dirty="0">
+                <a:solidFill>
+                  <a:srgbClr val="FF0000"/>
+                </a:solidFill>
+                <a:ea typeface="新細明體" charset="-120"/>
+              </a:rPr>
+              <a:t>Shortest Seek Time First</a:t>
+            </a:r>
+            <a:r>
+              <a:rPr lang="en-US" altLang="zh-TW" dirty="0">
+                <a:ea typeface="新細明體" charset="-120"/>
+              </a:rPr>
+              <a:t>)ok</a:t>
             </a:r>
           </a:p>
         </p:txBody>
@@ -10340,43 +11036,54 @@
               <a:t>SSTF scheduling is a form of SJF scheduling; may cause </a:t>
             </a:r>
             <a:r>
+              <a:rPr lang="en-US" altLang="zh-TW" sz="2800" dirty="0">
+                <a:solidFill>
+                  <a:srgbClr val="FF0000"/>
+                </a:solidFill>
+                <a:ea typeface="新細明體" charset="-120"/>
+              </a:rPr>
+              <a:t>starvation</a:t>
+            </a:r>
+            <a:r>
+              <a:rPr lang="en-US" altLang="zh-TW" sz="2400" dirty="0">
+                <a:ea typeface="新細明體" charset="-120"/>
+              </a:rPr>
+              <a:t> of some requests.</a:t>
+            </a:r>
+          </a:p>
+          <a:p>
+            <a:r>
+              <a:rPr lang="en-US" altLang="zh-TW" sz="2400" dirty="0">
+                <a:ea typeface="新細明體" charset="-120"/>
+              </a:rPr>
+              <a:t>Illustration shows total head movement of </a:t>
+            </a:r>
+            <a:r>
               <a:rPr lang="en-US" altLang="zh-TW" sz="2400" dirty="0">
                 <a:solidFill>
                   <a:srgbClr val="FF0000"/>
                 </a:solidFill>
                 <a:ea typeface="新細明體" charset="-120"/>
               </a:rPr>
-              <a:t>starvation</a:t>
+              <a:t>236 cylinders</a:t>
             </a:r>
             <a:r>
               <a:rPr lang="en-US" altLang="zh-TW" sz="2400" dirty="0">
                 <a:ea typeface="新細明體" charset="-120"/>
               </a:rPr>
-              <a:t> of some requests.</a:t>
-            </a:r>
-          </a:p>
-          <a:p>
-            <a:r>
-              <a:rPr lang="en-US" altLang="zh-TW" sz="2400" dirty="0">
-                <a:ea typeface="新細明體" charset="-120"/>
-              </a:rPr>
-              <a:t>Illustration shows total head movement of </a:t>
-            </a:r>
-            <a:r>
-              <a:rPr lang="en-US" altLang="zh-TW" sz="2400" dirty="0">
-                <a:solidFill>
-                  <a:srgbClr val="FF0000"/>
-                </a:solidFill>
-                <a:ea typeface="新細明體" charset="-120"/>
-              </a:rPr>
-              <a:t>236 cylinders</a:t>
-            </a:r>
-            <a:r>
-              <a:rPr lang="en-US" altLang="zh-TW" sz="2400" dirty="0">
-                <a:ea typeface="新細明體" charset="-120"/>
-              </a:rPr>
               <a:t>.</a:t>
             </a:r>
+          </a:p>
+          <a:p>
+            <a:r>
+              <a:rPr lang="zh-TW" altLang="en-US" dirty="0">
+                <a:ea typeface="新細明體" charset="-120"/>
+              </a:rPr>
+              <a:t>如果執行過程中有更短的進來  會以更短的進來會優先處理</a:t>
+            </a:r>
+            <a:endParaRPr lang="en-US" altLang="zh-TW" sz="2400" dirty="0">
+              <a:ea typeface="新細明體" charset="-120"/>
+            </a:endParaRPr>
           </a:p>
         </p:txBody>
       </p:sp>
@@ -10562,6 +11269,67 @@
                                           <p:spTgt spid="17411">
                                             <p:txEl>
                                               <p:pRg st="2" end="2"/>
+                                            </p:txEl>
+                                          </p:spTgt>
+                                        </p:tgtEl>
+                                      </p:cBhvr>
+                                    </p:animEffect>
+                                  </p:childTnLst>
+                                </p:cTn>
+                              </p:par>
+                            </p:childTnLst>
+                          </p:cTn>
+                        </p:par>
+                      </p:childTnLst>
+                    </p:cTn>
+                  </p:par>
+                  <p:par>
+                    <p:cTn id="18" fill="hold">
+                      <p:stCondLst>
+                        <p:cond delay="indefinite"/>
+                      </p:stCondLst>
+                      <p:childTnLst>
+                        <p:par>
+                          <p:cTn id="19" fill="hold">
+                            <p:stCondLst>
+                              <p:cond delay="0"/>
+                            </p:stCondLst>
+                            <p:childTnLst>
+                              <p:par>
+                                <p:cTn id="20" presetID="22" presetClass="entr" presetSubtype="8" fill="hold" grpId="0" nodeType="clickEffect">
+                                  <p:stCondLst>
+                                    <p:cond delay="0"/>
+                                  </p:stCondLst>
+                                  <p:childTnLst>
+                                    <p:set>
+                                      <p:cBhvr>
+                                        <p:cTn id="21" dur="1" fill="hold">
+                                          <p:stCondLst>
+                                            <p:cond delay="0"/>
+                                          </p:stCondLst>
+                                        </p:cTn>
+                                        <p:tgtEl>
+                                          <p:spTgt spid="17411">
+                                            <p:txEl>
+                                              <p:pRg st="3" end="3"/>
+                                            </p:txEl>
+                                          </p:spTgt>
+                                        </p:tgtEl>
+                                        <p:attrNameLst>
+                                          <p:attrName>style.visibility</p:attrName>
+                                        </p:attrNameLst>
+                                      </p:cBhvr>
+                                      <p:to>
+                                        <p:strVal val="visible"/>
+                                      </p:to>
+                                    </p:set>
+                                    <p:animEffect transition="in" filter="wipe(left)">
+                                      <p:cBhvr>
+                                        <p:cTn id="22" dur="1000"/>
+                                        <p:tgtEl>
+                                          <p:spTgt spid="17411">
+                                            <p:txEl>
+                                              <p:pRg st="3" end="3"/>
                                             </p:txEl>
                                           </p:spTgt>
                                         </p:tgtEl>
@@ -10752,7 +11520,37 @@
               <a:rPr lang="en-US" altLang="zh-TW" sz="2400" dirty="0">
                 <a:ea typeface="新細明體" charset="-120"/>
               </a:rPr>
-              <a:t>The disk arm starts at one end of the disk, and moves toward the other end, servicing requests until it gets to the other end of the disk, where </a:t>
+              <a:t>The disk arm </a:t>
+            </a:r>
+            <a:r>
+              <a:rPr lang="en-US" altLang="zh-TW" sz="2400" dirty="0">
+                <a:solidFill>
+                  <a:srgbClr val="FF0000"/>
+                </a:solidFill>
+                <a:ea typeface="新細明體" charset="-120"/>
+              </a:rPr>
+              <a:t>starts at one end</a:t>
+            </a:r>
+            <a:r>
+              <a:rPr lang="en-US" altLang="zh-TW" sz="2400" dirty="0">
+                <a:ea typeface="新細明體" charset="-120"/>
+              </a:rPr>
+              <a:t> of the disk, and moves toward the other </a:t>
+            </a:r>
+            <a:r>
+              <a:rPr lang="en-US" altLang="zh-TW" sz="2400" dirty="0">
+                <a:solidFill>
+                  <a:srgbClr val="FF0000"/>
+                </a:solidFill>
+                <a:ea typeface="新細明體" charset="-120"/>
+              </a:rPr>
+              <a:t>end</a:t>
+            </a:r>
+            <a:r>
+              <a:rPr lang="en-US" altLang="zh-TW" sz="2400" dirty="0">
+                <a:ea typeface="新細明體" charset="-120"/>
+              </a:rPr>
+              <a:t>, servicing requests until it gets to the other end of the disk, where </a:t>
             </a:r>
             <a:r>
               <a:rPr lang="en-US" altLang="zh-TW" sz="2400" b="1" dirty="0">
@@ -10815,6 +11613,53 @@
               </a:rPr>
               <a:t>.</a:t>
             </a:r>
+          </a:p>
+          <a:p>
+            <a:r>
+              <a:rPr lang="zh-TW" altLang="en-US" dirty="0">
+                <a:ea typeface="新細明體" charset="-120"/>
+              </a:rPr>
+              <a:t>電梯一直上下移動  看到</a:t>
+            </a:r>
+            <a:r>
+              <a:rPr lang="en-US" altLang="zh-TW" dirty="0">
+                <a:ea typeface="新細明體" charset="-120"/>
+              </a:rPr>
+              <a:t>request</a:t>
+            </a:r>
+            <a:r>
+              <a:rPr lang="zh-TW" altLang="en-US" dirty="0">
+                <a:ea typeface="新細明體" charset="-120"/>
+              </a:rPr>
+              <a:t>就服務</a:t>
+            </a:r>
+            <a:r>
+              <a:rPr lang="en-US" altLang="zh-TW" dirty="0">
+                <a:ea typeface="新細明體" charset="-120"/>
+              </a:rPr>
+              <a:t>(</a:t>
+            </a:r>
+            <a:r>
+              <a:rPr lang="zh-TW" altLang="en-US" dirty="0">
+                <a:ea typeface="新細明體" charset="-120"/>
+              </a:rPr>
+              <a:t>開門載人</a:t>
+            </a:r>
+            <a:r>
+              <a:rPr lang="en-US" altLang="zh-TW" dirty="0">
+                <a:ea typeface="新細明體" charset="-120"/>
+              </a:rPr>
+              <a:t>)  </a:t>
+            </a:r>
+            <a:r>
+              <a:rPr lang="zh-TW" altLang="en-US" dirty="0">
+                <a:ea typeface="新細明體" charset="-120"/>
+              </a:rPr>
+              <a:t>機械手臂從外移到內  再往外移  來回</a:t>
+            </a:r>
+            <a:endParaRPr lang="en-US" altLang="zh-TW" sz="2400" dirty="0">
+              <a:ea typeface="新細明體" charset="-120"/>
+            </a:endParaRPr>
           </a:p>
         </p:txBody>
       </p:sp>
@@ -11000,6 +11845,67 @@
                                           <p:spTgt spid="19459">
                                             <p:txEl>
                                               <p:pRg st="2" end="2"/>
+                                            </p:txEl>
+                                          </p:spTgt>
+                                        </p:tgtEl>
+                                      </p:cBhvr>
+                                    </p:animEffect>
+                                  </p:childTnLst>
+                                </p:cTn>
+                              </p:par>
+                            </p:childTnLst>
+                          </p:cTn>
+                        </p:par>
+                      </p:childTnLst>
+                    </p:cTn>
+                  </p:par>
+                  <p:par>
+                    <p:cTn id="18" fill="hold">
+                      <p:stCondLst>
+                        <p:cond delay="indefinite"/>
+                      </p:stCondLst>
+                      <p:childTnLst>
+                        <p:par>
+                          <p:cTn id="19" fill="hold">
+                            <p:stCondLst>
+                              <p:cond delay="0"/>
+                            </p:stCondLst>
+                            <p:childTnLst>
+                              <p:par>
+                                <p:cTn id="20" presetID="22" presetClass="entr" presetSubtype="8" fill="hold" grpId="0" nodeType="clickEffect">
+                                  <p:stCondLst>
+                                    <p:cond delay="0"/>
+                                  </p:stCondLst>
+                                  <p:childTnLst>
+                                    <p:set>
+                                      <p:cBhvr>
+                                        <p:cTn id="21" dur="1" fill="hold">
+                                          <p:stCondLst>
+                                            <p:cond delay="0"/>
+                                          </p:stCondLst>
+                                        </p:cTn>
+                                        <p:tgtEl>
+                                          <p:spTgt spid="19459">
+                                            <p:txEl>
+                                              <p:pRg st="3" end="3"/>
+                                            </p:txEl>
+                                          </p:spTgt>
+                                        </p:tgtEl>
+                                        <p:attrNameLst>
+                                          <p:attrName>style.visibility</p:attrName>
+                                        </p:attrNameLst>
+                                      </p:cBhvr>
+                                      <p:to>
+                                        <p:strVal val="visible"/>
+                                      </p:to>
+                                    </p:set>
+                                    <p:animEffect transition="in" filter="wipe(left)">
+                                      <p:cBhvr>
+                                        <p:cTn id="22" dur="1000"/>
+                                        <p:tgtEl>
+                                          <p:spTgt spid="19459">
+                                            <p:txEl>
+                                              <p:pRg st="3" end="3"/>
                                             </p:txEl>
                                           </p:spTgt>
                                         </p:tgtEl>
@@ -11205,8 +12111,17 @@
               <a:rPr lang="en-US" altLang="zh-TW" sz="2400" dirty="0">
                 <a:ea typeface="新細明體" charset="-120"/>
               </a:rPr>
-              <a:t>.</a:t>
-            </a:r>
+              <a:t>.  </a:t>
+            </a:r>
+            <a:r>
+              <a:rPr lang="zh-TW" altLang="en-US" sz="2400" dirty="0">
+                <a:ea typeface="新細明體" charset="-120"/>
+              </a:rPr>
+              <a:t>讓等待時間更一致    去服務  回不服務 類似線上繞圈</a:t>
+            </a:r>
+            <a:endParaRPr lang="en-US" altLang="zh-TW" sz="2400" dirty="0">
+              <a:ea typeface="新細明體" charset="-120"/>
+            </a:endParaRPr>
           </a:p>
           <a:p>
             <a:r>
@@ -11244,7 +12159,22 @@
               <a:rPr lang="en-US" altLang="zh-TW" sz="2400" dirty="0">
                 <a:ea typeface="新細明體" charset="-120"/>
               </a:rPr>
-              <a:t>Treats the cylinders as a circular list that wraps around from the last cylinder to the first one.</a:t>
+              <a:t>Treats the cylinders as a </a:t>
+            </a:r>
+            <a:r>
+              <a:rPr lang="en-US" altLang="zh-TW" sz="2400" dirty="0">
+                <a:solidFill>
+                  <a:srgbClr val="FF0000"/>
+                </a:solidFill>
+                <a:ea typeface="新細明體" charset="-120"/>
+              </a:rPr>
+              <a:t>circular</a:t>
+            </a:r>
+            <a:r>
+              <a:rPr lang="en-US" altLang="zh-TW" sz="2400" dirty="0">
+                <a:ea typeface="新細明體" charset="-120"/>
+              </a:rPr>
+              <a:t> list that wraps around from the last cylinder to the first one.</a:t>
             </a:r>
           </a:p>
         </p:txBody>
@@ -11631,12 +12561,33 @@
               </a:rPr>
               <a:t>Disk Scheduling</a:t>
             </a:r>
-          </a:p>
-          <a:p>
+            <a:r>
+              <a:rPr lang="zh-TW" altLang="en-US" dirty="0">
+                <a:ea typeface="新細明體" charset="-120"/>
+              </a:rPr>
+              <a:t>  </a:t>
+            </a:r>
             <a:r>
               <a:rPr lang="en-US" altLang="zh-TW" dirty="0">
                 <a:ea typeface="新細明體" charset="-120"/>
               </a:rPr>
+              <a:t>(read write</a:t>
+            </a:r>
+            <a:r>
+              <a:rPr lang="zh-TW" altLang="en-US" dirty="0">
+                <a:ea typeface="新細明體" charset="-120"/>
+              </a:rPr>
+              <a:t>哪個位置 什麼順序 會影響時間</a:t>
+            </a:r>
+            <a:endParaRPr lang="en-US" altLang="zh-TW" dirty="0">
+              <a:ea typeface="新細明體" charset="-120"/>
+            </a:endParaRPr>
+          </a:p>
+          <a:p>
+            <a:r>
+              <a:rPr lang="en-US" altLang="zh-TW" dirty="0">
+                <a:ea typeface="新細明體" charset="-120"/>
+              </a:rPr>
               <a:t>Disk Management</a:t>
             </a:r>
           </a:p>
@@ -11645,7 +12596,7 @@
               <a:rPr lang="en-US" altLang="zh-TW" dirty="0">
                 <a:ea typeface="新細明體" charset="-120"/>
               </a:rPr>
-              <a:t>Swap-Space Management</a:t>
+              <a:t>Swap-Space Management - Virtual memory uses disk space as an extension of main memory.</a:t>
             </a:r>
           </a:p>
           <a:p>
@@ -11917,7 +12868,34 @@
                 </a:solidFill>
                 <a:ea typeface="新細明體" charset="-120"/>
               </a:rPr>
-              <a:t> the last request in each direction</a:t>
+              <a:t> the last request in each direction </a:t>
+            </a:r>
+            <a:r>
+              <a:rPr lang="zh-TW" altLang="en-US" sz="2800" b="1" dirty="0">
+                <a:solidFill>
+                  <a:srgbClr val="FF0000"/>
+                </a:solidFill>
+                <a:ea typeface="新細明體" charset="-120"/>
+              </a:rPr>
+              <a:t>就是到實際有的最遠</a:t>
+            </a:r>
+            <a:r>
+              <a:rPr lang="en-US" altLang="zh-TW" sz="2800" b="1" dirty="0">
+                <a:solidFill>
+                  <a:srgbClr val="FF0000"/>
+                </a:solidFill>
+                <a:ea typeface="新細明體" charset="-120"/>
+              </a:rPr>
+              <a:t>request</a:t>
+            </a:r>
+            <a:r>
+              <a:rPr lang="zh-TW" altLang="en-US" sz="2800" b="1" dirty="0">
+                <a:solidFill>
+                  <a:srgbClr val="FF0000"/>
+                </a:solidFill>
+                <a:ea typeface="新細明體" charset="-120"/>
+              </a:rPr>
+              <a:t>就停不用到底</a:t>
             </a:r>
             <a:r>
               <a:rPr lang="en-US" altLang="zh-TW" sz="2800" dirty="0">
@@ -12402,6 +13380,15 @@
               </a:rPr>
               <a:t>SSTF is common and has a natural appeal</a:t>
             </a:r>
+            <a:r>
+              <a:rPr lang="zh-TW" altLang="en-US" sz="2400" dirty="0">
+                <a:ea typeface="新細明體" charset="-120"/>
+              </a:rPr>
+              <a:t>吸引力</a:t>
+            </a:r>
+            <a:endParaRPr lang="en-US" altLang="zh-TW" sz="2400" dirty="0">
+              <a:ea typeface="新細明體" charset="-120"/>
+            </a:endParaRPr>
           </a:p>
           <a:p>
             <a:r>
@@ -12439,7 +13426,31 @@
               <a:rPr lang="en-US" altLang="zh-TW" sz="2400" dirty="0">
                 <a:ea typeface="新細明體" charset="-120"/>
               </a:rPr>
-              <a:t>.</a:t>
+              <a:t>.  </a:t>
+            </a:r>
+            <a:r>
+              <a:rPr lang="zh-TW" altLang="en-US" sz="2400" dirty="0">
+                <a:ea typeface="新細明體" charset="-120"/>
+              </a:rPr>
+              <a:t>檔案擺放方式 連續</a:t>
+            </a:r>
+            <a:r>
+              <a:rPr lang="en-US" altLang="zh-TW" sz="2400" dirty="0">
+                <a:ea typeface="新細明體" charset="-120"/>
+              </a:rPr>
+              <a:t>?  </a:t>
+            </a:r>
+            <a:r>
+              <a:rPr lang="zh-TW" altLang="en-US" sz="2400" dirty="0">
+                <a:ea typeface="新細明體" charset="-120"/>
+              </a:rPr>
+              <a:t>分散</a:t>
+            </a:r>
+            <a:r>
+              <a:rPr lang="en-US" altLang="zh-TW" sz="2400" dirty="0">
+                <a:ea typeface="新細明體" charset="-120"/>
+              </a:rPr>
+              <a:t>?</a:t>
             </a:r>
           </a:p>
           <a:p>
@@ -12973,14 +13984,26 @@
               <a:rPr lang="en-US" altLang="zh-TW" sz="2400" dirty="0">
                 <a:ea typeface="新細明體" charset="-120"/>
               </a:rPr>
-              <a:t>or “making a file system”.</a:t>
-            </a:r>
-          </a:p>
-          <a:p>
+              <a:t>or “making a file system</a:t>
+            </a:r>
+            <a:r>
+              <a:rPr lang="zh-TW" altLang="en-US" sz="2400" dirty="0">
+                <a:ea typeface="新細明體" charset="-120"/>
+              </a:rPr>
+              <a:t>檔案系統</a:t>
+            </a:r>
             <a:r>
               <a:rPr lang="en-US" altLang="zh-TW" sz="2400" dirty="0">
                 <a:ea typeface="新細明體" charset="-120"/>
               </a:rPr>
+              <a:t>”.</a:t>
+            </a:r>
+          </a:p>
+          <a:p>
+            <a:r>
+              <a:rPr lang="en-US" altLang="zh-TW" sz="2400" dirty="0">
+                <a:ea typeface="新細明體" charset="-120"/>
+              </a:rPr>
               <a:t>Boot block initializes system.</a:t>
             </a:r>
           </a:p>
@@ -12990,7 +14013,19 @@
               <a:rPr lang="en-US" altLang="zh-TW" sz="2400" dirty="0">
                 <a:ea typeface="新細明體" charset="-120"/>
               </a:rPr>
-              <a:t>The bootstrap is stored in ROM.</a:t>
+              <a:t>The bootstrap is stored in ROM(</a:t>
+            </a:r>
+            <a:r>
+              <a:rPr lang="zh-TW" altLang="en-US" sz="2400" dirty="0">
+                <a:ea typeface="新細明體" charset="-120"/>
+              </a:rPr>
+              <a:t>唯讀不能改</a:t>
+            </a:r>
+            <a:r>
+              <a:rPr lang="en-US" altLang="zh-TW" sz="2400" dirty="0">
+                <a:ea typeface="新細明體" charset="-120"/>
+              </a:rPr>
+              <a:t>).</a:t>
             </a:r>
           </a:p>
           <a:p>
@@ -13017,8 +14052,41 @@
               <a:rPr lang="en-US" altLang="zh-TW" sz="2400" dirty="0">
                 <a:ea typeface="新細明體" charset="-120"/>
               </a:rPr>
-              <a:t>program.</a:t>
-            </a:r>
+              <a:t>program.   </a:t>
+            </a:r>
+            <a:r>
+              <a:rPr lang="zh-TW" altLang="en-US" sz="2400" dirty="0">
+                <a:ea typeface="新細明體" charset="-120"/>
+              </a:rPr>
+              <a:t>這邊的</a:t>
+            </a:r>
+            <a:r>
+              <a:rPr lang="en-US" altLang="zh-TW" sz="2400" dirty="0">
+                <a:ea typeface="新細明體" charset="-120"/>
+              </a:rPr>
+              <a:t>bootstrap</a:t>
+            </a:r>
+            <a:r>
+              <a:rPr lang="zh-TW" altLang="en-US" sz="2400" dirty="0">
+                <a:ea typeface="新細明體" charset="-120"/>
+              </a:rPr>
+              <a:t>師說不放在</a:t>
+            </a:r>
+            <a:r>
+              <a:rPr lang="en-US" altLang="zh-TW" sz="2400" dirty="0">
+                <a:ea typeface="新細明體" charset="-120"/>
+              </a:rPr>
+              <a:t>ROM</a:t>
+            </a:r>
+            <a:r>
+              <a:rPr lang="zh-TW" altLang="en-US" sz="2400" dirty="0">
+                <a:ea typeface="新細明體" charset="-120"/>
+              </a:rPr>
+              <a:t>放在硬碟    要改就可以改  </a:t>
+            </a:r>
+            <a:endParaRPr lang="en-US" altLang="zh-TW" sz="2400" dirty="0">
+              <a:ea typeface="新細明體" charset="-120"/>
+            </a:endParaRPr>
           </a:p>
           <a:p>
             <a:r>
@@ -13037,6 +14105,10 @@
               <a:t>sector sparing</a:t>
             </a:r>
             <a:r>
+              <a:rPr lang="zh-TW" altLang="en-US" b="0" dirty="0"/>
+              <a:t> 騰出 節約 備用  備份</a:t>
+            </a:r>
+            <a:r>
               <a:rPr lang="en-US" altLang="zh-TW" sz="2400" b="1" dirty="0">
                 <a:solidFill>
                   <a:srgbClr val="FF0000"/>
@@ -13051,6 +14123,15 @@
               </a:rPr>
               <a:t>used to handle bad blocks.</a:t>
             </a:r>
+            <a:r>
+              <a:rPr lang="zh-TW" altLang="en-US" sz="2400" dirty="0">
+                <a:ea typeface="新細明體" charset="-120"/>
+              </a:rPr>
+              <a:t>   壞掉時可以取代</a:t>
+            </a:r>
+            <a:endParaRPr lang="en-US" altLang="zh-TW" sz="2400" dirty="0">
+              <a:ea typeface="新細明體" charset="-120"/>
+            </a:endParaRPr>
           </a:p>
         </p:txBody>
       </p:sp>
@@ -13489,7 +14570,7 @@
           <a:p>
             <a:r>
               <a:rPr lang="en-US" altLang="zh-TW" dirty="0"/>
-              <a:t>The Windows 2000 system places it boot code in the first sector on the hard disk (</a:t>
+              <a:t>The Windows 2000 system places it </a:t>
             </a:r>
             <a:r>
               <a:rPr lang="en-US" altLang="zh-TW" dirty="0">
@@ -13497,17 +14578,11 @@
                   <a:srgbClr val="FF0000"/>
                 </a:solidFill>
               </a:rPr>
-              <a:t>Master boot record, MBR</a:t>
+              <a:t>boot code </a:t>
             </a:r>
             <a:r>
               <a:rPr lang="en-US" altLang="zh-TW" dirty="0"/>
-              <a:t>).</a:t>
-            </a:r>
-          </a:p>
-          <a:p>
-            <a:r>
-              <a:rPr lang="en-US" altLang="zh-TW" dirty="0"/>
-              <a:t>Windows 2000 allows a hard disk to be divided into one or more partitions; one partition, identified as the </a:t>
+              <a:t>in the </a:t>
             </a:r>
             <a:r>
               <a:rPr lang="en-US" altLang="zh-TW" dirty="0">
@@ -13515,11 +14590,41 @@
                   <a:srgbClr val="FF0000"/>
                 </a:solidFill>
               </a:rPr>
+              <a:t>first sector on the hard disk </a:t>
+            </a:r>
+            <a:r>
+              <a:rPr lang="en-US" altLang="zh-TW" dirty="0"/>
+              <a:t>(</a:t>
+            </a:r>
+            <a:r>
+              <a:rPr lang="en-US" altLang="zh-TW" dirty="0">
+                <a:solidFill>
+                  <a:srgbClr val="FF0000"/>
+                </a:solidFill>
+              </a:rPr>
+              <a:t>Master boot record, MBR</a:t>
+            </a:r>
+            <a:r>
+              <a:rPr lang="en-US" altLang="zh-TW" dirty="0"/>
+              <a:t>).</a:t>
+            </a:r>
+          </a:p>
+          <a:p>
+            <a:r>
+              <a:rPr lang="en-US" altLang="zh-TW" dirty="0"/>
+              <a:t>Windows 2000 allows a hard disk to be divided into one or more partitions; one partition, identified as the </a:t>
+            </a:r>
+            <a:r>
+              <a:rPr lang="en-US" altLang="zh-TW" dirty="0">
+                <a:solidFill>
+                  <a:srgbClr val="FF0000"/>
+                </a:solidFill>
+              </a:rPr>
               <a:t>boot partition</a:t>
             </a:r>
             <a:r>
               <a:rPr lang="en-US" altLang="zh-TW" dirty="0"/>
-              <a:t>, contains the OS ad device drivers.</a:t>
+              <a:t>, contains the OS and device drivers.</a:t>
             </a:r>
           </a:p>
           <a:p>
@@ -14028,8 +15133,86 @@
               <a:rPr lang="en-US" altLang="zh-TW" sz="2400" dirty="0">
                 <a:ea typeface="新細明體" charset="-120"/>
               </a:rPr>
-              <a:t> — Virtual memory uses disk space as an extension of main memory.</a:t>
-            </a:r>
+              <a:t> — </a:t>
+            </a:r>
+            <a:r>
+              <a:rPr lang="en-US" altLang="zh-TW" sz="2400" dirty="0">
+                <a:solidFill>
+                  <a:srgbClr val="FF0000"/>
+                </a:solidFill>
+                <a:ea typeface="新細明體" charset="-120"/>
+              </a:rPr>
+              <a:t>Virtual memory uses disk space as an extension of main memory.</a:t>
+            </a:r>
+            <a:r>
+              <a:rPr lang="zh-TW" altLang="en-US" sz="2400" dirty="0">
+                <a:solidFill>
+                  <a:srgbClr val="FF0000"/>
+                </a:solidFill>
+                <a:ea typeface="新細明體" charset="-120"/>
+              </a:rPr>
+              <a:t>  程式很大 不用全放</a:t>
+            </a:r>
+            <a:r>
+              <a:rPr lang="en-US" altLang="zh-TW" sz="2400" dirty="0">
+                <a:solidFill>
+                  <a:srgbClr val="FF0000"/>
+                </a:solidFill>
+                <a:ea typeface="新細明體" charset="-120"/>
+              </a:rPr>
+              <a:t>mem</a:t>
+            </a:r>
+            <a:r>
+              <a:rPr lang="zh-TW" altLang="en-US" sz="2400" dirty="0">
+                <a:solidFill>
+                  <a:srgbClr val="FF0000"/>
+                </a:solidFill>
+                <a:ea typeface="新細明體" charset="-120"/>
+              </a:rPr>
+              <a:t> 部分即可  例如</a:t>
+            </a:r>
+            <a:r>
+              <a:rPr lang="en-US" altLang="zh-TW" sz="2400" dirty="0">
+                <a:solidFill>
+                  <a:srgbClr val="FF0000"/>
+                </a:solidFill>
+                <a:ea typeface="新細明體" charset="-120"/>
+              </a:rPr>
+              <a:t>frame mem – page disk   </a:t>
+            </a:r>
+            <a:r>
+              <a:rPr lang="zh-TW" altLang="en-US" sz="2400" dirty="0">
+                <a:solidFill>
+                  <a:srgbClr val="FF0000"/>
+                </a:solidFill>
+                <a:ea typeface="新細明體" charset="-120"/>
+              </a:rPr>
+              <a:t>找不到就要</a:t>
+            </a:r>
+            <a:r>
+              <a:rPr lang="en-US" altLang="zh-TW" sz="2400" dirty="0">
+                <a:solidFill>
+                  <a:srgbClr val="FF0000"/>
+                </a:solidFill>
+                <a:ea typeface="新細明體" charset="-120"/>
+              </a:rPr>
+              <a:t>swap  </a:t>
+            </a:r>
+            <a:r>
+              <a:rPr lang="en-US" altLang="zh-TW" sz="2400" dirty="0" err="1">
+                <a:solidFill>
+                  <a:srgbClr val="FF0000"/>
+                </a:solidFill>
+                <a:ea typeface="新細明體" charset="-120"/>
+              </a:rPr>
+              <a:t>inout</a:t>
+            </a:r>
+            <a:endParaRPr lang="en-US" altLang="zh-TW" sz="2400" dirty="0">
+              <a:solidFill>
+                <a:srgbClr val="FF0000"/>
+              </a:solidFill>
+              <a:ea typeface="新細明體" charset="-120"/>
+            </a:endParaRPr>
           </a:p>
           <a:p>
             <a:r>
@@ -14632,17 +15815,15 @@
                   <a:srgbClr val="FF0000"/>
                 </a:solidFill>
               </a:rPr>
-              <a:t>of 4KB page slots</a:t>
-            </a:r>
-            <a:r>
-              <a:rPr lang="en-US" altLang="zh-TW" dirty="0"/>
-              <a:t>, which are used to hold swapped pages.</a:t>
-            </a:r>
-          </a:p>
-          <a:p>
-            <a:r>
-              <a:rPr lang="en-US" altLang="zh-TW" dirty="0"/>
-              <a:t>Each swap area is associated with a </a:t>
+              <a:t>of 4KB page slots(page</a:t>
+            </a:r>
+            <a:r>
+              <a:rPr lang="zh-TW" altLang="en-US" dirty="0">
+                <a:solidFill>
+                  <a:srgbClr val="FF0000"/>
+                </a:solidFill>
+              </a:rPr>
+              <a:t>大小</a:t>
             </a:r>
             <a:r>
               <a:rPr lang="en-US" altLang="zh-TW" dirty="0">
@@ -14650,26 +15831,29 @@
                   <a:srgbClr val="FF0000"/>
                 </a:solidFill>
               </a:rPr>
-              <a:t>swap map</a:t>
+              <a:t>4KB)</a:t>
             </a:r>
             <a:r>
               <a:rPr lang="en-US" altLang="zh-TW" dirty="0"/>
-              <a:t>.</a:t>
-            </a:r>
-          </a:p>
-          <a:p>
-            <a:pPr lvl="1"/>
+              <a:t>, which are used to hold swapped pages.</a:t>
+            </a:r>
+          </a:p>
+          <a:p>
+            <a:r>
+              <a:rPr lang="en-US" altLang="zh-TW" dirty="0"/>
+              <a:t>Each swap area is associated with a </a:t>
+            </a:r>
             <a:r>
               <a:rPr lang="en-US" altLang="zh-TW" dirty="0">
                 <a:solidFill>
                   <a:srgbClr val="FF0000"/>
                 </a:solidFill>
               </a:rPr>
-              <a:t>Counter = 0</a:t>
+              <a:t>swap map</a:t>
             </a:r>
             <a:r>
               <a:rPr lang="en-US" altLang="zh-TW" dirty="0"/>
-              <a:t>, the corresponding page slot is available.</a:t>
+              <a:t>.</a:t>
             </a:r>
           </a:p>
           <a:p>
@@ -14680,30 +15864,44 @@
                   <a:srgbClr val="FF0000"/>
                 </a:solidFill>
               </a:rPr>
-              <a:t>Counter &gt;0</a:t>
+              <a:t>Counter = 0</a:t>
             </a:r>
             <a:r>
               <a:rPr lang="en-US" altLang="zh-TW" dirty="0"/>
-              <a:t>, the page slot is occupied by a swapped page. The value of the counter indicates </a:t>
-            </a:r>
+              <a:t>, the corresponding page slot is available.</a:t>
+            </a:r>
+            <a:r>
+              <a:rPr lang="zh-TW" altLang="en-US" dirty="0"/>
+              <a:t>沒人用</a:t>
+            </a:r>
+            <a:endParaRPr lang="en-US" altLang="zh-TW" dirty="0"/>
+          </a:p>
+          <a:p>
+            <a:pPr lvl="1"/>
             <a:r>
               <a:rPr lang="en-US" altLang="zh-TW" dirty="0">
                 <a:solidFill>
                   <a:srgbClr val="FF0000"/>
                 </a:solidFill>
               </a:rPr>
+              <a:t>Counter &gt;0</a:t>
+            </a:r>
+            <a:r>
+              <a:rPr lang="en-US" altLang="zh-TW" dirty="0"/>
+              <a:t>, the page slot is occupied by a swapped page. The value of the counter indicates </a:t>
+            </a:r>
+            <a:r>
+              <a:rPr lang="en-US" altLang="zh-TW" dirty="0">
+                <a:solidFill>
+                  <a:srgbClr val="FF0000"/>
+                </a:solidFill>
+              </a:rPr>
               <a:t>the number of mappings to the swapped page</a:t>
             </a:r>
             <a:r>
               <a:rPr lang="en-US" altLang="zh-TW" dirty="0"/>
               <a:t>. Counter =3, the swapped paged is storing a region of memory shared by three processes.</a:t>
             </a:r>
-          </a:p>
-          <a:p>
-            <a:pPr lvl="1">
-              <a:buNone/>
-            </a:pPr>
-            <a:endParaRPr lang="zh-TW" altLang="en-US" dirty="0"/>
           </a:p>
         </p:txBody>
       </p:sp>
@@ -15844,7 +17042,22 @@
               <a:rPr lang="en-US" altLang="zh-TW" sz="2400" dirty="0">
                 <a:ea typeface="新細明體" charset="-120"/>
               </a:rPr>
-              <a:t> (Redundant Arrays of Independent Disks) – multiple disk drives provides </a:t>
+              <a:t> (Redundant </a:t>
+            </a:r>
+            <a:r>
+              <a:rPr lang="en-US" altLang="zh-TW" sz="2400" dirty="0">
+                <a:solidFill>
+                  <a:srgbClr val="FF0000"/>
+                </a:solidFill>
+                <a:ea typeface="新細明體" charset="-120"/>
+              </a:rPr>
+              <a:t>Arrays</a:t>
+            </a:r>
+            <a:r>
+              <a:rPr lang="en-US" altLang="zh-TW" sz="2400" dirty="0">
+                <a:ea typeface="新細明體" charset="-120"/>
+              </a:rPr>
+              <a:t> of Independent Disks) – multiple disk drives provides </a:t>
             </a:r>
             <a:r>
               <a:rPr lang="en-US" altLang="zh-TW" sz="2400" b="1" dirty="0">
@@ -15890,8 +17103,65 @@
               <a:rPr lang="en-US" altLang="zh-TW" sz="2400" dirty="0">
                 <a:ea typeface="新細明體" charset="-120"/>
               </a:rPr>
-              <a:t>With multiple disks, we can improve the transfer rate by striping data across the disks.</a:t>
-            </a:r>
+              <a:t>With multiple disks, we can improve the transfer rate by striping data across the disks.  ex</a:t>
+            </a:r>
+            <a:r>
+              <a:rPr lang="zh-TW" altLang="en-US" sz="2400" dirty="0">
+                <a:ea typeface="新細明體" charset="-120"/>
+              </a:rPr>
+              <a:t>資料有</a:t>
+            </a:r>
+            <a:r>
+              <a:rPr lang="en-US" altLang="zh-TW" sz="2400" dirty="0">
+                <a:ea typeface="新細明體" charset="-120"/>
+              </a:rPr>
+              <a:t>4blocks</a:t>
+            </a:r>
+            <a:r>
+              <a:rPr lang="zh-TW" altLang="en-US" sz="2400" dirty="0">
+                <a:ea typeface="新細明體" charset="-120"/>
+              </a:rPr>
+              <a:t> 分散在</a:t>
+            </a:r>
+            <a:r>
+              <a:rPr lang="en-US" altLang="zh-TW" sz="2400" dirty="0">
+                <a:ea typeface="新細明體" charset="-120"/>
+              </a:rPr>
+              <a:t>4</a:t>
+            </a:r>
+            <a:r>
+              <a:rPr lang="zh-TW" altLang="en-US" sz="2400" dirty="0">
+                <a:ea typeface="新細明體" charset="-120"/>
+              </a:rPr>
+              <a:t>個硬碟各一個  讀的時候從</a:t>
+            </a:r>
+            <a:r>
+              <a:rPr lang="en-US" altLang="zh-TW" sz="2400" dirty="0">
+                <a:ea typeface="新細明體" charset="-120"/>
+              </a:rPr>
+              <a:t>4</a:t>
+            </a:r>
+            <a:r>
+              <a:rPr lang="zh-TW" altLang="en-US" sz="2400" dirty="0">
+                <a:ea typeface="新細明體" charset="-120"/>
+              </a:rPr>
+              <a:t>個</a:t>
+            </a:r>
+            <a:r>
+              <a:rPr lang="en-US" altLang="zh-TW" sz="2400" dirty="0">
+                <a:ea typeface="新細明體" charset="-120"/>
+              </a:rPr>
+              <a:t>disk</a:t>
+            </a:r>
+            <a:r>
+              <a:rPr lang="zh-TW" altLang="en-US" sz="2400" dirty="0">
+                <a:ea typeface="新細明體" charset="-120"/>
+              </a:rPr>
+              <a:t>同時讀  就快四倍</a:t>
+            </a:r>
+            <a:endParaRPr lang="en-US" altLang="zh-TW" sz="2400" dirty="0">
+              <a:ea typeface="新細明體" charset="-120"/>
+            </a:endParaRPr>
           </a:p>
           <a:p>
             <a:r>
@@ -15925,7 +17195,7 @@
               <a:rPr lang="en-US" altLang="zh-TW" sz="2400" dirty="0">
                 <a:ea typeface="新細明體" charset="-120"/>
               </a:rPr>
-              <a:t>consists of splitting the bits of each byte across </a:t>
+              <a:t>consists of </a:t>
             </a:r>
             <a:r>
               <a:rPr lang="en-US" altLang="zh-TW" sz="2400" dirty="0">
@@ -15934,6 +17204,21 @@
                 </a:solidFill>
                 <a:ea typeface="新細明體" charset="-120"/>
               </a:rPr>
+              <a:t>splitting the bits of each byte </a:t>
+            </a:r>
+            <a:r>
+              <a:rPr lang="en-US" altLang="zh-TW" sz="2400" dirty="0">
+                <a:ea typeface="新細明體" charset="-120"/>
+              </a:rPr>
+              <a:t>across </a:t>
+            </a:r>
+            <a:r>
+              <a:rPr lang="en-US" altLang="zh-TW" sz="2400" dirty="0">
+                <a:solidFill>
+                  <a:srgbClr val="FF0000"/>
+                </a:solidFill>
+                <a:ea typeface="新細明體" charset="-120"/>
+              </a:rPr>
               <a:t>multiple disks</a:t>
             </a:r>
             <a:r>
@@ -15954,6 +17239,95 @@
           </a:p>
           <a:p>
             <a:r>
+              <a:rPr lang="en-US" altLang="zh-TW" dirty="0">
+                <a:solidFill>
+                  <a:srgbClr val="FF0000"/>
+                </a:solidFill>
+                <a:ea typeface="新細明體" charset="-120"/>
+              </a:rPr>
+              <a:t>^ </a:t>
+            </a:r>
+            <a:r>
+              <a:rPr lang="zh-TW" altLang="en-US" dirty="0">
+                <a:solidFill>
+                  <a:srgbClr val="FF0000"/>
+                </a:solidFill>
+                <a:ea typeface="新細明體" charset="-120"/>
+              </a:rPr>
+              <a:t>舉例沒效率不會這樣做  </a:t>
+            </a:r>
+            <a:r>
+              <a:rPr lang="en-US" altLang="zh-TW" dirty="0">
+                <a:solidFill>
+                  <a:srgbClr val="FF0000"/>
+                </a:solidFill>
+                <a:ea typeface="新細明體" charset="-120"/>
+              </a:rPr>
+              <a:t>ex</a:t>
+            </a:r>
+            <a:r>
+              <a:rPr lang="zh-TW" altLang="en-US" dirty="0">
+                <a:solidFill>
+                  <a:srgbClr val="FF0000"/>
+                </a:solidFill>
+                <a:ea typeface="新細明體" charset="-120"/>
+              </a:rPr>
+              <a:t>把</a:t>
+            </a:r>
+            <a:r>
+              <a:rPr lang="en-US" altLang="zh-TW" dirty="0">
+                <a:solidFill>
+                  <a:srgbClr val="FF0000"/>
+                </a:solidFill>
+                <a:ea typeface="新細明體" charset="-120"/>
+              </a:rPr>
+              <a:t>8bit</a:t>
+            </a:r>
+            <a:r>
+              <a:rPr lang="zh-TW" altLang="en-US" dirty="0">
+                <a:solidFill>
+                  <a:srgbClr val="FF0000"/>
+                </a:solidFill>
+                <a:ea typeface="新細明體" charset="-120"/>
+              </a:rPr>
+              <a:t>拆成</a:t>
+            </a:r>
+            <a:r>
+              <a:rPr lang="en-US" altLang="zh-TW" dirty="0">
+                <a:solidFill>
+                  <a:srgbClr val="FF0000"/>
+                </a:solidFill>
+                <a:ea typeface="新細明體" charset="-120"/>
+              </a:rPr>
+              <a:t>8</a:t>
+            </a:r>
+            <a:r>
+              <a:rPr lang="zh-TW" altLang="en-US" dirty="0">
+                <a:solidFill>
+                  <a:srgbClr val="FF0000"/>
+                </a:solidFill>
+                <a:ea typeface="新細明體" charset="-120"/>
+              </a:rPr>
+              <a:t>個分到</a:t>
+            </a:r>
+            <a:r>
+              <a:rPr lang="en-US" altLang="zh-TW" dirty="0">
+                <a:solidFill>
+                  <a:srgbClr val="FF0000"/>
+                </a:solidFill>
+                <a:ea typeface="新細明體" charset="-120"/>
+              </a:rPr>
+              <a:t>8disk</a:t>
+            </a:r>
+            <a:endParaRPr lang="en-US" altLang="zh-TW" sz="2400" b="1" dirty="0">
+              <a:solidFill>
+                <a:srgbClr val="FF0000"/>
+              </a:solidFill>
+              <a:ea typeface="新細明體" charset="-120"/>
+            </a:endParaRPr>
+          </a:p>
+          <a:p>
+            <a:r>
               <a:rPr lang="en-US" altLang="zh-TW" sz="2400" b="1" dirty="0">
                 <a:solidFill>
                   <a:srgbClr val="FF0000"/>
@@ -15981,7 +17355,13 @@
               <a:rPr lang="en-US" altLang="zh-TW" sz="2400" b="1" dirty="0">
                 <a:ea typeface="新細明體" charset="-120"/>
               </a:rPr>
-              <a:t>.</a:t>
+              <a:t>.  </a:t>
+            </a:r>
+            <a:r>
+              <a:rPr lang="zh-TW" altLang="en-US" sz="2400" b="1" dirty="0">
+                <a:ea typeface="新細明體" charset="-120"/>
+              </a:rPr>
+              <a:t>比較有效率</a:t>
             </a:r>
             <a:endParaRPr lang="en-US" altLang="zh-TW" sz="2400" b="1" dirty="0">
               <a:solidFill>
@@ -16296,6 +17676,67 @@
                                           <p:spTgt spid="30723">
                                             <p:txEl>
                                               <p:pRg st="4" end="4"/>
+                                            </p:txEl>
+                                          </p:spTgt>
+                                        </p:tgtEl>
+                                      </p:cBhvr>
+                                    </p:animEffect>
+                                  </p:childTnLst>
+                                </p:cTn>
+                              </p:par>
+                            </p:childTnLst>
+                          </p:cTn>
+                        </p:par>
+                      </p:childTnLst>
+                    </p:cTn>
+                  </p:par>
+                  <p:par>
+                    <p:cTn id="28" fill="hold">
+                      <p:stCondLst>
+                        <p:cond delay="indefinite"/>
+                      </p:stCondLst>
+                      <p:childTnLst>
+                        <p:par>
+                          <p:cTn id="29" fill="hold">
+                            <p:stCondLst>
+                              <p:cond delay="0"/>
+                            </p:stCondLst>
+                            <p:childTnLst>
+                              <p:par>
+                                <p:cTn id="30" presetID="22" presetClass="entr" presetSubtype="8" fill="hold" grpId="0" nodeType="clickEffect">
+                                  <p:stCondLst>
+                                    <p:cond delay="0"/>
+                                  </p:stCondLst>
+                                  <p:childTnLst>
+                                    <p:set>
+                                      <p:cBhvr>
+                                        <p:cTn id="31" dur="1" fill="hold">
+                                          <p:stCondLst>
+                                            <p:cond delay="0"/>
+                                          </p:stCondLst>
+                                        </p:cTn>
+                                        <p:tgtEl>
+                                          <p:spTgt spid="30723">
+                                            <p:txEl>
+                                              <p:pRg st="5" end="5"/>
+                                            </p:txEl>
+                                          </p:spTgt>
+                                        </p:tgtEl>
+                                        <p:attrNameLst>
+                                          <p:attrName>style.visibility</p:attrName>
+                                        </p:attrNameLst>
+                                      </p:cBhvr>
+                                      <p:to>
+                                        <p:strVal val="visible"/>
+                                      </p:to>
+                                    </p:set>
+                                    <p:animEffect transition="in" filter="wipe(left)">
+                                      <p:cBhvr>
+                                        <p:cTn id="32" dur="1000"/>
+                                        <p:tgtEl>
+                                          <p:spTgt spid="30723">
+                                            <p:txEl>
+                                              <p:pRg st="5" end="5"/>
                                             </p:txEl>
                                           </p:spTgt>
                                         </p:tgtEl>
@@ -16427,15 +17868,63 @@
               <a:rPr lang="en-US" altLang="zh-TW" sz="2400" dirty="0">
                 <a:ea typeface="新細明體" charset="-120"/>
               </a:rPr>
-              <a:t>Disk striping uses a group of disks as one storage unit.</a:t>
-            </a:r>
-          </a:p>
-          <a:p>
+              <a:t>Disk striping uses a </a:t>
+            </a:r>
             <a:r>
               <a:rPr lang="en-US" altLang="zh-TW" sz="2400" dirty="0">
-                <a:ea typeface="新細明體" charset="-120"/>
-              </a:rPr>
-              <a:t>RAID schemes improve performance and improve the reliability of the storage system by storing redundant data.</a:t>
+                <a:solidFill>
+                  <a:srgbClr val="FF0000"/>
+                </a:solidFill>
+                <a:ea typeface="新細明體" charset="-120"/>
+              </a:rPr>
+              <a:t>group of disks as one storage unit</a:t>
+            </a:r>
+            <a:r>
+              <a:rPr lang="en-US" altLang="zh-TW" sz="2400" dirty="0">
+                <a:ea typeface="新細明體" charset="-120"/>
+              </a:rPr>
+              <a:t>.</a:t>
+            </a:r>
+          </a:p>
+          <a:p>
+            <a:r>
+              <a:rPr lang="en-US" altLang="zh-TW" sz="2400" dirty="0">
+                <a:ea typeface="新細明體" charset="-120"/>
+              </a:rPr>
+              <a:t>RAID schemes </a:t>
+            </a:r>
+            <a:r>
+              <a:rPr lang="en-US" altLang="zh-TW" sz="2400" dirty="0">
+                <a:solidFill>
+                  <a:srgbClr val="FF0000"/>
+                </a:solidFill>
+                <a:ea typeface="新細明體" charset="-120"/>
+              </a:rPr>
+              <a:t>improve performance</a:t>
+            </a:r>
+            <a:r>
+              <a:rPr lang="zh-TW" altLang="en-US" sz="2400" dirty="0">
+                <a:solidFill>
+                  <a:srgbClr val="FF0000"/>
+                </a:solidFill>
+                <a:ea typeface="新細明體" charset="-120"/>
+              </a:rPr>
+              <a:t>平行讀</a:t>
+            </a:r>
+            <a:r>
+              <a:rPr lang="en-US" altLang="zh-TW" sz="2400" dirty="0">
+                <a:solidFill>
+                  <a:srgbClr val="FF0000"/>
+                </a:solidFill>
+                <a:ea typeface="新細明體" charset="-120"/>
+              </a:rPr>
+              <a:t> </a:t>
+            </a:r>
+            <a:r>
+              <a:rPr lang="en-US" altLang="zh-TW" sz="2400" dirty="0">
+                <a:ea typeface="新細明體" charset="-120"/>
+              </a:rPr>
+              <a:t>and improve the reliability of the storage system by storing redundant data.</a:t>
             </a:r>
           </a:p>
           <a:p>
@@ -16447,7 +17936,25 @@
                 </a:solidFill>
                 <a:ea typeface="新細明體" charset="-120"/>
               </a:rPr>
-              <a:t>Mirroring</a:t>
+              <a:t>Mirroring(copy</a:t>
+            </a:r>
+            <a:r>
+              <a:rPr lang="zh-TW" altLang="en-US" sz="2400" b="1" i="1" dirty="0">
+                <a:solidFill>
+                  <a:srgbClr val="FF0000"/>
+                </a:solidFill>
+                <a:ea typeface="新細明體" charset="-120"/>
+              </a:rPr>
+              <a:t>備份複製</a:t>
+            </a:r>
+            <a:r>
+              <a:rPr lang="en-US" altLang="zh-TW" sz="2400" b="1" i="1" dirty="0">
+                <a:solidFill>
+                  <a:srgbClr val="FF0000"/>
+                </a:solidFill>
+                <a:ea typeface="新細明體" charset="-120"/>
+              </a:rPr>
+              <a:t>)</a:t>
             </a:r>
             <a:r>
               <a:rPr lang="en-US" altLang="zh-TW" sz="2400" b="1" dirty="0">
@@ -16507,8 +18014,170 @@
               <a:rPr lang="en-US" altLang="zh-TW" sz="2400" dirty="0">
                 <a:ea typeface="新細明體" charset="-120"/>
               </a:rPr>
-              <a:t>uses much less redundancy.</a:t>
-            </a:r>
+              <a:t>uses much less redundancy</a:t>
+            </a:r>
+            <a:r>
+              <a:rPr lang="zh-TW" altLang="en-US" sz="2400" dirty="0">
+                <a:ea typeface="新細明體" charset="-120"/>
+              </a:rPr>
+              <a:t>多餘</a:t>
+            </a:r>
+            <a:r>
+              <a:rPr lang="en-US" altLang="zh-TW" sz="2400" dirty="0">
+                <a:ea typeface="新細明體" charset="-120"/>
+              </a:rPr>
+              <a:t>.</a:t>
+            </a:r>
+          </a:p>
+          <a:p>
+            <a:pPr lvl="1"/>
+            <a:r>
+              <a:rPr lang="en-US" altLang="zh-TW" sz="2000" dirty="0">
+                <a:ea typeface="新細明體" charset="-120"/>
+              </a:rPr>
+              <a:t>parity</a:t>
+            </a:r>
+            <a:r>
+              <a:rPr lang="zh-TW" altLang="en-US" sz="2000" dirty="0">
+                <a:ea typeface="新細明體" charset="-120"/>
+              </a:rPr>
+              <a:t>是在通訊上很重要的通訊檢查碼  例如</a:t>
+            </a:r>
+            <a:r>
+              <a:rPr lang="en-US" altLang="zh-TW" sz="2000" dirty="0">
+                <a:ea typeface="新細明體" charset="-120"/>
+              </a:rPr>
+              <a:t>8bit</a:t>
+            </a:r>
+            <a:r>
+              <a:rPr lang="zh-TW" altLang="en-US" sz="2000" dirty="0">
+                <a:ea typeface="新細明體" charset="-120"/>
+              </a:rPr>
+              <a:t>  加一碼</a:t>
+            </a:r>
+            <a:r>
+              <a:rPr lang="en-US" altLang="zh-TW" sz="2000" dirty="0">
+                <a:ea typeface="新細明體" charset="-120"/>
+              </a:rPr>
+              <a:t>even </a:t>
+            </a:r>
+            <a:r>
+              <a:rPr lang="zh-TW" altLang="en-US" sz="2000" dirty="0">
+                <a:ea typeface="新細明體" charset="-120"/>
+              </a:rPr>
+              <a:t>或</a:t>
+            </a:r>
+            <a:r>
+              <a:rPr lang="en-US" altLang="zh-TW" sz="2000" dirty="0">
+                <a:ea typeface="新細明體" charset="-120"/>
+              </a:rPr>
+              <a:t>odd </a:t>
+            </a:r>
+            <a:r>
+              <a:rPr lang="zh-TW" altLang="en-US" sz="2000" dirty="0">
+                <a:ea typeface="新細明體" charset="-120"/>
+              </a:rPr>
+              <a:t>個</a:t>
+            </a:r>
+            <a:r>
+              <a:rPr lang="en-US" altLang="zh-TW" sz="2000" dirty="0">
+                <a:ea typeface="新細明體" charset="-120"/>
+              </a:rPr>
+              <a:t>1     </a:t>
+            </a:r>
+            <a:r>
+              <a:rPr lang="zh-TW" altLang="en-US" sz="2000" dirty="0">
+                <a:ea typeface="新細明體" charset="-120"/>
+              </a:rPr>
+              <a:t>例如</a:t>
+            </a:r>
+            <a:r>
+              <a:rPr lang="en-US" altLang="zh-TW" sz="2000" dirty="0">
+                <a:ea typeface="新細明體" charset="-120"/>
+              </a:rPr>
+              <a:t>00000000 </a:t>
+            </a:r>
+            <a:r>
+              <a:rPr lang="zh-TW" altLang="en-US" sz="2000" dirty="0">
+                <a:ea typeface="新細明體" charset="-120"/>
+              </a:rPr>
+              <a:t> </a:t>
+            </a:r>
+            <a:r>
+              <a:rPr lang="en-US" altLang="zh-TW" sz="2000" dirty="0">
+                <a:ea typeface="新細明體" charset="-120"/>
+              </a:rPr>
+              <a:t>1</a:t>
+            </a:r>
+            <a:r>
+              <a:rPr lang="zh-TW" altLang="en-US" sz="2000" dirty="0">
+                <a:ea typeface="新細明體" charset="-120"/>
+              </a:rPr>
+              <a:t>數量偶數  所以是</a:t>
+            </a:r>
+            <a:r>
+              <a:rPr lang="en-US" altLang="zh-TW" sz="2000" dirty="0">
+                <a:ea typeface="新細明體" charset="-120"/>
+              </a:rPr>
+              <a:t>even  </a:t>
+            </a:r>
+            <a:r>
+              <a:rPr lang="zh-TW" altLang="en-US" sz="2000" dirty="0">
+                <a:ea typeface="新細明體" charset="-120"/>
+              </a:rPr>
+              <a:t>但是如果發現資料來的有奇數個</a:t>
+            </a:r>
+            <a:r>
+              <a:rPr lang="en-US" altLang="zh-TW" sz="2000" dirty="0">
+                <a:ea typeface="新細明體" charset="-120"/>
+              </a:rPr>
+              <a:t>1  </a:t>
+            </a:r>
+            <a:r>
+              <a:rPr lang="zh-TW" altLang="en-US" sz="2000" dirty="0">
+                <a:ea typeface="新細明體" charset="-120"/>
+              </a:rPr>
+              <a:t>就代表資料錯誤    就可</a:t>
+            </a:r>
+            <a:r>
+              <a:rPr lang="en-US" altLang="zh-TW" sz="2000" dirty="0">
+                <a:ea typeface="新細明體" charset="-120"/>
+              </a:rPr>
+              <a:t>error </a:t>
+            </a:r>
+            <a:r>
+              <a:rPr lang="en-US" altLang="zh-TW" sz="2000" dirty="0" err="1">
+                <a:ea typeface="新細明體" charset="-120"/>
+              </a:rPr>
+              <a:t>detec</a:t>
+            </a:r>
+            <a:r>
+              <a:rPr lang="en-US" altLang="zh-TW" sz="2000" dirty="0">
+                <a:ea typeface="新細明體" charset="-120"/>
+              </a:rPr>
+              <a:t> </a:t>
+            </a:r>
+            <a:r>
+              <a:rPr lang="zh-TW" altLang="en-US" sz="2000" dirty="0">
+                <a:ea typeface="新細明體" charset="-120"/>
+              </a:rPr>
+              <a:t>如果只錯一兩個</a:t>
+            </a:r>
+            <a:r>
+              <a:rPr lang="en-US" altLang="zh-TW" sz="2000" dirty="0">
+                <a:ea typeface="新細明體" charset="-120"/>
+              </a:rPr>
+              <a:t>bit </a:t>
+            </a:r>
+            <a:r>
+              <a:rPr lang="zh-TW" altLang="en-US" sz="2000" dirty="0">
+                <a:ea typeface="新細明體" charset="-120"/>
+              </a:rPr>
+              <a:t>還可以比對修復錯誤    錯太多沒辦法</a:t>
+            </a:r>
+            <a:endParaRPr lang="en-US" altLang="zh-TW" sz="2400" dirty="0">
+              <a:ea typeface="新細明體" charset="-120"/>
+            </a:endParaRPr>
           </a:p>
         </p:txBody>
       </p:sp>
@@ -16810,6 +18479,49 @@
                                           <p:spTgt spid="31747">
                                             <p:txEl>
                                               <p:pRg st="4" end="4"/>
+                                            </p:txEl>
+                                          </p:spTgt>
+                                        </p:tgtEl>
+                                      </p:cBhvr>
+                                    </p:animEffect>
+                                  </p:childTnLst>
+                                </p:cTn>
+                              </p:par>
+                              <p:par>
+                                <p:cTn id="24" presetID="22" presetClass="entr" presetSubtype="8" fill="hold" grpId="0" nodeType="withEffect">
+                                  <p:stCondLst>
+                                    <p:cond delay="0"/>
+                                  </p:stCondLst>
+                                  <p:childTnLst>
+                                    <p:set>
+                                      <p:cBhvr>
+                                        <p:cTn id="25" dur="1" fill="hold">
+                                          <p:stCondLst>
+                                            <p:cond delay="0"/>
+                                          </p:stCondLst>
+                                        </p:cTn>
+                                        <p:tgtEl>
+                                          <p:spTgt spid="31747">
+                                            <p:txEl>
+                                              <p:pRg st="5" end="5"/>
+                                            </p:txEl>
+                                          </p:spTgt>
+                                        </p:tgtEl>
+                                        <p:attrNameLst>
+                                          <p:attrName>style.visibility</p:attrName>
+                                        </p:attrNameLst>
+                                      </p:cBhvr>
+                                      <p:to>
+                                        <p:strVal val="visible"/>
+                                      </p:to>
+                                    </p:set>
+                                    <p:animEffect transition="in" filter="wipe(left)">
+                                      <p:cBhvr>
+                                        <p:cTn id="26" dur="1000"/>
+                                        <p:tgtEl>
+                                          <p:spTgt spid="31747">
+                                            <p:txEl>
+                                              <p:pRg st="5" end="5"/>
                                             </p:txEl>
                                           </p:spTgt>
                                         </p:tgtEl>
@@ -16935,6 +18647,50 @@
               </a:rPr>
               <a:t>but without any redundancy.</a:t>
             </a:r>
+            <a:r>
+              <a:rPr lang="zh-TW" altLang="en-US" dirty="0">
+                <a:ea typeface="新細明體" charset="-120"/>
+              </a:rPr>
+              <a:t>我看懂了  純</a:t>
+            </a:r>
+            <a:r>
+              <a:rPr lang="en-US" altLang="zh-TW" dirty="0">
+                <a:ea typeface="新細明體" charset="-120"/>
+              </a:rPr>
+              <a:t>stripe</a:t>
+            </a:r>
+            <a:r>
+              <a:rPr lang="zh-TW" altLang="en-US" dirty="0">
+                <a:ea typeface="新細明體" charset="-120"/>
+              </a:rPr>
+              <a:t>依序分配  可增加</a:t>
+            </a:r>
+            <a:r>
+              <a:rPr lang="en-US" altLang="zh-TW" dirty="0">
+                <a:ea typeface="新細明體" charset="-120"/>
+              </a:rPr>
+              <a:t>4</a:t>
+            </a:r>
+            <a:r>
+              <a:rPr lang="zh-TW" altLang="en-US" dirty="0">
+                <a:ea typeface="新細明體" charset="-120"/>
+              </a:rPr>
+              <a:t>被讀速 </a:t>
+            </a:r>
+            <a:endParaRPr lang="en-US" altLang="zh-TW" dirty="0">
+              <a:ea typeface="新細明體" charset="-120"/>
+            </a:endParaRPr>
+          </a:p>
+          <a:p>
+            <a:r>
+              <a:rPr lang="zh-TW" altLang="en-US" dirty="0">
+                <a:ea typeface="新細明體" charset="-120"/>
+              </a:rPr>
+              <a:t>但沒增加可靠度</a:t>
+            </a:r>
+            <a:endParaRPr lang="en-US" altLang="zh-TW" dirty="0">
+              <a:ea typeface="新細明體" charset="-120"/>
+            </a:endParaRPr>
           </a:p>
           <a:p>
             <a:endParaRPr lang="en-US" altLang="zh-TW" dirty="0">
@@ -16965,7 +18721,25 @@
                 </a:solidFill>
                 <a:ea typeface="新細明體" charset="-120"/>
               </a:rPr>
-              <a:t>disk mirroring</a:t>
+              <a:t>disk mirroring(copy</a:t>
+            </a:r>
+            <a:r>
+              <a:rPr lang="zh-TW" altLang="en-US" dirty="0">
+                <a:solidFill>
+                  <a:srgbClr val="FF0000"/>
+                </a:solidFill>
+                <a:ea typeface="新細明體" charset="-120"/>
+              </a:rPr>
+              <a:t>一份  但沒有</a:t>
+            </a:r>
+            <a:r>
+              <a:rPr lang="en-US" altLang="zh-TW" dirty="0">
+                <a:solidFill>
+                  <a:srgbClr val="FF0000"/>
+                </a:solidFill>
+                <a:ea typeface="新細明體" charset="-120"/>
+              </a:rPr>
+              <a:t>strip)</a:t>
             </a:r>
             <a:r>
               <a:rPr lang="en-US" altLang="zh-TW" dirty="0">
@@ -16996,7 +18770,7 @@
         </p:blipFill>
         <p:spPr bwMode="auto">
           <a:xfrm>
-            <a:off x="1068935" y="2270234"/>
+            <a:off x="3223520" y="2741229"/>
             <a:ext cx="6400092" cy="1375542"/>
           </a:xfrm>
           <a:prstGeom prst="rect">
@@ -17028,7 +18802,7 @@
         </p:blipFill>
         <p:spPr bwMode="auto">
           <a:xfrm>
-            <a:off x="998811" y="4682359"/>
+            <a:off x="972435" y="5124148"/>
             <a:ext cx="7820728" cy="1560293"/>
           </a:xfrm>
           <a:prstGeom prst="rect">
@@ -17145,7 +18919,7 @@
                                         <p:tgtEl>
                                           <p:spTgt spid="31747">
                                             <p:txEl>
-                                              <p:pRg st="4" end="4"/>
+                                              <p:pRg st="1" end="1"/>
                                             </p:txEl>
                                           </p:spTgt>
                                         </p:tgtEl>
@@ -17163,7 +18937,68 @@
                                         <p:tgtEl>
                                           <p:spTgt spid="31747">
                                             <p:txEl>
-                                              <p:pRg st="4" end="4"/>
+                                              <p:pRg st="1" end="1"/>
+                                            </p:txEl>
+                                          </p:spTgt>
+                                        </p:tgtEl>
+                                      </p:cBhvr>
+                                    </p:animEffect>
+                                  </p:childTnLst>
+                                </p:cTn>
+                              </p:par>
+                            </p:childTnLst>
+                          </p:cTn>
+                        </p:par>
+                      </p:childTnLst>
+                    </p:cTn>
+                  </p:par>
+                  <p:par>
+                    <p:cTn id="13" fill="hold">
+                      <p:stCondLst>
+                        <p:cond delay="indefinite"/>
+                      </p:stCondLst>
+                      <p:childTnLst>
+                        <p:par>
+                          <p:cTn id="14" fill="hold">
+                            <p:stCondLst>
+                              <p:cond delay="0"/>
+                            </p:stCondLst>
+                            <p:childTnLst>
+                              <p:par>
+                                <p:cTn id="15" presetID="22" presetClass="entr" presetSubtype="8" fill="hold" grpId="0" nodeType="clickEffect">
+                                  <p:stCondLst>
+                                    <p:cond delay="0"/>
+                                  </p:stCondLst>
+                                  <p:childTnLst>
+                                    <p:set>
+                                      <p:cBhvr>
+                                        <p:cTn id="16" dur="1" fill="hold">
+                                          <p:stCondLst>
+                                            <p:cond delay="0"/>
+                                          </p:stCondLst>
+                                        </p:cTn>
+                                        <p:tgtEl>
+                                          <p:spTgt spid="31747">
+                                            <p:txEl>
+                                              <p:pRg st="5" end="5"/>
+                                            </p:txEl>
+                                          </p:spTgt>
+                                        </p:tgtEl>
+                                        <p:attrNameLst>
+                                          <p:attrName>style.visibility</p:attrName>
+                                        </p:attrNameLst>
+                                      </p:cBhvr>
+                                      <p:to>
+                                        <p:strVal val="visible"/>
+                                      </p:to>
+                                    </p:set>
+                                    <p:animEffect transition="in" filter="wipe(left)">
+                                      <p:cBhvr>
+                                        <p:cTn id="17" dur="1000"/>
+                                        <p:tgtEl>
+                                          <p:spTgt spid="31747">
+                                            <p:txEl>
+                                              <p:pRg st="5" end="5"/>
                                             </p:txEl>
                                           </p:spTgt>
                                         </p:tgtEl>
@@ -17329,6 +19164,127 @@
               <a:t>are used. The disks labeled P store the error-correction bits.</a:t>
             </a:r>
           </a:p>
+          <a:p>
+            <a:r>
+              <a:rPr lang="en-US" altLang="zh-TW" dirty="0">
+                <a:ea typeface="新細明體" charset="-120"/>
+              </a:rPr>
+              <a:t>parity</a:t>
+            </a:r>
+            <a:r>
+              <a:rPr lang="zh-TW" altLang="en-US" dirty="0">
+                <a:ea typeface="新細明體" charset="-120"/>
+              </a:rPr>
+              <a:t>只能檢查</a:t>
+            </a:r>
+            <a:r>
+              <a:rPr lang="en-US" altLang="zh-TW" dirty="0">
+                <a:ea typeface="新細明體" charset="-120"/>
+              </a:rPr>
+              <a:t>1</a:t>
+            </a:r>
+            <a:r>
+              <a:rPr lang="zh-TW" altLang="en-US" dirty="0">
+                <a:ea typeface="新細明體" charset="-120"/>
+              </a:rPr>
+              <a:t>個</a:t>
+            </a:r>
+            <a:r>
+              <a:rPr lang="en-US" altLang="zh-TW" dirty="0">
+                <a:ea typeface="新細明體" charset="-120"/>
+              </a:rPr>
+              <a:t>bit</a:t>
+            </a:r>
+            <a:r>
+              <a:rPr lang="zh-TW" altLang="en-US" dirty="0">
+                <a:ea typeface="新細明體" charset="-120"/>
+              </a:rPr>
+              <a:t>錯和修補   </a:t>
+            </a:r>
+            <a:r>
+              <a:rPr lang="en-US" altLang="zh-TW" dirty="0">
+                <a:ea typeface="新細明體" charset="-120"/>
+              </a:rPr>
+              <a:t>2</a:t>
+            </a:r>
+            <a:r>
+              <a:rPr lang="zh-TW" altLang="en-US" dirty="0">
+                <a:ea typeface="新細明體" charset="-120"/>
+              </a:rPr>
+              <a:t>個以上錯就不準了</a:t>
+            </a:r>
+            <a:endParaRPr lang="en-US" altLang="zh-TW" dirty="0">
+              <a:ea typeface="新細明體" charset="-120"/>
+            </a:endParaRPr>
+          </a:p>
+          <a:p>
+            <a:r>
+              <a:rPr lang="en-US" altLang="zh-TW" dirty="0">
+                <a:ea typeface="新細明體" charset="-120"/>
+              </a:rPr>
+              <a:t>P</a:t>
+            </a:r>
+            <a:r>
+              <a:rPr lang="zh-TW" altLang="en-US" dirty="0">
+                <a:ea typeface="新細明體" charset="-120"/>
+              </a:rPr>
+              <a:t> </a:t>
+            </a:r>
+            <a:r>
+              <a:rPr lang="en-US" altLang="zh-TW" dirty="0">
+                <a:ea typeface="新細明體" charset="-120"/>
+              </a:rPr>
+              <a:t>&gt;</a:t>
+            </a:r>
+            <a:r>
+              <a:rPr lang="zh-TW" altLang="en-US" dirty="0">
+                <a:ea typeface="新細明體" charset="-120"/>
+              </a:rPr>
+              <a:t> </a:t>
+            </a:r>
+            <a:r>
+              <a:rPr lang="en-US" altLang="zh-TW" dirty="0">
+                <a:ea typeface="新細明體" charset="-120"/>
+              </a:rPr>
+              <a:t>parity</a:t>
+            </a:r>
+            <a:r>
+              <a:rPr lang="zh-TW" altLang="en-US" dirty="0">
+                <a:ea typeface="新細明體" charset="-120"/>
+              </a:rPr>
+              <a:t>       </a:t>
+            </a:r>
+            <a:r>
+              <a:rPr lang="en-US" altLang="zh-TW" dirty="0">
+                <a:ea typeface="新細明體" charset="-120"/>
+              </a:rPr>
+              <a:t>P</a:t>
+            </a:r>
+            <a:r>
+              <a:rPr lang="zh-TW" altLang="en-US" dirty="0">
+                <a:ea typeface="新細明體" charset="-120"/>
+              </a:rPr>
+              <a:t>放的越多  越多資訊可以救援</a:t>
+            </a:r>
+            <a:r>
+              <a:rPr lang="en-US" altLang="zh-TW" dirty="0">
+                <a:ea typeface="新細明體" charset="-120"/>
+              </a:rPr>
+              <a:t>	  </a:t>
+            </a:r>
+            <a:r>
+              <a:rPr lang="zh-TW" altLang="en-US" dirty="0">
+                <a:ea typeface="新細明體" charset="-120"/>
+              </a:rPr>
+              <a:t>記憶體</a:t>
+            </a:r>
+            <a:r>
+              <a:rPr lang="en-US" altLang="zh-TW" dirty="0">
+                <a:ea typeface="新細明體" charset="-120"/>
+              </a:rPr>
+              <a:t>		</a:t>
+            </a:r>
+          </a:p>
         </p:txBody>
       </p:sp>
       <p:pic>
@@ -17348,7 +19304,7 @@
         </p:blipFill>
         <p:spPr bwMode="auto">
           <a:xfrm>
-            <a:off x="896172" y="3436884"/>
+            <a:off x="743514" y="4007350"/>
             <a:ext cx="8049649" cy="1801868"/>
           </a:xfrm>
           <a:prstGeom prst="rect">
@@ -17423,6 +19379,128 @@
                                           <p:spTgt spid="31747">
                                             <p:txEl>
                                               <p:pRg st="0" end="0"/>
+                                            </p:txEl>
+                                          </p:spTgt>
+                                        </p:tgtEl>
+                                      </p:cBhvr>
+                                    </p:animEffect>
+                                  </p:childTnLst>
+                                </p:cTn>
+                              </p:par>
+                            </p:childTnLst>
+                          </p:cTn>
+                        </p:par>
+                      </p:childTnLst>
+                    </p:cTn>
+                  </p:par>
+                  <p:par>
+                    <p:cTn id="8" fill="hold">
+                      <p:stCondLst>
+                        <p:cond delay="indefinite"/>
+                      </p:stCondLst>
+                      <p:childTnLst>
+                        <p:par>
+                          <p:cTn id="9" fill="hold">
+                            <p:stCondLst>
+                              <p:cond delay="0"/>
+                            </p:stCondLst>
+                            <p:childTnLst>
+                              <p:par>
+                                <p:cTn id="10" presetID="22" presetClass="entr" presetSubtype="8" fill="hold" grpId="0" nodeType="clickEffect">
+                                  <p:stCondLst>
+                                    <p:cond delay="0"/>
+                                  </p:stCondLst>
+                                  <p:childTnLst>
+                                    <p:set>
+                                      <p:cBhvr>
+                                        <p:cTn id="11" dur="1" fill="hold">
+                                          <p:stCondLst>
+                                            <p:cond delay="0"/>
+                                          </p:stCondLst>
+                                        </p:cTn>
+                                        <p:tgtEl>
+                                          <p:spTgt spid="31747">
+                                            <p:txEl>
+                                              <p:pRg st="1" end="1"/>
+                                            </p:txEl>
+                                          </p:spTgt>
+                                        </p:tgtEl>
+                                        <p:attrNameLst>
+                                          <p:attrName>style.visibility</p:attrName>
+                                        </p:attrNameLst>
+                                      </p:cBhvr>
+                                      <p:to>
+                                        <p:strVal val="visible"/>
+                                      </p:to>
+                                    </p:set>
+                                    <p:animEffect transition="in" filter="wipe(left)">
+                                      <p:cBhvr>
+                                        <p:cTn id="12" dur="1000"/>
+                                        <p:tgtEl>
+                                          <p:spTgt spid="31747">
+                                            <p:txEl>
+                                              <p:pRg st="1" end="1"/>
+                                            </p:txEl>
+                                          </p:spTgt>
+                                        </p:tgtEl>
+                                      </p:cBhvr>
+                                    </p:animEffect>
+                                  </p:childTnLst>
+                                </p:cTn>
+                              </p:par>
+                            </p:childTnLst>
+                          </p:cTn>
+                        </p:par>
+                      </p:childTnLst>
+                    </p:cTn>
+                  </p:par>
+                  <p:par>
+                    <p:cTn id="13" fill="hold">
+                      <p:stCondLst>
+                        <p:cond delay="indefinite"/>
+                      </p:stCondLst>
+                      <p:childTnLst>
+                        <p:par>
+                          <p:cTn id="14" fill="hold">
+                            <p:stCondLst>
+                              <p:cond delay="0"/>
+                            </p:stCondLst>
+                            <p:childTnLst>
+                              <p:par>
+                                <p:cTn id="15" presetID="22" presetClass="entr" presetSubtype="8" fill="hold" grpId="0" nodeType="clickEffect">
+                                  <p:stCondLst>
+                                    <p:cond delay="0"/>
+                                  </p:stCondLst>
+                                  <p:childTnLst>
+                                    <p:set>
+                                      <p:cBhvr>
+                                        <p:cTn id="16" dur="1" fill="hold">
+                                          <p:stCondLst>
+                                            <p:cond delay="0"/>
+                                          </p:stCondLst>
+                                        </p:cTn>
+                                        <p:tgtEl>
+                                          <p:spTgt spid="31747">
+                                            <p:txEl>
+                                              <p:pRg st="2" end="2"/>
+                                            </p:txEl>
+                                          </p:spTgt>
+                                        </p:tgtEl>
+                                        <p:attrNameLst>
+                                          <p:attrName>style.visibility</p:attrName>
+                                        </p:attrNameLst>
+                                      </p:cBhvr>
+                                      <p:to>
+                                        <p:strVal val="visible"/>
+                                      </p:to>
+                                    </p:set>
+                                    <p:animEffect transition="in" filter="wipe(left)">
+                                      <p:cBhvr>
+                                        <p:cTn id="17" dur="1000"/>
+                                        <p:tgtEl>
+                                          <p:spTgt spid="31747">
+                                            <p:txEl>
+                                              <p:pRg st="2" end="2"/>
                                             </p:txEl>
                                           </p:spTgt>
                                         </p:tgtEl>
@@ -19520,7 +21598,19 @@
               <a:rPr lang="en-US" altLang="zh-TW" sz="2800" dirty="0">
                 <a:ea typeface="新細明體" charset="-120"/>
               </a:rPr>
-              <a:t>Magnetic disks provide bulk of secondary storage of modern computers</a:t>
+              <a:t>Magnetic disks provide bulk</a:t>
+            </a:r>
+            <a:r>
+              <a:rPr lang="zh-TW" altLang="en-US" sz="2800" dirty="0">
+                <a:ea typeface="新細明體" charset="-120"/>
+              </a:rPr>
+              <a:t>提供大量儲存空間</a:t>
+            </a:r>
+            <a:r>
+              <a:rPr lang="en-US" altLang="zh-TW" sz="2800" dirty="0">
+                <a:ea typeface="新細明體" charset="-120"/>
+              </a:rPr>
+              <a:t> of secondary storage of modern computers</a:t>
             </a:r>
           </a:p>
           <a:p>
@@ -19670,6 +21760,15 @@
               </a:rPr>
               <a:t>That’s bad</a:t>
             </a:r>
+            <a:r>
+              <a:rPr lang="zh-TW" altLang="en-US" sz="2800" dirty="0">
+                <a:ea typeface="新細明體" charset="-120"/>
+              </a:rPr>
+              <a:t>  磁頭壓到磁碟刮壞</a:t>
+            </a:r>
+            <a:endParaRPr lang="en-US" altLang="zh-TW" sz="2800" dirty="0">
+              <a:ea typeface="新細明體" charset="-120"/>
+            </a:endParaRPr>
           </a:p>
           <a:p>
             <a:endParaRPr lang="en-US" altLang="zh-TW" sz="2800" dirty="0">
@@ -29836,8 +31935,23 @@
               <a:rPr lang="en-US" altLang="zh-TW" sz="2400" dirty="0">
                 <a:ea typeface="新細明體" charset="-120"/>
               </a:rPr>
-              <a:t>Access time slow</a:t>
-            </a:r>
+              <a:t>Access time slow    sequential</a:t>
+            </a:r>
+            <a:r>
+              <a:rPr lang="zh-TW" altLang="en-US" sz="2400" dirty="0">
+                <a:ea typeface="新細明體" charset="-120"/>
+              </a:rPr>
+              <a:t>慢慢找</a:t>
+            </a:r>
+            <a:r>
+              <a:rPr lang="zh-TW" altLang="en-US" dirty="0">
+                <a:ea typeface="新細明體" charset="-120"/>
+              </a:rPr>
+              <a:t>  不是慢在傳輸 是慢在尋找</a:t>
+            </a:r>
+            <a:endParaRPr lang="en-US" altLang="zh-TW" sz="2400" dirty="0">
+              <a:ea typeface="新細明體" charset="-120"/>
+            </a:endParaRPr>
           </a:p>
           <a:p>
             <a:pPr lvl="1"/>
@@ -30966,7 +33080,19 @@
               <a:rPr lang="en-US" altLang="zh-TW" sz="2400" dirty="0">
                 <a:ea typeface="新細明體" charset="-120"/>
               </a:rPr>
-              <a:t>SCSI itself is a bus, up to 16 devices on one cable, </a:t>
+              <a:t>SCSI itself is a bus, up to </a:t>
+            </a:r>
+            <a:r>
+              <a:rPr lang="zh-TW" altLang="en-US" sz="2400" dirty="0">
+                <a:ea typeface="新細明體" charset="-120"/>
+              </a:rPr>
+              <a:t>可以接</a:t>
+            </a:r>
+            <a:r>
+              <a:rPr lang="en-US" altLang="zh-TW" sz="2400" dirty="0">
+                <a:ea typeface="新細明體" charset="-120"/>
+              </a:rPr>
+              <a:t>16 devices on one cable, </a:t>
             </a:r>
             <a:r>
               <a:rPr lang="en-US" altLang="zh-TW" sz="2400" b="1" dirty="0">
@@ -30990,7 +33116,19 @@
               <a:rPr lang="en-US" altLang="zh-TW" sz="2400" dirty="0">
                 <a:ea typeface="新細明體" charset="-120"/>
               </a:rPr>
-              <a:t>requests operation and </a:t>
+              <a:t>requests</a:t>
+            </a:r>
+            <a:r>
+              <a:rPr lang="zh-TW" altLang="en-US" sz="2400" dirty="0">
+                <a:ea typeface="新細明體" charset="-120"/>
+              </a:rPr>
+              <a:t>派工</a:t>
+            </a:r>
+            <a:r>
+              <a:rPr lang="en-US" altLang="zh-TW" sz="2400" dirty="0">
+                <a:ea typeface="新細明體" charset="-120"/>
+              </a:rPr>
+              <a:t> operation and </a:t>
             </a:r>
             <a:r>
               <a:rPr lang="en-US" altLang="zh-TW" sz="2400" b="1" dirty="0">
@@ -31016,6 +33154,15 @@
               </a:rPr>
               <a:t>perform tasks </a:t>
             </a:r>
+            <a:r>
+              <a:rPr lang="zh-TW" altLang="en-US" dirty="0">
+                <a:ea typeface="新細明體" charset="-120"/>
+              </a:rPr>
+              <a:t>執行</a:t>
+            </a:r>
+            <a:endParaRPr lang="en-US" altLang="zh-TW" sz="2400" dirty="0">
+              <a:ea typeface="新細明體" charset="-120"/>
+            </a:endParaRPr>
           </a:p>
           <a:p>
             <a:pPr lvl="1"/>
@@ -31023,7 +33170,7 @@
               <a:rPr lang="en-US" altLang="zh-TW" sz="2400" dirty="0">
                 <a:ea typeface="新細明體" charset="-120"/>
               </a:rPr>
-              <a:t>Each target can have up to </a:t>
+              <a:t>Each </a:t>
             </a:r>
             <a:r>
               <a:rPr lang="en-US" altLang="zh-TW" sz="2400" dirty="0">
@@ -31032,6 +33179,21 @@
                 </a:solidFill>
                 <a:ea typeface="新細明體" charset="-120"/>
               </a:rPr>
+              <a:t>target</a:t>
+            </a:r>
+            <a:r>
+              <a:rPr lang="en-US" altLang="zh-TW" sz="2400" dirty="0">
+                <a:ea typeface="新細明體" charset="-120"/>
+              </a:rPr>
+              <a:t> can have up to </a:t>
+            </a:r>
+            <a:r>
+              <a:rPr lang="en-US" altLang="zh-TW" sz="2400" dirty="0">
+                <a:solidFill>
+                  <a:srgbClr val="FF0000"/>
+                </a:solidFill>
+                <a:ea typeface="新細明體" charset="-120"/>
+              </a:rPr>
               <a:t>8 </a:t>
             </a:r>
             <a:r>
@@ -31056,8 +33218,17 @@
               <a:rPr lang="en-US" altLang="zh-TW" sz="2400" dirty="0">
                 <a:ea typeface="新細明體" charset="-120"/>
               </a:rPr>
-              <a:t>(disks attached to device controller)</a:t>
-            </a:r>
+              <a:t>(disks attached to device controller)8</a:t>
+            </a:r>
+            <a:r>
+              <a:rPr lang="zh-TW" altLang="en-US" sz="2400" dirty="0">
+                <a:ea typeface="新細明體" charset="-120"/>
+              </a:rPr>
+              <a:t>個硬碟</a:t>
+            </a:r>
+            <a:endParaRPr lang="en-US" altLang="zh-TW" sz="2400" dirty="0">
+              <a:ea typeface="新細明體" charset="-120"/>
+            </a:endParaRPr>
           </a:p>
           <a:p>
             <a:r>
@@ -31082,7 +33253,34 @@
                 </a:solidFill>
                 <a:ea typeface="新細明體" charset="-120"/>
               </a:rPr>
-              <a:t>switched fabric </a:t>
+              <a:t>switched fabric</a:t>
+            </a:r>
+            <a:r>
+              <a:rPr lang="zh-TW" altLang="en-US" dirty="0">
+                <a:solidFill>
+                  <a:srgbClr val="FF0000"/>
+                </a:solidFill>
+                <a:ea typeface="新細明體" charset="-120"/>
+              </a:rPr>
+              <a:t>這是一個概念豐富的專有名詞</a:t>
+            </a:r>
+            <a:r>
+              <a:rPr lang="en-US" altLang="zh-TW" dirty="0">
+                <a:solidFill>
+                  <a:srgbClr val="FF0000"/>
+                </a:solidFill>
+                <a:ea typeface="新細明體" charset="-120"/>
+              </a:rPr>
+              <a:t>wiki    </a:t>
+            </a:r>
+            <a:r>
+              <a:rPr lang="en-US" altLang="zh-TW" sz="2400" b="1" dirty="0">
+                <a:solidFill>
+                  <a:srgbClr val="FF0000"/>
+                </a:solidFill>
+                <a:ea typeface="新細明體" charset="-120"/>
+              </a:rPr>
+              <a:t> </a:t>
             </a:r>
             <a:r>
               <a:rPr lang="en-US" altLang="zh-TW" sz="2400" dirty="0">

--- a/ch12.pptx
+++ b/ch12.pptx
@@ -5,10 +5,10 @@
     <p:sldMasterId id="2147483662" r:id="rId1"/>
   </p:sldMasterIdLst>
   <p:notesMasterIdLst>
-    <p:notesMasterId r:id="rId61"/>
+    <p:notesMasterId r:id="rId62"/>
   </p:notesMasterIdLst>
   <p:handoutMasterIdLst>
-    <p:handoutMasterId r:id="rId62"/>
+    <p:handoutMasterId r:id="rId63"/>
   </p:handoutMasterIdLst>
   <p:sldIdLst>
     <p:sldId id="802" r:id="rId2"/>
@@ -48,28 +48,29 @@
     <p:sldId id="857" r:id="rId36"/>
     <p:sldId id="860" r:id="rId37"/>
     <p:sldId id="831" r:id="rId38"/>
-    <p:sldId id="832" r:id="rId39"/>
-    <p:sldId id="834" r:id="rId40"/>
-    <p:sldId id="833" r:id="rId41"/>
-    <p:sldId id="835" r:id="rId42"/>
-    <p:sldId id="836" r:id="rId43"/>
-    <p:sldId id="837" r:id="rId44"/>
-    <p:sldId id="838" r:id="rId45"/>
-    <p:sldId id="839" r:id="rId46"/>
-    <p:sldId id="840" r:id="rId47"/>
-    <p:sldId id="841" r:id="rId48"/>
-    <p:sldId id="842" r:id="rId49"/>
-    <p:sldId id="843" r:id="rId50"/>
-    <p:sldId id="844" r:id="rId51"/>
-    <p:sldId id="845" r:id="rId52"/>
-    <p:sldId id="846" r:id="rId53"/>
-    <p:sldId id="847" r:id="rId54"/>
-    <p:sldId id="848" r:id="rId55"/>
-    <p:sldId id="849" r:id="rId56"/>
-    <p:sldId id="850" r:id="rId57"/>
-    <p:sldId id="851" r:id="rId58"/>
-    <p:sldId id="852" r:id="rId59"/>
-    <p:sldId id="853" r:id="rId60"/>
+    <p:sldId id="861" r:id="rId39"/>
+    <p:sldId id="832" r:id="rId40"/>
+    <p:sldId id="834" r:id="rId41"/>
+    <p:sldId id="833" r:id="rId42"/>
+    <p:sldId id="835" r:id="rId43"/>
+    <p:sldId id="836" r:id="rId44"/>
+    <p:sldId id="837" r:id="rId45"/>
+    <p:sldId id="838" r:id="rId46"/>
+    <p:sldId id="839" r:id="rId47"/>
+    <p:sldId id="840" r:id="rId48"/>
+    <p:sldId id="841" r:id="rId49"/>
+    <p:sldId id="842" r:id="rId50"/>
+    <p:sldId id="843" r:id="rId51"/>
+    <p:sldId id="844" r:id="rId52"/>
+    <p:sldId id="845" r:id="rId53"/>
+    <p:sldId id="846" r:id="rId54"/>
+    <p:sldId id="847" r:id="rId55"/>
+    <p:sldId id="848" r:id="rId56"/>
+    <p:sldId id="849" r:id="rId57"/>
+    <p:sldId id="850" r:id="rId58"/>
+    <p:sldId id="851" r:id="rId59"/>
+    <p:sldId id="852" r:id="rId60"/>
+    <p:sldId id="853" r:id="rId61"/>
   </p:sldIdLst>
   <p:sldSz cx="9144000" cy="6858000" type="screen4x3"/>
   <p:notesSz cx="6881813" cy="9296400"/>
@@ -3849,11 +3850,7 @@
             </a:r>
             <a:r>
               <a:rPr lang="en-US" altLang="zh-TW" dirty="0"/>
-              <a:t>4  </a:t>
-            </a:r>
-            <a:r>
-              <a:rPr lang="en-US" altLang="zh-TW"/>
-              <a:t>block level</a:t>
+              <a:t>4  block level   12-6 end</a:t>
             </a:r>
             <a:endParaRPr lang="zh-TW" altLang="zh-TW" dirty="0"/>
           </a:p>
@@ -3943,7 +3940,55 @@
           <a:lstStyle/>
           <a:p>
             <a:pPr eaLnBrk="1" hangingPunct="1"/>
-            <a:endParaRPr lang="zh-TW" altLang="zh-TW"/>
+            <a:r>
+              <a:rPr lang="en-US" altLang="zh-TW" dirty="0"/>
+              <a:t>level 5 </a:t>
+            </a:r>
+            <a:r>
+              <a:rPr lang="zh-TW" altLang="en-US" dirty="0"/>
+              <a:t>比 </a:t>
+            </a:r>
+            <a:r>
+              <a:rPr lang="en-US" altLang="zh-TW" dirty="0"/>
+              <a:t>4 </a:t>
+            </a:r>
+            <a:r>
+              <a:rPr lang="zh-TW" altLang="en-US" dirty="0"/>
+              <a:t>多了</a:t>
+            </a:r>
+            <a:r>
+              <a:rPr lang="en-US" altLang="zh-TW" dirty="0"/>
+              <a:t>distributed   </a:t>
+            </a:r>
+            <a:r>
+              <a:rPr lang="zh-TW" altLang="en-US" dirty="0"/>
+              <a:t>所以可以看到 </a:t>
+            </a:r>
+            <a:r>
+              <a:rPr lang="en-US" altLang="zh-TW" dirty="0"/>
+              <a:t>4</a:t>
+            </a:r>
+            <a:r>
+              <a:rPr lang="zh-TW" altLang="en-US" dirty="0"/>
+              <a:t> 是 </a:t>
+            </a:r>
+            <a:r>
+              <a:rPr lang="en-US" altLang="zh-TW" dirty="0"/>
+              <a:t>P</a:t>
+            </a:r>
+            <a:r>
+              <a:rPr lang="zh-TW" altLang="en-US" dirty="0"/>
+              <a:t> 在一個獨立的</a:t>
+            </a:r>
+            <a:r>
+              <a:rPr lang="en-US" altLang="zh-TW" dirty="0"/>
+              <a:t>disk   5 </a:t>
+            </a:r>
+            <a:r>
+              <a:rPr lang="zh-TW" altLang="en-US" dirty="0"/>
+              <a:t>是分散在每一個</a:t>
+            </a:r>
+            <a:endParaRPr lang="zh-TW" altLang="zh-TW" dirty="0"/>
           </a:p>
         </p:txBody>
       </p:sp>
@@ -3956,6 +4001,270 @@
 </file>
 
 <file path=ppt/notesSlides/notesSlide35.xml><?xml version="1.0" encoding="utf-8"?>
+<p:notes xmlns:a="http://schemas.openxmlformats.org/drawingml/2006/main" xmlns:r="http://schemas.openxmlformats.org/officeDocument/2006/relationships" xmlns:p="http://schemas.openxmlformats.org/presentationml/2006/main">
+  <p:cSld>
+    <p:spTree>
+      <p:nvGrpSpPr>
+        <p:cNvPr id="1" name=""/>
+        <p:cNvGrpSpPr/>
+        <p:nvPr/>
+      </p:nvGrpSpPr>
+      <p:grpSpPr>
+        <a:xfrm>
+          <a:off x="0" y="0"/>
+          <a:ext cx="0" cy="0"/>
+          <a:chOff x="0" y="0"/>
+          <a:chExt cx="0" cy="0"/>
+        </a:xfrm>
+      </p:grpSpPr>
+      <p:sp>
+        <p:nvSpPr>
+          <p:cNvPr id="2" name="Slide Image Placeholder 1"/>
+          <p:cNvSpPr>
+            <a:spLocks noGrp="1" noRot="1" noChangeAspect="1"/>
+          </p:cNvSpPr>
+          <p:nvPr>
+            <p:ph type="sldImg"/>
+          </p:nvPr>
+        </p:nvSpPr>
+        <p:spPr/>
+      </p:sp>
+      <p:sp>
+        <p:nvSpPr>
+          <p:cNvPr id="3" name="Notes Placeholder 2"/>
+          <p:cNvSpPr>
+            <a:spLocks noGrp="1"/>
+          </p:cNvSpPr>
+          <p:nvPr>
+            <p:ph type="body" idx="1"/>
+          </p:nvPr>
+        </p:nvSpPr>
+        <p:spPr/>
+        <p:txBody>
+          <a:bodyPr/>
+          <a:lstStyle/>
+          <a:p>
+            <a:r>
+              <a:rPr lang="zh-TW" altLang="en-US" dirty="0"/>
+              <a:t>可壞兩顆    每</a:t>
+            </a:r>
+            <a:r>
+              <a:rPr lang="en-US" altLang="zh-TW" dirty="0"/>
+              <a:t>4</a:t>
+            </a:r>
+            <a:r>
+              <a:rPr lang="zh-TW" altLang="en-US" dirty="0"/>
+              <a:t>個</a:t>
+            </a:r>
+            <a:r>
+              <a:rPr lang="en-US" altLang="zh-TW" dirty="0"/>
+              <a:t>bit </a:t>
+            </a:r>
+            <a:r>
+              <a:rPr lang="zh-TW" altLang="en-US" dirty="0"/>
+              <a:t>用兩個</a:t>
+            </a:r>
+            <a:r>
+              <a:rPr lang="en-US" altLang="zh-TW" dirty="0"/>
+              <a:t>bit</a:t>
+            </a:r>
+            <a:r>
+              <a:rPr lang="zh-TW" altLang="en-US" dirty="0"/>
+              <a:t>去備份    使得</a:t>
+            </a:r>
+            <a:r>
+              <a:rPr lang="en-US" altLang="zh-TW" dirty="0"/>
+              <a:t>4 bit</a:t>
+            </a:r>
+            <a:r>
+              <a:rPr lang="zh-TW" altLang="en-US" dirty="0"/>
+              <a:t> 任意錯兩個</a:t>
+            </a:r>
+            <a:r>
+              <a:rPr lang="en-US" altLang="zh-TW" dirty="0"/>
+              <a:t>bit</a:t>
+            </a:r>
+            <a:r>
+              <a:rPr lang="zh-TW" altLang="en-US" dirty="0"/>
+              <a:t>都可以救回來</a:t>
+            </a:r>
+            <a:endParaRPr lang="en-US" dirty="0"/>
+          </a:p>
+        </p:txBody>
+      </p:sp>
+      <p:sp>
+        <p:nvSpPr>
+          <p:cNvPr id="4" name="Slide Number Placeholder 3"/>
+          <p:cNvSpPr>
+            <a:spLocks noGrp="1"/>
+          </p:cNvSpPr>
+          <p:nvPr>
+            <p:ph type="sldNum" sz="quarter" idx="5"/>
+          </p:nvPr>
+        </p:nvSpPr>
+        <p:spPr/>
+        <p:txBody>
+          <a:bodyPr/>
+          <a:lstStyle/>
+          <a:p>
+            <a:pPr>
+              <a:defRPr/>
+            </a:pPr>
+            <a:fld id="{7BD386D6-668B-4035-A22F-93BFA815CF3F}" type="slidenum">
+              <a:rPr lang="en-US" altLang="zh-TW" smtClean="0"/>
+              <a:pPr>
+                <a:defRPr/>
+              </a:pPr>
+              <a:t>37</a:t>
+            </a:fld>
+            <a:endParaRPr lang="en-US" altLang="zh-TW"/>
+          </a:p>
+        </p:txBody>
+      </p:sp>
+    </p:spTree>
+    <p:extLst>
+      <p:ext uri="{BB962C8B-B14F-4D97-AF65-F5344CB8AC3E}">
+        <p14:creationId xmlns:p14="http://schemas.microsoft.com/office/powerpoint/2010/main" val="2197775134"/>
+      </p:ext>
+    </p:extLst>
+  </p:cSld>
+  <p:clrMapOvr>
+    <a:masterClrMapping/>
+  </p:clrMapOvr>
+</p:notes>
+</file>
+
+<file path=ppt/notesSlides/notesSlide36.xml><?xml version="1.0" encoding="utf-8"?>
+<p:notes xmlns:a="http://schemas.openxmlformats.org/drawingml/2006/main" xmlns:r="http://schemas.openxmlformats.org/officeDocument/2006/relationships" xmlns:p="http://schemas.openxmlformats.org/presentationml/2006/main">
+  <p:cSld>
+    <p:spTree>
+      <p:nvGrpSpPr>
+        <p:cNvPr id="1" name=""/>
+        <p:cNvGrpSpPr/>
+        <p:nvPr/>
+      </p:nvGrpSpPr>
+      <p:grpSpPr>
+        <a:xfrm>
+          <a:off x="0" y="0"/>
+          <a:ext cx="0" cy="0"/>
+          <a:chOff x="0" y="0"/>
+          <a:chExt cx="0" cy="0"/>
+        </a:xfrm>
+      </p:grpSpPr>
+      <p:sp>
+        <p:nvSpPr>
+          <p:cNvPr id="2" name="Slide Image Placeholder 1"/>
+          <p:cNvSpPr>
+            <a:spLocks noGrp="1" noRot="1" noChangeAspect="1"/>
+          </p:cNvSpPr>
+          <p:nvPr>
+            <p:ph type="sldImg"/>
+          </p:nvPr>
+        </p:nvSpPr>
+        <p:spPr/>
+      </p:sp>
+      <p:sp>
+        <p:nvSpPr>
+          <p:cNvPr id="3" name="Notes Placeholder 2"/>
+          <p:cNvSpPr>
+            <a:spLocks noGrp="1"/>
+          </p:cNvSpPr>
+          <p:nvPr>
+            <p:ph type="body" idx="1"/>
+          </p:nvPr>
+        </p:nvSpPr>
+        <p:spPr/>
+        <p:txBody>
+          <a:bodyPr/>
+          <a:lstStyle/>
+          <a:p>
+            <a:r>
+              <a:rPr lang="en-US" dirty="0"/>
+              <a:t>1 drive tolerance </a:t>
+            </a:r>
+            <a:r>
+              <a:rPr lang="zh-TW" altLang="en-US" dirty="0"/>
+              <a:t>表  任一顆壞掉都可救   因為一顆壞  上面的</a:t>
+            </a:r>
+            <a:r>
+              <a:rPr lang="en-US" altLang="zh-TW" dirty="0"/>
+              <a:t>data</a:t>
+            </a:r>
+            <a:r>
+              <a:rPr lang="zh-TW" altLang="en-US" dirty="0"/>
+              <a:t>可以用其他顆的</a:t>
+            </a:r>
+            <a:r>
+              <a:rPr lang="en-US" altLang="zh-TW" dirty="0"/>
+              <a:t>parity</a:t>
+            </a:r>
+            <a:r>
+              <a:rPr lang="zh-TW" altLang="en-US" dirty="0"/>
+              <a:t>救回  上面的</a:t>
+            </a:r>
+            <a:r>
+              <a:rPr lang="en-US" altLang="zh-TW" dirty="0"/>
+              <a:t>parity</a:t>
+            </a:r>
+            <a:r>
+              <a:rPr lang="zh-TW" altLang="en-US" dirty="0"/>
+              <a:t>壞  </a:t>
+            </a:r>
+            <a:r>
+              <a:rPr lang="en-US" altLang="zh-TW" dirty="0"/>
+              <a:t>data</a:t>
+            </a:r>
+            <a:r>
+              <a:rPr lang="zh-TW" altLang="en-US" dirty="0"/>
+              <a:t>本來就存在其他顆 沒影響</a:t>
+            </a:r>
+            <a:endParaRPr lang="en-US" dirty="0"/>
+          </a:p>
+        </p:txBody>
+      </p:sp>
+      <p:sp>
+        <p:nvSpPr>
+          <p:cNvPr id="4" name="Slide Number Placeholder 3"/>
+          <p:cNvSpPr>
+            <a:spLocks noGrp="1"/>
+          </p:cNvSpPr>
+          <p:nvPr>
+            <p:ph type="sldNum" sz="quarter" idx="5"/>
+          </p:nvPr>
+        </p:nvSpPr>
+        <p:spPr/>
+        <p:txBody>
+          <a:bodyPr/>
+          <a:lstStyle/>
+          <a:p>
+            <a:pPr>
+              <a:defRPr/>
+            </a:pPr>
+            <a:fld id="{7BD386D6-668B-4035-A22F-93BFA815CF3F}" type="slidenum">
+              <a:rPr lang="en-US" altLang="zh-TW" smtClean="0"/>
+              <a:pPr>
+                <a:defRPr/>
+              </a:pPr>
+              <a:t>38</a:t>
+            </a:fld>
+            <a:endParaRPr lang="en-US" altLang="zh-TW"/>
+          </a:p>
+        </p:txBody>
+      </p:sp>
+    </p:spTree>
+    <p:extLst>
+      <p:ext uri="{BB962C8B-B14F-4D97-AF65-F5344CB8AC3E}">
+        <p14:creationId xmlns:p14="http://schemas.microsoft.com/office/powerpoint/2010/main" val="905810829"/>
+      </p:ext>
+    </p:extLst>
+  </p:cSld>
+  <p:clrMapOvr>
+    <a:masterClrMapping/>
+  </p:clrMapOvr>
+</p:notes>
+</file>
+
+<file path=ppt/notesSlides/notesSlide37.xml><?xml version="1.0" encoding="utf-8"?>
 <p:notes xmlns:a="http://schemas.openxmlformats.org/drawingml/2006/main" xmlns:r="http://schemas.openxmlformats.org/officeDocument/2006/relationships" xmlns:p="http://schemas.openxmlformats.org/presentationml/2006/main">
   <p:cSld>
     <p:spTree>
@@ -3992,7 +4301,7 @@
             <a:fld id="{EF475D60-2F1D-4006-8F94-D2E923E6A754}" type="slidenum">
               <a:rPr lang="en-US" altLang="zh-TW" smtClean="0"/>
               <a:pPr/>
-              <a:t>38</a:t>
+              <a:t>39</a:t>
             </a:fld>
             <a:endParaRPr lang="en-US" altLang="zh-TW"/>
           </a:p>
@@ -4031,7 +4340,11 @@
           <a:lstStyle/>
           <a:p>
             <a:pPr eaLnBrk="1" hangingPunct="1"/>
-            <a:endParaRPr lang="zh-TW" altLang="zh-TW"/>
+            <a:r>
+              <a:rPr lang="zh-TW" altLang="en-US" dirty="0"/>
+              <a:t>整理</a:t>
+            </a:r>
+            <a:endParaRPr lang="zh-TW" altLang="zh-TW" dirty="0"/>
           </a:p>
         </p:txBody>
       </p:sp>
@@ -4043,7 +4356,7 @@
 </p:notes>
 </file>
 
-<file path=ppt/notesSlides/notesSlide36.xml><?xml version="1.0" encoding="utf-8"?>
+<file path=ppt/notesSlides/notesSlide38.xml><?xml version="1.0" encoding="utf-8"?>
 <p:notes xmlns:a="http://schemas.openxmlformats.org/drawingml/2006/main" xmlns:r="http://schemas.openxmlformats.org/officeDocument/2006/relationships" xmlns:p="http://schemas.openxmlformats.org/presentationml/2006/main">
   <p:cSld>
     <p:spTree>
@@ -4080,7 +4393,7 @@
             <a:fld id="{ABAB45A0-6459-4CB2-9E9E-FAB61373D5C4}" type="slidenum">
               <a:rPr lang="en-US" altLang="zh-TW" smtClean="0"/>
               <a:pPr/>
-              <a:t>40</a:t>
+              <a:t>41</a:t>
             </a:fld>
             <a:endParaRPr lang="en-US" altLang="zh-TW"/>
           </a:p>
@@ -4119,7 +4432,74 @@
           <a:lstStyle/>
           <a:p>
             <a:pPr eaLnBrk="1" hangingPunct="1"/>
-            <a:endParaRPr lang="zh-TW" altLang="zh-TW"/>
+            <a:r>
+              <a:rPr lang="en-US" altLang="zh-TW" dirty="0"/>
+              <a:t>0+1</a:t>
+            </a:r>
+            <a:r>
+              <a:rPr lang="zh-TW" altLang="en-US" dirty="0"/>
+              <a:t>先分散再複製  因為</a:t>
+            </a:r>
+            <a:r>
+              <a:rPr lang="en-US" altLang="zh-TW" dirty="0"/>
+              <a:t>0</a:t>
+            </a:r>
+            <a:r>
+              <a:rPr lang="zh-TW" altLang="en-US" dirty="0"/>
+              <a:t>本身沒有容錯  所以錯一個單邊全部都沒用了    但是</a:t>
+            </a:r>
+            <a:r>
+              <a:rPr lang="en-US" altLang="zh-TW" dirty="0"/>
+              <a:t>1+0</a:t>
+            </a:r>
+            <a:r>
+              <a:rPr lang="zh-TW" altLang="en-US" dirty="0"/>
+              <a:t> 類似 </a:t>
+            </a:r>
+            <a:r>
+              <a:rPr lang="en-US" altLang="zh-TW" dirty="0"/>
+              <a:t>1</a:t>
+            </a:r>
+            <a:r>
+              <a:rPr lang="zh-TW" altLang="en-US" dirty="0"/>
+              <a:t>個先</a:t>
+            </a:r>
+            <a:r>
+              <a:rPr lang="en-US" altLang="zh-TW" dirty="0"/>
+              <a:t>copy</a:t>
+            </a:r>
+            <a:r>
+              <a:rPr lang="zh-TW" altLang="en-US" dirty="0"/>
+              <a:t>出下面一個  然後再往右繼續</a:t>
+            </a:r>
+            <a:r>
+              <a:rPr lang="en-US" altLang="zh-TW" dirty="0"/>
+              <a:t>copy</a:t>
+            </a:r>
+            <a:r>
+              <a:rPr lang="zh-TW" altLang="en-US" dirty="0"/>
+              <a:t>  所以 單邊錯一個  其他看起來都是</a:t>
+            </a:r>
+            <a:r>
+              <a:rPr lang="en-US" altLang="zh-TW" dirty="0"/>
+              <a:t>copy  </a:t>
+            </a:r>
+            <a:r>
+              <a:rPr lang="zh-TW" altLang="en-US" dirty="0"/>
+              <a:t>所以都可用    不過我就想這樣真的有</a:t>
+            </a:r>
+            <a:r>
+              <a:rPr lang="en-US" altLang="zh-TW" dirty="0"/>
+              <a:t>0</a:t>
+            </a:r>
+            <a:r>
+              <a:rPr lang="zh-TW" altLang="en-US" dirty="0"/>
+              <a:t>的</a:t>
+            </a:r>
+            <a:r>
+              <a:rPr lang="en-US" altLang="zh-TW" dirty="0"/>
+              <a:t>parity ??</a:t>
+            </a:r>
           </a:p>
         </p:txBody>
       </p:sp>
@@ -4131,7 +4511,7 @@
 </p:notes>
 </file>
 
-<file path=ppt/notesSlides/notesSlide37.xml><?xml version="1.0" encoding="utf-8"?>
+<file path=ppt/notesSlides/notesSlide39.xml><?xml version="1.0" encoding="utf-8"?>
 <p:notes xmlns:a="http://schemas.openxmlformats.org/drawingml/2006/main" xmlns:r="http://schemas.openxmlformats.org/officeDocument/2006/relationships" xmlns:p="http://schemas.openxmlformats.org/presentationml/2006/main">
   <p:cSld>
     <p:spTree>
@@ -4168,7 +4548,7 @@
             <a:fld id="{F559BD0D-CF73-495A-B382-C1D6451F2CF9}" type="slidenum">
               <a:rPr lang="en-US" altLang="zh-TW" smtClean="0"/>
               <a:pPr/>
-              <a:t>41</a:t>
+              <a:t>42</a:t>
             </a:fld>
             <a:endParaRPr lang="en-US" altLang="zh-TW"/>
           </a:p>
@@ -4191,182 +4571,6 @@
       <p:sp>
         <p:nvSpPr>
           <p:cNvPr id="89092" name="Rectangle 3"/>
-          <p:cNvSpPr>
-            <a:spLocks noGrp="1" noChangeArrowheads="1"/>
-          </p:cNvSpPr>
-          <p:nvPr>
-            <p:ph type="body" idx="1"/>
-          </p:nvPr>
-        </p:nvSpPr>
-        <p:spPr>
-          <a:noFill/>
-          <a:ln/>
-        </p:spPr>
-        <p:txBody>
-          <a:bodyPr/>
-          <a:lstStyle/>
-          <a:p>
-            <a:pPr eaLnBrk="1" hangingPunct="1"/>
-            <a:endParaRPr lang="zh-TW" altLang="zh-TW"/>
-          </a:p>
-        </p:txBody>
-      </p:sp>
-    </p:spTree>
-  </p:cSld>
-  <p:clrMapOvr>
-    <a:masterClrMapping/>
-  </p:clrMapOvr>
-</p:notes>
-</file>
-
-<file path=ppt/notesSlides/notesSlide38.xml><?xml version="1.0" encoding="utf-8"?>
-<p:notes xmlns:a="http://schemas.openxmlformats.org/drawingml/2006/main" xmlns:r="http://schemas.openxmlformats.org/officeDocument/2006/relationships" xmlns:p="http://schemas.openxmlformats.org/presentationml/2006/main">
-  <p:cSld>
-    <p:spTree>
-      <p:nvGrpSpPr>
-        <p:cNvPr id="1" name=""/>
-        <p:cNvGrpSpPr/>
-        <p:nvPr/>
-      </p:nvGrpSpPr>
-      <p:grpSpPr>
-        <a:xfrm>
-          <a:off x="0" y="0"/>
-          <a:ext cx="0" cy="0"/>
-          <a:chOff x="0" y="0"/>
-          <a:chExt cx="0" cy="0"/>
-        </a:xfrm>
-      </p:grpSpPr>
-      <p:sp>
-        <p:nvSpPr>
-          <p:cNvPr id="90114" name="Rectangle 7"/>
-          <p:cNvSpPr>
-            <a:spLocks noGrp="1" noChangeArrowheads="1"/>
-          </p:cNvSpPr>
-          <p:nvPr>
-            <p:ph type="sldNum" sz="quarter" idx="5"/>
-          </p:nvPr>
-        </p:nvSpPr>
-        <p:spPr>
-          <a:noFill/>
-        </p:spPr>
-        <p:txBody>
-          <a:bodyPr/>
-          <a:lstStyle/>
-          <a:p>
-            <a:fld id="{9F8CFDCD-033D-45C1-B1DC-707E66BA2C58}" type="slidenum">
-              <a:rPr lang="en-US" altLang="zh-TW" smtClean="0"/>
-              <a:pPr/>
-              <a:t>42</a:t>
-            </a:fld>
-            <a:endParaRPr lang="en-US" altLang="zh-TW"/>
-          </a:p>
-        </p:txBody>
-      </p:sp>
-      <p:sp>
-        <p:nvSpPr>
-          <p:cNvPr id="90115" name="Rectangle 2"/>
-          <p:cNvSpPr>
-            <a:spLocks noGrp="1" noRot="1" noChangeAspect="1" noChangeArrowheads="1" noTextEdit="1"/>
-          </p:cNvSpPr>
-          <p:nvPr>
-            <p:ph type="sldImg"/>
-          </p:nvPr>
-        </p:nvSpPr>
-        <p:spPr>
-          <a:ln/>
-        </p:spPr>
-      </p:sp>
-      <p:sp>
-        <p:nvSpPr>
-          <p:cNvPr id="90116" name="Rectangle 3"/>
-          <p:cNvSpPr>
-            <a:spLocks noGrp="1" noChangeArrowheads="1"/>
-          </p:cNvSpPr>
-          <p:nvPr>
-            <p:ph type="body" idx="1"/>
-          </p:nvPr>
-        </p:nvSpPr>
-        <p:spPr>
-          <a:noFill/>
-          <a:ln/>
-        </p:spPr>
-        <p:txBody>
-          <a:bodyPr/>
-          <a:lstStyle/>
-          <a:p>
-            <a:pPr eaLnBrk="1" hangingPunct="1"/>
-            <a:endParaRPr lang="zh-TW" altLang="zh-TW"/>
-          </a:p>
-        </p:txBody>
-      </p:sp>
-    </p:spTree>
-  </p:cSld>
-  <p:clrMapOvr>
-    <a:masterClrMapping/>
-  </p:clrMapOvr>
-</p:notes>
-</file>
-
-<file path=ppt/notesSlides/notesSlide39.xml><?xml version="1.0" encoding="utf-8"?>
-<p:notes xmlns:a="http://schemas.openxmlformats.org/drawingml/2006/main" xmlns:r="http://schemas.openxmlformats.org/officeDocument/2006/relationships" xmlns:p="http://schemas.openxmlformats.org/presentationml/2006/main">
-  <p:cSld>
-    <p:spTree>
-      <p:nvGrpSpPr>
-        <p:cNvPr id="1" name=""/>
-        <p:cNvGrpSpPr/>
-        <p:nvPr/>
-      </p:nvGrpSpPr>
-      <p:grpSpPr>
-        <a:xfrm>
-          <a:off x="0" y="0"/>
-          <a:ext cx="0" cy="0"/>
-          <a:chOff x="0" y="0"/>
-          <a:chExt cx="0" cy="0"/>
-        </a:xfrm>
-      </p:grpSpPr>
-      <p:sp>
-        <p:nvSpPr>
-          <p:cNvPr id="91138" name="Rectangle 7"/>
-          <p:cNvSpPr>
-            <a:spLocks noGrp="1" noChangeArrowheads="1"/>
-          </p:cNvSpPr>
-          <p:nvPr>
-            <p:ph type="sldNum" sz="quarter" idx="5"/>
-          </p:nvPr>
-        </p:nvSpPr>
-        <p:spPr>
-          <a:noFill/>
-        </p:spPr>
-        <p:txBody>
-          <a:bodyPr/>
-          <a:lstStyle/>
-          <a:p>
-            <a:fld id="{9216B810-5CA1-4DAC-A2DA-E0F109CC469A}" type="slidenum">
-              <a:rPr lang="en-US" altLang="zh-TW" smtClean="0"/>
-              <a:pPr/>
-              <a:t>43</a:t>
-            </a:fld>
-            <a:endParaRPr lang="en-US" altLang="zh-TW"/>
-          </a:p>
-        </p:txBody>
-      </p:sp>
-      <p:sp>
-        <p:nvSpPr>
-          <p:cNvPr id="91139" name="Rectangle 2"/>
-          <p:cNvSpPr>
-            <a:spLocks noGrp="1" noRot="1" noChangeAspect="1" noChangeArrowheads="1" noTextEdit="1"/>
-          </p:cNvSpPr>
-          <p:nvPr>
-            <p:ph type="sldImg"/>
-          </p:nvPr>
-        </p:nvSpPr>
-        <p:spPr>
-          <a:ln/>
-        </p:spPr>
-      </p:sp>
-      <p:sp>
-        <p:nvSpPr>
-          <p:cNvPr id="91140" name="Rectangle 3"/>
           <p:cNvSpPr>
             <a:spLocks noGrp="1" noChangeArrowheads="1"/>
           </p:cNvSpPr>
@@ -4502,6 +4706,182 @@
       </p:grpSpPr>
       <p:sp>
         <p:nvSpPr>
+          <p:cNvPr id="90114" name="Rectangle 7"/>
+          <p:cNvSpPr>
+            <a:spLocks noGrp="1" noChangeArrowheads="1"/>
+          </p:cNvSpPr>
+          <p:nvPr>
+            <p:ph type="sldNum" sz="quarter" idx="5"/>
+          </p:nvPr>
+        </p:nvSpPr>
+        <p:spPr>
+          <a:noFill/>
+        </p:spPr>
+        <p:txBody>
+          <a:bodyPr/>
+          <a:lstStyle/>
+          <a:p>
+            <a:fld id="{9F8CFDCD-033D-45C1-B1DC-707E66BA2C58}" type="slidenum">
+              <a:rPr lang="en-US" altLang="zh-TW" smtClean="0"/>
+              <a:pPr/>
+              <a:t>43</a:t>
+            </a:fld>
+            <a:endParaRPr lang="en-US" altLang="zh-TW"/>
+          </a:p>
+        </p:txBody>
+      </p:sp>
+      <p:sp>
+        <p:nvSpPr>
+          <p:cNvPr id="90115" name="Rectangle 2"/>
+          <p:cNvSpPr>
+            <a:spLocks noGrp="1" noRot="1" noChangeAspect="1" noChangeArrowheads="1" noTextEdit="1"/>
+          </p:cNvSpPr>
+          <p:nvPr>
+            <p:ph type="sldImg"/>
+          </p:nvPr>
+        </p:nvSpPr>
+        <p:spPr>
+          <a:ln/>
+        </p:spPr>
+      </p:sp>
+      <p:sp>
+        <p:nvSpPr>
+          <p:cNvPr id="90116" name="Rectangle 3"/>
+          <p:cNvSpPr>
+            <a:spLocks noGrp="1" noChangeArrowheads="1"/>
+          </p:cNvSpPr>
+          <p:nvPr>
+            <p:ph type="body" idx="1"/>
+          </p:nvPr>
+        </p:nvSpPr>
+        <p:spPr>
+          <a:noFill/>
+          <a:ln/>
+        </p:spPr>
+        <p:txBody>
+          <a:bodyPr/>
+          <a:lstStyle/>
+          <a:p>
+            <a:pPr eaLnBrk="1" hangingPunct="1"/>
+            <a:endParaRPr lang="zh-TW" altLang="zh-TW"/>
+          </a:p>
+        </p:txBody>
+      </p:sp>
+    </p:spTree>
+  </p:cSld>
+  <p:clrMapOvr>
+    <a:masterClrMapping/>
+  </p:clrMapOvr>
+</p:notes>
+</file>
+
+<file path=ppt/notesSlides/notesSlide41.xml><?xml version="1.0" encoding="utf-8"?>
+<p:notes xmlns:a="http://schemas.openxmlformats.org/drawingml/2006/main" xmlns:r="http://schemas.openxmlformats.org/officeDocument/2006/relationships" xmlns:p="http://schemas.openxmlformats.org/presentationml/2006/main">
+  <p:cSld>
+    <p:spTree>
+      <p:nvGrpSpPr>
+        <p:cNvPr id="1" name=""/>
+        <p:cNvGrpSpPr/>
+        <p:nvPr/>
+      </p:nvGrpSpPr>
+      <p:grpSpPr>
+        <a:xfrm>
+          <a:off x="0" y="0"/>
+          <a:ext cx="0" cy="0"/>
+          <a:chOff x="0" y="0"/>
+          <a:chExt cx="0" cy="0"/>
+        </a:xfrm>
+      </p:grpSpPr>
+      <p:sp>
+        <p:nvSpPr>
+          <p:cNvPr id="91138" name="Rectangle 7"/>
+          <p:cNvSpPr>
+            <a:spLocks noGrp="1" noChangeArrowheads="1"/>
+          </p:cNvSpPr>
+          <p:nvPr>
+            <p:ph type="sldNum" sz="quarter" idx="5"/>
+          </p:nvPr>
+        </p:nvSpPr>
+        <p:spPr>
+          <a:noFill/>
+        </p:spPr>
+        <p:txBody>
+          <a:bodyPr/>
+          <a:lstStyle/>
+          <a:p>
+            <a:fld id="{9216B810-5CA1-4DAC-A2DA-E0F109CC469A}" type="slidenum">
+              <a:rPr lang="en-US" altLang="zh-TW" smtClean="0"/>
+              <a:pPr/>
+              <a:t>44</a:t>
+            </a:fld>
+            <a:endParaRPr lang="en-US" altLang="zh-TW"/>
+          </a:p>
+        </p:txBody>
+      </p:sp>
+      <p:sp>
+        <p:nvSpPr>
+          <p:cNvPr id="91139" name="Rectangle 2"/>
+          <p:cNvSpPr>
+            <a:spLocks noGrp="1" noRot="1" noChangeAspect="1" noChangeArrowheads="1" noTextEdit="1"/>
+          </p:cNvSpPr>
+          <p:nvPr>
+            <p:ph type="sldImg"/>
+          </p:nvPr>
+        </p:nvSpPr>
+        <p:spPr>
+          <a:ln/>
+        </p:spPr>
+      </p:sp>
+      <p:sp>
+        <p:nvSpPr>
+          <p:cNvPr id="91140" name="Rectangle 3"/>
+          <p:cNvSpPr>
+            <a:spLocks noGrp="1" noChangeArrowheads="1"/>
+          </p:cNvSpPr>
+          <p:nvPr>
+            <p:ph type="body" idx="1"/>
+          </p:nvPr>
+        </p:nvSpPr>
+        <p:spPr>
+          <a:noFill/>
+          <a:ln/>
+        </p:spPr>
+        <p:txBody>
+          <a:bodyPr/>
+          <a:lstStyle/>
+          <a:p>
+            <a:pPr eaLnBrk="1" hangingPunct="1"/>
+            <a:endParaRPr lang="zh-TW" altLang="zh-TW"/>
+          </a:p>
+        </p:txBody>
+      </p:sp>
+    </p:spTree>
+  </p:cSld>
+  <p:clrMapOvr>
+    <a:masterClrMapping/>
+  </p:clrMapOvr>
+</p:notes>
+</file>
+
+<file path=ppt/notesSlides/notesSlide42.xml><?xml version="1.0" encoding="utf-8"?>
+<p:notes xmlns:a="http://schemas.openxmlformats.org/drawingml/2006/main" xmlns:r="http://schemas.openxmlformats.org/officeDocument/2006/relationships" xmlns:p="http://schemas.openxmlformats.org/presentationml/2006/main">
+  <p:cSld>
+    <p:spTree>
+      <p:nvGrpSpPr>
+        <p:cNvPr id="1" name=""/>
+        <p:cNvGrpSpPr/>
+        <p:nvPr/>
+      </p:nvGrpSpPr>
+      <p:grpSpPr>
+        <a:xfrm>
+          <a:off x="0" y="0"/>
+          <a:ext cx="0" cy="0"/>
+          <a:chOff x="0" y="0"/>
+          <a:chExt cx="0" cy="0"/>
+        </a:xfrm>
+      </p:grpSpPr>
+      <p:sp>
+        <p:nvSpPr>
           <p:cNvPr id="92162" name="Rectangle 7"/>
           <p:cNvSpPr>
             <a:spLocks noGrp="1" noChangeArrowheads="1"/>
@@ -4520,7 +4900,7 @@
             <a:fld id="{F5151A0E-604E-4CBF-A136-68AB5F31741F}" type="slidenum">
               <a:rPr lang="en-US" altLang="zh-TW" smtClean="0"/>
               <a:pPr/>
-              <a:t>44</a:t>
+              <a:t>45</a:t>
             </a:fld>
             <a:endParaRPr lang="en-US" altLang="zh-TW"/>
           </a:p>
@@ -4559,7 +4939,7 @@
           <a:lstStyle/>
           <a:p>
             <a:pPr eaLnBrk="1" hangingPunct="1"/>
-            <a:endParaRPr lang="zh-TW" altLang="zh-TW"/>
+            <a:endParaRPr lang="zh-TW" altLang="zh-TW" dirty="0"/>
           </a:p>
         </p:txBody>
       </p:sp>
@@ -4571,7 +4951,7 @@
 </p:notes>
 </file>
 
-<file path=ppt/notesSlides/notesSlide41.xml><?xml version="1.0" encoding="utf-8"?>
+<file path=ppt/notesSlides/notesSlide43.xml><?xml version="1.0" encoding="utf-8"?>
 <p:notes xmlns:a="http://schemas.openxmlformats.org/drawingml/2006/main" xmlns:r="http://schemas.openxmlformats.org/officeDocument/2006/relationships" xmlns:p="http://schemas.openxmlformats.org/presentationml/2006/main">
   <p:cSld>
     <p:spTree>
@@ -4608,7 +4988,7 @@
             <a:fld id="{FBE8FD8C-D0BC-4E09-89C1-181B9716F834}" type="slidenum">
               <a:rPr lang="en-US" altLang="zh-TW" smtClean="0"/>
               <a:pPr/>
-              <a:t>45</a:t>
+              <a:t>46</a:t>
             </a:fld>
             <a:endParaRPr lang="en-US" altLang="zh-TW"/>
           </a:p>
@@ -4659,7 +5039,7 @@
 </p:notes>
 </file>
 
-<file path=ppt/notesSlides/notesSlide42.xml><?xml version="1.0" encoding="utf-8"?>
+<file path=ppt/notesSlides/notesSlide44.xml><?xml version="1.0" encoding="utf-8"?>
 <p:notes xmlns:a="http://schemas.openxmlformats.org/drawingml/2006/main" xmlns:r="http://schemas.openxmlformats.org/officeDocument/2006/relationships" xmlns:p="http://schemas.openxmlformats.org/presentationml/2006/main">
   <p:cSld>
     <p:spTree>
@@ -4696,7 +5076,7 @@
             <a:fld id="{3EC3B142-ED5F-4222-A60A-A7D8547939A3}" type="slidenum">
               <a:rPr lang="en-US" altLang="zh-TW" smtClean="0"/>
               <a:pPr/>
-              <a:t>46</a:t>
+              <a:t>47</a:t>
             </a:fld>
             <a:endParaRPr lang="en-US" altLang="zh-TW"/>
           </a:p>
@@ -4747,7 +5127,7 @@
 </p:notes>
 </file>
 
-<file path=ppt/notesSlides/notesSlide43.xml><?xml version="1.0" encoding="utf-8"?>
+<file path=ppt/notesSlides/notesSlide45.xml><?xml version="1.0" encoding="utf-8"?>
 <p:notes xmlns:a="http://schemas.openxmlformats.org/drawingml/2006/main" xmlns:r="http://schemas.openxmlformats.org/officeDocument/2006/relationships" xmlns:p="http://schemas.openxmlformats.org/presentationml/2006/main">
   <p:cSld>
     <p:spTree>
@@ -4784,7 +5164,7 @@
             <a:fld id="{029292C4-6F4F-4814-8387-EA6043EB6BDE}" type="slidenum">
               <a:rPr lang="en-US" altLang="zh-TW" smtClean="0"/>
               <a:pPr/>
-              <a:t>47</a:t>
+              <a:t>48</a:t>
             </a:fld>
             <a:endParaRPr lang="en-US" altLang="zh-TW"/>
           </a:p>
@@ -4835,7 +5215,7 @@
 </p:notes>
 </file>
 
-<file path=ppt/notesSlides/notesSlide44.xml><?xml version="1.0" encoding="utf-8"?>
+<file path=ppt/notesSlides/notesSlide46.xml><?xml version="1.0" encoding="utf-8"?>
 <p:notes xmlns:a="http://schemas.openxmlformats.org/drawingml/2006/main" xmlns:r="http://schemas.openxmlformats.org/officeDocument/2006/relationships" xmlns:p="http://schemas.openxmlformats.org/presentationml/2006/main">
   <p:cSld>
     <p:spTree>
@@ -4872,7 +5252,7 @@
             <a:fld id="{24AB5CB8-D896-4590-925F-16FB40D6A4B2}" type="slidenum">
               <a:rPr lang="en-US" altLang="zh-TW" smtClean="0"/>
               <a:pPr/>
-              <a:t>48</a:t>
+              <a:t>49</a:t>
             </a:fld>
             <a:endParaRPr lang="en-US" altLang="zh-TW"/>
           </a:p>
@@ -4948,7 +5328,7 @@
 </p:notes>
 </file>
 
-<file path=ppt/notesSlides/notesSlide45.xml><?xml version="1.0" encoding="utf-8"?>
+<file path=ppt/notesSlides/notesSlide47.xml><?xml version="1.0" encoding="utf-8"?>
 <p:notes xmlns:a="http://schemas.openxmlformats.org/drawingml/2006/main" xmlns:r="http://schemas.openxmlformats.org/officeDocument/2006/relationships" xmlns:p="http://schemas.openxmlformats.org/presentationml/2006/main">
   <p:cSld>
     <p:spTree>
@@ -4985,7 +5365,7 @@
             <a:fld id="{DADF27CE-0096-438F-8523-107759AF56D0}" type="slidenum">
               <a:rPr lang="en-US" altLang="zh-TW" smtClean="0"/>
               <a:pPr/>
-              <a:t>49</a:t>
+              <a:t>50</a:t>
             </a:fld>
             <a:endParaRPr lang="en-US" altLang="zh-TW"/>
           </a:p>
@@ -5036,7 +5416,7 @@
 </p:notes>
 </file>
 
-<file path=ppt/notesSlides/notesSlide46.xml><?xml version="1.0" encoding="utf-8"?>
+<file path=ppt/notesSlides/notesSlide48.xml><?xml version="1.0" encoding="utf-8"?>
 <p:notes xmlns:a="http://schemas.openxmlformats.org/drawingml/2006/main" xmlns:r="http://schemas.openxmlformats.org/officeDocument/2006/relationships" xmlns:p="http://schemas.openxmlformats.org/presentationml/2006/main">
   <p:cSld>
     <p:spTree>
@@ -5073,7 +5453,7 @@
             <a:fld id="{96ECFE70-2812-4D32-8775-10B5819CCDBE}" type="slidenum">
               <a:rPr lang="en-US" altLang="zh-TW" smtClean="0"/>
               <a:pPr/>
-              <a:t>50</a:t>
+              <a:t>51</a:t>
             </a:fld>
             <a:endParaRPr lang="en-US" altLang="zh-TW"/>
           </a:p>
@@ -5124,7 +5504,7 @@
 </p:notes>
 </file>
 
-<file path=ppt/notesSlides/notesSlide47.xml><?xml version="1.0" encoding="utf-8"?>
+<file path=ppt/notesSlides/notesSlide49.xml><?xml version="1.0" encoding="utf-8"?>
 <p:notes xmlns:a="http://schemas.openxmlformats.org/drawingml/2006/main" xmlns:r="http://schemas.openxmlformats.org/officeDocument/2006/relationships" xmlns:p="http://schemas.openxmlformats.org/presentationml/2006/main">
   <p:cSld>
     <p:spTree>
@@ -5161,7 +5541,7 @@
             <a:fld id="{A88C73B6-D3C7-4942-AA42-A3F2CD7EDD09}" type="slidenum">
               <a:rPr lang="en-US" altLang="zh-TW" smtClean="0"/>
               <a:pPr/>
-              <a:t>51</a:t>
+              <a:t>52</a:t>
             </a:fld>
             <a:endParaRPr lang="en-US" altLang="zh-TW"/>
           </a:p>
@@ -5214,182 +5594,6 @@
               </a:rPr>
               <a:t> (Hierarchical Storage Management )</a:t>
             </a:r>
-          </a:p>
-        </p:txBody>
-      </p:sp>
-    </p:spTree>
-  </p:cSld>
-  <p:clrMapOvr>
-    <a:masterClrMapping/>
-  </p:clrMapOvr>
-</p:notes>
-</file>
-
-<file path=ppt/notesSlides/notesSlide48.xml><?xml version="1.0" encoding="utf-8"?>
-<p:notes xmlns:a="http://schemas.openxmlformats.org/drawingml/2006/main" xmlns:r="http://schemas.openxmlformats.org/officeDocument/2006/relationships" xmlns:p="http://schemas.openxmlformats.org/presentationml/2006/main">
-  <p:cSld>
-    <p:spTree>
-      <p:nvGrpSpPr>
-        <p:cNvPr id="1" name=""/>
-        <p:cNvGrpSpPr/>
-        <p:nvPr/>
-      </p:nvGrpSpPr>
-      <p:grpSpPr>
-        <a:xfrm>
-          <a:off x="0" y="0"/>
-          <a:ext cx="0" cy="0"/>
-          <a:chOff x="0" y="0"/>
-          <a:chExt cx="0" cy="0"/>
-        </a:xfrm>
-      </p:grpSpPr>
-      <p:sp>
-        <p:nvSpPr>
-          <p:cNvPr id="100354" name="Rectangle 7"/>
-          <p:cNvSpPr>
-            <a:spLocks noGrp="1" noChangeArrowheads="1"/>
-          </p:cNvSpPr>
-          <p:nvPr>
-            <p:ph type="sldNum" sz="quarter" idx="5"/>
-          </p:nvPr>
-        </p:nvSpPr>
-        <p:spPr>
-          <a:noFill/>
-        </p:spPr>
-        <p:txBody>
-          <a:bodyPr/>
-          <a:lstStyle/>
-          <a:p>
-            <a:fld id="{9807445A-851D-405C-9B25-247723399D59}" type="slidenum">
-              <a:rPr lang="en-US" altLang="zh-TW" smtClean="0"/>
-              <a:pPr/>
-              <a:t>52</a:t>
-            </a:fld>
-            <a:endParaRPr lang="en-US" altLang="zh-TW"/>
-          </a:p>
-        </p:txBody>
-      </p:sp>
-      <p:sp>
-        <p:nvSpPr>
-          <p:cNvPr id="100355" name="Rectangle 2"/>
-          <p:cNvSpPr>
-            <a:spLocks noGrp="1" noRot="1" noChangeAspect="1" noChangeArrowheads="1" noTextEdit="1"/>
-          </p:cNvSpPr>
-          <p:nvPr>
-            <p:ph type="sldImg"/>
-          </p:nvPr>
-        </p:nvSpPr>
-        <p:spPr>
-          <a:ln/>
-        </p:spPr>
-      </p:sp>
-      <p:sp>
-        <p:nvSpPr>
-          <p:cNvPr id="100356" name="Rectangle 3"/>
-          <p:cNvSpPr>
-            <a:spLocks noGrp="1" noChangeArrowheads="1"/>
-          </p:cNvSpPr>
-          <p:nvPr>
-            <p:ph type="body" idx="1"/>
-          </p:nvPr>
-        </p:nvSpPr>
-        <p:spPr>
-          <a:noFill/>
-          <a:ln/>
-        </p:spPr>
-        <p:txBody>
-          <a:bodyPr/>
-          <a:lstStyle/>
-          <a:p>
-            <a:pPr eaLnBrk="1" hangingPunct="1"/>
-            <a:endParaRPr lang="zh-TW" altLang="zh-TW"/>
-          </a:p>
-        </p:txBody>
-      </p:sp>
-    </p:spTree>
-  </p:cSld>
-  <p:clrMapOvr>
-    <a:masterClrMapping/>
-  </p:clrMapOvr>
-</p:notes>
-</file>
-
-<file path=ppt/notesSlides/notesSlide49.xml><?xml version="1.0" encoding="utf-8"?>
-<p:notes xmlns:a="http://schemas.openxmlformats.org/drawingml/2006/main" xmlns:r="http://schemas.openxmlformats.org/officeDocument/2006/relationships" xmlns:p="http://schemas.openxmlformats.org/presentationml/2006/main">
-  <p:cSld>
-    <p:spTree>
-      <p:nvGrpSpPr>
-        <p:cNvPr id="1" name=""/>
-        <p:cNvGrpSpPr/>
-        <p:nvPr/>
-      </p:nvGrpSpPr>
-      <p:grpSpPr>
-        <a:xfrm>
-          <a:off x="0" y="0"/>
-          <a:ext cx="0" cy="0"/>
-          <a:chOff x="0" y="0"/>
-          <a:chExt cx="0" cy="0"/>
-        </a:xfrm>
-      </p:grpSpPr>
-      <p:sp>
-        <p:nvSpPr>
-          <p:cNvPr id="101378" name="Rectangle 7"/>
-          <p:cNvSpPr>
-            <a:spLocks noGrp="1" noChangeArrowheads="1"/>
-          </p:cNvSpPr>
-          <p:nvPr>
-            <p:ph type="sldNum" sz="quarter" idx="5"/>
-          </p:nvPr>
-        </p:nvSpPr>
-        <p:spPr>
-          <a:noFill/>
-        </p:spPr>
-        <p:txBody>
-          <a:bodyPr/>
-          <a:lstStyle/>
-          <a:p>
-            <a:fld id="{9DD194A7-47C3-4B4F-AFBA-FECFD1FF8268}" type="slidenum">
-              <a:rPr lang="en-US" altLang="zh-TW" smtClean="0"/>
-              <a:pPr/>
-              <a:t>53</a:t>
-            </a:fld>
-            <a:endParaRPr lang="en-US" altLang="zh-TW"/>
-          </a:p>
-        </p:txBody>
-      </p:sp>
-      <p:sp>
-        <p:nvSpPr>
-          <p:cNvPr id="101379" name="Rectangle 2"/>
-          <p:cNvSpPr>
-            <a:spLocks noGrp="1" noRot="1" noChangeAspect="1" noChangeArrowheads="1" noTextEdit="1"/>
-          </p:cNvSpPr>
-          <p:nvPr>
-            <p:ph type="sldImg"/>
-          </p:nvPr>
-        </p:nvSpPr>
-        <p:spPr>
-          <a:ln/>
-        </p:spPr>
-      </p:sp>
-      <p:sp>
-        <p:nvSpPr>
-          <p:cNvPr id="101380" name="Rectangle 3"/>
-          <p:cNvSpPr>
-            <a:spLocks noGrp="1" noChangeArrowheads="1"/>
-          </p:cNvSpPr>
-          <p:nvPr>
-            <p:ph type="body" idx="1"/>
-          </p:nvPr>
-        </p:nvSpPr>
-        <p:spPr>
-          <a:noFill/>
-          <a:ln/>
-        </p:spPr>
-        <p:txBody>
-          <a:bodyPr/>
-          <a:lstStyle/>
-          <a:p>
-            <a:pPr eaLnBrk="1" hangingPunct="1"/>
-            <a:endParaRPr lang="zh-TW" altLang="zh-TW"/>
           </a:p>
         </p:txBody>
       </p:sp>
@@ -5556,6 +5760,182 @@
       </p:grpSpPr>
       <p:sp>
         <p:nvSpPr>
+          <p:cNvPr id="100354" name="Rectangle 7"/>
+          <p:cNvSpPr>
+            <a:spLocks noGrp="1" noChangeArrowheads="1"/>
+          </p:cNvSpPr>
+          <p:nvPr>
+            <p:ph type="sldNum" sz="quarter" idx="5"/>
+          </p:nvPr>
+        </p:nvSpPr>
+        <p:spPr>
+          <a:noFill/>
+        </p:spPr>
+        <p:txBody>
+          <a:bodyPr/>
+          <a:lstStyle/>
+          <a:p>
+            <a:fld id="{9807445A-851D-405C-9B25-247723399D59}" type="slidenum">
+              <a:rPr lang="en-US" altLang="zh-TW" smtClean="0"/>
+              <a:pPr/>
+              <a:t>53</a:t>
+            </a:fld>
+            <a:endParaRPr lang="en-US" altLang="zh-TW"/>
+          </a:p>
+        </p:txBody>
+      </p:sp>
+      <p:sp>
+        <p:nvSpPr>
+          <p:cNvPr id="100355" name="Rectangle 2"/>
+          <p:cNvSpPr>
+            <a:spLocks noGrp="1" noRot="1" noChangeAspect="1" noChangeArrowheads="1" noTextEdit="1"/>
+          </p:cNvSpPr>
+          <p:nvPr>
+            <p:ph type="sldImg"/>
+          </p:nvPr>
+        </p:nvSpPr>
+        <p:spPr>
+          <a:ln/>
+        </p:spPr>
+      </p:sp>
+      <p:sp>
+        <p:nvSpPr>
+          <p:cNvPr id="100356" name="Rectangle 3"/>
+          <p:cNvSpPr>
+            <a:spLocks noGrp="1" noChangeArrowheads="1"/>
+          </p:cNvSpPr>
+          <p:nvPr>
+            <p:ph type="body" idx="1"/>
+          </p:nvPr>
+        </p:nvSpPr>
+        <p:spPr>
+          <a:noFill/>
+          <a:ln/>
+        </p:spPr>
+        <p:txBody>
+          <a:bodyPr/>
+          <a:lstStyle/>
+          <a:p>
+            <a:pPr eaLnBrk="1" hangingPunct="1"/>
+            <a:endParaRPr lang="zh-TW" altLang="zh-TW"/>
+          </a:p>
+        </p:txBody>
+      </p:sp>
+    </p:spTree>
+  </p:cSld>
+  <p:clrMapOvr>
+    <a:masterClrMapping/>
+  </p:clrMapOvr>
+</p:notes>
+</file>
+
+<file path=ppt/notesSlides/notesSlide51.xml><?xml version="1.0" encoding="utf-8"?>
+<p:notes xmlns:a="http://schemas.openxmlformats.org/drawingml/2006/main" xmlns:r="http://schemas.openxmlformats.org/officeDocument/2006/relationships" xmlns:p="http://schemas.openxmlformats.org/presentationml/2006/main">
+  <p:cSld>
+    <p:spTree>
+      <p:nvGrpSpPr>
+        <p:cNvPr id="1" name=""/>
+        <p:cNvGrpSpPr/>
+        <p:nvPr/>
+      </p:nvGrpSpPr>
+      <p:grpSpPr>
+        <a:xfrm>
+          <a:off x="0" y="0"/>
+          <a:ext cx="0" cy="0"/>
+          <a:chOff x="0" y="0"/>
+          <a:chExt cx="0" cy="0"/>
+        </a:xfrm>
+      </p:grpSpPr>
+      <p:sp>
+        <p:nvSpPr>
+          <p:cNvPr id="101378" name="Rectangle 7"/>
+          <p:cNvSpPr>
+            <a:spLocks noGrp="1" noChangeArrowheads="1"/>
+          </p:cNvSpPr>
+          <p:nvPr>
+            <p:ph type="sldNum" sz="quarter" idx="5"/>
+          </p:nvPr>
+        </p:nvSpPr>
+        <p:spPr>
+          <a:noFill/>
+        </p:spPr>
+        <p:txBody>
+          <a:bodyPr/>
+          <a:lstStyle/>
+          <a:p>
+            <a:fld id="{9DD194A7-47C3-4B4F-AFBA-FECFD1FF8268}" type="slidenum">
+              <a:rPr lang="en-US" altLang="zh-TW" smtClean="0"/>
+              <a:pPr/>
+              <a:t>54</a:t>
+            </a:fld>
+            <a:endParaRPr lang="en-US" altLang="zh-TW"/>
+          </a:p>
+        </p:txBody>
+      </p:sp>
+      <p:sp>
+        <p:nvSpPr>
+          <p:cNvPr id="101379" name="Rectangle 2"/>
+          <p:cNvSpPr>
+            <a:spLocks noGrp="1" noRot="1" noChangeAspect="1" noChangeArrowheads="1" noTextEdit="1"/>
+          </p:cNvSpPr>
+          <p:nvPr>
+            <p:ph type="sldImg"/>
+          </p:nvPr>
+        </p:nvSpPr>
+        <p:spPr>
+          <a:ln/>
+        </p:spPr>
+      </p:sp>
+      <p:sp>
+        <p:nvSpPr>
+          <p:cNvPr id="101380" name="Rectangle 3"/>
+          <p:cNvSpPr>
+            <a:spLocks noGrp="1" noChangeArrowheads="1"/>
+          </p:cNvSpPr>
+          <p:nvPr>
+            <p:ph type="body" idx="1"/>
+          </p:nvPr>
+        </p:nvSpPr>
+        <p:spPr>
+          <a:noFill/>
+          <a:ln/>
+        </p:spPr>
+        <p:txBody>
+          <a:bodyPr/>
+          <a:lstStyle/>
+          <a:p>
+            <a:pPr eaLnBrk="1" hangingPunct="1"/>
+            <a:endParaRPr lang="zh-TW" altLang="zh-TW"/>
+          </a:p>
+        </p:txBody>
+      </p:sp>
+    </p:spTree>
+  </p:cSld>
+  <p:clrMapOvr>
+    <a:masterClrMapping/>
+  </p:clrMapOvr>
+</p:notes>
+</file>
+
+<file path=ppt/notesSlides/notesSlide52.xml><?xml version="1.0" encoding="utf-8"?>
+<p:notes xmlns:a="http://schemas.openxmlformats.org/drawingml/2006/main" xmlns:r="http://schemas.openxmlformats.org/officeDocument/2006/relationships" xmlns:p="http://schemas.openxmlformats.org/presentationml/2006/main">
+  <p:cSld>
+    <p:spTree>
+      <p:nvGrpSpPr>
+        <p:cNvPr id="1" name=""/>
+        <p:cNvGrpSpPr/>
+        <p:nvPr/>
+      </p:nvGrpSpPr>
+      <p:grpSpPr>
+        <a:xfrm>
+          <a:off x="0" y="0"/>
+          <a:ext cx="0" cy="0"/>
+          <a:chOff x="0" y="0"/>
+          <a:chExt cx="0" cy="0"/>
+        </a:xfrm>
+      </p:grpSpPr>
+      <p:sp>
+        <p:nvSpPr>
           <p:cNvPr id="102402" name="Rectangle 7"/>
           <p:cNvSpPr>
             <a:spLocks noGrp="1" noChangeArrowheads="1"/>
@@ -5574,7 +5954,7 @@
             <a:fld id="{706A55D6-B2B6-4682-9FAA-18C1C2298FF2}" type="slidenum">
               <a:rPr lang="en-US" altLang="zh-TW" smtClean="0"/>
               <a:pPr/>
-              <a:t>54</a:t>
+              <a:t>55</a:t>
             </a:fld>
             <a:endParaRPr lang="en-US" altLang="zh-TW"/>
           </a:p>
@@ -5625,7 +6005,7 @@
 </p:notes>
 </file>
 
-<file path=ppt/notesSlides/notesSlide51.xml><?xml version="1.0" encoding="utf-8"?>
+<file path=ppt/notesSlides/notesSlide53.xml><?xml version="1.0" encoding="utf-8"?>
 <p:notes xmlns:a="http://schemas.openxmlformats.org/drawingml/2006/main" xmlns:r="http://schemas.openxmlformats.org/officeDocument/2006/relationships" xmlns:p="http://schemas.openxmlformats.org/presentationml/2006/main">
   <p:cSld>
     <p:spTree>
@@ -5662,7 +6042,7 @@
             <a:fld id="{117A9121-5D0A-4B32-9982-3C79C9ED25A3}" type="slidenum">
               <a:rPr lang="en-US" altLang="zh-TW" smtClean="0"/>
               <a:pPr/>
-              <a:t>55</a:t>
+              <a:t>56</a:t>
             </a:fld>
             <a:endParaRPr lang="en-US" altLang="zh-TW"/>
           </a:p>
@@ -5713,7 +6093,7 @@
 </p:notes>
 </file>
 
-<file path=ppt/notesSlides/notesSlide52.xml><?xml version="1.0" encoding="utf-8"?>
+<file path=ppt/notesSlides/notesSlide54.xml><?xml version="1.0" encoding="utf-8"?>
 <p:notes xmlns:a="http://schemas.openxmlformats.org/drawingml/2006/main" xmlns:r="http://schemas.openxmlformats.org/officeDocument/2006/relationships" xmlns:p="http://schemas.openxmlformats.org/presentationml/2006/main">
   <p:cSld>
     <p:spTree>
@@ -5750,7 +6130,7 @@
             <a:fld id="{7DD7E188-5E26-44A0-805C-1DB24E5A4937}" type="slidenum">
               <a:rPr lang="en-US" altLang="zh-TW" smtClean="0"/>
               <a:pPr/>
-              <a:t>56</a:t>
+              <a:t>57</a:t>
             </a:fld>
             <a:endParaRPr lang="en-US" altLang="zh-TW"/>
           </a:p>
@@ -5801,7 +6181,7 @@
 </p:notes>
 </file>
 
-<file path=ppt/notesSlides/notesSlide53.xml><?xml version="1.0" encoding="utf-8"?>
+<file path=ppt/notesSlides/notesSlide55.xml><?xml version="1.0" encoding="utf-8"?>
 <p:notes xmlns:a="http://schemas.openxmlformats.org/drawingml/2006/main" xmlns:r="http://schemas.openxmlformats.org/officeDocument/2006/relationships" xmlns:p="http://schemas.openxmlformats.org/presentationml/2006/main">
   <p:cSld>
     <p:spTree>
@@ -5838,7 +6218,7 @@
             <a:fld id="{B8280F7D-DFD1-4F55-A880-04C12640FD8C}" type="slidenum">
               <a:rPr lang="en-US" altLang="zh-TW" smtClean="0"/>
               <a:pPr/>
-              <a:t>57</a:t>
+              <a:t>58</a:t>
             </a:fld>
             <a:endParaRPr lang="en-US" altLang="zh-TW"/>
           </a:p>
@@ -5889,7 +6269,7 @@
 </p:notes>
 </file>
 
-<file path=ppt/notesSlides/notesSlide54.xml><?xml version="1.0" encoding="utf-8"?>
+<file path=ppt/notesSlides/notesSlide56.xml><?xml version="1.0" encoding="utf-8"?>
 <p:notes xmlns:a="http://schemas.openxmlformats.org/drawingml/2006/main" xmlns:r="http://schemas.openxmlformats.org/officeDocument/2006/relationships" xmlns:p="http://schemas.openxmlformats.org/presentationml/2006/main">
   <p:cSld>
     <p:spTree>
@@ -5926,7 +6306,7 @@
             <a:fld id="{D125AC71-475E-46F9-B62A-2C9346C7831F}" type="slidenum">
               <a:rPr lang="en-US" altLang="zh-TW" smtClean="0"/>
               <a:pPr/>
-              <a:t>58</a:t>
+              <a:t>59</a:t>
             </a:fld>
             <a:endParaRPr lang="en-US" altLang="zh-TW"/>
           </a:p>
@@ -5977,7 +6357,7 @@
 </p:notes>
 </file>
 
-<file path=ppt/notesSlides/notesSlide55.xml><?xml version="1.0" encoding="utf-8"?>
+<file path=ppt/notesSlides/notesSlide57.xml><?xml version="1.0" encoding="utf-8"?>
 <p:notes xmlns:a="http://schemas.openxmlformats.org/drawingml/2006/main" xmlns:r="http://schemas.openxmlformats.org/officeDocument/2006/relationships" xmlns:p="http://schemas.openxmlformats.org/presentationml/2006/main">
   <p:cSld>
     <p:spTree>
@@ -6014,7 +6394,7 @@
             <a:fld id="{B22698B0-B281-46BB-9570-0659061C95F1}" type="slidenum">
               <a:rPr lang="en-US" altLang="zh-TW" smtClean="0"/>
               <a:pPr/>
-              <a:t>59</a:t>
+              <a:t>60</a:t>
             </a:fld>
             <a:endParaRPr lang="en-US" altLang="zh-TW"/>
           </a:p>
@@ -18675,7 +19055,7 @@
               <a:rPr lang="zh-TW" altLang="en-US" dirty="0">
                 <a:ea typeface="新細明體" charset="-120"/>
               </a:rPr>
-              <a:t>被讀速 </a:t>
+              <a:t>倍讀速 </a:t>
             </a:r>
             <a:endParaRPr lang="en-US" altLang="zh-TW" dirty="0">
               <a:ea typeface="新細明體" charset="-120"/>
@@ -20123,9 +20503,21 @@
             <a:pPr lvl="1"/>
             <a:r>
               <a:rPr lang="en-US" altLang="zh-TW" dirty="0"/>
-              <a:t>For each block, one of the disks stores the parity, and the others store data.</a:t>
-            </a:r>
-            <a:endParaRPr lang="zh-TW" altLang="zh-TW" dirty="0"/>
+              <a:t>For each block, </a:t>
+            </a:r>
+            <a:r>
+              <a:rPr lang="en-US" altLang="zh-TW" dirty="0">
+                <a:solidFill>
+                  <a:srgbClr val="FF0000"/>
+                </a:solidFill>
+              </a:rPr>
+              <a:t>one of the disks stores the parity, and the others store data.</a:t>
+            </a:r>
+            <a:endParaRPr lang="zh-TW" altLang="zh-TW" dirty="0">
+              <a:solidFill>
+                <a:srgbClr val="FF0000"/>
+              </a:solidFill>
+            </a:endParaRPr>
           </a:p>
           <a:p>
             <a:pPr lvl="1"/>
@@ -20499,40 +20891,7 @@
                 </a:solidFill>
                 <a:ea typeface="新細明體" charset="-120"/>
               </a:rPr>
-              <a:t>extra redundant </a:t>
-            </a:r>
-            <a:r>
-              <a:rPr lang="en-US" altLang="zh-TW" sz="2400" dirty="0" err="1">
-                <a:solidFill>
-                  <a:srgbClr val="FF0000"/>
-                </a:solidFill>
-                <a:ea typeface="新細明體" charset="-120"/>
-              </a:rPr>
-              <a:t>informat</a:t>
-            </a:r>
-            <a:r>
-              <a:rPr lang="en-US" altLang="zh-TW" dirty="0" err="1">
-                <a:ea typeface="新細明體" charset="-120"/>
-              </a:rPr>
-              <a:t>,</a:t>
-            </a:r>
-            <a:r>
-              <a:rPr lang="en-US" altLang="zh-TW" sz="2400" dirty="0" err="1">
-                <a:solidFill>
-                  <a:srgbClr val="FF0000"/>
-                </a:solidFill>
-                <a:ea typeface="新細明體" charset="-120"/>
-              </a:rPr>
-              <a:t>ion</a:t>
-            </a:r>
-            <a:r>
-              <a:rPr lang="en-US" altLang="zh-TW" sz="2400" dirty="0">
-                <a:solidFill>
-                  <a:srgbClr val="FF0000"/>
-                </a:solidFill>
-                <a:ea typeface="新細明體" charset="-120"/>
-              </a:rPr>
-              <a:t> </a:t>
+              <a:t>extra redundant information </a:t>
             </a:r>
             <a:r>
               <a:rPr lang="en-US" altLang="zh-TW" sz="2400" dirty="0">
@@ -20681,7 +21040,7 @@
           <p:nvPr/>
         </p:nvPicPr>
         <p:blipFill>
-          <a:blip r:embed="rId2"/>
+          <a:blip r:embed="rId3"/>
           <a:srcRect/>
           <a:stretch>
             <a:fillRect/>
@@ -20868,6 +21227,124 @@
       </p:grpSpPr>
       <p:sp>
         <p:nvSpPr>
+          <p:cNvPr id="2" name="Title 1">
+            <a:extLst>
+              <a:ext uri="{FF2B5EF4-FFF2-40B4-BE49-F238E27FC236}">
+                <a16:creationId xmlns:a16="http://schemas.microsoft.com/office/drawing/2014/main" id="{C65D1B4B-3089-4940-88A0-E02731EEA852}"/>
+              </a:ext>
+            </a:extLst>
+          </p:cNvPr>
+          <p:cNvSpPr>
+            <a:spLocks noGrp="1"/>
+          </p:cNvSpPr>
+          <p:nvPr>
+            <p:ph type="title"/>
+          </p:nvPr>
+        </p:nvSpPr>
+        <p:spPr>
+          <a:xfrm>
+            <a:off x="563563" y="277812"/>
+            <a:ext cx="8229600" cy="1164907"/>
+          </a:xfrm>
+        </p:spPr>
+        <p:txBody>
+          <a:bodyPr/>
+          <a:lstStyle/>
+          <a:p>
+            <a:r>
+              <a:rPr lang="en-US" sz="2400" dirty="0">
+                <a:hlinkClick r:id="rId3"/>
+              </a:rPr>
+              <a:t>https://en.wikipedia.org/wiki/Standard_RAID_levels</a:t>
+            </a:r>
+            <a:br>
+              <a:rPr lang="en-US" sz="2400" dirty="0"/>
+            </a:br>
+            <a:r>
+              <a:rPr lang="en-US" sz="2400" dirty="0"/>
+              <a:t>Wiki </a:t>
+            </a:r>
+            <a:r>
+              <a:rPr lang="zh-TW" altLang="en-US" sz="2400" dirty="0"/>
+              <a:t>有寫每一類</a:t>
+            </a:r>
+            <a:r>
+              <a:rPr lang="en-US" altLang="zh-TW" sz="2400" dirty="0"/>
+              <a:t>Tolerance</a:t>
+            </a:r>
+            <a:r>
+              <a:rPr lang="zh-TW" altLang="en-US" sz="2400" dirty="0"/>
+              <a:t>的數量  和摘要</a:t>
+            </a:r>
+            <a:br>
+              <a:rPr lang="en-US" sz="2400" dirty="0"/>
+            </a:br>
+            <a:endParaRPr lang="en-US" sz="2400" dirty="0"/>
+          </a:p>
+        </p:txBody>
+      </p:sp>
+      <p:pic>
+        <p:nvPicPr>
+          <p:cNvPr id="4" name="Picture 3">
+            <a:extLst>
+              <a:ext uri="{FF2B5EF4-FFF2-40B4-BE49-F238E27FC236}">
+                <a16:creationId xmlns:a16="http://schemas.microsoft.com/office/drawing/2014/main" id="{F84DBB9E-2FCD-41D2-9599-8B15EF90E639}"/>
+              </a:ext>
+            </a:extLst>
+          </p:cNvPr>
+          <p:cNvPicPr>
+            <a:picLocks noChangeAspect="1"/>
+          </p:cNvPicPr>
+          <p:nvPr/>
+        </p:nvPicPr>
+        <p:blipFill>
+          <a:blip r:embed="rId4"/>
+          <a:stretch>
+            <a:fillRect/>
+          </a:stretch>
+        </p:blipFill>
+        <p:spPr>
+          <a:xfrm>
+            <a:off x="0" y="1685679"/>
+            <a:ext cx="9144000" cy="3486642"/>
+          </a:xfrm>
+          <a:prstGeom prst="rect">
+            <a:avLst/>
+          </a:prstGeom>
+        </p:spPr>
+      </p:pic>
+    </p:spTree>
+    <p:extLst>
+      <p:ext uri="{BB962C8B-B14F-4D97-AF65-F5344CB8AC3E}">
+        <p14:creationId xmlns:p14="http://schemas.microsoft.com/office/powerpoint/2010/main" val="1358877496"/>
+      </p:ext>
+    </p:extLst>
+  </p:cSld>
+  <p:clrMapOvr>
+    <a:masterClrMapping/>
+  </p:clrMapOvr>
+</p:sld>
+</file>
+
+<file path=ppt/slides/slide39.xml><?xml version="1.0" encoding="utf-8"?>
+<p:sld xmlns:a="http://schemas.openxmlformats.org/drawingml/2006/main" xmlns:r="http://schemas.openxmlformats.org/officeDocument/2006/relationships" xmlns:p="http://schemas.openxmlformats.org/presentationml/2006/main">
+  <p:cSld>
+    <p:spTree>
+      <p:nvGrpSpPr>
+        <p:cNvPr id="1" name=""/>
+        <p:cNvGrpSpPr/>
+        <p:nvPr/>
+      </p:nvGrpSpPr>
+      <p:grpSpPr>
+        <a:xfrm>
+          <a:off x="0" y="0"/>
+          <a:ext cx="0" cy="0"/>
+          <a:chOff x="0" y="0"/>
+          <a:chExt cx="0" cy="0"/>
+        </a:xfrm>
+      </p:grpSpPr>
+      <p:sp>
+        <p:nvSpPr>
           <p:cNvPr id="33794" name="Rectangle 2"/>
           <p:cNvSpPr>
             <a:spLocks noGrp="1" noChangeArrowheads="1"/>
@@ -20934,7 +21411,539 @@
 </p:sld>
 </file>
 
-<file path=ppt/slides/slide39.xml><?xml version="1.0" encoding="utf-8"?>
+<file path=ppt/slides/slide4.xml><?xml version="1.0" encoding="utf-8"?>
+<p:sld xmlns:a="http://schemas.openxmlformats.org/drawingml/2006/main" xmlns:r="http://schemas.openxmlformats.org/officeDocument/2006/relationships" xmlns:p="http://schemas.openxmlformats.org/presentationml/2006/main">
+  <p:cSld>
+    <p:spTree>
+      <p:nvGrpSpPr>
+        <p:cNvPr id="1" name=""/>
+        <p:cNvGrpSpPr/>
+        <p:nvPr/>
+      </p:nvGrpSpPr>
+      <p:grpSpPr>
+        <a:xfrm>
+          <a:off x="0" y="0"/>
+          <a:ext cx="0" cy="0"/>
+          <a:chOff x="0" y="0"/>
+          <a:chExt cx="0" cy="0"/>
+        </a:xfrm>
+      </p:grpSpPr>
+      <p:sp>
+        <p:nvSpPr>
+          <p:cNvPr id="6146" name="Rectangle 2"/>
+          <p:cNvSpPr>
+            <a:spLocks noGrp="1" noChangeArrowheads="1"/>
+          </p:cNvSpPr>
+          <p:nvPr>
+            <p:ph type="title"/>
+          </p:nvPr>
+        </p:nvSpPr>
+        <p:spPr>
+          <a:xfrm>
+            <a:off x="732928" y="277813"/>
+            <a:ext cx="8229600" cy="576262"/>
+          </a:xfrm>
+        </p:spPr>
+        <p:txBody>
+          <a:bodyPr/>
+          <a:lstStyle/>
+          <a:p>
+            <a:pPr eaLnBrk="1" hangingPunct="1"/>
+            <a:r>
+              <a:rPr lang="en-US" altLang="zh-TW" dirty="0">
+                <a:ea typeface="新細明體" charset="-120"/>
+              </a:rPr>
+              <a:t>12.1 Overview of Mass Storage Structure</a:t>
+            </a:r>
+          </a:p>
+        </p:txBody>
+      </p:sp>
+      <p:sp>
+        <p:nvSpPr>
+          <p:cNvPr id="6147" name="Rectangle 3"/>
+          <p:cNvSpPr>
+            <a:spLocks noGrp="1" noChangeArrowheads="1"/>
+          </p:cNvSpPr>
+          <p:nvPr>
+            <p:ph type="body" idx="1"/>
+          </p:nvPr>
+        </p:nvSpPr>
+        <p:spPr>
+          <a:xfrm>
+            <a:off x="542925" y="954088"/>
+            <a:ext cx="8285765" cy="4530725"/>
+          </a:xfrm>
+        </p:spPr>
+        <p:txBody>
+          <a:bodyPr/>
+          <a:lstStyle/>
+          <a:p>
+            <a:r>
+              <a:rPr lang="en-US" altLang="zh-TW" sz="2800" dirty="0">
+                <a:ea typeface="新細明體" charset="-120"/>
+              </a:rPr>
+              <a:t>Magnetic disks provide bulk</a:t>
+            </a:r>
+            <a:r>
+              <a:rPr lang="zh-TW" altLang="en-US" sz="2800" dirty="0">
+                <a:ea typeface="新細明體" charset="-120"/>
+              </a:rPr>
+              <a:t>提供大量儲存空間</a:t>
+            </a:r>
+            <a:r>
+              <a:rPr lang="en-US" altLang="zh-TW" sz="2800" dirty="0">
+                <a:ea typeface="新細明體" charset="-120"/>
+              </a:rPr>
+              <a:t> of secondary storage of modern computers</a:t>
+            </a:r>
+          </a:p>
+          <a:p>
+            <a:pPr lvl="1"/>
+            <a:r>
+              <a:rPr lang="en-US" altLang="zh-TW" sz="2800" dirty="0">
+                <a:ea typeface="新細明體" charset="-120"/>
+              </a:rPr>
+              <a:t>Drives rotate at 60 to 200 times per second</a:t>
+            </a:r>
+          </a:p>
+          <a:p>
+            <a:pPr lvl="1"/>
+            <a:r>
+              <a:rPr lang="en-US" altLang="zh-TW" sz="2800" b="1" dirty="0">
+                <a:solidFill>
+                  <a:srgbClr val="FF0000"/>
+                </a:solidFill>
+                <a:ea typeface="新細明體" charset="-120"/>
+              </a:rPr>
+              <a:t>Transfer rate</a:t>
+            </a:r>
+            <a:r>
+              <a:rPr lang="en-US" altLang="zh-TW" sz="2800" dirty="0">
+                <a:ea typeface="新細明體" charset="-120"/>
+              </a:rPr>
+              <a:t> is rate at which data flow between drive and computer</a:t>
+            </a:r>
+          </a:p>
+          <a:p>
+            <a:pPr lvl="1"/>
+            <a:r>
+              <a:rPr lang="en-US" altLang="zh-TW" sz="2800" b="1" dirty="0">
+                <a:solidFill>
+                  <a:srgbClr val="FF0000"/>
+                </a:solidFill>
+                <a:ea typeface="新細明體" charset="-120"/>
+              </a:rPr>
+              <a:t>Positioning time</a:t>
+            </a:r>
+            <a:r>
+              <a:rPr lang="en-US" altLang="zh-TW" sz="2800" dirty="0">
+                <a:solidFill>
+                  <a:srgbClr val="FF0000"/>
+                </a:solidFill>
+                <a:ea typeface="新細明體" charset="-120"/>
+              </a:rPr>
+              <a:t> (</a:t>
+            </a:r>
+            <a:r>
+              <a:rPr lang="en-US" altLang="zh-TW" sz="2800" b="1" dirty="0">
+                <a:solidFill>
+                  <a:srgbClr val="FF0000"/>
+                </a:solidFill>
+                <a:ea typeface="新細明體" charset="-120"/>
+              </a:rPr>
+              <a:t>random-access time</a:t>
+            </a:r>
+            <a:r>
+              <a:rPr lang="en-US" altLang="zh-TW" sz="2800" dirty="0">
+                <a:solidFill>
+                  <a:srgbClr val="FF0000"/>
+                </a:solidFill>
+                <a:ea typeface="新細明體" charset="-120"/>
+              </a:rPr>
+              <a:t>) </a:t>
+            </a:r>
+            <a:r>
+              <a:rPr lang="en-US" altLang="zh-TW" sz="2800" dirty="0">
+                <a:ea typeface="新細明體" charset="-120"/>
+              </a:rPr>
+              <a:t>is time to move disk arm to desired cylinder (</a:t>
+            </a:r>
+            <a:r>
+              <a:rPr lang="en-US" altLang="zh-TW" sz="2800" b="1" dirty="0">
+                <a:solidFill>
+                  <a:srgbClr val="FF0000"/>
+                </a:solidFill>
+                <a:ea typeface="新細明體" charset="-120"/>
+              </a:rPr>
+              <a:t>seek time</a:t>
+            </a:r>
+            <a:r>
+              <a:rPr lang="en-US" altLang="zh-TW" sz="2800" dirty="0">
+                <a:ea typeface="新細明體" charset="-120"/>
+              </a:rPr>
+              <a:t>) and time for desired sector to rotate under the disk head (</a:t>
+            </a:r>
+            <a:r>
+              <a:rPr lang="en-US" altLang="zh-TW" sz="2800" b="1" dirty="0">
+                <a:solidFill>
+                  <a:srgbClr val="FF0000"/>
+                </a:solidFill>
+                <a:ea typeface="新細明體" charset="-120"/>
+              </a:rPr>
+              <a:t>rotational latency</a:t>
+            </a:r>
+            <a:r>
+              <a:rPr lang="en-US" altLang="zh-TW" sz="2800" dirty="0">
+                <a:ea typeface="新細明體" charset="-120"/>
+              </a:rPr>
+              <a:t>)</a:t>
+            </a:r>
+          </a:p>
+          <a:p>
+            <a:pPr lvl="1"/>
+            <a:r>
+              <a:rPr lang="en-US" altLang="zh-TW" sz="2800" b="1" dirty="0">
+                <a:solidFill>
+                  <a:srgbClr val="FF0000"/>
+                </a:solidFill>
+                <a:ea typeface="新細明體" charset="-120"/>
+              </a:rPr>
+              <a:t>Head crash</a:t>
+            </a:r>
+            <a:r>
+              <a:rPr lang="en-US" altLang="zh-TW" sz="2800" dirty="0">
+                <a:solidFill>
+                  <a:srgbClr val="FF0000"/>
+                </a:solidFill>
+                <a:ea typeface="新細明體" charset="-120"/>
+              </a:rPr>
+              <a:t> </a:t>
+            </a:r>
+            <a:r>
+              <a:rPr lang="en-US" altLang="zh-TW" sz="2800" dirty="0">
+                <a:ea typeface="新細明體" charset="-120"/>
+              </a:rPr>
+              <a:t>results from disk head making contact with the disk surface</a:t>
+            </a:r>
+            <a:r>
+              <a:rPr lang="zh-TW" altLang="en-US" sz="2800" dirty="0">
+                <a:ea typeface="新細明體" charset="-120"/>
+              </a:rPr>
+              <a:t> </a:t>
+            </a:r>
+            <a:r>
+              <a:rPr lang="en-US" altLang="zh-TW" sz="2800" dirty="0">
+                <a:ea typeface="新細明體" charset="-120"/>
+                <a:sym typeface="Wingdings" pitchFamily="2" charset="2"/>
+              </a:rPr>
+              <a:t> </a:t>
+            </a:r>
+            <a:r>
+              <a:rPr lang="en-US" altLang="zh-TW" sz="2800" dirty="0">
+                <a:ea typeface="新細明體" charset="-120"/>
+              </a:rPr>
+              <a:t>That’s bad</a:t>
+            </a:r>
+            <a:r>
+              <a:rPr lang="zh-TW" altLang="en-US" sz="2800" dirty="0">
+                <a:ea typeface="新細明體" charset="-120"/>
+              </a:rPr>
+              <a:t>  磁頭壓到磁碟刮壞</a:t>
+            </a:r>
+            <a:endParaRPr lang="en-US" altLang="zh-TW" sz="2800" dirty="0">
+              <a:ea typeface="新細明體" charset="-120"/>
+            </a:endParaRPr>
+          </a:p>
+          <a:p>
+            <a:endParaRPr lang="en-US" altLang="zh-TW" sz="2800" dirty="0">
+              <a:ea typeface="新細明體" charset="-120"/>
+            </a:endParaRPr>
+          </a:p>
+        </p:txBody>
+      </p:sp>
+    </p:spTree>
+  </p:cSld>
+  <p:clrMapOvr>
+    <a:masterClrMapping/>
+  </p:clrMapOvr>
+  <p:timing>
+    <p:tnLst>
+      <p:par>
+        <p:cTn id="1" dur="indefinite" restart="never" nodeType="tmRoot">
+          <p:childTnLst>
+            <p:seq concurrent="1" nextAc="seek">
+              <p:cTn id="2" dur="indefinite" nodeType="mainSeq">
+                <p:childTnLst>
+                  <p:par>
+                    <p:cTn id="3" fill="hold">
+                      <p:stCondLst>
+                        <p:cond delay="indefinite"/>
+                      </p:stCondLst>
+                      <p:childTnLst>
+                        <p:par>
+                          <p:cTn id="4" fill="hold">
+                            <p:stCondLst>
+                              <p:cond delay="0"/>
+                            </p:stCondLst>
+                            <p:childTnLst>
+                              <p:par>
+                                <p:cTn id="5" presetID="22" presetClass="entr" presetSubtype="8" fill="hold" nodeType="clickEffect">
+                                  <p:stCondLst>
+                                    <p:cond delay="0"/>
+                                  </p:stCondLst>
+                                  <p:childTnLst>
+                                    <p:set>
+                                      <p:cBhvr>
+                                        <p:cTn id="6" dur="1" fill="hold">
+                                          <p:stCondLst>
+                                            <p:cond delay="0"/>
+                                          </p:stCondLst>
+                                        </p:cTn>
+                                        <p:tgtEl>
+                                          <p:spTgt spid="6147">
+                                            <p:txEl>
+                                              <p:pRg st="1" end="1"/>
+                                            </p:txEl>
+                                          </p:spTgt>
+                                        </p:tgtEl>
+                                        <p:attrNameLst>
+                                          <p:attrName>style.visibility</p:attrName>
+                                        </p:attrNameLst>
+                                      </p:cBhvr>
+                                      <p:to>
+                                        <p:strVal val="visible"/>
+                                      </p:to>
+                                    </p:set>
+                                    <p:animEffect transition="in" filter="wipe(left)">
+                                      <p:cBhvr>
+                                        <p:cTn id="7" dur="1000"/>
+                                        <p:tgtEl>
+                                          <p:spTgt spid="6147">
+                                            <p:txEl>
+                                              <p:pRg st="1" end="1"/>
+                                            </p:txEl>
+                                          </p:spTgt>
+                                        </p:tgtEl>
+                                      </p:cBhvr>
+                                    </p:animEffect>
+                                  </p:childTnLst>
+                                </p:cTn>
+                              </p:par>
+                            </p:childTnLst>
+                          </p:cTn>
+                        </p:par>
+                      </p:childTnLst>
+                    </p:cTn>
+                  </p:par>
+                  <p:par>
+                    <p:cTn id="8" fill="hold">
+                      <p:stCondLst>
+                        <p:cond delay="indefinite"/>
+                      </p:stCondLst>
+                      <p:childTnLst>
+                        <p:par>
+                          <p:cTn id="9" fill="hold">
+                            <p:stCondLst>
+                              <p:cond delay="0"/>
+                            </p:stCondLst>
+                            <p:childTnLst>
+                              <p:par>
+                                <p:cTn id="10" presetID="22" presetClass="entr" presetSubtype="8" fill="hold" nodeType="clickEffect">
+                                  <p:stCondLst>
+                                    <p:cond delay="0"/>
+                                  </p:stCondLst>
+                                  <p:childTnLst>
+                                    <p:set>
+                                      <p:cBhvr>
+                                        <p:cTn id="11" dur="1" fill="hold">
+                                          <p:stCondLst>
+                                            <p:cond delay="0"/>
+                                          </p:stCondLst>
+                                        </p:cTn>
+                                        <p:tgtEl>
+                                          <p:spTgt spid="6147">
+                                            <p:txEl>
+                                              <p:pRg st="2" end="2"/>
+                                            </p:txEl>
+                                          </p:spTgt>
+                                        </p:tgtEl>
+                                        <p:attrNameLst>
+                                          <p:attrName>style.visibility</p:attrName>
+                                        </p:attrNameLst>
+                                      </p:cBhvr>
+                                      <p:to>
+                                        <p:strVal val="visible"/>
+                                      </p:to>
+                                    </p:set>
+                                    <p:animEffect transition="in" filter="wipe(left)">
+                                      <p:cBhvr>
+                                        <p:cTn id="12" dur="1000"/>
+                                        <p:tgtEl>
+                                          <p:spTgt spid="6147">
+                                            <p:txEl>
+                                              <p:pRg st="2" end="2"/>
+                                            </p:txEl>
+                                          </p:spTgt>
+                                        </p:tgtEl>
+                                      </p:cBhvr>
+                                    </p:animEffect>
+                                  </p:childTnLst>
+                                </p:cTn>
+                              </p:par>
+                            </p:childTnLst>
+                          </p:cTn>
+                        </p:par>
+                      </p:childTnLst>
+                    </p:cTn>
+                  </p:par>
+                  <p:par>
+                    <p:cTn id="13" fill="hold">
+                      <p:stCondLst>
+                        <p:cond delay="indefinite"/>
+                      </p:stCondLst>
+                      <p:childTnLst>
+                        <p:par>
+                          <p:cTn id="14" fill="hold">
+                            <p:stCondLst>
+                              <p:cond delay="0"/>
+                            </p:stCondLst>
+                            <p:childTnLst>
+                              <p:par>
+                                <p:cTn id="15" presetID="22" presetClass="entr" presetSubtype="8" fill="hold" nodeType="clickEffect">
+                                  <p:stCondLst>
+                                    <p:cond delay="0"/>
+                                  </p:stCondLst>
+                                  <p:childTnLst>
+                                    <p:set>
+                                      <p:cBhvr>
+                                        <p:cTn id="16" dur="1" fill="hold">
+                                          <p:stCondLst>
+                                            <p:cond delay="0"/>
+                                          </p:stCondLst>
+                                        </p:cTn>
+                                        <p:tgtEl>
+                                          <p:spTgt spid="6147">
+                                            <p:txEl>
+                                              <p:pRg st="3" end="3"/>
+                                            </p:txEl>
+                                          </p:spTgt>
+                                        </p:tgtEl>
+                                        <p:attrNameLst>
+                                          <p:attrName>style.visibility</p:attrName>
+                                        </p:attrNameLst>
+                                      </p:cBhvr>
+                                      <p:to>
+                                        <p:strVal val="visible"/>
+                                      </p:to>
+                                    </p:set>
+                                    <p:animEffect transition="in" filter="wipe(left)">
+                                      <p:cBhvr>
+                                        <p:cTn id="17" dur="1000"/>
+                                        <p:tgtEl>
+                                          <p:spTgt spid="6147">
+                                            <p:txEl>
+                                              <p:pRg st="3" end="3"/>
+                                            </p:txEl>
+                                          </p:spTgt>
+                                        </p:tgtEl>
+                                      </p:cBhvr>
+                                    </p:animEffect>
+                                  </p:childTnLst>
+                                </p:cTn>
+                              </p:par>
+                            </p:childTnLst>
+                          </p:cTn>
+                        </p:par>
+                      </p:childTnLst>
+                    </p:cTn>
+                  </p:par>
+                  <p:par>
+                    <p:cTn id="18" fill="hold">
+                      <p:stCondLst>
+                        <p:cond delay="indefinite"/>
+                      </p:stCondLst>
+                      <p:childTnLst>
+                        <p:par>
+                          <p:cTn id="19" fill="hold">
+                            <p:stCondLst>
+                              <p:cond delay="0"/>
+                            </p:stCondLst>
+                            <p:childTnLst>
+                              <p:par>
+                                <p:cTn id="20" presetID="22" presetClass="entr" presetSubtype="8" fill="hold" nodeType="clickEffect">
+                                  <p:stCondLst>
+                                    <p:cond delay="0"/>
+                                  </p:stCondLst>
+                                  <p:childTnLst>
+                                    <p:set>
+                                      <p:cBhvr>
+                                        <p:cTn id="21" dur="1" fill="hold">
+                                          <p:stCondLst>
+                                            <p:cond delay="0"/>
+                                          </p:stCondLst>
+                                        </p:cTn>
+                                        <p:tgtEl>
+                                          <p:spTgt spid="6147">
+                                            <p:txEl>
+                                              <p:pRg st="4" end="4"/>
+                                            </p:txEl>
+                                          </p:spTgt>
+                                        </p:tgtEl>
+                                        <p:attrNameLst>
+                                          <p:attrName>style.visibility</p:attrName>
+                                        </p:attrNameLst>
+                                      </p:cBhvr>
+                                      <p:to>
+                                        <p:strVal val="visible"/>
+                                      </p:to>
+                                    </p:set>
+                                    <p:animEffect transition="in" filter="wipe(left)">
+                                      <p:cBhvr>
+                                        <p:cTn id="22" dur="1000"/>
+                                        <p:tgtEl>
+                                          <p:spTgt spid="6147">
+                                            <p:txEl>
+                                              <p:pRg st="4" end="4"/>
+                                            </p:txEl>
+                                          </p:spTgt>
+                                        </p:tgtEl>
+                                      </p:cBhvr>
+                                    </p:animEffect>
+                                  </p:childTnLst>
+                                </p:cTn>
+                              </p:par>
+                            </p:childTnLst>
+                          </p:cTn>
+                        </p:par>
+                      </p:childTnLst>
+                    </p:cTn>
+                  </p:par>
+                </p:childTnLst>
+              </p:cTn>
+              <p:prevCondLst>
+                <p:cond evt="onPrev" delay="0">
+                  <p:tgtEl>
+                    <p:sldTgt/>
+                  </p:tgtEl>
+                </p:cond>
+              </p:prevCondLst>
+              <p:nextCondLst>
+                <p:cond evt="onNext" delay="0">
+                  <p:tgtEl>
+                    <p:sldTgt/>
+                  </p:tgtEl>
+                </p:cond>
+              </p:nextCondLst>
+            </p:seq>
+          </p:childTnLst>
+        </p:cTn>
+      </p:par>
+    </p:tnLst>
+  </p:timing>
+</p:sld>
+</file>
+
+<file path=ppt/slides/slide40.xml><?xml version="1.0" encoding="utf-8"?>
 <p:sld xmlns:a="http://schemas.openxmlformats.org/drawingml/2006/main" xmlns:r="http://schemas.openxmlformats.org/officeDocument/2006/relationships" xmlns:p="http://schemas.openxmlformats.org/presentationml/2006/main">
   <p:cSld>
     <p:spTree>
@@ -20990,8 +21999,17 @@
               <a:rPr lang="en-US" altLang="zh-TW" sz="2400" dirty="0">
                 <a:ea typeface="新細明體" charset="-120"/>
               </a:rPr>
-              <a:t>,</a:t>
-            </a:r>
+              <a:t>,  </a:t>
+            </a:r>
+            <a:r>
+              <a:rPr lang="zh-TW" altLang="en-US" sz="2400" dirty="0">
+                <a:ea typeface="新細明體" charset="-120"/>
+              </a:rPr>
+              <a:t>平行</a:t>
+            </a:r>
+            <a:endParaRPr lang="en-US" altLang="zh-TW" sz="2400" dirty="0">
+              <a:ea typeface="新細明體" charset="-120"/>
+            </a:endParaRPr>
           </a:p>
           <a:p>
             <a:r>
@@ -21015,6 +22033,27 @@
               </a:rPr>
               <a:t>.</a:t>
             </a:r>
+            <a:r>
+              <a:rPr lang="zh-TW" altLang="en-US" sz="2400" dirty="0">
+                <a:ea typeface="新細明體" charset="-120"/>
+              </a:rPr>
+              <a:t>   </a:t>
+            </a:r>
+            <a:r>
+              <a:rPr lang="en-US" altLang="zh-TW" sz="2400" dirty="0">
+                <a:ea typeface="新細明體" charset="-120"/>
+              </a:rPr>
+              <a:t>mirror</a:t>
+            </a:r>
+            <a:r>
+              <a:rPr lang="zh-TW" altLang="en-US" sz="2400" dirty="0">
+                <a:ea typeface="新細明體" charset="-120"/>
+              </a:rPr>
+              <a:t> 沒平行加速</a:t>
+            </a:r>
+            <a:endParaRPr lang="en-US" altLang="zh-TW" sz="2400" dirty="0">
+              <a:ea typeface="新細明體" charset="-120"/>
+            </a:endParaRPr>
           </a:p>
           <a:p>
             <a:r>
@@ -21032,6 +22071,30 @@
               </a:rPr>
               <a:t>: A set of disks are striped, and then the stripe is mirrored to another, equivalent strip</a:t>
             </a:r>
+            <a:r>
+              <a:rPr lang="zh-TW" altLang="en-US" sz="2400" dirty="0">
+                <a:ea typeface="新細明體" charset="-120"/>
+              </a:rPr>
+              <a:t>  先</a:t>
+            </a:r>
+            <a:r>
+              <a:rPr lang="en-US" altLang="zh-TW" sz="2400" dirty="0">
+                <a:ea typeface="新細明體" charset="-120"/>
+              </a:rPr>
+              <a:t>0</a:t>
+            </a:r>
+            <a:r>
+              <a:rPr lang="zh-TW" altLang="en-US" sz="2400" dirty="0">
+                <a:ea typeface="新細明體" charset="-120"/>
+              </a:rPr>
+              <a:t>再</a:t>
+            </a:r>
+            <a:r>
+              <a:rPr lang="en-US" altLang="zh-TW" sz="2400" dirty="0">
+                <a:ea typeface="新細明體" charset="-120"/>
+              </a:rPr>
+              <a:t>1</a:t>
+            </a:r>
           </a:p>
           <a:p>
             <a:r>
@@ -21047,14 +22110,38 @@
               <a:rPr lang="en-US" altLang="zh-TW" sz="2400" dirty="0">
                 <a:ea typeface="新細明體" charset="-120"/>
               </a:rPr>
-              <a:t>: Disks are mirrored in pairs and then the resulting mirrored pairs are striped. </a:t>
-            </a:r>
-          </a:p>
-          <a:p>
+              <a:t>: Disks are mirrored in pairs and then the resulting mirrored pairs are striped.   </a:t>
+            </a:r>
+            <a:r>
+              <a:rPr lang="zh-TW" altLang="en-US" sz="2400" dirty="0">
+                <a:ea typeface="新細明體" charset="-120"/>
+              </a:rPr>
+              <a:t>先</a:t>
+            </a:r>
             <a:r>
               <a:rPr lang="en-US" altLang="zh-TW" sz="2400" dirty="0">
                 <a:ea typeface="新細明體" charset="-120"/>
               </a:rPr>
+              <a:t>1</a:t>
+            </a:r>
+            <a:r>
+              <a:rPr lang="zh-TW" altLang="en-US" sz="2400" dirty="0">
+                <a:ea typeface="新細明體" charset="-120"/>
+              </a:rPr>
+              <a:t>再</a:t>
+            </a:r>
+            <a:r>
+              <a:rPr lang="en-US" altLang="zh-TW" sz="2400" dirty="0">
+                <a:ea typeface="新細明體" charset="-120"/>
+              </a:rPr>
+              <a:t>0</a:t>
+            </a:r>
+          </a:p>
+          <a:p>
+            <a:r>
+              <a:rPr lang="en-US" altLang="zh-TW" sz="2400" dirty="0">
+                <a:ea typeface="新細明體" charset="-120"/>
+              </a:rPr>
               <a:t>RAID 1+0 has some theoretical advantages over RAID 0+1.</a:t>
             </a:r>
           </a:p>
@@ -21065,9 +22152,12 @@
               </a:rPr>
               <a:t>For example, if a single disk fails in RAID 0+1, an entire strip is inaccessible, leaving only the other strip available. With a failure in RAID 1+0, a single disk is unavailable, but the disk that mirrors it is still available, as are all the rest of the disks.</a:t>
             </a:r>
-            <a:endParaRPr lang="zh-TW" altLang="en-US" sz="2400" dirty="0">
-              <a:ea typeface="新細明體" charset="-120"/>
-            </a:endParaRPr>
+            <a:r>
+              <a:rPr lang="zh-TW" altLang="en-US" sz="2400" dirty="0">
+                <a:ea typeface="新細明體" charset="-120"/>
+              </a:rPr>
+              <a:t>見下頁圖</a:t>
+            </a:r>
           </a:p>
         </p:txBody>
       </p:sp>
@@ -21527,539 +22617,7 @@
 </p:sld>
 </file>
 
-<file path=ppt/slides/slide4.xml><?xml version="1.0" encoding="utf-8"?>
-<p:sld xmlns:a="http://schemas.openxmlformats.org/drawingml/2006/main" xmlns:r="http://schemas.openxmlformats.org/officeDocument/2006/relationships" xmlns:p="http://schemas.openxmlformats.org/presentationml/2006/main">
-  <p:cSld>
-    <p:spTree>
-      <p:nvGrpSpPr>
-        <p:cNvPr id="1" name=""/>
-        <p:cNvGrpSpPr/>
-        <p:nvPr/>
-      </p:nvGrpSpPr>
-      <p:grpSpPr>
-        <a:xfrm>
-          <a:off x="0" y="0"/>
-          <a:ext cx="0" cy="0"/>
-          <a:chOff x="0" y="0"/>
-          <a:chExt cx="0" cy="0"/>
-        </a:xfrm>
-      </p:grpSpPr>
-      <p:sp>
-        <p:nvSpPr>
-          <p:cNvPr id="6146" name="Rectangle 2"/>
-          <p:cNvSpPr>
-            <a:spLocks noGrp="1" noChangeArrowheads="1"/>
-          </p:cNvSpPr>
-          <p:nvPr>
-            <p:ph type="title"/>
-          </p:nvPr>
-        </p:nvSpPr>
-        <p:spPr>
-          <a:xfrm>
-            <a:off x="732928" y="277813"/>
-            <a:ext cx="8229600" cy="576262"/>
-          </a:xfrm>
-        </p:spPr>
-        <p:txBody>
-          <a:bodyPr/>
-          <a:lstStyle/>
-          <a:p>
-            <a:pPr eaLnBrk="1" hangingPunct="1"/>
-            <a:r>
-              <a:rPr lang="en-US" altLang="zh-TW" dirty="0">
-                <a:ea typeface="新細明體" charset="-120"/>
-              </a:rPr>
-              <a:t>12.1 Overview of Mass Storage Structure</a:t>
-            </a:r>
-          </a:p>
-        </p:txBody>
-      </p:sp>
-      <p:sp>
-        <p:nvSpPr>
-          <p:cNvPr id="6147" name="Rectangle 3"/>
-          <p:cNvSpPr>
-            <a:spLocks noGrp="1" noChangeArrowheads="1"/>
-          </p:cNvSpPr>
-          <p:nvPr>
-            <p:ph type="body" idx="1"/>
-          </p:nvPr>
-        </p:nvSpPr>
-        <p:spPr>
-          <a:xfrm>
-            <a:off x="542925" y="954088"/>
-            <a:ext cx="8285765" cy="4530725"/>
-          </a:xfrm>
-        </p:spPr>
-        <p:txBody>
-          <a:bodyPr/>
-          <a:lstStyle/>
-          <a:p>
-            <a:r>
-              <a:rPr lang="en-US" altLang="zh-TW" sz="2800" dirty="0">
-                <a:ea typeface="新細明體" charset="-120"/>
-              </a:rPr>
-              <a:t>Magnetic disks provide bulk</a:t>
-            </a:r>
-            <a:r>
-              <a:rPr lang="zh-TW" altLang="en-US" sz="2800" dirty="0">
-                <a:ea typeface="新細明體" charset="-120"/>
-              </a:rPr>
-              <a:t>提供大量儲存空間</a:t>
-            </a:r>
-            <a:r>
-              <a:rPr lang="en-US" altLang="zh-TW" sz="2800" dirty="0">
-                <a:ea typeface="新細明體" charset="-120"/>
-              </a:rPr>
-              <a:t> of secondary storage of modern computers</a:t>
-            </a:r>
-          </a:p>
-          <a:p>
-            <a:pPr lvl="1"/>
-            <a:r>
-              <a:rPr lang="en-US" altLang="zh-TW" sz="2800" dirty="0">
-                <a:ea typeface="新細明體" charset="-120"/>
-              </a:rPr>
-              <a:t>Drives rotate at 60 to 200 times per second</a:t>
-            </a:r>
-          </a:p>
-          <a:p>
-            <a:pPr lvl="1"/>
-            <a:r>
-              <a:rPr lang="en-US" altLang="zh-TW" sz="2800" b="1" dirty="0">
-                <a:solidFill>
-                  <a:srgbClr val="FF0000"/>
-                </a:solidFill>
-                <a:ea typeface="新細明體" charset="-120"/>
-              </a:rPr>
-              <a:t>Transfer rate</a:t>
-            </a:r>
-            <a:r>
-              <a:rPr lang="en-US" altLang="zh-TW" sz="2800" dirty="0">
-                <a:ea typeface="新細明體" charset="-120"/>
-              </a:rPr>
-              <a:t> is rate at which data flow between drive and computer</a:t>
-            </a:r>
-          </a:p>
-          <a:p>
-            <a:pPr lvl="1"/>
-            <a:r>
-              <a:rPr lang="en-US" altLang="zh-TW" sz="2800" b="1" dirty="0">
-                <a:solidFill>
-                  <a:srgbClr val="FF0000"/>
-                </a:solidFill>
-                <a:ea typeface="新細明體" charset="-120"/>
-              </a:rPr>
-              <a:t>Positioning time</a:t>
-            </a:r>
-            <a:r>
-              <a:rPr lang="en-US" altLang="zh-TW" sz="2800" dirty="0">
-                <a:solidFill>
-                  <a:srgbClr val="FF0000"/>
-                </a:solidFill>
-                <a:ea typeface="新細明體" charset="-120"/>
-              </a:rPr>
-              <a:t> (</a:t>
-            </a:r>
-            <a:r>
-              <a:rPr lang="en-US" altLang="zh-TW" sz="2800" b="1" dirty="0">
-                <a:solidFill>
-                  <a:srgbClr val="FF0000"/>
-                </a:solidFill>
-                <a:ea typeface="新細明體" charset="-120"/>
-              </a:rPr>
-              <a:t>random-access time</a:t>
-            </a:r>
-            <a:r>
-              <a:rPr lang="en-US" altLang="zh-TW" sz="2800" dirty="0">
-                <a:solidFill>
-                  <a:srgbClr val="FF0000"/>
-                </a:solidFill>
-                <a:ea typeface="新細明體" charset="-120"/>
-              </a:rPr>
-              <a:t>) </a:t>
-            </a:r>
-            <a:r>
-              <a:rPr lang="en-US" altLang="zh-TW" sz="2800" dirty="0">
-                <a:ea typeface="新細明體" charset="-120"/>
-              </a:rPr>
-              <a:t>is time to move disk arm to desired cylinder (</a:t>
-            </a:r>
-            <a:r>
-              <a:rPr lang="en-US" altLang="zh-TW" sz="2800" b="1" dirty="0">
-                <a:solidFill>
-                  <a:srgbClr val="FF0000"/>
-                </a:solidFill>
-                <a:ea typeface="新細明體" charset="-120"/>
-              </a:rPr>
-              <a:t>seek time</a:t>
-            </a:r>
-            <a:r>
-              <a:rPr lang="en-US" altLang="zh-TW" sz="2800" dirty="0">
-                <a:ea typeface="新細明體" charset="-120"/>
-              </a:rPr>
-              <a:t>) and time for desired sector to rotate under the disk head (</a:t>
-            </a:r>
-            <a:r>
-              <a:rPr lang="en-US" altLang="zh-TW" sz="2800" b="1" dirty="0">
-                <a:solidFill>
-                  <a:srgbClr val="FF0000"/>
-                </a:solidFill>
-                <a:ea typeface="新細明體" charset="-120"/>
-              </a:rPr>
-              <a:t>rotational latency</a:t>
-            </a:r>
-            <a:r>
-              <a:rPr lang="en-US" altLang="zh-TW" sz="2800" dirty="0">
-                <a:ea typeface="新細明體" charset="-120"/>
-              </a:rPr>
-              <a:t>)</a:t>
-            </a:r>
-          </a:p>
-          <a:p>
-            <a:pPr lvl="1"/>
-            <a:r>
-              <a:rPr lang="en-US" altLang="zh-TW" sz="2800" b="1" dirty="0">
-                <a:solidFill>
-                  <a:srgbClr val="FF0000"/>
-                </a:solidFill>
-                <a:ea typeface="新細明體" charset="-120"/>
-              </a:rPr>
-              <a:t>Head crash</a:t>
-            </a:r>
-            <a:r>
-              <a:rPr lang="en-US" altLang="zh-TW" sz="2800" dirty="0">
-                <a:solidFill>
-                  <a:srgbClr val="FF0000"/>
-                </a:solidFill>
-                <a:ea typeface="新細明體" charset="-120"/>
-              </a:rPr>
-              <a:t> </a:t>
-            </a:r>
-            <a:r>
-              <a:rPr lang="en-US" altLang="zh-TW" sz="2800" dirty="0">
-                <a:ea typeface="新細明體" charset="-120"/>
-              </a:rPr>
-              <a:t>results from disk head making contact with the disk surface</a:t>
-            </a:r>
-            <a:r>
-              <a:rPr lang="zh-TW" altLang="en-US" sz="2800" dirty="0">
-                <a:ea typeface="新細明體" charset="-120"/>
-              </a:rPr>
-              <a:t> </a:t>
-            </a:r>
-            <a:r>
-              <a:rPr lang="en-US" altLang="zh-TW" sz="2800" dirty="0">
-                <a:ea typeface="新細明體" charset="-120"/>
-                <a:sym typeface="Wingdings" pitchFamily="2" charset="2"/>
-              </a:rPr>
-              <a:t> </a:t>
-            </a:r>
-            <a:r>
-              <a:rPr lang="en-US" altLang="zh-TW" sz="2800" dirty="0">
-                <a:ea typeface="新細明體" charset="-120"/>
-              </a:rPr>
-              <a:t>That’s bad</a:t>
-            </a:r>
-            <a:r>
-              <a:rPr lang="zh-TW" altLang="en-US" sz="2800" dirty="0">
-                <a:ea typeface="新細明體" charset="-120"/>
-              </a:rPr>
-              <a:t>  磁頭壓到磁碟刮壞</a:t>
-            </a:r>
-            <a:endParaRPr lang="en-US" altLang="zh-TW" sz="2800" dirty="0">
-              <a:ea typeface="新細明體" charset="-120"/>
-            </a:endParaRPr>
-          </a:p>
-          <a:p>
-            <a:endParaRPr lang="en-US" altLang="zh-TW" sz="2800" dirty="0">
-              <a:ea typeface="新細明體" charset="-120"/>
-            </a:endParaRPr>
-          </a:p>
-        </p:txBody>
-      </p:sp>
-    </p:spTree>
-  </p:cSld>
-  <p:clrMapOvr>
-    <a:masterClrMapping/>
-  </p:clrMapOvr>
-  <p:timing>
-    <p:tnLst>
-      <p:par>
-        <p:cTn id="1" dur="indefinite" restart="never" nodeType="tmRoot">
-          <p:childTnLst>
-            <p:seq concurrent="1" nextAc="seek">
-              <p:cTn id="2" dur="indefinite" nodeType="mainSeq">
-                <p:childTnLst>
-                  <p:par>
-                    <p:cTn id="3" fill="hold">
-                      <p:stCondLst>
-                        <p:cond delay="indefinite"/>
-                      </p:stCondLst>
-                      <p:childTnLst>
-                        <p:par>
-                          <p:cTn id="4" fill="hold">
-                            <p:stCondLst>
-                              <p:cond delay="0"/>
-                            </p:stCondLst>
-                            <p:childTnLst>
-                              <p:par>
-                                <p:cTn id="5" presetID="22" presetClass="entr" presetSubtype="8" fill="hold" nodeType="clickEffect">
-                                  <p:stCondLst>
-                                    <p:cond delay="0"/>
-                                  </p:stCondLst>
-                                  <p:childTnLst>
-                                    <p:set>
-                                      <p:cBhvr>
-                                        <p:cTn id="6" dur="1" fill="hold">
-                                          <p:stCondLst>
-                                            <p:cond delay="0"/>
-                                          </p:stCondLst>
-                                        </p:cTn>
-                                        <p:tgtEl>
-                                          <p:spTgt spid="6147">
-                                            <p:txEl>
-                                              <p:pRg st="1" end="1"/>
-                                            </p:txEl>
-                                          </p:spTgt>
-                                        </p:tgtEl>
-                                        <p:attrNameLst>
-                                          <p:attrName>style.visibility</p:attrName>
-                                        </p:attrNameLst>
-                                      </p:cBhvr>
-                                      <p:to>
-                                        <p:strVal val="visible"/>
-                                      </p:to>
-                                    </p:set>
-                                    <p:animEffect transition="in" filter="wipe(left)">
-                                      <p:cBhvr>
-                                        <p:cTn id="7" dur="1000"/>
-                                        <p:tgtEl>
-                                          <p:spTgt spid="6147">
-                                            <p:txEl>
-                                              <p:pRg st="1" end="1"/>
-                                            </p:txEl>
-                                          </p:spTgt>
-                                        </p:tgtEl>
-                                      </p:cBhvr>
-                                    </p:animEffect>
-                                  </p:childTnLst>
-                                </p:cTn>
-                              </p:par>
-                            </p:childTnLst>
-                          </p:cTn>
-                        </p:par>
-                      </p:childTnLst>
-                    </p:cTn>
-                  </p:par>
-                  <p:par>
-                    <p:cTn id="8" fill="hold">
-                      <p:stCondLst>
-                        <p:cond delay="indefinite"/>
-                      </p:stCondLst>
-                      <p:childTnLst>
-                        <p:par>
-                          <p:cTn id="9" fill="hold">
-                            <p:stCondLst>
-                              <p:cond delay="0"/>
-                            </p:stCondLst>
-                            <p:childTnLst>
-                              <p:par>
-                                <p:cTn id="10" presetID="22" presetClass="entr" presetSubtype="8" fill="hold" nodeType="clickEffect">
-                                  <p:stCondLst>
-                                    <p:cond delay="0"/>
-                                  </p:stCondLst>
-                                  <p:childTnLst>
-                                    <p:set>
-                                      <p:cBhvr>
-                                        <p:cTn id="11" dur="1" fill="hold">
-                                          <p:stCondLst>
-                                            <p:cond delay="0"/>
-                                          </p:stCondLst>
-                                        </p:cTn>
-                                        <p:tgtEl>
-                                          <p:spTgt spid="6147">
-                                            <p:txEl>
-                                              <p:pRg st="2" end="2"/>
-                                            </p:txEl>
-                                          </p:spTgt>
-                                        </p:tgtEl>
-                                        <p:attrNameLst>
-                                          <p:attrName>style.visibility</p:attrName>
-                                        </p:attrNameLst>
-                                      </p:cBhvr>
-                                      <p:to>
-                                        <p:strVal val="visible"/>
-                                      </p:to>
-                                    </p:set>
-                                    <p:animEffect transition="in" filter="wipe(left)">
-                                      <p:cBhvr>
-                                        <p:cTn id="12" dur="1000"/>
-                                        <p:tgtEl>
-                                          <p:spTgt spid="6147">
-                                            <p:txEl>
-                                              <p:pRg st="2" end="2"/>
-                                            </p:txEl>
-                                          </p:spTgt>
-                                        </p:tgtEl>
-                                      </p:cBhvr>
-                                    </p:animEffect>
-                                  </p:childTnLst>
-                                </p:cTn>
-                              </p:par>
-                            </p:childTnLst>
-                          </p:cTn>
-                        </p:par>
-                      </p:childTnLst>
-                    </p:cTn>
-                  </p:par>
-                  <p:par>
-                    <p:cTn id="13" fill="hold">
-                      <p:stCondLst>
-                        <p:cond delay="indefinite"/>
-                      </p:stCondLst>
-                      <p:childTnLst>
-                        <p:par>
-                          <p:cTn id="14" fill="hold">
-                            <p:stCondLst>
-                              <p:cond delay="0"/>
-                            </p:stCondLst>
-                            <p:childTnLst>
-                              <p:par>
-                                <p:cTn id="15" presetID="22" presetClass="entr" presetSubtype="8" fill="hold" nodeType="clickEffect">
-                                  <p:stCondLst>
-                                    <p:cond delay="0"/>
-                                  </p:stCondLst>
-                                  <p:childTnLst>
-                                    <p:set>
-                                      <p:cBhvr>
-                                        <p:cTn id="16" dur="1" fill="hold">
-                                          <p:stCondLst>
-                                            <p:cond delay="0"/>
-                                          </p:stCondLst>
-                                        </p:cTn>
-                                        <p:tgtEl>
-                                          <p:spTgt spid="6147">
-                                            <p:txEl>
-                                              <p:pRg st="3" end="3"/>
-                                            </p:txEl>
-                                          </p:spTgt>
-                                        </p:tgtEl>
-                                        <p:attrNameLst>
-                                          <p:attrName>style.visibility</p:attrName>
-                                        </p:attrNameLst>
-                                      </p:cBhvr>
-                                      <p:to>
-                                        <p:strVal val="visible"/>
-                                      </p:to>
-                                    </p:set>
-                                    <p:animEffect transition="in" filter="wipe(left)">
-                                      <p:cBhvr>
-                                        <p:cTn id="17" dur="1000"/>
-                                        <p:tgtEl>
-                                          <p:spTgt spid="6147">
-                                            <p:txEl>
-                                              <p:pRg st="3" end="3"/>
-                                            </p:txEl>
-                                          </p:spTgt>
-                                        </p:tgtEl>
-                                      </p:cBhvr>
-                                    </p:animEffect>
-                                  </p:childTnLst>
-                                </p:cTn>
-                              </p:par>
-                            </p:childTnLst>
-                          </p:cTn>
-                        </p:par>
-                      </p:childTnLst>
-                    </p:cTn>
-                  </p:par>
-                  <p:par>
-                    <p:cTn id="18" fill="hold">
-                      <p:stCondLst>
-                        <p:cond delay="indefinite"/>
-                      </p:stCondLst>
-                      <p:childTnLst>
-                        <p:par>
-                          <p:cTn id="19" fill="hold">
-                            <p:stCondLst>
-                              <p:cond delay="0"/>
-                            </p:stCondLst>
-                            <p:childTnLst>
-                              <p:par>
-                                <p:cTn id="20" presetID="22" presetClass="entr" presetSubtype="8" fill="hold" nodeType="clickEffect">
-                                  <p:stCondLst>
-                                    <p:cond delay="0"/>
-                                  </p:stCondLst>
-                                  <p:childTnLst>
-                                    <p:set>
-                                      <p:cBhvr>
-                                        <p:cTn id="21" dur="1" fill="hold">
-                                          <p:stCondLst>
-                                            <p:cond delay="0"/>
-                                          </p:stCondLst>
-                                        </p:cTn>
-                                        <p:tgtEl>
-                                          <p:spTgt spid="6147">
-                                            <p:txEl>
-                                              <p:pRg st="4" end="4"/>
-                                            </p:txEl>
-                                          </p:spTgt>
-                                        </p:tgtEl>
-                                        <p:attrNameLst>
-                                          <p:attrName>style.visibility</p:attrName>
-                                        </p:attrNameLst>
-                                      </p:cBhvr>
-                                      <p:to>
-                                        <p:strVal val="visible"/>
-                                      </p:to>
-                                    </p:set>
-                                    <p:animEffect transition="in" filter="wipe(left)">
-                                      <p:cBhvr>
-                                        <p:cTn id="22" dur="1000"/>
-                                        <p:tgtEl>
-                                          <p:spTgt spid="6147">
-                                            <p:txEl>
-                                              <p:pRg st="4" end="4"/>
-                                            </p:txEl>
-                                          </p:spTgt>
-                                        </p:tgtEl>
-                                      </p:cBhvr>
-                                    </p:animEffect>
-                                  </p:childTnLst>
-                                </p:cTn>
-                              </p:par>
-                            </p:childTnLst>
-                          </p:cTn>
-                        </p:par>
-                      </p:childTnLst>
-                    </p:cTn>
-                  </p:par>
-                </p:childTnLst>
-              </p:cTn>
-              <p:prevCondLst>
-                <p:cond evt="onPrev" delay="0">
-                  <p:tgtEl>
-                    <p:sldTgt/>
-                  </p:tgtEl>
-                </p:cond>
-              </p:prevCondLst>
-              <p:nextCondLst>
-                <p:cond evt="onNext" delay="0">
-                  <p:tgtEl>
-                    <p:sldTgt/>
-                  </p:tgtEl>
-                </p:cond>
-              </p:nextCondLst>
-            </p:seq>
-          </p:childTnLst>
-        </p:cTn>
-      </p:par>
-    </p:tnLst>
-  </p:timing>
-</p:sld>
-</file>
-
-<file path=ppt/slides/slide40.xml><?xml version="1.0" encoding="utf-8"?>
+<file path=ppt/slides/slide41.xml><?xml version="1.0" encoding="utf-8"?>
 <p:sld xmlns:a="http://schemas.openxmlformats.org/drawingml/2006/main" xmlns:r="http://schemas.openxmlformats.org/officeDocument/2006/relationships" xmlns:p="http://schemas.openxmlformats.org/presentationml/2006/main">
   <p:cSld>
     <p:spTree>
@@ -22574,7 +23132,7 @@
 </p:sld>
 </file>
 
-<file path=ppt/slides/slide41.xml><?xml version="1.0" encoding="utf-8"?>
+<file path=ppt/slides/slide42.xml><?xml version="1.0" encoding="utf-8"?>
 <p:sld xmlns:a="http://schemas.openxmlformats.org/drawingml/2006/main" xmlns:r="http://schemas.openxmlformats.org/officeDocument/2006/relationships" xmlns:p="http://schemas.openxmlformats.org/presentationml/2006/main">
   <p:cSld>
     <p:spTree>
@@ -22649,7 +23207,16 @@
                 </a:solidFill>
                 <a:ea typeface="新細明體" charset="-120"/>
               </a:rPr>
-              <a:t>stable storage</a:t>
+              <a:t>stable storage    log</a:t>
+            </a:r>
+            <a:r>
+              <a:rPr lang="zh-TW" altLang="en-US" sz="2400" b="1" dirty="0">
+                <a:solidFill>
+                  <a:srgbClr val="FF0000"/>
+                </a:solidFill>
+                <a:ea typeface="新細明體" charset="-120"/>
+              </a:rPr>
+              <a:t>要穩定 建立在硬碟本身也要穩定</a:t>
             </a:r>
             <a:r>
               <a:rPr lang="en-US" altLang="zh-TW" sz="2400" dirty="0">
@@ -22683,6 +23250,15 @@
               </a:rPr>
               <a:t>on more than one nonvolatile storage media with independent failure modes.</a:t>
             </a:r>
+            <a:r>
+              <a:rPr lang="zh-TW" altLang="en-US" sz="2400" dirty="0">
+                <a:ea typeface="新細明體" charset="-120"/>
+              </a:rPr>
+              <a:t>  多複製幾分</a:t>
+            </a:r>
+            <a:endParaRPr lang="en-US" altLang="zh-TW" sz="2400" dirty="0">
+              <a:ea typeface="新細明體" charset="-120"/>
+            </a:endParaRPr>
           </a:p>
           <a:p>
             <a:pPr lvl="1"/>
@@ -22959,7 +23535,7 @@
 </p:sld>
 </file>
 
-<file path=ppt/slides/slide42.xml><?xml version="1.0" encoding="utf-8"?>
+<file path=ppt/slides/slide43.xml><?xml version="1.0" encoding="utf-8"?>
 <p:sld xmlns:a="http://schemas.openxmlformats.org/drawingml/2006/main" xmlns:r="http://schemas.openxmlformats.org/officeDocument/2006/relationships" xmlns:p="http://schemas.openxmlformats.org/presentationml/2006/main">
   <p:cSld>
     <p:spTree>
@@ -22996,7 +23572,19 @@
               <a:rPr lang="en-US" altLang="zh-TW" dirty="0">
                 <a:ea typeface="新細明體" charset="-120"/>
               </a:rPr>
-              <a:t>12.9 Tertiary Storage Structure</a:t>
+              <a:t>12.9 Tertiary</a:t>
+            </a:r>
+            <a:r>
+              <a:rPr lang="zh-TW" altLang="en-US" dirty="0">
+                <a:ea typeface="新細明體" charset="-120"/>
+              </a:rPr>
+              <a:t>第三階</a:t>
+            </a:r>
+            <a:r>
+              <a:rPr lang="en-US" altLang="zh-TW" dirty="0">
+                <a:ea typeface="新細明體" charset="-120"/>
+              </a:rPr>
+              <a:t> Storage Structure</a:t>
             </a:r>
           </a:p>
         </p:txBody>
@@ -23036,6 +23624,15 @@
               </a:rPr>
               <a:t>is the defining characteristic of tertiary storage.</a:t>
             </a:r>
+            <a:r>
+              <a:rPr lang="zh-TW" altLang="en-US" sz="2400" dirty="0">
+                <a:ea typeface="新細明體" charset="-120"/>
+              </a:rPr>
+              <a:t>要存大量資料  所以要便宜才不會太貴</a:t>
+            </a:r>
+            <a:endParaRPr lang="en-US" altLang="zh-TW" sz="2400" dirty="0">
+              <a:ea typeface="新細明體" charset="-120"/>
+            </a:endParaRPr>
           </a:p>
           <a:p>
             <a:r>
@@ -23052,6 +23649,15 @@
                 <a:ea typeface="新細明體" charset="-120"/>
               </a:rPr>
               <a:t>removable media</a:t>
+            </a:r>
+            <a:r>
+              <a:rPr lang="zh-TW" altLang="en-US" sz="2400" b="1" i="1" dirty="0">
+                <a:solidFill>
+                  <a:srgbClr val="FF0000"/>
+                </a:solidFill>
+                <a:ea typeface="新細明體" charset="-120"/>
+              </a:rPr>
+              <a:t>  隨身 可攜帶  可移動 可移除</a:t>
             </a:r>
             <a:endParaRPr lang="en-US" altLang="zh-TW" sz="2400" b="1" dirty="0">
               <a:solidFill>
@@ -23065,8 +23671,29 @@
               <a:rPr lang="en-US" altLang="zh-TW" sz="2400" dirty="0">
                 <a:ea typeface="新細明體" charset="-120"/>
               </a:rPr>
-              <a:t>Common examples of removable media are floppy disks and CD-ROMs; other types are available.</a:t>
-            </a:r>
+              <a:t>Common examples of removable media are floppy disks</a:t>
+            </a:r>
+            <a:r>
+              <a:rPr lang="zh-TW" altLang="en-US" sz="2400" dirty="0">
+                <a:ea typeface="新細明體" charset="-120"/>
+              </a:rPr>
+              <a:t>少用了  不夠大  讀得快  但找磁頭位置慢  找到後讀得快</a:t>
+            </a:r>
+            <a:r>
+              <a:rPr lang="en-US" altLang="zh-TW" sz="2400" dirty="0">
+                <a:ea typeface="新細明體" charset="-120"/>
+              </a:rPr>
+              <a:t> and CD-ROMs; other types are available.</a:t>
+            </a:r>
+            <a:r>
+              <a:rPr lang="zh-TW" altLang="en-US" sz="2400" dirty="0">
+                <a:ea typeface="新細明體" charset="-120"/>
+              </a:rPr>
+              <a:t> 下頁</a:t>
+            </a:r>
+            <a:endParaRPr lang="en-US" altLang="zh-TW" sz="2400" dirty="0">
+              <a:ea typeface="新細明體" charset="-120"/>
+            </a:endParaRPr>
           </a:p>
         </p:txBody>
       </p:sp>
@@ -23294,7 +23921,7 @@
 </p:sld>
 </file>
 
-<file path=ppt/slides/slide43.xml><?xml version="1.0" encoding="utf-8"?>
+<file path=ppt/slides/slide44.xml><?xml version="1.0" encoding="utf-8"?>
 <p:sld xmlns:a="http://schemas.openxmlformats.org/drawingml/2006/main" xmlns:r="http://schemas.openxmlformats.org/officeDocument/2006/relationships" xmlns:p="http://schemas.openxmlformats.org/presentationml/2006/main">
   <p:cSld>
     <p:spTree>
@@ -23580,7 +24207,7 @@
 </p:sld>
 </file>
 
-<file path=ppt/slides/slide44.xml><?xml version="1.0" encoding="utf-8"?>
+<file path=ppt/slides/slide45.xml><?xml version="1.0" encoding="utf-8"?>
 <p:sld xmlns:a="http://schemas.openxmlformats.org/drawingml/2006/main" xmlns:r="http://schemas.openxmlformats.org/officeDocument/2006/relationships" xmlns:p="http://schemas.openxmlformats.org/presentationml/2006/main">
   <p:cSld>
     <p:spTree>
@@ -23754,7 +24381,19 @@
               <a:rPr lang="en-US" altLang="zh-TW" sz="2400" dirty="0">
                 <a:ea typeface="新細明體" charset="-120"/>
               </a:rPr>
-              <a:t>The magneto-optic head flies much farther from the disk surface than a magnetic disk head, and the magnetic material is covered with a protective layer of plastic or glass; resistant to head crashes.</a:t>
+              <a:t>The magneto-optic head flies </a:t>
+            </a:r>
+            <a:r>
+              <a:rPr lang="zh-TW" altLang="en-US" sz="2400" dirty="0">
+                <a:ea typeface="新細明體" charset="-120"/>
+              </a:rPr>
+              <a:t>光學磁帶  很少用  師講簡略</a:t>
+            </a:r>
+            <a:r>
+              <a:rPr lang="en-US" altLang="zh-TW" sz="2400" dirty="0">
+                <a:ea typeface="新細明體" charset="-120"/>
+              </a:rPr>
+              <a:t>much farther from the disk surface than a magnetic disk head, and the magnetic material is covered with a protective layer of plastic or glass; resistant to head crashes.</a:t>
             </a:r>
           </a:p>
           <a:p>
@@ -23773,6 +24412,27 @@
               </a:rPr>
               <a:t>do not use magnetism; they employ special materials that are altered by laser light.</a:t>
             </a:r>
+            <a:r>
+              <a:rPr lang="zh-TW" altLang="en-US" sz="2400" dirty="0">
+                <a:ea typeface="新細明體" charset="-120"/>
+              </a:rPr>
+              <a:t>    用雷射光打洞</a:t>
+            </a:r>
+            <a:r>
+              <a:rPr lang="en-US" altLang="zh-TW" sz="2400" dirty="0">
+                <a:ea typeface="新細明體" charset="-120"/>
+              </a:rPr>
+              <a:t>burn  </a:t>
+            </a:r>
+            <a:r>
+              <a:rPr lang="zh-TW" altLang="en-US" sz="2400">
+                <a:ea typeface="新細明體" charset="-120"/>
+              </a:rPr>
+              <a:t>有些燒完就不能再改</a:t>
+            </a:r>
+            <a:endParaRPr lang="en-US" altLang="zh-TW" sz="2400" dirty="0">
+              <a:ea typeface="新細明體" charset="-120"/>
+            </a:endParaRPr>
           </a:p>
         </p:txBody>
       </p:sp>
@@ -24068,7 +24728,7 @@
 </p:sld>
 </file>
 
-<file path=ppt/slides/slide45.xml><?xml version="1.0" encoding="utf-8"?>
+<file path=ppt/slides/slide46.xml><?xml version="1.0" encoding="utf-8"?>
 <p:sld xmlns:a="http://schemas.openxmlformats.org/drawingml/2006/main" xmlns:r="http://schemas.openxmlformats.org/officeDocument/2006/relationships" xmlns:p="http://schemas.openxmlformats.org/presentationml/2006/main">
   <p:cSld>
     <p:spTree>
@@ -24567,7 +25227,7 @@
 </p:sld>
 </file>
 
-<file path=ppt/slides/slide46.xml><?xml version="1.0" encoding="utf-8"?>
+<file path=ppt/slides/slide47.xml><?xml version="1.0" encoding="utf-8"?>
 <p:sld xmlns:a="http://schemas.openxmlformats.org/drawingml/2006/main" xmlns:r="http://schemas.openxmlformats.org/officeDocument/2006/relationships" xmlns:p="http://schemas.openxmlformats.org/presentationml/2006/main">
   <p:cSld>
     <p:spTree>
@@ -25062,7 +25722,7 @@
 </p:sld>
 </file>
 
-<file path=ppt/slides/slide47.xml><?xml version="1.0" encoding="utf-8"?>
+<file path=ppt/slides/slide48.xml><?xml version="1.0" encoding="utf-8"?>
 <p:sld xmlns:a="http://schemas.openxmlformats.org/drawingml/2006/main" xmlns:r="http://schemas.openxmlformats.org/officeDocument/2006/relationships" xmlns:p="http://schemas.openxmlformats.org/presentationml/2006/main">
   <p:cSld>
     <p:spTree>
@@ -25365,7 +26025,7 @@
 </p:sld>
 </file>
 
-<file path=ppt/slides/slide48.xml><?xml version="1.0" encoding="utf-8"?>
+<file path=ppt/slides/slide49.xml><?xml version="1.0" encoding="utf-8"?>
 <p:sld xmlns:a="http://schemas.openxmlformats.org/drawingml/2006/main" xmlns:r="http://schemas.openxmlformats.org/officeDocument/2006/relationships" xmlns:p="http://schemas.openxmlformats.org/presentationml/2006/main">
   <p:cSld>
     <p:spTree>
@@ -25836,538 +26496,6 @@
     </p:tnLst>
     <p:bldLst>
       <p:bldP spid="44035" grpId="0" uiExpand="1" build="p"/>
-    </p:bldLst>
-  </p:timing>
-</p:sld>
-</file>
-
-<file path=ppt/slides/slide49.xml><?xml version="1.0" encoding="utf-8"?>
-<p:sld xmlns:a="http://schemas.openxmlformats.org/drawingml/2006/main" xmlns:r="http://schemas.openxmlformats.org/officeDocument/2006/relationships" xmlns:p="http://schemas.openxmlformats.org/presentationml/2006/main">
-  <p:cSld>
-    <p:spTree>
-      <p:nvGrpSpPr>
-        <p:cNvPr id="1" name=""/>
-        <p:cNvGrpSpPr/>
-        <p:nvPr/>
-      </p:nvGrpSpPr>
-      <p:grpSpPr>
-        <a:xfrm>
-          <a:off x="0" y="0"/>
-          <a:ext cx="0" cy="0"/>
-          <a:chOff x="0" y="0"/>
-          <a:chExt cx="0" cy="0"/>
-        </a:xfrm>
-      </p:grpSpPr>
-      <p:sp>
-        <p:nvSpPr>
-          <p:cNvPr id="45058" name="Rectangle 2"/>
-          <p:cNvSpPr>
-            <a:spLocks noGrp="1" noChangeArrowheads="1"/>
-          </p:cNvSpPr>
-          <p:nvPr>
-            <p:ph type="title"/>
-          </p:nvPr>
-        </p:nvSpPr>
-        <p:spPr/>
-        <p:txBody>
-          <a:bodyPr/>
-          <a:lstStyle/>
-          <a:p>
-            <a:pPr eaLnBrk="1" hangingPunct="1"/>
-            <a:r>
-              <a:rPr lang="en-US" altLang="zh-TW">
-                <a:ea typeface="新細明體" charset="-120"/>
-              </a:rPr>
-              <a:t>Tape Drives</a:t>
-            </a:r>
-          </a:p>
-        </p:txBody>
-      </p:sp>
-      <p:sp>
-        <p:nvSpPr>
-          <p:cNvPr id="45059" name="Rectangle 3"/>
-          <p:cNvSpPr>
-            <a:spLocks noGrp="1" noChangeArrowheads="1"/>
-          </p:cNvSpPr>
-          <p:nvPr>
-            <p:ph type="body" idx="1"/>
-          </p:nvPr>
-        </p:nvSpPr>
-        <p:spPr>
-          <a:xfrm>
-            <a:off x="558800" y="985838"/>
-            <a:ext cx="8229600" cy="4530725"/>
-          </a:xfrm>
-        </p:spPr>
-        <p:txBody>
-          <a:bodyPr/>
-          <a:lstStyle/>
-          <a:p>
-            <a:r>
-              <a:rPr lang="en-US" altLang="zh-TW" sz="2400" dirty="0">
-                <a:ea typeface="新細明體" charset="-120"/>
-              </a:rPr>
-              <a:t>The basic operations for a tape drive differ from those of a disk drive.</a:t>
-            </a:r>
-          </a:p>
-          <a:p>
-            <a:r>
-              <a:rPr lang="en-US" altLang="zh-TW" sz="2400" b="1" dirty="0">
-                <a:solidFill>
-                  <a:srgbClr val="FF0000"/>
-                </a:solidFill>
-                <a:ea typeface="新細明體" charset="-120"/>
-              </a:rPr>
-              <a:t>locate</a:t>
-            </a:r>
-            <a:r>
-              <a:rPr lang="en-US" altLang="zh-TW" sz="2400" dirty="0">
-                <a:ea typeface="新細明體" charset="-120"/>
-              </a:rPr>
-              <a:t> positions the tape to a specific logical block, not an entire track (corresponds to </a:t>
-            </a:r>
-            <a:r>
-              <a:rPr lang="en-US" altLang="zh-TW" sz="2400" b="1" dirty="0">
-                <a:ea typeface="新細明體" charset="-120"/>
-              </a:rPr>
-              <a:t>seek</a:t>
-            </a:r>
-            <a:r>
-              <a:rPr lang="en-US" altLang="zh-TW" sz="2400" dirty="0">
-                <a:ea typeface="新細明體" charset="-120"/>
-              </a:rPr>
-              <a:t>).</a:t>
-            </a:r>
-          </a:p>
-          <a:p>
-            <a:r>
-              <a:rPr lang="en-US" altLang="zh-TW" sz="2400" dirty="0">
-                <a:ea typeface="新細明體" charset="-120"/>
-              </a:rPr>
-              <a:t>The </a:t>
-            </a:r>
-            <a:r>
-              <a:rPr lang="en-US" altLang="zh-TW" sz="2400" b="1" dirty="0">
-                <a:solidFill>
-                  <a:srgbClr val="FF0000"/>
-                </a:solidFill>
-                <a:ea typeface="新細明體" charset="-120"/>
-              </a:rPr>
-              <a:t>read position</a:t>
-            </a:r>
-            <a:r>
-              <a:rPr lang="en-US" altLang="zh-TW" sz="2400" dirty="0">
-                <a:solidFill>
-                  <a:srgbClr val="FF0000"/>
-                </a:solidFill>
-                <a:ea typeface="新細明體" charset="-120"/>
-              </a:rPr>
-              <a:t> </a:t>
-            </a:r>
-            <a:r>
-              <a:rPr lang="en-US" altLang="zh-TW" sz="2400" dirty="0">
-                <a:ea typeface="新細明體" charset="-120"/>
-              </a:rPr>
-              <a:t>operation returns the logical block number where the tape head is.</a:t>
-            </a:r>
-          </a:p>
-          <a:p>
-            <a:r>
-              <a:rPr lang="en-US" altLang="zh-TW" sz="2400" dirty="0">
-                <a:ea typeface="新細明體" charset="-120"/>
-              </a:rPr>
-              <a:t>The </a:t>
-            </a:r>
-            <a:r>
-              <a:rPr lang="en-US" altLang="zh-TW" sz="2400" b="1" dirty="0">
-                <a:solidFill>
-                  <a:srgbClr val="FF0000"/>
-                </a:solidFill>
-                <a:ea typeface="新細明體" charset="-120"/>
-              </a:rPr>
-              <a:t>space</a:t>
-            </a:r>
-            <a:r>
-              <a:rPr lang="en-US" altLang="zh-TW" sz="2400" dirty="0">
-                <a:ea typeface="新細明體" charset="-120"/>
-              </a:rPr>
-              <a:t> operation enables relative motion.</a:t>
-            </a:r>
-          </a:p>
-          <a:p>
-            <a:r>
-              <a:rPr lang="en-US" altLang="zh-TW" sz="2400" dirty="0">
-                <a:ea typeface="新細明體" charset="-120"/>
-              </a:rPr>
-              <a:t>Tape drives are </a:t>
-            </a:r>
-            <a:r>
-              <a:rPr lang="en-US" altLang="zh-TW" sz="2400" b="1" dirty="0">
-                <a:solidFill>
-                  <a:srgbClr val="FF0000"/>
-                </a:solidFill>
-                <a:ea typeface="新細明體" charset="-120"/>
-              </a:rPr>
-              <a:t>“append-only” devices</a:t>
-            </a:r>
-            <a:r>
-              <a:rPr lang="en-US" altLang="zh-TW" sz="2400" dirty="0">
-                <a:ea typeface="新細明體" charset="-120"/>
-              </a:rPr>
-              <a:t>; updating a block in the middle of the tape also effectively erases everything beyond that block.</a:t>
-            </a:r>
-          </a:p>
-          <a:p>
-            <a:r>
-              <a:rPr lang="en-US" altLang="zh-TW" sz="2400" dirty="0">
-                <a:ea typeface="新細明體" charset="-120"/>
-              </a:rPr>
-              <a:t>An EOT mark is placed after a block that is written.</a:t>
-            </a:r>
-          </a:p>
-        </p:txBody>
-      </p:sp>
-    </p:spTree>
-  </p:cSld>
-  <p:clrMapOvr>
-    <a:masterClrMapping/>
-  </p:clrMapOvr>
-  <p:timing>
-    <p:tnLst>
-      <p:par>
-        <p:cTn id="1" dur="indefinite" restart="never" nodeType="tmRoot">
-          <p:childTnLst>
-            <p:seq concurrent="1" nextAc="seek">
-              <p:cTn id="2" dur="indefinite" nodeType="mainSeq">
-                <p:childTnLst>
-                  <p:par>
-                    <p:cTn id="3" fill="hold">
-                      <p:stCondLst>
-                        <p:cond delay="indefinite"/>
-                      </p:stCondLst>
-                      <p:childTnLst>
-                        <p:par>
-                          <p:cTn id="4" fill="hold">
-                            <p:stCondLst>
-                              <p:cond delay="0"/>
-                            </p:stCondLst>
-                            <p:childTnLst>
-                              <p:par>
-                                <p:cTn id="5" presetID="22" presetClass="entr" presetSubtype="8" fill="hold" grpId="0" nodeType="clickEffect">
-                                  <p:stCondLst>
-                                    <p:cond delay="0"/>
-                                  </p:stCondLst>
-                                  <p:childTnLst>
-                                    <p:set>
-                                      <p:cBhvr>
-                                        <p:cTn id="6" dur="1" fill="hold">
-                                          <p:stCondLst>
-                                            <p:cond delay="0"/>
-                                          </p:stCondLst>
-                                        </p:cTn>
-                                        <p:tgtEl>
-                                          <p:spTgt spid="45059">
-                                            <p:txEl>
-                                              <p:pRg st="1" end="1"/>
-                                            </p:txEl>
-                                          </p:spTgt>
-                                        </p:tgtEl>
-                                        <p:attrNameLst>
-                                          <p:attrName>style.visibility</p:attrName>
-                                        </p:attrNameLst>
-                                      </p:cBhvr>
-                                      <p:to>
-                                        <p:strVal val="visible"/>
-                                      </p:to>
-                                    </p:set>
-                                    <p:animEffect transition="in" filter="wipe(left)">
-                                      <p:cBhvr>
-                                        <p:cTn id="7" dur="1000"/>
-                                        <p:tgtEl>
-                                          <p:spTgt spid="45059">
-                                            <p:txEl>
-                                              <p:pRg st="1" end="1"/>
-                                            </p:txEl>
-                                          </p:spTgt>
-                                        </p:tgtEl>
-                                      </p:cBhvr>
-                                    </p:animEffect>
-                                  </p:childTnLst>
-                                </p:cTn>
-                              </p:par>
-                            </p:childTnLst>
-                          </p:cTn>
-                        </p:par>
-                      </p:childTnLst>
-                    </p:cTn>
-                  </p:par>
-                  <p:par>
-                    <p:cTn id="8" fill="hold">
-                      <p:stCondLst>
-                        <p:cond delay="indefinite"/>
-                      </p:stCondLst>
-                      <p:childTnLst>
-                        <p:par>
-                          <p:cTn id="9" fill="hold">
-                            <p:stCondLst>
-                              <p:cond delay="0"/>
-                            </p:stCondLst>
-                            <p:childTnLst>
-                              <p:par>
-                                <p:cTn id="10" presetID="22" presetClass="entr" presetSubtype="8" fill="hold" grpId="0" nodeType="clickEffect">
-                                  <p:stCondLst>
-                                    <p:cond delay="0"/>
-                                  </p:stCondLst>
-                                  <p:childTnLst>
-                                    <p:set>
-                                      <p:cBhvr>
-                                        <p:cTn id="11" dur="1" fill="hold">
-                                          <p:stCondLst>
-                                            <p:cond delay="0"/>
-                                          </p:stCondLst>
-                                        </p:cTn>
-                                        <p:tgtEl>
-                                          <p:spTgt spid="45059">
-                                            <p:txEl>
-                                              <p:pRg st="2" end="2"/>
-                                            </p:txEl>
-                                          </p:spTgt>
-                                        </p:tgtEl>
-                                        <p:attrNameLst>
-                                          <p:attrName>style.visibility</p:attrName>
-                                        </p:attrNameLst>
-                                      </p:cBhvr>
-                                      <p:to>
-                                        <p:strVal val="visible"/>
-                                      </p:to>
-                                    </p:set>
-                                    <p:animEffect transition="in" filter="wipe(left)">
-                                      <p:cBhvr>
-                                        <p:cTn id="12" dur="1000"/>
-                                        <p:tgtEl>
-                                          <p:spTgt spid="45059">
-                                            <p:txEl>
-                                              <p:pRg st="2" end="2"/>
-                                            </p:txEl>
-                                          </p:spTgt>
-                                        </p:tgtEl>
-                                      </p:cBhvr>
-                                    </p:animEffect>
-                                  </p:childTnLst>
-                                </p:cTn>
-                              </p:par>
-                            </p:childTnLst>
-                          </p:cTn>
-                        </p:par>
-                      </p:childTnLst>
-                    </p:cTn>
-                  </p:par>
-                  <p:par>
-                    <p:cTn id="13" fill="hold">
-                      <p:stCondLst>
-                        <p:cond delay="indefinite"/>
-                      </p:stCondLst>
-                      <p:childTnLst>
-                        <p:par>
-                          <p:cTn id="14" fill="hold">
-                            <p:stCondLst>
-                              <p:cond delay="0"/>
-                            </p:stCondLst>
-                            <p:childTnLst>
-                              <p:par>
-                                <p:cTn id="15" presetID="22" presetClass="entr" presetSubtype="8" fill="hold" grpId="0" nodeType="clickEffect">
-                                  <p:stCondLst>
-                                    <p:cond delay="0"/>
-                                  </p:stCondLst>
-                                  <p:childTnLst>
-                                    <p:set>
-                                      <p:cBhvr>
-                                        <p:cTn id="16" dur="1" fill="hold">
-                                          <p:stCondLst>
-                                            <p:cond delay="0"/>
-                                          </p:stCondLst>
-                                        </p:cTn>
-                                        <p:tgtEl>
-                                          <p:spTgt spid="45059">
-                                            <p:txEl>
-                                              <p:pRg st="3" end="3"/>
-                                            </p:txEl>
-                                          </p:spTgt>
-                                        </p:tgtEl>
-                                        <p:attrNameLst>
-                                          <p:attrName>style.visibility</p:attrName>
-                                        </p:attrNameLst>
-                                      </p:cBhvr>
-                                      <p:to>
-                                        <p:strVal val="visible"/>
-                                      </p:to>
-                                    </p:set>
-                                    <p:animEffect transition="in" filter="wipe(left)">
-                                      <p:cBhvr>
-                                        <p:cTn id="17" dur="1000"/>
-                                        <p:tgtEl>
-                                          <p:spTgt spid="45059">
-                                            <p:txEl>
-                                              <p:pRg st="3" end="3"/>
-                                            </p:txEl>
-                                          </p:spTgt>
-                                        </p:tgtEl>
-                                      </p:cBhvr>
-                                    </p:animEffect>
-                                  </p:childTnLst>
-                                </p:cTn>
-                              </p:par>
-                            </p:childTnLst>
-                          </p:cTn>
-                        </p:par>
-                      </p:childTnLst>
-                    </p:cTn>
-                  </p:par>
-                  <p:par>
-                    <p:cTn id="18" fill="hold">
-                      <p:stCondLst>
-                        <p:cond delay="indefinite"/>
-                      </p:stCondLst>
-                      <p:childTnLst>
-                        <p:par>
-                          <p:cTn id="19" fill="hold">
-                            <p:stCondLst>
-                              <p:cond delay="0"/>
-                            </p:stCondLst>
-                            <p:childTnLst>
-                              <p:par>
-                                <p:cTn id="20" presetID="22" presetClass="entr" presetSubtype="8" fill="hold" grpId="0" nodeType="clickEffect">
-                                  <p:stCondLst>
-                                    <p:cond delay="0"/>
-                                  </p:stCondLst>
-                                  <p:childTnLst>
-                                    <p:set>
-                                      <p:cBhvr>
-                                        <p:cTn id="21" dur="1" fill="hold">
-                                          <p:stCondLst>
-                                            <p:cond delay="0"/>
-                                          </p:stCondLst>
-                                        </p:cTn>
-                                        <p:tgtEl>
-                                          <p:spTgt spid="45059">
-                                            <p:txEl>
-                                              <p:pRg st="4" end="4"/>
-                                            </p:txEl>
-                                          </p:spTgt>
-                                        </p:tgtEl>
-                                        <p:attrNameLst>
-                                          <p:attrName>style.visibility</p:attrName>
-                                        </p:attrNameLst>
-                                      </p:cBhvr>
-                                      <p:to>
-                                        <p:strVal val="visible"/>
-                                      </p:to>
-                                    </p:set>
-                                    <p:animEffect transition="in" filter="wipe(left)">
-                                      <p:cBhvr>
-                                        <p:cTn id="22" dur="1000"/>
-                                        <p:tgtEl>
-                                          <p:spTgt spid="45059">
-                                            <p:txEl>
-                                              <p:pRg st="4" end="4"/>
-                                            </p:txEl>
-                                          </p:spTgt>
-                                        </p:tgtEl>
-                                      </p:cBhvr>
-                                    </p:animEffect>
-                                  </p:childTnLst>
-                                </p:cTn>
-                              </p:par>
-                            </p:childTnLst>
-                          </p:cTn>
-                        </p:par>
-                      </p:childTnLst>
-                    </p:cTn>
-                  </p:par>
-                  <p:par>
-                    <p:cTn id="23" fill="hold">
-                      <p:stCondLst>
-                        <p:cond delay="indefinite"/>
-                      </p:stCondLst>
-                      <p:childTnLst>
-                        <p:par>
-                          <p:cTn id="24" fill="hold">
-                            <p:stCondLst>
-                              <p:cond delay="0"/>
-                            </p:stCondLst>
-                            <p:childTnLst>
-                              <p:par>
-                                <p:cTn id="25" presetID="22" presetClass="entr" presetSubtype="8" fill="hold" grpId="0" nodeType="clickEffect">
-                                  <p:stCondLst>
-                                    <p:cond delay="0"/>
-                                  </p:stCondLst>
-                                  <p:childTnLst>
-                                    <p:set>
-                                      <p:cBhvr>
-                                        <p:cTn id="26" dur="1" fill="hold">
-                                          <p:stCondLst>
-                                            <p:cond delay="0"/>
-                                          </p:stCondLst>
-                                        </p:cTn>
-                                        <p:tgtEl>
-                                          <p:spTgt spid="45059">
-                                            <p:txEl>
-                                              <p:pRg st="5" end="5"/>
-                                            </p:txEl>
-                                          </p:spTgt>
-                                        </p:tgtEl>
-                                        <p:attrNameLst>
-                                          <p:attrName>style.visibility</p:attrName>
-                                        </p:attrNameLst>
-                                      </p:cBhvr>
-                                      <p:to>
-                                        <p:strVal val="visible"/>
-                                      </p:to>
-                                    </p:set>
-                                    <p:animEffect transition="in" filter="wipe(left)">
-                                      <p:cBhvr>
-                                        <p:cTn id="27" dur="1000"/>
-                                        <p:tgtEl>
-                                          <p:spTgt spid="45059">
-                                            <p:txEl>
-                                              <p:pRg st="5" end="5"/>
-                                            </p:txEl>
-                                          </p:spTgt>
-                                        </p:tgtEl>
-                                      </p:cBhvr>
-                                    </p:animEffect>
-                                  </p:childTnLst>
-                                </p:cTn>
-                              </p:par>
-                            </p:childTnLst>
-                          </p:cTn>
-                        </p:par>
-                      </p:childTnLst>
-                    </p:cTn>
-                  </p:par>
-                </p:childTnLst>
-              </p:cTn>
-              <p:prevCondLst>
-                <p:cond evt="onPrev" delay="0">
-                  <p:tgtEl>
-                    <p:sldTgt/>
-                  </p:tgtEl>
-                </p:cond>
-              </p:prevCondLst>
-              <p:nextCondLst>
-                <p:cond evt="onNext" delay="0">
-                  <p:tgtEl>
-                    <p:sldTgt/>
-                  </p:tgtEl>
-                </p:cond>
-              </p:nextCondLst>
-            </p:seq>
-          </p:childTnLst>
-        </p:cTn>
-      </p:par>
-    </p:tnLst>
-    <p:bldLst>
-      <p:bldP spid="45059" grpId="0" uiExpand="1" build="p"/>
     </p:bldLst>
   </p:timing>
 </p:sld>
@@ -28526,6 +28654,538 @@
       </p:grpSpPr>
       <p:sp>
         <p:nvSpPr>
+          <p:cNvPr id="45058" name="Rectangle 2"/>
+          <p:cNvSpPr>
+            <a:spLocks noGrp="1" noChangeArrowheads="1"/>
+          </p:cNvSpPr>
+          <p:nvPr>
+            <p:ph type="title"/>
+          </p:nvPr>
+        </p:nvSpPr>
+        <p:spPr/>
+        <p:txBody>
+          <a:bodyPr/>
+          <a:lstStyle/>
+          <a:p>
+            <a:pPr eaLnBrk="1" hangingPunct="1"/>
+            <a:r>
+              <a:rPr lang="en-US" altLang="zh-TW">
+                <a:ea typeface="新細明體" charset="-120"/>
+              </a:rPr>
+              <a:t>Tape Drives</a:t>
+            </a:r>
+          </a:p>
+        </p:txBody>
+      </p:sp>
+      <p:sp>
+        <p:nvSpPr>
+          <p:cNvPr id="45059" name="Rectangle 3"/>
+          <p:cNvSpPr>
+            <a:spLocks noGrp="1" noChangeArrowheads="1"/>
+          </p:cNvSpPr>
+          <p:nvPr>
+            <p:ph type="body" idx="1"/>
+          </p:nvPr>
+        </p:nvSpPr>
+        <p:spPr>
+          <a:xfrm>
+            <a:off x="558800" y="985838"/>
+            <a:ext cx="8229600" cy="4530725"/>
+          </a:xfrm>
+        </p:spPr>
+        <p:txBody>
+          <a:bodyPr/>
+          <a:lstStyle/>
+          <a:p>
+            <a:r>
+              <a:rPr lang="en-US" altLang="zh-TW" sz="2400" dirty="0">
+                <a:ea typeface="新細明體" charset="-120"/>
+              </a:rPr>
+              <a:t>The basic operations for a tape drive differ from those of a disk drive.</a:t>
+            </a:r>
+          </a:p>
+          <a:p>
+            <a:r>
+              <a:rPr lang="en-US" altLang="zh-TW" sz="2400" b="1" dirty="0">
+                <a:solidFill>
+                  <a:srgbClr val="FF0000"/>
+                </a:solidFill>
+                <a:ea typeface="新細明體" charset="-120"/>
+              </a:rPr>
+              <a:t>locate</a:t>
+            </a:r>
+            <a:r>
+              <a:rPr lang="en-US" altLang="zh-TW" sz="2400" dirty="0">
+                <a:ea typeface="新細明體" charset="-120"/>
+              </a:rPr>
+              <a:t> positions the tape to a specific logical block, not an entire track (corresponds to </a:t>
+            </a:r>
+            <a:r>
+              <a:rPr lang="en-US" altLang="zh-TW" sz="2400" b="1" dirty="0">
+                <a:ea typeface="新細明體" charset="-120"/>
+              </a:rPr>
+              <a:t>seek</a:t>
+            </a:r>
+            <a:r>
+              <a:rPr lang="en-US" altLang="zh-TW" sz="2400" dirty="0">
+                <a:ea typeface="新細明體" charset="-120"/>
+              </a:rPr>
+              <a:t>).</a:t>
+            </a:r>
+          </a:p>
+          <a:p>
+            <a:r>
+              <a:rPr lang="en-US" altLang="zh-TW" sz="2400" dirty="0">
+                <a:ea typeface="新細明體" charset="-120"/>
+              </a:rPr>
+              <a:t>The </a:t>
+            </a:r>
+            <a:r>
+              <a:rPr lang="en-US" altLang="zh-TW" sz="2400" b="1" dirty="0">
+                <a:solidFill>
+                  <a:srgbClr val="FF0000"/>
+                </a:solidFill>
+                <a:ea typeface="新細明體" charset="-120"/>
+              </a:rPr>
+              <a:t>read position</a:t>
+            </a:r>
+            <a:r>
+              <a:rPr lang="en-US" altLang="zh-TW" sz="2400" dirty="0">
+                <a:solidFill>
+                  <a:srgbClr val="FF0000"/>
+                </a:solidFill>
+                <a:ea typeface="新細明體" charset="-120"/>
+              </a:rPr>
+              <a:t> </a:t>
+            </a:r>
+            <a:r>
+              <a:rPr lang="en-US" altLang="zh-TW" sz="2400" dirty="0">
+                <a:ea typeface="新細明體" charset="-120"/>
+              </a:rPr>
+              <a:t>operation returns the logical block number where the tape head is.</a:t>
+            </a:r>
+          </a:p>
+          <a:p>
+            <a:r>
+              <a:rPr lang="en-US" altLang="zh-TW" sz="2400" dirty="0">
+                <a:ea typeface="新細明體" charset="-120"/>
+              </a:rPr>
+              <a:t>The </a:t>
+            </a:r>
+            <a:r>
+              <a:rPr lang="en-US" altLang="zh-TW" sz="2400" b="1" dirty="0">
+                <a:solidFill>
+                  <a:srgbClr val="FF0000"/>
+                </a:solidFill>
+                <a:ea typeface="新細明體" charset="-120"/>
+              </a:rPr>
+              <a:t>space</a:t>
+            </a:r>
+            <a:r>
+              <a:rPr lang="en-US" altLang="zh-TW" sz="2400" dirty="0">
+                <a:ea typeface="新細明體" charset="-120"/>
+              </a:rPr>
+              <a:t> operation enables relative motion.</a:t>
+            </a:r>
+          </a:p>
+          <a:p>
+            <a:r>
+              <a:rPr lang="en-US" altLang="zh-TW" sz="2400" dirty="0">
+                <a:ea typeface="新細明體" charset="-120"/>
+              </a:rPr>
+              <a:t>Tape drives are </a:t>
+            </a:r>
+            <a:r>
+              <a:rPr lang="en-US" altLang="zh-TW" sz="2400" b="1" dirty="0">
+                <a:solidFill>
+                  <a:srgbClr val="FF0000"/>
+                </a:solidFill>
+                <a:ea typeface="新細明體" charset="-120"/>
+              </a:rPr>
+              <a:t>“append-only” devices</a:t>
+            </a:r>
+            <a:r>
+              <a:rPr lang="en-US" altLang="zh-TW" sz="2400" dirty="0">
+                <a:ea typeface="新細明體" charset="-120"/>
+              </a:rPr>
+              <a:t>; updating a block in the middle of the tape also effectively erases everything beyond that block.</a:t>
+            </a:r>
+          </a:p>
+          <a:p>
+            <a:r>
+              <a:rPr lang="en-US" altLang="zh-TW" sz="2400" dirty="0">
+                <a:ea typeface="新細明體" charset="-120"/>
+              </a:rPr>
+              <a:t>An EOT mark is placed after a block that is written.</a:t>
+            </a:r>
+          </a:p>
+        </p:txBody>
+      </p:sp>
+    </p:spTree>
+  </p:cSld>
+  <p:clrMapOvr>
+    <a:masterClrMapping/>
+  </p:clrMapOvr>
+  <p:timing>
+    <p:tnLst>
+      <p:par>
+        <p:cTn id="1" dur="indefinite" restart="never" nodeType="tmRoot">
+          <p:childTnLst>
+            <p:seq concurrent="1" nextAc="seek">
+              <p:cTn id="2" dur="indefinite" nodeType="mainSeq">
+                <p:childTnLst>
+                  <p:par>
+                    <p:cTn id="3" fill="hold">
+                      <p:stCondLst>
+                        <p:cond delay="indefinite"/>
+                      </p:stCondLst>
+                      <p:childTnLst>
+                        <p:par>
+                          <p:cTn id="4" fill="hold">
+                            <p:stCondLst>
+                              <p:cond delay="0"/>
+                            </p:stCondLst>
+                            <p:childTnLst>
+                              <p:par>
+                                <p:cTn id="5" presetID="22" presetClass="entr" presetSubtype="8" fill="hold" grpId="0" nodeType="clickEffect">
+                                  <p:stCondLst>
+                                    <p:cond delay="0"/>
+                                  </p:stCondLst>
+                                  <p:childTnLst>
+                                    <p:set>
+                                      <p:cBhvr>
+                                        <p:cTn id="6" dur="1" fill="hold">
+                                          <p:stCondLst>
+                                            <p:cond delay="0"/>
+                                          </p:stCondLst>
+                                        </p:cTn>
+                                        <p:tgtEl>
+                                          <p:spTgt spid="45059">
+                                            <p:txEl>
+                                              <p:pRg st="1" end="1"/>
+                                            </p:txEl>
+                                          </p:spTgt>
+                                        </p:tgtEl>
+                                        <p:attrNameLst>
+                                          <p:attrName>style.visibility</p:attrName>
+                                        </p:attrNameLst>
+                                      </p:cBhvr>
+                                      <p:to>
+                                        <p:strVal val="visible"/>
+                                      </p:to>
+                                    </p:set>
+                                    <p:animEffect transition="in" filter="wipe(left)">
+                                      <p:cBhvr>
+                                        <p:cTn id="7" dur="1000"/>
+                                        <p:tgtEl>
+                                          <p:spTgt spid="45059">
+                                            <p:txEl>
+                                              <p:pRg st="1" end="1"/>
+                                            </p:txEl>
+                                          </p:spTgt>
+                                        </p:tgtEl>
+                                      </p:cBhvr>
+                                    </p:animEffect>
+                                  </p:childTnLst>
+                                </p:cTn>
+                              </p:par>
+                            </p:childTnLst>
+                          </p:cTn>
+                        </p:par>
+                      </p:childTnLst>
+                    </p:cTn>
+                  </p:par>
+                  <p:par>
+                    <p:cTn id="8" fill="hold">
+                      <p:stCondLst>
+                        <p:cond delay="indefinite"/>
+                      </p:stCondLst>
+                      <p:childTnLst>
+                        <p:par>
+                          <p:cTn id="9" fill="hold">
+                            <p:stCondLst>
+                              <p:cond delay="0"/>
+                            </p:stCondLst>
+                            <p:childTnLst>
+                              <p:par>
+                                <p:cTn id="10" presetID="22" presetClass="entr" presetSubtype="8" fill="hold" grpId="0" nodeType="clickEffect">
+                                  <p:stCondLst>
+                                    <p:cond delay="0"/>
+                                  </p:stCondLst>
+                                  <p:childTnLst>
+                                    <p:set>
+                                      <p:cBhvr>
+                                        <p:cTn id="11" dur="1" fill="hold">
+                                          <p:stCondLst>
+                                            <p:cond delay="0"/>
+                                          </p:stCondLst>
+                                        </p:cTn>
+                                        <p:tgtEl>
+                                          <p:spTgt spid="45059">
+                                            <p:txEl>
+                                              <p:pRg st="2" end="2"/>
+                                            </p:txEl>
+                                          </p:spTgt>
+                                        </p:tgtEl>
+                                        <p:attrNameLst>
+                                          <p:attrName>style.visibility</p:attrName>
+                                        </p:attrNameLst>
+                                      </p:cBhvr>
+                                      <p:to>
+                                        <p:strVal val="visible"/>
+                                      </p:to>
+                                    </p:set>
+                                    <p:animEffect transition="in" filter="wipe(left)">
+                                      <p:cBhvr>
+                                        <p:cTn id="12" dur="1000"/>
+                                        <p:tgtEl>
+                                          <p:spTgt spid="45059">
+                                            <p:txEl>
+                                              <p:pRg st="2" end="2"/>
+                                            </p:txEl>
+                                          </p:spTgt>
+                                        </p:tgtEl>
+                                      </p:cBhvr>
+                                    </p:animEffect>
+                                  </p:childTnLst>
+                                </p:cTn>
+                              </p:par>
+                            </p:childTnLst>
+                          </p:cTn>
+                        </p:par>
+                      </p:childTnLst>
+                    </p:cTn>
+                  </p:par>
+                  <p:par>
+                    <p:cTn id="13" fill="hold">
+                      <p:stCondLst>
+                        <p:cond delay="indefinite"/>
+                      </p:stCondLst>
+                      <p:childTnLst>
+                        <p:par>
+                          <p:cTn id="14" fill="hold">
+                            <p:stCondLst>
+                              <p:cond delay="0"/>
+                            </p:stCondLst>
+                            <p:childTnLst>
+                              <p:par>
+                                <p:cTn id="15" presetID="22" presetClass="entr" presetSubtype="8" fill="hold" grpId="0" nodeType="clickEffect">
+                                  <p:stCondLst>
+                                    <p:cond delay="0"/>
+                                  </p:stCondLst>
+                                  <p:childTnLst>
+                                    <p:set>
+                                      <p:cBhvr>
+                                        <p:cTn id="16" dur="1" fill="hold">
+                                          <p:stCondLst>
+                                            <p:cond delay="0"/>
+                                          </p:stCondLst>
+                                        </p:cTn>
+                                        <p:tgtEl>
+                                          <p:spTgt spid="45059">
+                                            <p:txEl>
+                                              <p:pRg st="3" end="3"/>
+                                            </p:txEl>
+                                          </p:spTgt>
+                                        </p:tgtEl>
+                                        <p:attrNameLst>
+                                          <p:attrName>style.visibility</p:attrName>
+                                        </p:attrNameLst>
+                                      </p:cBhvr>
+                                      <p:to>
+                                        <p:strVal val="visible"/>
+                                      </p:to>
+                                    </p:set>
+                                    <p:animEffect transition="in" filter="wipe(left)">
+                                      <p:cBhvr>
+                                        <p:cTn id="17" dur="1000"/>
+                                        <p:tgtEl>
+                                          <p:spTgt spid="45059">
+                                            <p:txEl>
+                                              <p:pRg st="3" end="3"/>
+                                            </p:txEl>
+                                          </p:spTgt>
+                                        </p:tgtEl>
+                                      </p:cBhvr>
+                                    </p:animEffect>
+                                  </p:childTnLst>
+                                </p:cTn>
+                              </p:par>
+                            </p:childTnLst>
+                          </p:cTn>
+                        </p:par>
+                      </p:childTnLst>
+                    </p:cTn>
+                  </p:par>
+                  <p:par>
+                    <p:cTn id="18" fill="hold">
+                      <p:stCondLst>
+                        <p:cond delay="indefinite"/>
+                      </p:stCondLst>
+                      <p:childTnLst>
+                        <p:par>
+                          <p:cTn id="19" fill="hold">
+                            <p:stCondLst>
+                              <p:cond delay="0"/>
+                            </p:stCondLst>
+                            <p:childTnLst>
+                              <p:par>
+                                <p:cTn id="20" presetID="22" presetClass="entr" presetSubtype="8" fill="hold" grpId="0" nodeType="clickEffect">
+                                  <p:stCondLst>
+                                    <p:cond delay="0"/>
+                                  </p:stCondLst>
+                                  <p:childTnLst>
+                                    <p:set>
+                                      <p:cBhvr>
+                                        <p:cTn id="21" dur="1" fill="hold">
+                                          <p:stCondLst>
+                                            <p:cond delay="0"/>
+                                          </p:stCondLst>
+                                        </p:cTn>
+                                        <p:tgtEl>
+                                          <p:spTgt spid="45059">
+                                            <p:txEl>
+                                              <p:pRg st="4" end="4"/>
+                                            </p:txEl>
+                                          </p:spTgt>
+                                        </p:tgtEl>
+                                        <p:attrNameLst>
+                                          <p:attrName>style.visibility</p:attrName>
+                                        </p:attrNameLst>
+                                      </p:cBhvr>
+                                      <p:to>
+                                        <p:strVal val="visible"/>
+                                      </p:to>
+                                    </p:set>
+                                    <p:animEffect transition="in" filter="wipe(left)">
+                                      <p:cBhvr>
+                                        <p:cTn id="22" dur="1000"/>
+                                        <p:tgtEl>
+                                          <p:spTgt spid="45059">
+                                            <p:txEl>
+                                              <p:pRg st="4" end="4"/>
+                                            </p:txEl>
+                                          </p:spTgt>
+                                        </p:tgtEl>
+                                      </p:cBhvr>
+                                    </p:animEffect>
+                                  </p:childTnLst>
+                                </p:cTn>
+                              </p:par>
+                            </p:childTnLst>
+                          </p:cTn>
+                        </p:par>
+                      </p:childTnLst>
+                    </p:cTn>
+                  </p:par>
+                  <p:par>
+                    <p:cTn id="23" fill="hold">
+                      <p:stCondLst>
+                        <p:cond delay="indefinite"/>
+                      </p:stCondLst>
+                      <p:childTnLst>
+                        <p:par>
+                          <p:cTn id="24" fill="hold">
+                            <p:stCondLst>
+                              <p:cond delay="0"/>
+                            </p:stCondLst>
+                            <p:childTnLst>
+                              <p:par>
+                                <p:cTn id="25" presetID="22" presetClass="entr" presetSubtype="8" fill="hold" grpId="0" nodeType="clickEffect">
+                                  <p:stCondLst>
+                                    <p:cond delay="0"/>
+                                  </p:stCondLst>
+                                  <p:childTnLst>
+                                    <p:set>
+                                      <p:cBhvr>
+                                        <p:cTn id="26" dur="1" fill="hold">
+                                          <p:stCondLst>
+                                            <p:cond delay="0"/>
+                                          </p:stCondLst>
+                                        </p:cTn>
+                                        <p:tgtEl>
+                                          <p:spTgt spid="45059">
+                                            <p:txEl>
+                                              <p:pRg st="5" end="5"/>
+                                            </p:txEl>
+                                          </p:spTgt>
+                                        </p:tgtEl>
+                                        <p:attrNameLst>
+                                          <p:attrName>style.visibility</p:attrName>
+                                        </p:attrNameLst>
+                                      </p:cBhvr>
+                                      <p:to>
+                                        <p:strVal val="visible"/>
+                                      </p:to>
+                                    </p:set>
+                                    <p:animEffect transition="in" filter="wipe(left)">
+                                      <p:cBhvr>
+                                        <p:cTn id="27" dur="1000"/>
+                                        <p:tgtEl>
+                                          <p:spTgt spid="45059">
+                                            <p:txEl>
+                                              <p:pRg st="5" end="5"/>
+                                            </p:txEl>
+                                          </p:spTgt>
+                                        </p:tgtEl>
+                                      </p:cBhvr>
+                                    </p:animEffect>
+                                  </p:childTnLst>
+                                </p:cTn>
+                              </p:par>
+                            </p:childTnLst>
+                          </p:cTn>
+                        </p:par>
+                      </p:childTnLst>
+                    </p:cTn>
+                  </p:par>
+                </p:childTnLst>
+              </p:cTn>
+              <p:prevCondLst>
+                <p:cond evt="onPrev" delay="0">
+                  <p:tgtEl>
+                    <p:sldTgt/>
+                  </p:tgtEl>
+                </p:cond>
+              </p:prevCondLst>
+              <p:nextCondLst>
+                <p:cond evt="onNext" delay="0">
+                  <p:tgtEl>
+                    <p:sldTgt/>
+                  </p:tgtEl>
+                </p:cond>
+              </p:nextCondLst>
+            </p:seq>
+          </p:childTnLst>
+        </p:cTn>
+      </p:par>
+    </p:tnLst>
+    <p:bldLst>
+      <p:bldP spid="45059" grpId="0" uiExpand="1" build="p"/>
+    </p:bldLst>
+  </p:timing>
+</p:sld>
+</file>
+
+<file path=ppt/slides/slide51.xml><?xml version="1.0" encoding="utf-8"?>
+<p:sld xmlns:a="http://schemas.openxmlformats.org/drawingml/2006/main" xmlns:r="http://schemas.openxmlformats.org/officeDocument/2006/relationships" xmlns:p="http://schemas.openxmlformats.org/presentationml/2006/main">
+  <p:cSld>
+    <p:spTree>
+      <p:nvGrpSpPr>
+        <p:cNvPr id="1" name=""/>
+        <p:cNvGrpSpPr/>
+        <p:nvPr/>
+      </p:nvGrpSpPr>
+      <p:grpSpPr>
+        <a:xfrm>
+          <a:off x="0" y="0"/>
+          <a:ext cx="0" cy="0"/>
+          <a:chOff x="0" y="0"/>
+          <a:chExt cx="0" cy="0"/>
+        </a:xfrm>
+      </p:grpSpPr>
+      <p:sp>
+        <p:nvSpPr>
           <p:cNvPr id="46082" name="Rectangle 2"/>
           <p:cNvSpPr>
             <a:spLocks noGrp="1" noChangeArrowheads="1"/>
@@ -28809,7 +29469,7 @@
 </p:sld>
 </file>
 
-<file path=ppt/slides/slide51.xml><?xml version="1.0" encoding="utf-8"?>
+<file path=ppt/slides/slide52.xml><?xml version="1.0" encoding="utf-8"?>
 <p:sld xmlns:a="http://schemas.openxmlformats.org/drawingml/2006/main" xmlns:r="http://schemas.openxmlformats.org/officeDocument/2006/relationships" xmlns:p="http://schemas.openxmlformats.org/presentationml/2006/main">
   <p:cSld>
     <p:spTree>
@@ -29222,7 +29882,7 @@
 </p:sld>
 </file>
 
-<file path=ppt/slides/slide52.xml><?xml version="1.0" encoding="utf-8"?>
+<file path=ppt/slides/slide53.xml><?xml version="1.0" encoding="utf-8"?>
 <p:sld xmlns:a="http://schemas.openxmlformats.org/drawingml/2006/main" xmlns:r="http://schemas.openxmlformats.org/officeDocument/2006/relationships" xmlns:p="http://schemas.openxmlformats.org/presentationml/2006/main">
   <p:cSld>
     <p:spTree>
@@ -29696,7 +30356,7 @@
 </p:sld>
 </file>
 
-<file path=ppt/slides/slide53.xml><?xml version="1.0" encoding="utf-8"?>
+<file path=ppt/slides/slide54.xml><?xml version="1.0" encoding="utf-8"?>
 <p:sld xmlns:a="http://schemas.openxmlformats.org/drawingml/2006/main" xmlns:r="http://schemas.openxmlformats.org/officeDocument/2006/relationships" xmlns:p="http://schemas.openxmlformats.org/presentationml/2006/main">
   <p:cSld>
     <p:spTree>
@@ -30256,7 +30916,7 @@
 </p:sld>
 </file>
 
-<file path=ppt/slides/slide54.xml><?xml version="1.0" encoding="utf-8"?>
+<file path=ppt/slides/slide55.xml><?xml version="1.0" encoding="utf-8"?>
 <p:sld xmlns:a="http://schemas.openxmlformats.org/drawingml/2006/main" xmlns:r="http://schemas.openxmlformats.org/officeDocument/2006/relationships" xmlns:p="http://schemas.openxmlformats.org/presentationml/2006/main">
   <p:cSld>
     <p:spTree>
@@ -30578,7 +31238,7 @@
 </p:sld>
 </file>
 
-<file path=ppt/slides/slide55.xml><?xml version="1.0" encoding="utf-8"?>
+<file path=ppt/slides/slide56.xml><?xml version="1.0" encoding="utf-8"?>
 <p:sld xmlns:a="http://schemas.openxmlformats.org/drawingml/2006/main" xmlns:r="http://schemas.openxmlformats.org/officeDocument/2006/relationships" xmlns:p="http://schemas.openxmlformats.org/presentationml/2006/main">
   <p:cSld>
     <p:spTree>
@@ -30915,7 +31575,7 @@
 </p:sld>
 </file>
 
-<file path=ppt/slides/slide56.xml><?xml version="1.0" encoding="utf-8"?>
+<file path=ppt/slides/slide57.xml><?xml version="1.0" encoding="utf-8"?>
 <p:sld xmlns:a="http://schemas.openxmlformats.org/drawingml/2006/main" xmlns:r="http://schemas.openxmlformats.org/officeDocument/2006/relationships" xmlns:p="http://schemas.openxmlformats.org/presentationml/2006/main">
   <p:cSld>
     <p:spTree>
@@ -31054,7 +31714,7 @@
 </p:sld>
 </file>
 
-<file path=ppt/slides/slide57.xml><?xml version="1.0" encoding="utf-8"?>
+<file path=ppt/slides/slide58.xml><?xml version="1.0" encoding="utf-8"?>
 <p:sld xmlns:a="http://schemas.openxmlformats.org/drawingml/2006/main" xmlns:r="http://schemas.openxmlformats.org/officeDocument/2006/relationships" xmlns:p="http://schemas.openxmlformats.org/presentationml/2006/main">
   <p:cSld>
     <p:spTree>
@@ -31193,7 +31853,7 @@
 </p:sld>
 </file>
 
-<file path=ppt/slides/slide58.xml><?xml version="1.0" encoding="utf-8"?>
+<file path=ppt/slides/slide59.xml><?xml version="1.0" encoding="utf-8"?>
 <p:sld xmlns:a="http://schemas.openxmlformats.org/drawingml/2006/main" xmlns:r="http://schemas.openxmlformats.org/officeDocument/2006/relationships" xmlns:p="http://schemas.openxmlformats.org/presentationml/2006/main">
   <p:cSld>
     <p:spTree>
@@ -31332,56 +31992,6 @@
 </p:sld>
 </file>
 
-<file path=ppt/slides/slide59.xml><?xml version="1.0" encoding="utf-8"?>
-<p:sld xmlns:a="http://schemas.openxmlformats.org/drawingml/2006/main" xmlns:r="http://schemas.openxmlformats.org/officeDocument/2006/relationships" xmlns:p="http://schemas.openxmlformats.org/presentationml/2006/main">
-  <p:cSld>
-    <p:spTree>
-      <p:nvGrpSpPr>
-        <p:cNvPr id="1" name=""/>
-        <p:cNvGrpSpPr/>
-        <p:nvPr/>
-      </p:nvGrpSpPr>
-      <p:grpSpPr>
-        <a:xfrm>
-          <a:off x="0" y="0"/>
-          <a:ext cx="0" cy="0"/>
-          <a:chOff x="0" y="0"/>
-          <a:chExt cx="0" cy="0"/>
-        </a:xfrm>
-      </p:grpSpPr>
-      <p:sp>
-        <p:nvSpPr>
-          <p:cNvPr id="55298" name="Rectangle 2"/>
-          <p:cNvSpPr>
-            <a:spLocks noGrp="1" noChangeArrowheads="1"/>
-          </p:cNvSpPr>
-          <p:nvPr>
-            <p:ph type="ctrTitle"/>
-          </p:nvPr>
-        </p:nvSpPr>
-        <p:spPr/>
-        <p:txBody>
-          <a:bodyPr/>
-          <a:lstStyle/>
-          <a:p>
-            <a:pPr eaLnBrk="1" hangingPunct="1"/>
-            <a:r>
-              <a:rPr lang="en-US" altLang="zh-TW">
-                <a:ea typeface="新細明體" charset="-120"/>
-              </a:rPr>
-              <a:t>End of Chapter 12</a:t>
-            </a:r>
-          </a:p>
-        </p:txBody>
-      </p:sp>
-    </p:spTree>
-  </p:cSld>
-  <p:clrMapOvr>
-    <a:masterClrMapping/>
-  </p:clrMapOvr>
-</p:sld>
-</file>
-
 <file path=ppt/slides/slide6.xml><?xml version="1.0" encoding="utf-8"?>
 <p:sld xmlns:a="http://schemas.openxmlformats.org/drawingml/2006/main" xmlns:r="http://schemas.openxmlformats.org/officeDocument/2006/relationships" xmlns:p="http://schemas.openxmlformats.org/presentationml/2006/main">
   <p:cSld>
@@ -31831,6 +32441,56 @@
       <p:bldP spid="7171" grpId="0" build="p"/>
     </p:bldLst>
   </p:timing>
+</p:sld>
+</file>
+
+<file path=ppt/slides/slide60.xml><?xml version="1.0" encoding="utf-8"?>
+<p:sld xmlns:a="http://schemas.openxmlformats.org/drawingml/2006/main" xmlns:r="http://schemas.openxmlformats.org/officeDocument/2006/relationships" xmlns:p="http://schemas.openxmlformats.org/presentationml/2006/main">
+  <p:cSld>
+    <p:spTree>
+      <p:nvGrpSpPr>
+        <p:cNvPr id="1" name=""/>
+        <p:cNvGrpSpPr/>
+        <p:nvPr/>
+      </p:nvGrpSpPr>
+      <p:grpSpPr>
+        <a:xfrm>
+          <a:off x="0" y="0"/>
+          <a:ext cx="0" cy="0"/>
+          <a:chOff x="0" y="0"/>
+          <a:chExt cx="0" cy="0"/>
+        </a:xfrm>
+      </p:grpSpPr>
+      <p:sp>
+        <p:nvSpPr>
+          <p:cNvPr id="55298" name="Rectangle 2"/>
+          <p:cNvSpPr>
+            <a:spLocks noGrp="1" noChangeArrowheads="1"/>
+          </p:cNvSpPr>
+          <p:nvPr>
+            <p:ph type="ctrTitle"/>
+          </p:nvPr>
+        </p:nvSpPr>
+        <p:spPr/>
+        <p:txBody>
+          <a:bodyPr/>
+          <a:lstStyle/>
+          <a:p>
+            <a:pPr eaLnBrk="1" hangingPunct="1"/>
+            <a:r>
+              <a:rPr lang="en-US" altLang="zh-TW">
+                <a:ea typeface="新細明體" charset="-120"/>
+              </a:rPr>
+              <a:t>End of Chapter 12</a:t>
+            </a:r>
+          </a:p>
+        </p:txBody>
+      </p:sp>
+    </p:spTree>
+  </p:cSld>
+  <p:clrMapOvr>
+    <a:masterClrMapping/>
+  </p:clrMapOvr>
 </p:sld>
 </file>
 
